--- a/Presentation.pptx
+++ b/Presentation.pptx
@@ -5,7 +5,8 @@
     <p:sldMasterId id="2147483648" r:id="rId1"/>
   </p:sldMasterIdLst>
   <p:sldIdLst>
-    <p:sldId id="257" r:id="rId2"/>
+    <p:sldId id="258" r:id="rId2"/>
+    <p:sldId id="257" r:id="rId3"/>
   </p:sldIdLst>
   <p:sldSz cx="12192000" cy="6858000"/>
   <p:notesSz cx="6858000" cy="9144000"/>
@@ -104,7 +105,4179 @@
       </a:defRPr>
     </a:lvl9pPr>
   </p:defaultTextStyle>
+  <p:extLst>
+    <p:ext uri="{EFAFB233-063F-42B5-8137-9DF3F51BA10A}">
+      <p15:sldGuideLst xmlns:p15="http://schemas.microsoft.com/office/powerpoint/2012/main"/>
+    </p:ext>
+  </p:extLst>
 </p:presentation>
+</file>
+
+<file path=ppt/diagrams/colors1.xml><?xml version="1.0" encoding="utf-8"?>
+<dgm:colorsDef xmlns:dgm="http://schemas.openxmlformats.org/drawingml/2006/diagram" xmlns:a="http://schemas.openxmlformats.org/drawingml/2006/main" uniqueId="urn:microsoft.com/office/officeart/2005/8/colors/accent1_2">
+  <dgm:title val=""/>
+  <dgm:desc val=""/>
+  <dgm:catLst>
+    <dgm:cat type="accent1" pri="11200"/>
+  </dgm:catLst>
+  <dgm:styleLbl name="node0">
+    <dgm:fillClrLst meth="repeat">
+      <a:schemeClr val="accent1"/>
+    </dgm:fillClrLst>
+    <dgm:linClrLst meth="repeat">
+      <a:schemeClr val="lt1"/>
+    </dgm:linClrLst>
+    <dgm:effectClrLst/>
+    <dgm:txLinClrLst/>
+    <dgm:txFillClrLst/>
+    <dgm:txEffectClrLst/>
+  </dgm:styleLbl>
+  <dgm:styleLbl name="alignNode1">
+    <dgm:fillClrLst meth="repeat">
+      <a:schemeClr val="accent1"/>
+    </dgm:fillClrLst>
+    <dgm:linClrLst meth="repeat">
+      <a:schemeClr val="accent1"/>
+    </dgm:linClrLst>
+    <dgm:effectClrLst/>
+    <dgm:txLinClrLst/>
+    <dgm:txFillClrLst/>
+    <dgm:txEffectClrLst/>
+  </dgm:styleLbl>
+  <dgm:styleLbl name="node1">
+    <dgm:fillClrLst meth="repeat">
+      <a:schemeClr val="accent1"/>
+    </dgm:fillClrLst>
+    <dgm:linClrLst meth="repeat">
+      <a:schemeClr val="lt1"/>
+    </dgm:linClrLst>
+    <dgm:effectClrLst/>
+    <dgm:txLinClrLst/>
+    <dgm:txFillClrLst/>
+    <dgm:txEffectClrLst/>
+  </dgm:styleLbl>
+  <dgm:styleLbl name="lnNode1">
+    <dgm:fillClrLst meth="repeat">
+      <a:schemeClr val="accent1"/>
+    </dgm:fillClrLst>
+    <dgm:linClrLst meth="repeat">
+      <a:schemeClr val="lt1"/>
+    </dgm:linClrLst>
+    <dgm:effectClrLst/>
+    <dgm:txLinClrLst/>
+    <dgm:txFillClrLst/>
+    <dgm:txEffectClrLst/>
+  </dgm:styleLbl>
+  <dgm:styleLbl name="vennNode1">
+    <dgm:fillClrLst meth="repeat">
+      <a:schemeClr val="accent1">
+        <a:alpha val="50000"/>
+      </a:schemeClr>
+    </dgm:fillClrLst>
+    <dgm:linClrLst meth="repeat">
+      <a:schemeClr val="lt1"/>
+    </dgm:linClrLst>
+    <dgm:effectClrLst/>
+    <dgm:txLinClrLst/>
+    <dgm:txFillClrLst/>
+    <dgm:txEffectClrLst/>
+  </dgm:styleLbl>
+  <dgm:styleLbl name="node2">
+    <dgm:fillClrLst meth="repeat">
+      <a:schemeClr val="accent1"/>
+    </dgm:fillClrLst>
+    <dgm:linClrLst meth="repeat">
+      <a:schemeClr val="lt1"/>
+    </dgm:linClrLst>
+    <dgm:effectClrLst/>
+    <dgm:txLinClrLst/>
+    <dgm:txFillClrLst/>
+    <dgm:txEffectClrLst/>
+  </dgm:styleLbl>
+  <dgm:styleLbl name="node3">
+    <dgm:fillClrLst meth="repeat">
+      <a:schemeClr val="accent1"/>
+    </dgm:fillClrLst>
+    <dgm:linClrLst meth="repeat">
+      <a:schemeClr val="lt1"/>
+    </dgm:linClrLst>
+    <dgm:effectClrLst/>
+    <dgm:txLinClrLst/>
+    <dgm:txFillClrLst/>
+    <dgm:txEffectClrLst/>
+  </dgm:styleLbl>
+  <dgm:styleLbl name="node4">
+    <dgm:fillClrLst meth="repeat">
+      <a:schemeClr val="accent1"/>
+    </dgm:fillClrLst>
+    <dgm:linClrLst meth="repeat">
+      <a:schemeClr val="lt1"/>
+    </dgm:linClrLst>
+    <dgm:effectClrLst/>
+    <dgm:txLinClrLst/>
+    <dgm:txFillClrLst/>
+    <dgm:txEffectClrLst/>
+  </dgm:styleLbl>
+  <dgm:styleLbl name="fgImgPlace1">
+    <dgm:fillClrLst meth="repeat">
+      <a:schemeClr val="accent1">
+        <a:tint val="50000"/>
+      </a:schemeClr>
+    </dgm:fillClrLst>
+    <dgm:linClrLst meth="repeat">
+      <a:schemeClr val="lt1"/>
+    </dgm:linClrLst>
+    <dgm:effectClrLst/>
+    <dgm:txLinClrLst/>
+    <dgm:txFillClrLst meth="repeat">
+      <a:schemeClr val="lt1"/>
+    </dgm:txFillClrLst>
+    <dgm:txEffectClrLst/>
+  </dgm:styleLbl>
+  <dgm:styleLbl name="alignImgPlace1">
+    <dgm:fillClrLst meth="repeat">
+      <a:schemeClr val="accent1">
+        <a:tint val="50000"/>
+      </a:schemeClr>
+    </dgm:fillClrLst>
+    <dgm:linClrLst meth="repeat">
+      <a:schemeClr val="lt1"/>
+    </dgm:linClrLst>
+    <dgm:effectClrLst/>
+    <dgm:txLinClrLst/>
+    <dgm:txFillClrLst meth="repeat">
+      <a:schemeClr val="lt1"/>
+    </dgm:txFillClrLst>
+    <dgm:txEffectClrLst/>
+  </dgm:styleLbl>
+  <dgm:styleLbl name="bgImgPlace1">
+    <dgm:fillClrLst meth="repeat">
+      <a:schemeClr val="accent1">
+        <a:tint val="50000"/>
+      </a:schemeClr>
+    </dgm:fillClrLst>
+    <dgm:linClrLst meth="repeat">
+      <a:schemeClr val="lt1"/>
+    </dgm:linClrLst>
+    <dgm:effectClrLst/>
+    <dgm:txLinClrLst/>
+    <dgm:txFillClrLst meth="repeat">
+      <a:schemeClr val="lt1"/>
+    </dgm:txFillClrLst>
+    <dgm:txEffectClrLst/>
+  </dgm:styleLbl>
+  <dgm:styleLbl name="sibTrans2D1">
+    <dgm:fillClrLst meth="repeat">
+      <a:schemeClr val="accent1">
+        <a:tint val="60000"/>
+      </a:schemeClr>
+    </dgm:fillClrLst>
+    <dgm:linClrLst meth="repeat">
+      <a:schemeClr val="accent1">
+        <a:tint val="60000"/>
+      </a:schemeClr>
+    </dgm:linClrLst>
+    <dgm:effectClrLst/>
+    <dgm:txLinClrLst/>
+    <dgm:txFillClrLst/>
+    <dgm:txEffectClrLst/>
+  </dgm:styleLbl>
+  <dgm:styleLbl name="fgSibTrans2D1">
+    <dgm:fillClrLst meth="repeat">
+      <a:schemeClr val="accent1">
+        <a:tint val="60000"/>
+      </a:schemeClr>
+    </dgm:fillClrLst>
+    <dgm:linClrLst meth="repeat">
+      <a:schemeClr val="accent1">
+        <a:tint val="60000"/>
+      </a:schemeClr>
+    </dgm:linClrLst>
+    <dgm:effectClrLst/>
+    <dgm:txLinClrLst/>
+    <dgm:txFillClrLst/>
+    <dgm:txEffectClrLst/>
+  </dgm:styleLbl>
+  <dgm:styleLbl name="bgSibTrans2D1">
+    <dgm:fillClrLst meth="repeat">
+      <a:schemeClr val="accent1">
+        <a:tint val="60000"/>
+      </a:schemeClr>
+    </dgm:fillClrLst>
+    <dgm:linClrLst meth="repeat">
+      <a:schemeClr val="accent1">
+        <a:tint val="60000"/>
+      </a:schemeClr>
+    </dgm:linClrLst>
+    <dgm:effectClrLst/>
+    <dgm:txLinClrLst/>
+    <dgm:txFillClrLst/>
+    <dgm:txEffectClrLst/>
+  </dgm:styleLbl>
+  <dgm:styleLbl name="sibTrans1D1">
+    <dgm:fillClrLst meth="repeat">
+      <a:schemeClr val="accent1"/>
+    </dgm:fillClrLst>
+    <dgm:linClrLst meth="repeat">
+      <a:schemeClr val="accent1"/>
+    </dgm:linClrLst>
+    <dgm:effectClrLst/>
+    <dgm:txLinClrLst/>
+    <dgm:txFillClrLst meth="repeat">
+      <a:schemeClr val="tx1"/>
+    </dgm:txFillClrLst>
+    <dgm:txEffectClrLst/>
+  </dgm:styleLbl>
+  <dgm:styleLbl name="callout">
+    <dgm:fillClrLst meth="repeat">
+      <a:schemeClr val="accent1"/>
+    </dgm:fillClrLst>
+    <dgm:linClrLst meth="repeat">
+      <a:schemeClr val="accent1">
+        <a:tint val="50000"/>
+      </a:schemeClr>
+    </dgm:linClrLst>
+    <dgm:effectClrLst/>
+    <dgm:txLinClrLst/>
+    <dgm:txFillClrLst meth="repeat">
+      <a:schemeClr val="tx1"/>
+    </dgm:txFillClrLst>
+    <dgm:txEffectClrLst/>
+  </dgm:styleLbl>
+  <dgm:styleLbl name="asst0">
+    <dgm:fillClrLst meth="repeat">
+      <a:schemeClr val="accent1"/>
+    </dgm:fillClrLst>
+    <dgm:linClrLst meth="repeat">
+      <a:schemeClr val="lt1"/>
+    </dgm:linClrLst>
+    <dgm:effectClrLst/>
+    <dgm:txLinClrLst/>
+    <dgm:txFillClrLst/>
+    <dgm:txEffectClrLst/>
+  </dgm:styleLbl>
+  <dgm:styleLbl name="asst1">
+    <dgm:fillClrLst meth="repeat">
+      <a:schemeClr val="accent1"/>
+    </dgm:fillClrLst>
+    <dgm:linClrLst meth="repeat">
+      <a:schemeClr val="lt1"/>
+    </dgm:linClrLst>
+    <dgm:effectClrLst/>
+    <dgm:txLinClrLst/>
+    <dgm:txFillClrLst/>
+    <dgm:txEffectClrLst/>
+  </dgm:styleLbl>
+  <dgm:styleLbl name="asst2">
+    <dgm:fillClrLst meth="repeat">
+      <a:schemeClr val="accent1"/>
+    </dgm:fillClrLst>
+    <dgm:linClrLst meth="repeat">
+      <a:schemeClr val="lt1"/>
+    </dgm:linClrLst>
+    <dgm:effectClrLst/>
+    <dgm:txLinClrLst/>
+    <dgm:txFillClrLst/>
+    <dgm:txEffectClrLst/>
+  </dgm:styleLbl>
+  <dgm:styleLbl name="asst3">
+    <dgm:fillClrLst meth="repeat">
+      <a:schemeClr val="accent1"/>
+    </dgm:fillClrLst>
+    <dgm:linClrLst meth="repeat">
+      <a:schemeClr val="lt1"/>
+    </dgm:linClrLst>
+    <dgm:effectClrLst/>
+    <dgm:txLinClrLst/>
+    <dgm:txFillClrLst/>
+    <dgm:txEffectClrLst/>
+  </dgm:styleLbl>
+  <dgm:styleLbl name="asst4">
+    <dgm:fillClrLst meth="repeat">
+      <a:schemeClr val="accent1"/>
+    </dgm:fillClrLst>
+    <dgm:linClrLst meth="repeat">
+      <a:schemeClr val="lt1"/>
+    </dgm:linClrLst>
+    <dgm:effectClrLst/>
+    <dgm:txLinClrLst/>
+    <dgm:txFillClrLst/>
+    <dgm:txEffectClrLst/>
+  </dgm:styleLbl>
+  <dgm:styleLbl name="parChTrans2D1">
+    <dgm:fillClrLst meth="repeat">
+      <a:schemeClr val="accent1">
+        <a:tint val="60000"/>
+      </a:schemeClr>
+    </dgm:fillClrLst>
+    <dgm:linClrLst meth="repeat">
+      <a:schemeClr val="accent1">
+        <a:tint val="60000"/>
+      </a:schemeClr>
+    </dgm:linClrLst>
+    <dgm:effectClrLst/>
+    <dgm:txLinClrLst/>
+    <dgm:txFillClrLst meth="repeat">
+      <a:schemeClr val="lt1"/>
+    </dgm:txFillClrLst>
+    <dgm:txEffectClrLst/>
+  </dgm:styleLbl>
+  <dgm:styleLbl name="parChTrans2D2">
+    <dgm:fillClrLst meth="repeat">
+      <a:schemeClr val="accent1"/>
+    </dgm:fillClrLst>
+    <dgm:linClrLst meth="repeat">
+      <a:schemeClr val="accent1"/>
+    </dgm:linClrLst>
+    <dgm:effectClrLst/>
+    <dgm:txLinClrLst/>
+    <dgm:txFillClrLst meth="repeat">
+      <a:schemeClr val="lt1"/>
+    </dgm:txFillClrLst>
+    <dgm:txEffectClrLst/>
+  </dgm:styleLbl>
+  <dgm:styleLbl name="parChTrans2D3">
+    <dgm:fillClrLst meth="repeat">
+      <a:schemeClr val="accent1"/>
+    </dgm:fillClrLst>
+    <dgm:linClrLst meth="repeat">
+      <a:schemeClr val="accent1"/>
+    </dgm:linClrLst>
+    <dgm:effectClrLst/>
+    <dgm:txLinClrLst/>
+    <dgm:txFillClrLst meth="repeat">
+      <a:schemeClr val="lt1"/>
+    </dgm:txFillClrLst>
+    <dgm:txEffectClrLst/>
+  </dgm:styleLbl>
+  <dgm:styleLbl name="parChTrans2D4">
+    <dgm:fillClrLst meth="repeat">
+      <a:schemeClr val="accent1"/>
+    </dgm:fillClrLst>
+    <dgm:linClrLst meth="repeat">
+      <a:schemeClr val="accent1"/>
+    </dgm:linClrLst>
+    <dgm:effectClrLst/>
+    <dgm:txLinClrLst/>
+    <dgm:txFillClrLst meth="repeat">
+      <a:schemeClr val="lt1"/>
+    </dgm:txFillClrLst>
+    <dgm:txEffectClrLst/>
+  </dgm:styleLbl>
+  <dgm:styleLbl name="parChTrans1D1">
+    <dgm:fillClrLst meth="repeat">
+      <a:schemeClr val="accent1"/>
+    </dgm:fillClrLst>
+    <dgm:linClrLst meth="repeat">
+      <a:schemeClr val="accent1">
+        <a:shade val="60000"/>
+      </a:schemeClr>
+    </dgm:linClrLst>
+    <dgm:effectClrLst/>
+    <dgm:txLinClrLst/>
+    <dgm:txFillClrLst meth="repeat">
+      <a:schemeClr val="tx1"/>
+    </dgm:txFillClrLst>
+    <dgm:txEffectClrLst/>
+  </dgm:styleLbl>
+  <dgm:styleLbl name="parChTrans1D2">
+    <dgm:fillClrLst meth="repeat">
+      <a:schemeClr val="accent1"/>
+    </dgm:fillClrLst>
+    <dgm:linClrLst meth="repeat">
+      <a:schemeClr val="accent1">
+        <a:shade val="60000"/>
+      </a:schemeClr>
+    </dgm:linClrLst>
+    <dgm:effectClrLst/>
+    <dgm:txLinClrLst/>
+    <dgm:txFillClrLst meth="repeat">
+      <a:schemeClr val="tx1"/>
+    </dgm:txFillClrLst>
+    <dgm:txEffectClrLst/>
+  </dgm:styleLbl>
+  <dgm:styleLbl name="parChTrans1D3">
+    <dgm:fillClrLst meth="repeat">
+      <a:schemeClr val="accent1"/>
+    </dgm:fillClrLst>
+    <dgm:linClrLst meth="repeat">
+      <a:schemeClr val="accent1">
+        <a:shade val="80000"/>
+      </a:schemeClr>
+    </dgm:linClrLst>
+    <dgm:effectClrLst/>
+    <dgm:txLinClrLst/>
+    <dgm:txFillClrLst meth="repeat">
+      <a:schemeClr val="tx1"/>
+    </dgm:txFillClrLst>
+    <dgm:txEffectClrLst/>
+  </dgm:styleLbl>
+  <dgm:styleLbl name="parChTrans1D4">
+    <dgm:fillClrLst meth="repeat">
+      <a:schemeClr val="accent1"/>
+    </dgm:fillClrLst>
+    <dgm:linClrLst meth="repeat">
+      <a:schemeClr val="accent1">
+        <a:shade val="80000"/>
+      </a:schemeClr>
+    </dgm:linClrLst>
+    <dgm:effectClrLst/>
+    <dgm:txLinClrLst/>
+    <dgm:txFillClrLst meth="repeat">
+      <a:schemeClr val="tx1"/>
+    </dgm:txFillClrLst>
+    <dgm:txEffectClrLst/>
+  </dgm:styleLbl>
+  <dgm:styleLbl name="fgAcc1">
+    <dgm:fillClrLst meth="repeat">
+      <a:schemeClr val="lt1">
+        <a:alpha val="90000"/>
+      </a:schemeClr>
+    </dgm:fillClrLst>
+    <dgm:linClrLst meth="repeat">
+      <a:schemeClr val="accent1"/>
+    </dgm:linClrLst>
+    <dgm:effectClrLst/>
+    <dgm:txLinClrLst/>
+    <dgm:txFillClrLst meth="repeat">
+      <a:schemeClr val="dk1"/>
+    </dgm:txFillClrLst>
+    <dgm:txEffectClrLst/>
+  </dgm:styleLbl>
+  <dgm:styleLbl name="conFgAcc1">
+    <dgm:fillClrLst meth="repeat">
+      <a:schemeClr val="lt1">
+        <a:alpha val="90000"/>
+      </a:schemeClr>
+    </dgm:fillClrLst>
+    <dgm:linClrLst meth="repeat">
+      <a:schemeClr val="accent1"/>
+    </dgm:linClrLst>
+    <dgm:effectClrLst/>
+    <dgm:txLinClrLst/>
+    <dgm:txFillClrLst meth="repeat">
+      <a:schemeClr val="dk1"/>
+    </dgm:txFillClrLst>
+    <dgm:txEffectClrLst/>
+  </dgm:styleLbl>
+  <dgm:styleLbl name="alignAcc1">
+    <dgm:fillClrLst meth="repeat">
+      <a:schemeClr val="lt1">
+        <a:alpha val="90000"/>
+      </a:schemeClr>
+    </dgm:fillClrLst>
+    <dgm:linClrLst meth="repeat">
+      <a:schemeClr val="accent1"/>
+    </dgm:linClrLst>
+    <dgm:effectClrLst/>
+    <dgm:txLinClrLst/>
+    <dgm:txFillClrLst meth="repeat">
+      <a:schemeClr val="dk1"/>
+    </dgm:txFillClrLst>
+    <dgm:txEffectClrLst/>
+  </dgm:styleLbl>
+  <dgm:styleLbl name="trAlignAcc1">
+    <dgm:fillClrLst meth="repeat">
+      <a:schemeClr val="lt1">
+        <a:alpha val="40000"/>
+      </a:schemeClr>
+    </dgm:fillClrLst>
+    <dgm:linClrLst meth="repeat">
+      <a:schemeClr val="accent1"/>
+    </dgm:linClrLst>
+    <dgm:effectClrLst/>
+    <dgm:txLinClrLst/>
+    <dgm:txFillClrLst meth="repeat">
+      <a:schemeClr val="dk1"/>
+    </dgm:txFillClrLst>
+    <dgm:txEffectClrLst/>
+  </dgm:styleLbl>
+  <dgm:styleLbl name="bgAcc1">
+    <dgm:fillClrLst meth="repeat">
+      <a:schemeClr val="lt1">
+        <a:alpha val="90000"/>
+      </a:schemeClr>
+    </dgm:fillClrLst>
+    <dgm:linClrLst meth="repeat">
+      <a:schemeClr val="accent1"/>
+    </dgm:linClrLst>
+    <dgm:effectClrLst/>
+    <dgm:txLinClrLst/>
+    <dgm:txFillClrLst meth="repeat">
+      <a:schemeClr val="dk1"/>
+    </dgm:txFillClrLst>
+    <dgm:txEffectClrLst/>
+  </dgm:styleLbl>
+  <dgm:styleLbl name="solidFgAcc1">
+    <dgm:fillClrLst meth="repeat">
+      <a:schemeClr val="lt1"/>
+    </dgm:fillClrLst>
+    <dgm:linClrLst meth="repeat">
+      <a:schemeClr val="accent1"/>
+    </dgm:linClrLst>
+    <dgm:effectClrLst/>
+    <dgm:txLinClrLst/>
+    <dgm:txFillClrLst meth="repeat">
+      <a:schemeClr val="dk1"/>
+    </dgm:txFillClrLst>
+    <dgm:txEffectClrLst/>
+  </dgm:styleLbl>
+  <dgm:styleLbl name="solidAlignAcc1">
+    <dgm:fillClrLst meth="repeat">
+      <a:schemeClr val="lt1"/>
+    </dgm:fillClrLst>
+    <dgm:linClrLst meth="repeat">
+      <a:schemeClr val="accent1"/>
+    </dgm:linClrLst>
+    <dgm:effectClrLst/>
+    <dgm:txLinClrLst/>
+    <dgm:txFillClrLst meth="repeat">
+      <a:schemeClr val="dk1"/>
+    </dgm:txFillClrLst>
+    <dgm:txEffectClrLst/>
+  </dgm:styleLbl>
+  <dgm:styleLbl name="solidBgAcc1">
+    <dgm:fillClrLst meth="repeat">
+      <a:schemeClr val="lt1"/>
+    </dgm:fillClrLst>
+    <dgm:linClrLst meth="repeat">
+      <a:schemeClr val="accent1"/>
+    </dgm:linClrLst>
+    <dgm:effectClrLst/>
+    <dgm:txLinClrLst/>
+    <dgm:txFillClrLst meth="repeat">
+      <a:schemeClr val="dk1"/>
+    </dgm:txFillClrLst>
+    <dgm:txEffectClrLst/>
+  </dgm:styleLbl>
+  <dgm:styleLbl name="fgAccFollowNode1">
+    <dgm:fillClrLst meth="repeat">
+      <a:schemeClr val="accent1">
+        <a:alpha val="90000"/>
+        <a:tint val="40000"/>
+      </a:schemeClr>
+    </dgm:fillClrLst>
+    <dgm:linClrLst meth="repeat">
+      <a:schemeClr val="accent1">
+        <a:alpha val="90000"/>
+        <a:tint val="40000"/>
+      </a:schemeClr>
+    </dgm:linClrLst>
+    <dgm:effectClrLst/>
+    <dgm:txLinClrLst/>
+    <dgm:txFillClrLst meth="repeat">
+      <a:schemeClr val="dk1"/>
+    </dgm:txFillClrLst>
+    <dgm:txEffectClrLst/>
+  </dgm:styleLbl>
+  <dgm:styleLbl name="alignAccFollowNode1">
+    <dgm:fillClrLst meth="repeat">
+      <a:schemeClr val="accent1">
+        <a:alpha val="90000"/>
+        <a:tint val="40000"/>
+      </a:schemeClr>
+    </dgm:fillClrLst>
+    <dgm:linClrLst meth="repeat">
+      <a:schemeClr val="accent1">
+        <a:alpha val="90000"/>
+        <a:tint val="40000"/>
+      </a:schemeClr>
+    </dgm:linClrLst>
+    <dgm:effectClrLst/>
+    <dgm:txLinClrLst/>
+    <dgm:txFillClrLst meth="repeat">
+      <a:schemeClr val="dk1"/>
+    </dgm:txFillClrLst>
+    <dgm:txEffectClrLst/>
+  </dgm:styleLbl>
+  <dgm:styleLbl name="bgAccFollowNode1">
+    <dgm:fillClrLst meth="repeat">
+      <a:schemeClr val="accent1">
+        <a:alpha val="90000"/>
+        <a:tint val="40000"/>
+      </a:schemeClr>
+    </dgm:fillClrLst>
+    <dgm:linClrLst meth="repeat">
+      <a:schemeClr val="accent1">
+        <a:alpha val="90000"/>
+        <a:tint val="40000"/>
+      </a:schemeClr>
+    </dgm:linClrLst>
+    <dgm:effectClrLst/>
+    <dgm:txLinClrLst/>
+    <dgm:txFillClrLst meth="repeat">
+      <a:schemeClr val="dk1"/>
+    </dgm:txFillClrLst>
+    <dgm:txEffectClrLst/>
+  </dgm:styleLbl>
+  <dgm:styleLbl name="fgAcc0">
+    <dgm:fillClrLst meth="repeat">
+      <a:schemeClr val="lt1">
+        <a:alpha val="90000"/>
+      </a:schemeClr>
+    </dgm:fillClrLst>
+    <dgm:linClrLst meth="repeat">
+      <a:schemeClr val="accent1"/>
+    </dgm:linClrLst>
+    <dgm:effectClrLst/>
+    <dgm:txLinClrLst/>
+    <dgm:txFillClrLst meth="repeat">
+      <a:schemeClr val="dk1"/>
+    </dgm:txFillClrLst>
+    <dgm:txEffectClrLst/>
+  </dgm:styleLbl>
+  <dgm:styleLbl name="fgAcc2">
+    <dgm:fillClrLst meth="repeat">
+      <a:schemeClr val="lt1">
+        <a:alpha val="90000"/>
+      </a:schemeClr>
+    </dgm:fillClrLst>
+    <dgm:linClrLst meth="repeat">
+      <a:schemeClr val="accent1"/>
+    </dgm:linClrLst>
+    <dgm:effectClrLst/>
+    <dgm:txLinClrLst/>
+    <dgm:txFillClrLst meth="repeat">
+      <a:schemeClr val="dk1"/>
+    </dgm:txFillClrLst>
+    <dgm:txEffectClrLst/>
+  </dgm:styleLbl>
+  <dgm:styleLbl name="fgAcc3">
+    <dgm:fillClrLst meth="repeat">
+      <a:schemeClr val="lt1">
+        <a:alpha val="90000"/>
+      </a:schemeClr>
+    </dgm:fillClrLst>
+    <dgm:linClrLst meth="repeat">
+      <a:schemeClr val="accent1"/>
+    </dgm:linClrLst>
+    <dgm:effectClrLst/>
+    <dgm:txLinClrLst/>
+    <dgm:txFillClrLst meth="repeat">
+      <a:schemeClr val="dk1"/>
+    </dgm:txFillClrLst>
+    <dgm:txEffectClrLst/>
+  </dgm:styleLbl>
+  <dgm:styleLbl name="fgAcc4">
+    <dgm:fillClrLst meth="repeat">
+      <a:schemeClr val="lt1">
+        <a:alpha val="90000"/>
+      </a:schemeClr>
+    </dgm:fillClrLst>
+    <dgm:linClrLst meth="repeat">
+      <a:schemeClr val="accent1"/>
+    </dgm:linClrLst>
+    <dgm:effectClrLst/>
+    <dgm:txLinClrLst/>
+    <dgm:txFillClrLst meth="repeat">
+      <a:schemeClr val="dk1"/>
+    </dgm:txFillClrLst>
+    <dgm:txEffectClrLst/>
+  </dgm:styleLbl>
+  <dgm:styleLbl name="bgShp">
+    <dgm:fillClrLst meth="repeat">
+      <a:schemeClr val="accent1">
+        <a:tint val="40000"/>
+      </a:schemeClr>
+    </dgm:fillClrLst>
+    <dgm:linClrLst meth="repeat">
+      <a:schemeClr val="accent1"/>
+    </dgm:linClrLst>
+    <dgm:effectClrLst/>
+    <dgm:txLinClrLst/>
+    <dgm:txFillClrLst meth="repeat">
+      <a:schemeClr val="dk1"/>
+    </dgm:txFillClrLst>
+    <dgm:txEffectClrLst/>
+  </dgm:styleLbl>
+  <dgm:styleLbl name="dkBgShp">
+    <dgm:fillClrLst meth="repeat">
+      <a:schemeClr val="accent1">
+        <a:shade val="80000"/>
+      </a:schemeClr>
+    </dgm:fillClrLst>
+    <dgm:linClrLst meth="repeat">
+      <a:schemeClr val="accent1"/>
+    </dgm:linClrLst>
+    <dgm:effectClrLst/>
+    <dgm:txLinClrLst/>
+    <dgm:txFillClrLst meth="repeat">
+      <a:schemeClr val="lt1"/>
+    </dgm:txFillClrLst>
+    <dgm:txEffectClrLst/>
+  </dgm:styleLbl>
+  <dgm:styleLbl name="trBgShp">
+    <dgm:fillClrLst meth="repeat">
+      <a:schemeClr val="accent1">
+        <a:tint val="50000"/>
+        <a:alpha val="40000"/>
+      </a:schemeClr>
+    </dgm:fillClrLst>
+    <dgm:linClrLst meth="repeat">
+      <a:schemeClr val="accent1"/>
+    </dgm:linClrLst>
+    <dgm:effectClrLst/>
+    <dgm:txLinClrLst/>
+    <dgm:txFillClrLst meth="repeat">
+      <a:schemeClr val="lt1"/>
+    </dgm:txFillClrLst>
+    <dgm:txEffectClrLst/>
+  </dgm:styleLbl>
+  <dgm:styleLbl name="fgShp">
+    <dgm:fillClrLst meth="repeat">
+      <a:schemeClr val="accent1">
+        <a:tint val="60000"/>
+      </a:schemeClr>
+    </dgm:fillClrLst>
+    <dgm:linClrLst meth="repeat">
+      <a:schemeClr val="lt1"/>
+    </dgm:linClrLst>
+    <dgm:effectClrLst/>
+    <dgm:txLinClrLst/>
+    <dgm:txFillClrLst meth="repeat">
+      <a:schemeClr val="dk1"/>
+    </dgm:txFillClrLst>
+    <dgm:txEffectClrLst/>
+  </dgm:styleLbl>
+  <dgm:styleLbl name="revTx">
+    <dgm:fillClrLst meth="repeat">
+      <a:schemeClr val="lt1">
+        <a:alpha val="0"/>
+      </a:schemeClr>
+    </dgm:fillClrLst>
+    <dgm:linClrLst meth="repeat">
+      <a:schemeClr val="dk1">
+        <a:alpha val="0"/>
+      </a:schemeClr>
+    </dgm:linClrLst>
+    <dgm:effectClrLst/>
+    <dgm:txLinClrLst/>
+    <dgm:txFillClrLst meth="repeat">
+      <a:schemeClr val="tx1"/>
+    </dgm:txFillClrLst>
+    <dgm:txEffectClrLst/>
+  </dgm:styleLbl>
+</dgm:colorsDef>
+</file>
+
+<file path=ppt/diagrams/data1.xml><?xml version="1.0" encoding="utf-8"?>
+<dgm:dataModel xmlns:dgm="http://schemas.openxmlformats.org/drawingml/2006/diagram" xmlns:a="http://schemas.openxmlformats.org/drawingml/2006/main">
+  <dgm:ptLst>
+    <dgm:pt modelId="{DECE6800-64C6-4E9A-AE62-926319F343FD}" type="doc">
+      <dgm:prSet loTypeId="urn:microsoft.com/office/officeart/2008/layout/LinedList" loCatId="list" qsTypeId="urn:microsoft.com/office/officeart/2005/8/quickstyle/simple1" qsCatId="simple" csTypeId="urn:microsoft.com/office/officeart/2005/8/colors/accent1_2" csCatId="accent1" phldr="1"/>
+      <dgm:spPr/>
+      <dgm:t>
+        <a:bodyPr/>
+        <a:lstStyle/>
+        <a:p>
+          <a:endParaRPr lang="en-US"/>
+        </a:p>
+      </dgm:t>
+    </dgm:pt>
+    <dgm:pt modelId="{3CCF3622-7E1E-458E-AF1F-8F6238D385E3}">
+      <dgm:prSet/>
+      <dgm:spPr/>
+      <dgm:t>
+        <a:bodyPr/>
+        <a:lstStyle/>
+        <a:p>
+          <a:r>
+            <a:rPr lang="en-US" b="1" i="0"/>
+            <a:t>Key Points:</a:t>
+          </a:r>
+          <a:endParaRPr lang="en-US"/>
+        </a:p>
+      </dgm:t>
+    </dgm:pt>
+    <dgm:pt modelId="{541D42FB-9CE9-46AD-B68E-A40265DB2D5B}" type="parTrans" cxnId="{4A8726F5-1C0A-4B60-9BFF-85748DCE4718}">
+      <dgm:prSet/>
+      <dgm:spPr/>
+      <dgm:t>
+        <a:bodyPr/>
+        <a:lstStyle/>
+        <a:p>
+          <a:endParaRPr lang="en-US"/>
+        </a:p>
+      </dgm:t>
+    </dgm:pt>
+    <dgm:pt modelId="{786E899D-57ED-47CF-96BF-506399895889}" type="sibTrans" cxnId="{4A8726F5-1C0A-4B60-9BFF-85748DCE4718}">
+      <dgm:prSet/>
+      <dgm:spPr/>
+      <dgm:t>
+        <a:bodyPr/>
+        <a:lstStyle/>
+        <a:p>
+          <a:endParaRPr lang="en-US"/>
+        </a:p>
+      </dgm:t>
+    </dgm:pt>
+    <dgm:pt modelId="{D0518112-A81F-45AF-8063-99A64739356C}">
+      <dgm:prSet/>
+      <dgm:spPr/>
+      <dgm:t>
+        <a:bodyPr/>
+        <a:lstStyle/>
+        <a:p>
+          <a:r>
+            <a:rPr lang="en-US" b="0" i="0" dirty="0"/>
+            <a:t>"24/7 Support": the round-the-clock availability and responsiveness of conversational agents.</a:t>
+          </a:r>
+          <a:endParaRPr lang="en-US" dirty="0"/>
+        </a:p>
+      </dgm:t>
+    </dgm:pt>
+    <dgm:pt modelId="{65D9ABFC-4775-41F8-9F91-10AEA653E8D7}" type="parTrans" cxnId="{E1CAF922-E7A6-44AC-A0A9-012ADCD73861}">
+      <dgm:prSet/>
+      <dgm:spPr/>
+      <dgm:t>
+        <a:bodyPr/>
+        <a:lstStyle/>
+        <a:p>
+          <a:endParaRPr lang="en-US"/>
+        </a:p>
+      </dgm:t>
+    </dgm:pt>
+    <dgm:pt modelId="{3714614E-CBA0-4DB4-860B-FBDE57AEF23B}" type="sibTrans" cxnId="{E1CAF922-E7A6-44AC-A0A9-012ADCD73861}">
+      <dgm:prSet/>
+      <dgm:spPr/>
+      <dgm:t>
+        <a:bodyPr/>
+        <a:lstStyle/>
+        <a:p>
+          <a:endParaRPr lang="en-US"/>
+        </a:p>
+      </dgm:t>
+    </dgm:pt>
+    <dgm:pt modelId="{9CD0EC92-2A57-4632-9D00-0A17C19FB6FB}">
+      <dgm:prSet/>
+      <dgm:spPr/>
+      <dgm:t>
+        <a:bodyPr/>
+        <a:lstStyle/>
+        <a:p>
+          <a:r>
+            <a:rPr lang="en-US" b="0" i="0" dirty="0"/>
+            <a:t>"Cost Efficiency": cost savings through automation.</a:t>
+          </a:r>
+          <a:endParaRPr lang="en-US" dirty="0"/>
+        </a:p>
+      </dgm:t>
+    </dgm:pt>
+    <dgm:pt modelId="{D57192F1-59C5-484D-B437-C95059685954}" type="parTrans" cxnId="{D570FB44-CF2A-4D91-9ADD-39D0F5878AA0}">
+      <dgm:prSet/>
+      <dgm:spPr/>
+      <dgm:t>
+        <a:bodyPr/>
+        <a:lstStyle/>
+        <a:p>
+          <a:endParaRPr lang="en-US"/>
+        </a:p>
+      </dgm:t>
+    </dgm:pt>
+    <dgm:pt modelId="{9AC1C4A4-6F7C-4778-8206-3994485CAEA8}" type="sibTrans" cxnId="{D570FB44-CF2A-4D91-9ADD-39D0F5878AA0}">
+      <dgm:prSet/>
+      <dgm:spPr/>
+      <dgm:t>
+        <a:bodyPr/>
+        <a:lstStyle/>
+        <a:p>
+          <a:endParaRPr lang="en-US"/>
+        </a:p>
+      </dgm:t>
+    </dgm:pt>
+    <dgm:pt modelId="{EE08E0CA-489B-4A0B-975C-66E339EA9A50}">
+      <dgm:prSet/>
+      <dgm:spPr/>
+      <dgm:t>
+        <a:bodyPr/>
+        <a:lstStyle/>
+        <a:p>
+          <a:r>
+            <a:rPr lang="en-US" b="0" i="0" dirty="0"/>
+            <a:t>"Personalization": the ability to provide tailored experiences.</a:t>
+          </a:r>
+          <a:endParaRPr lang="en-US" dirty="0"/>
+        </a:p>
+      </dgm:t>
+    </dgm:pt>
+    <dgm:pt modelId="{F158A87A-F9DC-4508-B11A-849B7487FA7D}" type="parTrans" cxnId="{E8C40EF8-74F7-41E6-ADA0-1FA0F1628BFF}">
+      <dgm:prSet/>
+      <dgm:spPr/>
+      <dgm:t>
+        <a:bodyPr/>
+        <a:lstStyle/>
+        <a:p>
+          <a:endParaRPr lang="en-US"/>
+        </a:p>
+      </dgm:t>
+    </dgm:pt>
+    <dgm:pt modelId="{317DC211-8502-486C-B493-84E015F173BA}" type="sibTrans" cxnId="{E8C40EF8-74F7-41E6-ADA0-1FA0F1628BFF}">
+      <dgm:prSet/>
+      <dgm:spPr/>
+      <dgm:t>
+        <a:bodyPr/>
+        <a:lstStyle/>
+        <a:p>
+          <a:endParaRPr lang="en-US"/>
+        </a:p>
+      </dgm:t>
+    </dgm:pt>
+    <dgm:pt modelId="{8DBFD7AC-6054-4DE5-B343-AD50BF7B8C40}">
+      <dgm:prSet/>
+      <dgm:spPr/>
+      <dgm:t>
+        <a:bodyPr/>
+        <a:lstStyle/>
+        <a:p>
+          <a:r>
+            <a:rPr lang="en-US" b="0" i="0" dirty="0"/>
+            <a:t>"Data Insights": conversational agents collect valuable data.</a:t>
+          </a:r>
+          <a:endParaRPr lang="en-US" dirty="0"/>
+        </a:p>
+      </dgm:t>
+    </dgm:pt>
+    <dgm:pt modelId="{2D613140-086B-42F3-89B5-DAE5F8972D65}" type="parTrans" cxnId="{B34A26A5-4579-43A6-A390-72E5B884F586}">
+      <dgm:prSet/>
+      <dgm:spPr/>
+      <dgm:t>
+        <a:bodyPr/>
+        <a:lstStyle/>
+        <a:p>
+          <a:endParaRPr lang="en-US"/>
+        </a:p>
+      </dgm:t>
+    </dgm:pt>
+    <dgm:pt modelId="{8CFD09D3-5971-425F-8210-924BC54EAF8F}" type="sibTrans" cxnId="{B34A26A5-4579-43A6-A390-72E5B884F586}">
+      <dgm:prSet/>
+      <dgm:spPr/>
+      <dgm:t>
+        <a:bodyPr/>
+        <a:lstStyle/>
+        <a:p>
+          <a:endParaRPr lang="en-US"/>
+        </a:p>
+      </dgm:t>
+    </dgm:pt>
+    <dgm:pt modelId="{1C59C323-4CBD-4FBE-9FFF-53B7D97F3729}">
+      <dgm:prSet/>
+      <dgm:spPr/>
+      <dgm:t>
+        <a:bodyPr/>
+        <a:lstStyle/>
+        <a:p>
+          <a:r>
+            <a:rPr lang="en-US" b="0" i="0" dirty="0"/>
+            <a:t>"Scalability": the ease of scaling support and services.</a:t>
+          </a:r>
+          <a:endParaRPr lang="en-US" dirty="0"/>
+        </a:p>
+      </dgm:t>
+    </dgm:pt>
+    <dgm:pt modelId="{1AE291E4-8636-4136-A307-8DDC42EF0A68}" type="parTrans" cxnId="{9CFA4690-9090-4A7E-9673-327625D8F679}">
+      <dgm:prSet/>
+      <dgm:spPr/>
+      <dgm:t>
+        <a:bodyPr/>
+        <a:lstStyle/>
+        <a:p>
+          <a:endParaRPr lang="en-US"/>
+        </a:p>
+      </dgm:t>
+    </dgm:pt>
+    <dgm:pt modelId="{066513F0-1DBB-44F9-8CA8-C3A59B70DE89}" type="sibTrans" cxnId="{9CFA4690-9090-4A7E-9673-327625D8F679}">
+      <dgm:prSet/>
+      <dgm:spPr/>
+      <dgm:t>
+        <a:bodyPr/>
+        <a:lstStyle/>
+        <a:p>
+          <a:endParaRPr lang="en-US"/>
+        </a:p>
+      </dgm:t>
+    </dgm:pt>
+    <dgm:pt modelId="{6B3E2743-27E7-4BDF-9703-6A0388223C7D}">
+      <dgm:prSet/>
+      <dgm:spPr/>
+      <dgm:t>
+        <a:bodyPr/>
+        <a:lstStyle/>
+        <a:p>
+          <a:r>
+            <a:rPr lang="en-US" b="0" i="0" dirty="0"/>
+            <a:t>"Multilingual Support": ability to assist in multiple languages.</a:t>
+          </a:r>
+          <a:endParaRPr lang="en-US" dirty="0"/>
+        </a:p>
+      </dgm:t>
+    </dgm:pt>
+    <dgm:pt modelId="{889AFEF0-8F18-4B91-80CB-18249E53BA8F}" type="parTrans" cxnId="{F7ADF4DB-D996-4702-869F-AFD340AE7916}">
+      <dgm:prSet/>
+      <dgm:spPr/>
+      <dgm:t>
+        <a:bodyPr/>
+        <a:lstStyle/>
+        <a:p>
+          <a:endParaRPr lang="en-US"/>
+        </a:p>
+      </dgm:t>
+    </dgm:pt>
+    <dgm:pt modelId="{859B44A1-2E4C-4D16-9ED9-0E108F08FA95}" type="sibTrans" cxnId="{F7ADF4DB-D996-4702-869F-AFD340AE7916}">
+      <dgm:prSet/>
+      <dgm:spPr/>
+      <dgm:t>
+        <a:bodyPr/>
+        <a:lstStyle/>
+        <a:p>
+          <a:endParaRPr lang="en-US"/>
+        </a:p>
+      </dgm:t>
+    </dgm:pt>
+    <dgm:pt modelId="{76C8A65E-0201-4D49-BCE3-A1CE0ABB9D99}">
+      <dgm:prSet/>
+      <dgm:spPr/>
+      <dgm:t>
+        <a:bodyPr/>
+        <a:lstStyle/>
+        <a:p>
+          <a:r>
+            <a:rPr lang="en-US" b="0" i="0"/>
+            <a:t>"Accessibility": Note how they can make services more accessible.</a:t>
+          </a:r>
+          <a:endParaRPr lang="en-US"/>
+        </a:p>
+      </dgm:t>
+    </dgm:pt>
+    <dgm:pt modelId="{F3821A2A-97BD-4F38-84F5-2A69C2E42979}" type="parTrans" cxnId="{E759ECC0-E00C-47F5-AEA9-12968A019D69}">
+      <dgm:prSet/>
+      <dgm:spPr/>
+      <dgm:t>
+        <a:bodyPr/>
+        <a:lstStyle/>
+        <a:p>
+          <a:endParaRPr lang="en-US"/>
+        </a:p>
+      </dgm:t>
+    </dgm:pt>
+    <dgm:pt modelId="{6E12F36F-7A2B-48A3-A0DA-133249B76849}" type="sibTrans" cxnId="{E759ECC0-E00C-47F5-AEA9-12968A019D69}">
+      <dgm:prSet/>
+      <dgm:spPr/>
+      <dgm:t>
+        <a:bodyPr/>
+        <a:lstStyle/>
+        <a:p>
+          <a:endParaRPr lang="en-US"/>
+        </a:p>
+      </dgm:t>
+    </dgm:pt>
+    <dgm:pt modelId="{B6650BB1-E49E-4D3C-8424-1096A54F25C0}">
+      <dgm:prSet/>
+      <dgm:spPr/>
+      <dgm:t>
+        <a:bodyPr/>
+        <a:lstStyle/>
+        <a:p>
+          <a:r>
+            <a:rPr lang="en-US" b="0" i="0"/>
+            <a:t>"Consistency": Emphasize the reliability of responses.</a:t>
+          </a:r>
+          <a:endParaRPr lang="en-US"/>
+        </a:p>
+      </dgm:t>
+    </dgm:pt>
+    <dgm:pt modelId="{E35D726A-0412-4060-8EE0-AF3F73A45740}" type="parTrans" cxnId="{9E696780-F17B-4BCF-A571-ABDF52F6345E}">
+      <dgm:prSet/>
+      <dgm:spPr/>
+      <dgm:t>
+        <a:bodyPr/>
+        <a:lstStyle/>
+        <a:p>
+          <a:endParaRPr lang="en-US"/>
+        </a:p>
+      </dgm:t>
+    </dgm:pt>
+    <dgm:pt modelId="{E473CAF4-FCE7-4D5E-A24C-89AF295BFBB8}" type="sibTrans" cxnId="{9E696780-F17B-4BCF-A571-ABDF52F6345E}">
+      <dgm:prSet/>
+      <dgm:spPr/>
+      <dgm:t>
+        <a:bodyPr/>
+        <a:lstStyle/>
+        <a:p>
+          <a:endParaRPr lang="en-US"/>
+        </a:p>
+      </dgm:t>
+    </dgm:pt>
+    <dgm:pt modelId="{823D99DB-B138-4137-972D-96219F5236AC}">
+      <dgm:prSet/>
+      <dgm:spPr/>
+      <dgm:t>
+        <a:bodyPr/>
+        <a:lstStyle/>
+        <a:p>
+          <a:r>
+            <a:rPr lang="en-US" b="0" i="0" dirty="0"/>
+            <a:t>"Various Applications": healthcare, education, and marketing.</a:t>
+          </a:r>
+          <a:endParaRPr lang="en-US" dirty="0"/>
+        </a:p>
+      </dgm:t>
+    </dgm:pt>
+    <dgm:pt modelId="{5936313E-14BE-4B71-8FEA-A341BDD64E3A}" type="parTrans" cxnId="{B800546D-B38F-4F6A-8908-32F72D69DC4D}">
+      <dgm:prSet/>
+      <dgm:spPr/>
+      <dgm:t>
+        <a:bodyPr/>
+        <a:lstStyle/>
+        <a:p>
+          <a:endParaRPr lang="en-US"/>
+        </a:p>
+      </dgm:t>
+    </dgm:pt>
+    <dgm:pt modelId="{70F4D639-CB8B-4C3B-9148-A9B2958EFF24}" type="sibTrans" cxnId="{B800546D-B38F-4F6A-8908-32F72D69DC4D}">
+      <dgm:prSet/>
+      <dgm:spPr/>
+      <dgm:t>
+        <a:bodyPr/>
+        <a:lstStyle/>
+        <a:p>
+          <a:endParaRPr lang="en-US"/>
+        </a:p>
+      </dgm:t>
+    </dgm:pt>
+    <dgm:pt modelId="{0562B204-F671-4AA9-9D82-BC97D9A602F6}">
+      <dgm:prSet/>
+      <dgm:spPr/>
+      <dgm:t>
+        <a:bodyPr/>
+        <a:lstStyle/>
+        <a:p>
+          <a:r>
+            <a:rPr lang="en-US" b="0" i="0" dirty="0"/>
+            <a:t>"Human-Machine Interaction": improved natural interaction with technology.</a:t>
+          </a:r>
+          <a:endParaRPr lang="en-US" dirty="0"/>
+        </a:p>
+      </dgm:t>
+    </dgm:pt>
+    <dgm:pt modelId="{3D5172C6-D089-439A-9111-8BC458CF7427}" type="parTrans" cxnId="{9FBC0A37-084E-4284-8648-5754041463C3}">
+      <dgm:prSet/>
+      <dgm:spPr/>
+      <dgm:t>
+        <a:bodyPr/>
+        <a:lstStyle/>
+        <a:p>
+          <a:endParaRPr lang="en-US"/>
+        </a:p>
+      </dgm:t>
+    </dgm:pt>
+    <dgm:pt modelId="{F3D33A72-D7B9-4E92-97BB-A5F11E86A9F6}" type="sibTrans" cxnId="{9FBC0A37-084E-4284-8648-5754041463C3}">
+      <dgm:prSet/>
+      <dgm:spPr/>
+      <dgm:t>
+        <a:bodyPr/>
+        <a:lstStyle/>
+        <a:p>
+          <a:endParaRPr lang="en-US"/>
+        </a:p>
+      </dgm:t>
+    </dgm:pt>
+    <dgm:pt modelId="{E71A00FF-8567-4547-83BD-92B4C6ECCAB3}" type="pres">
+      <dgm:prSet presAssocID="{DECE6800-64C6-4E9A-AE62-926319F343FD}" presName="vert0" presStyleCnt="0">
+        <dgm:presLayoutVars>
+          <dgm:dir/>
+          <dgm:animOne val="branch"/>
+          <dgm:animLvl val="lvl"/>
+        </dgm:presLayoutVars>
+      </dgm:prSet>
+      <dgm:spPr/>
+    </dgm:pt>
+    <dgm:pt modelId="{8C6E7446-D4E8-4838-BB67-4F2EF87570C1}" type="pres">
+      <dgm:prSet presAssocID="{3CCF3622-7E1E-458E-AF1F-8F6238D385E3}" presName="thickLine" presStyleLbl="alignNode1" presStyleIdx="0" presStyleCnt="11"/>
+      <dgm:spPr/>
+    </dgm:pt>
+    <dgm:pt modelId="{8ADD5B1F-9417-40EA-89B6-024892981AA4}" type="pres">
+      <dgm:prSet presAssocID="{3CCF3622-7E1E-458E-AF1F-8F6238D385E3}" presName="horz1" presStyleCnt="0"/>
+      <dgm:spPr/>
+    </dgm:pt>
+    <dgm:pt modelId="{286E4828-A97E-44D4-9F46-F3FB91340495}" type="pres">
+      <dgm:prSet presAssocID="{3CCF3622-7E1E-458E-AF1F-8F6238D385E3}" presName="tx1" presStyleLbl="revTx" presStyleIdx="0" presStyleCnt="11"/>
+      <dgm:spPr/>
+    </dgm:pt>
+    <dgm:pt modelId="{43231C73-3DF8-409F-A14A-8577747BE53B}" type="pres">
+      <dgm:prSet presAssocID="{3CCF3622-7E1E-458E-AF1F-8F6238D385E3}" presName="vert1" presStyleCnt="0"/>
+      <dgm:spPr/>
+    </dgm:pt>
+    <dgm:pt modelId="{226869FF-65CA-43D3-ABEE-634BC2C3FF45}" type="pres">
+      <dgm:prSet presAssocID="{D0518112-A81F-45AF-8063-99A64739356C}" presName="thickLine" presStyleLbl="alignNode1" presStyleIdx="1" presStyleCnt="11"/>
+      <dgm:spPr/>
+    </dgm:pt>
+    <dgm:pt modelId="{A6A423FB-2EB0-4DFE-BE46-B786316A409B}" type="pres">
+      <dgm:prSet presAssocID="{D0518112-A81F-45AF-8063-99A64739356C}" presName="horz1" presStyleCnt="0"/>
+      <dgm:spPr/>
+    </dgm:pt>
+    <dgm:pt modelId="{4B73F31E-DD4F-421B-B2F1-18BA8442B607}" type="pres">
+      <dgm:prSet presAssocID="{D0518112-A81F-45AF-8063-99A64739356C}" presName="tx1" presStyleLbl="revTx" presStyleIdx="1" presStyleCnt="11"/>
+      <dgm:spPr/>
+    </dgm:pt>
+    <dgm:pt modelId="{379C6B76-33F6-4032-9473-E20599C975BC}" type="pres">
+      <dgm:prSet presAssocID="{D0518112-A81F-45AF-8063-99A64739356C}" presName="vert1" presStyleCnt="0"/>
+      <dgm:spPr/>
+    </dgm:pt>
+    <dgm:pt modelId="{D1B6387D-B263-48F7-B215-86B39A11B701}" type="pres">
+      <dgm:prSet presAssocID="{9CD0EC92-2A57-4632-9D00-0A17C19FB6FB}" presName="thickLine" presStyleLbl="alignNode1" presStyleIdx="2" presStyleCnt="11"/>
+      <dgm:spPr/>
+    </dgm:pt>
+    <dgm:pt modelId="{F313ACA1-4234-4C4C-B923-E462EFBC7E1C}" type="pres">
+      <dgm:prSet presAssocID="{9CD0EC92-2A57-4632-9D00-0A17C19FB6FB}" presName="horz1" presStyleCnt="0"/>
+      <dgm:spPr/>
+    </dgm:pt>
+    <dgm:pt modelId="{C1F9FC95-EB24-4084-8F62-9AE36C805892}" type="pres">
+      <dgm:prSet presAssocID="{9CD0EC92-2A57-4632-9D00-0A17C19FB6FB}" presName="tx1" presStyleLbl="revTx" presStyleIdx="2" presStyleCnt="11"/>
+      <dgm:spPr/>
+    </dgm:pt>
+    <dgm:pt modelId="{345F74C5-4B52-4726-BDF1-B4DE01E59D69}" type="pres">
+      <dgm:prSet presAssocID="{9CD0EC92-2A57-4632-9D00-0A17C19FB6FB}" presName="vert1" presStyleCnt="0"/>
+      <dgm:spPr/>
+    </dgm:pt>
+    <dgm:pt modelId="{366D05AE-2654-40AE-B4A1-F0CED6AFB36D}" type="pres">
+      <dgm:prSet presAssocID="{EE08E0CA-489B-4A0B-975C-66E339EA9A50}" presName="thickLine" presStyleLbl="alignNode1" presStyleIdx="3" presStyleCnt="11"/>
+      <dgm:spPr/>
+    </dgm:pt>
+    <dgm:pt modelId="{B8B892F8-D46A-4DCB-832A-5762711CE0B0}" type="pres">
+      <dgm:prSet presAssocID="{EE08E0CA-489B-4A0B-975C-66E339EA9A50}" presName="horz1" presStyleCnt="0"/>
+      <dgm:spPr/>
+    </dgm:pt>
+    <dgm:pt modelId="{F41B3C12-01C5-46F6-AC38-C673D63598EA}" type="pres">
+      <dgm:prSet presAssocID="{EE08E0CA-489B-4A0B-975C-66E339EA9A50}" presName="tx1" presStyleLbl="revTx" presStyleIdx="3" presStyleCnt="11"/>
+      <dgm:spPr/>
+    </dgm:pt>
+    <dgm:pt modelId="{741F6E8C-271C-4AA3-B3D3-65B3F67BB0BB}" type="pres">
+      <dgm:prSet presAssocID="{EE08E0CA-489B-4A0B-975C-66E339EA9A50}" presName="vert1" presStyleCnt="0"/>
+      <dgm:spPr/>
+    </dgm:pt>
+    <dgm:pt modelId="{78B86CA8-3F5D-46A2-B2FC-3FF7A5D25EE1}" type="pres">
+      <dgm:prSet presAssocID="{8DBFD7AC-6054-4DE5-B343-AD50BF7B8C40}" presName="thickLine" presStyleLbl="alignNode1" presStyleIdx="4" presStyleCnt="11"/>
+      <dgm:spPr/>
+    </dgm:pt>
+    <dgm:pt modelId="{9760600D-C9FA-466F-8D4F-D9307A6CC419}" type="pres">
+      <dgm:prSet presAssocID="{8DBFD7AC-6054-4DE5-B343-AD50BF7B8C40}" presName="horz1" presStyleCnt="0"/>
+      <dgm:spPr/>
+    </dgm:pt>
+    <dgm:pt modelId="{591A139C-115B-4A3B-98E0-0121C15147AD}" type="pres">
+      <dgm:prSet presAssocID="{8DBFD7AC-6054-4DE5-B343-AD50BF7B8C40}" presName="tx1" presStyleLbl="revTx" presStyleIdx="4" presStyleCnt="11"/>
+      <dgm:spPr/>
+    </dgm:pt>
+    <dgm:pt modelId="{A457B8FA-FBBE-424C-BAED-12D9B54A7830}" type="pres">
+      <dgm:prSet presAssocID="{8DBFD7AC-6054-4DE5-B343-AD50BF7B8C40}" presName="vert1" presStyleCnt="0"/>
+      <dgm:spPr/>
+    </dgm:pt>
+    <dgm:pt modelId="{F776F01C-12C8-448D-922B-D5CCD29D3576}" type="pres">
+      <dgm:prSet presAssocID="{1C59C323-4CBD-4FBE-9FFF-53B7D97F3729}" presName="thickLine" presStyleLbl="alignNode1" presStyleIdx="5" presStyleCnt="11"/>
+      <dgm:spPr/>
+    </dgm:pt>
+    <dgm:pt modelId="{68FB3BB9-6252-437D-88BF-81A049509300}" type="pres">
+      <dgm:prSet presAssocID="{1C59C323-4CBD-4FBE-9FFF-53B7D97F3729}" presName="horz1" presStyleCnt="0"/>
+      <dgm:spPr/>
+    </dgm:pt>
+    <dgm:pt modelId="{7AE6848E-534F-4C1E-86DC-F6AE6C2AD889}" type="pres">
+      <dgm:prSet presAssocID="{1C59C323-4CBD-4FBE-9FFF-53B7D97F3729}" presName="tx1" presStyleLbl="revTx" presStyleIdx="5" presStyleCnt="11"/>
+      <dgm:spPr/>
+    </dgm:pt>
+    <dgm:pt modelId="{B1E67E6A-BB92-42CB-9DED-FEEAF4E0015B}" type="pres">
+      <dgm:prSet presAssocID="{1C59C323-4CBD-4FBE-9FFF-53B7D97F3729}" presName="vert1" presStyleCnt="0"/>
+      <dgm:spPr/>
+    </dgm:pt>
+    <dgm:pt modelId="{FEB4EA1C-588F-4EDD-96A9-E66EE97938FD}" type="pres">
+      <dgm:prSet presAssocID="{6B3E2743-27E7-4BDF-9703-6A0388223C7D}" presName="thickLine" presStyleLbl="alignNode1" presStyleIdx="6" presStyleCnt="11"/>
+      <dgm:spPr/>
+    </dgm:pt>
+    <dgm:pt modelId="{10673083-2050-4872-A9EE-BDC2ACF5B986}" type="pres">
+      <dgm:prSet presAssocID="{6B3E2743-27E7-4BDF-9703-6A0388223C7D}" presName="horz1" presStyleCnt="0"/>
+      <dgm:spPr/>
+    </dgm:pt>
+    <dgm:pt modelId="{A19B2900-4DFD-4A56-AA1E-A0D8011D5639}" type="pres">
+      <dgm:prSet presAssocID="{6B3E2743-27E7-4BDF-9703-6A0388223C7D}" presName="tx1" presStyleLbl="revTx" presStyleIdx="6" presStyleCnt="11"/>
+      <dgm:spPr/>
+    </dgm:pt>
+    <dgm:pt modelId="{8C6F03D5-7FC9-4C54-BDE5-0DA2850C295B}" type="pres">
+      <dgm:prSet presAssocID="{6B3E2743-27E7-4BDF-9703-6A0388223C7D}" presName="vert1" presStyleCnt="0"/>
+      <dgm:spPr/>
+    </dgm:pt>
+    <dgm:pt modelId="{A946CD30-BCA2-499B-B9C7-05E4D52EBF37}" type="pres">
+      <dgm:prSet presAssocID="{76C8A65E-0201-4D49-BCE3-A1CE0ABB9D99}" presName="thickLine" presStyleLbl="alignNode1" presStyleIdx="7" presStyleCnt="11"/>
+      <dgm:spPr/>
+    </dgm:pt>
+    <dgm:pt modelId="{8BF4A4FC-FA76-49F6-869C-F9E89B301B43}" type="pres">
+      <dgm:prSet presAssocID="{76C8A65E-0201-4D49-BCE3-A1CE0ABB9D99}" presName="horz1" presStyleCnt="0"/>
+      <dgm:spPr/>
+    </dgm:pt>
+    <dgm:pt modelId="{D3E00D8A-5428-4CFA-B53F-6895A1F6B7CB}" type="pres">
+      <dgm:prSet presAssocID="{76C8A65E-0201-4D49-BCE3-A1CE0ABB9D99}" presName="tx1" presStyleLbl="revTx" presStyleIdx="7" presStyleCnt="11"/>
+      <dgm:spPr/>
+    </dgm:pt>
+    <dgm:pt modelId="{982B9696-3153-4755-8C68-05659B484842}" type="pres">
+      <dgm:prSet presAssocID="{76C8A65E-0201-4D49-BCE3-A1CE0ABB9D99}" presName="vert1" presStyleCnt="0"/>
+      <dgm:spPr/>
+    </dgm:pt>
+    <dgm:pt modelId="{9A61DA2B-2D05-4E00-8985-3D95C0E76F8D}" type="pres">
+      <dgm:prSet presAssocID="{B6650BB1-E49E-4D3C-8424-1096A54F25C0}" presName="thickLine" presStyleLbl="alignNode1" presStyleIdx="8" presStyleCnt="11"/>
+      <dgm:spPr/>
+    </dgm:pt>
+    <dgm:pt modelId="{E4F9AFCF-812B-412F-BA11-CF22B2CD0883}" type="pres">
+      <dgm:prSet presAssocID="{B6650BB1-E49E-4D3C-8424-1096A54F25C0}" presName="horz1" presStyleCnt="0"/>
+      <dgm:spPr/>
+    </dgm:pt>
+    <dgm:pt modelId="{A582FBBD-B838-4122-B7BC-2E4DA4DC0DEB}" type="pres">
+      <dgm:prSet presAssocID="{B6650BB1-E49E-4D3C-8424-1096A54F25C0}" presName="tx1" presStyleLbl="revTx" presStyleIdx="8" presStyleCnt="11"/>
+      <dgm:spPr/>
+    </dgm:pt>
+    <dgm:pt modelId="{54910951-3910-4DFD-AB57-866A03812A1F}" type="pres">
+      <dgm:prSet presAssocID="{B6650BB1-E49E-4D3C-8424-1096A54F25C0}" presName="vert1" presStyleCnt="0"/>
+      <dgm:spPr/>
+    </dgm:pt>
+    <dgm:pt modelId="{F1154946-2DBD-4BF6-B70B-EBE1C19D879B}" type="pres">
+      <dgm:prSet presAssocID="{823D99DB-B138-4137-972D-96219F5236AC}" presName="thickLine" presStyleLbl="alignNode1" presStyleIdx="9" presStyleCnt="11"/>
+      <dgm:spPr/>
+    </dgm:pt>
+    <dgm:pt modelId="{63731BC8-2528-4B5C-B986-FA0CA828AB89}" type="pres">
+      <dgm:prSet presAssocID="{823D99DB-B138-4137-972D-96219F5236AC}" presName="horz1" presStyleCnt="0"/>
+      <dgm:spPr/>
+    </dgm:pt>
+    <dgm:pt modelId="{4A4A4916-74A9-4198-87D8-28AA7AC21CFD}" type="pres">
+      <dgm:prSet presAssocID="{823D99DB-B138-4137-972D-96219F5236AC}" presName="tx1" presStyleLbl="revTx" presStyleIdx="9" presStyleCnt="11"/>
+      <dgm:spPr/>
+    </dgm:pt>
+    <dgm:pt modelId="{A2EB63A6-0DF3-447B-B0FC-C41236AF62F6}" type="pres">
+      <dgm:prSet presAssocID="{823D99DB-B138-4137-972D-96219F5236AC}" presName="vert1" presStyleCnt="0"/>
+      <dgm:spPr/>
+    </dgm:pt>
+    <dgm:pt modelId="{ED64FD6D-740B-4B42-91A3-1A8AA6FB7475}" type="pres">
+      <dgm:prSet presAssocID="{0562B204-F671-4AA9-9D82-BC97D9A602F6}" presName="thickLine" presStyleLbl="alignNode1" presStyleIdx="10" presStyleCnt="11"/>
+      <dgm:spPr/>
+    </dgm:pt>
+    <dgm:pt modelId="{9DFCA9D9-9AC5-4430-BBD2-7D93367AC7E9}" type="pres">
+      <dgm:prSet presAssocID="{0562B204-F671-4AA9-9D82-BC97D9A602F6}" presName="horz1" presStyleCnt="0"/>
+      <dgm:spPr/>
+    </dgm:pt>
+    <dgm:pt modelId="{9230B32D-C148-4723-A56D-6621D7AEC6F8}" type="pres">
+      <dgm:prSet presAssocID="{0562B204-F671-4AA9-9D82-BC97D9A602F6}" presName="tx1" presStyleLbl="revTx" presStyleIdx="10" presStyleCnt="11"/>
+      <dgm:spPr/>
+    </dgm:pt>
+    <dgm:pt modelId="{64A84494-AC47-41D8-8DEB-A4C54AB0E86C}" type="pres">
+      <dgm:prSet presAssocID="{0562B204-F671-4AA9-9D82-BC97D9A602F6}" presName="vert1" presStyleCnt="0"/>
+      <dgm:spPr/>
+    </dgm:pt>
+  </dgm:ptLst>
+  <dgm:cxnLst>
+    <dgm:cxn modelId="{AB109000-4C5B-44FC-A856-D7552217EC16}" type="presOf" srcId="{9CD0EC92-2A57-4632-9D00-0A17C19FB6FB}" destId="{C1F9FC95-EB24-4084-8F62-9AE36C805892}" srcOrd="0" destOrd="0" presId="urn:microsoft.com/office/officeart/2008/layout/LinedList"/>
+    <dgm:cxn modelId="{8757C407-4D70-4D04-ABCE-CF32EC5575E4}" type="presOf" srcId="{76C8A65E-0201-4D49-BCE3-A1CE0ABB9D99}" destId="{D3E00D8A-5428-4CFA-B53F-6895A1F6B7CB}" srcOrd="0" destOrd="0" presId="urn:microsoft.com/office/officeart/2008/layout/LinedList"/>
+    <dgm:cxn modelId="{4F69CC19-0BEF-4DD0-8CA2-721378902716}" type="presOf" srcId="{DECE6800-64C6-4E9A-AE62-926319F343FD}" destId="{E71A00FF-8567-4547-83BD-92B4C6ECCAB3}" srcOrd="0" destOrd="0" presId="urn:microsoft.com/office/officeart/2008/layout/LinedList"/>
+    <dgm:cxn modelId="{E1CAF922-E7A6-44AC-A0A9-012ADCD73861}" srcId="{DECE6800-64C6-4E9A-AE62-926319F343FD}" destId="{D0518112-A81F-45AF-8063-99A64739356C}" srcOrd="1" destOrd="0" parTransId="{65D9ABFC-4775-41F8-9F91-10AEA653E8D7}" sibTransId="{3714614E-CBA0-4DB4-860B-FBDE57AEF23B}"/>
+    <dgm:cxn modelId="{7EE47128-F3CA-414D-BA3F-9F3CFC15849F}" type="presOf" srcId="{1C59C323-4CBD-4FBE-9FFF-53B7D97F3729}" destId="{7AE6848E-534F-4C1E-86DC-F6AE6C2AD889}" srcOrd="0" destOrd="0" presId="urn:microsoft.com/office/officeart/2008/layout/LinedList"/>
+    <dgm:cxn modelId="{9FBC0A37-084E-4284-8648-5754041463C3}" srcId="{DECE6800-64C6-4E9A-AE62-926319F343FD}" destId="{0562B204-F671-4AA9-9D82-BC97D9A602F6}" srcOrd="10" destOrd="0" parTransId="{3D5172C6-D089-439A-9111-8BC458CF7427}" sibTransId="{F3D33A72-D7B9-4E92-97BB-A5F11E86A9F6}"/>
+    <dgm:cxn modelId="{DB3EB25C-5066-4243-8BDD-54BDC1585336}" type="presOf" srcId="{D0518112-A81F-45AF-8063-99A64739356C}" destId="{4B73F31E-DD4F-421B-B2F1-18BA8442B607}" srcOrd="0" destOrd="0" presId="urn:microsoft.com/office/officeart/2008/layout/LinedList"/>
+    <dgm:cxn modelId="{20B19D63-645C-4788-AA76-1B121B9DB26A}" type="presOf" srcId="{0562B204-F671-4AA9-9D82-BC97D9A602F6}" destId="{9230B32D-C148-4723-A56D-6621D7AEC6F8}" srcOrd="0" destOrd="0" presId="urn:microsoft.com/office/officeart/2008/layout/LinedList"/>
+    <dgm:cxn modelId="{74BDE944-8C2C-497B-ACC7-2ADA4D25E7DA}" type="presOf" srcId="{EE08E0CA-489B-4A0B-975C-66E339EA9A50}" destId="{F41B3C12-01C5-46F6-AC38-C673D63598EA}" srcOrd="0" destOrd="0" presId="urn:microsoft.com/office/officeart/2008/layout/LinedList"/>
+    <dgm:cxn modelId="{D570FB44-CF2A-4D91-9ADD-39D0F5878AA0}" srcId="{DECE6800-64C6-4E9A-AE62-926319F343FD}" destId="{9CD0EC92-2A57-4632-9D00-0A17C19FB6FB}" srcOrd="2" destOrd="0" parTransId="{D57192F1-59C5-484D-B437-C95059685954}" sibTransId="{9AC1C4A4-6F7C-4778-8206-3994485CAEA8}"/>
+    <dgm:cxn modelId="{B800546D-B38F-4F6A-8908-32F72D69DC4D}" srcId="{DECE6800-64C6-4E9A-AE62-926319F343FD}" destId="{823D99DB-B138-4137-972D-96219F5236AC}" srcOrd="9" destOrd="0" parTransId="{5936313E-14BE-4B71-8FEA-A341BDD64E3A}" sibTransId="{70F4D639-CB8B-4C3B-9148-A9B2958EFF24}"/>
+    <dgm:cxn modelId="{C6ADCA74-F3DF-4692-973A-1BC7AD788F8C}" type="presOf" srcId="{6B3E2743-27E7-4BDF-9703-6A0388223C7D}" destId="{A19B2900-4DFD-4A56-AA1E-A0D8011D5639}" srcOrd="0" destOrd="0" presId="urn:microsoft.com/office/officeart/2008/layout/LinedList"/>
+    <dgm:cxn modelId="{9E696780-F17B-4BCF-A571-ABDF52F6345E}" srcId="{DECE6800-64C6-4E9A-AE62-926319F343FD}" destId="{B6650BB1-E49E-4D3C-8424-1096A54F25C0}" srcOrd="8" destOrd="0" parTransId="{E35D726A-0412-4060-8EE0-AF3F73A45740}" sibTransId="{E473CAF4-FCE7-4D5E-A24C-89AF295BFBB8}"/>
+    <dgm:cxn modelId="{CAC0DB81-4E1D-4292-9179-C653D546B309}" type="presOf" srcId="{B6650BB1-E49E-4D3C-8424-1096A54F25C0}" destId="{A582FBBD-B838-4122-B7BC-2E4DA4DC0DEB}" srcOrd="0" destOrd="0" presId="urn:microsoft.com/office/officeart/2008/layout/LinedList"/>
+    <dgm:cxn modelId="{9CFA4690-9090-4A7E-9673-327625D8F679}" srcId="{DECE6800-64C6-4E9A-AE62-926319F343FD}" destId="{1C59C323-4CBD-4FBE-9FFF-53B7D97F3729}" srcOrd="5" destOrd="0" parTransId="{1AE291E4-8636-4136-A307-8DDC42EF0A68}" sibTransId="{066513F0-1DBB-44F9-8CA8-C3A59B70DE89}"/>
+    <dgm:cxn modelId="{241CFF97-B20D-40BB-8D98-E718C173EDCD}" type="presOf" srcId="{8DBFD7AC-6054-4DE5-B343-AD50BF7B8C40}" destId="{591A139C-115B-4A3B-98E0-0121C15147AD}" srcOrd="0" destOrd="0" presId="urn:microsoft.com/office/officeart/2008/layout/LinedList"/>
+    <dgm:cxn modelId="{B34A26A5-4579-43A6-A390-72E5B884F586}" srcId="{DECE6800-64C6-4E9A-AE62-926319F343FD}" destId="{8DBFD7AC-6054-4DE5-B343-AD50BF7B8C40}" srcOrd="4" destOrd="0" parTransId="{2D613140-086B-42F3-89B5-DAE5F8972D65}" sibTransId="{8CFD09D3-5971-425F-8210-924BC54EAF8F}"/>
+    <dgm:cxn modelId="{8B2BD7B6-AE48-4723-BD57-9B1EEB41F88A}" type="presOf" srcId="{3CCF3622-7E1E-458E-AF1F-8F6238D385E3}" destId="{286E4828-A97E-44D4-9F46-F3FB91340495}" srcOrd="0" destOrd="0" presId="urn:microsoft.com/office/officeart/2008/layout/LinedList"/>
+    <dgm:cxn modelId="{E759ECC0-E00C-47F5-AEA9-12968A019D69}" srcId="{DECE6800-64C6-4E9A-AE62-926319F343FD}" destId="{76C8A65E-0201-4D49-BCE3-A1CE0ABB9D99}" srcOrd="7" destOrd="0" parTransId="{F3821A2A-97BD-4F38-84F5-2A69C2E42979}" sibTransId="{6E12F36F-7A2B-48A3-A0DA-133249B76849}"/>
+    <dgm:cxn modelId="{108E4CD6-36AD-4321-80C9-29FDB78A0103}" type="presOf" srcId="{823D99DB-B138-4137-972D-96219F5236AC}" destId="{4A4A4916-74A9-4198-87D8-28AA7AC21CFD}" srcOrd="0" destOrd="0" presId="urn:microsoft.com/office/officeart/2008/layout/LinedList"/>
+    <dgm:cxn modelId="{F7ADF4DB-D996-4702-869F-AFD340AE7916}" srcId="{DECE6800-64C6-4E9A-AE62-926319F343FD}" destId="{6B3E2743-27E7-4BDF-9703-6A0388223C7D}" srcOrd="6" destOrd="0" parTransId="{889AFEF0-8F18-4B91-80CB-18249E53BA8F}" sibTransId="{859B44A1-2E4C-4D16-9ED9-0E108F08FA95}"/>
+    <dgm:cxn modelId="{4A8726F5-1C0A-4B60-9BFF-85748DCE4718}" srcId="{DECE6800-64C6-4E9A-AE62-926319F343FD}" destId="{3CCF3622-7E1E-458E-AF1F-8F6238D385E3}" srcOrd="0" destOrd="0" parTransId="{541D42FB-9CE9-46AD-B68E-A40265DB2D5B}" sibTransId="{786E899D-57ED-47CF-96BF-506399895889}"/>
+    <dgm:cxn modelId="{E8C40EF8-74F7-41E6-ADA0-1FA0F1628BFF}" srcId="{DECE6800-64C6-4E9A-AE62-926319F343FD}" destId="{EE08E0CA-489B-4A0B-975C-66E339EA9A50}" srcOrd="3" destOrd="0" parTransId="{F158A87A-F9DC-4508-B11A-849B7487FA7D}" sibTransId="{317DC211-8502-486C-B493-84E015F173BA}"/>
+    <dgm:cxn modelId="{3D50C5C2-F1FB-4665-A742-0699A90D4543}" type="presParOf" srcId="{E71A00FF-8567-4547-83BD-92B4C6ECCAB3}" destId="{8C6E7446-D4E8-4838-BB67-4F2EF87570C1}" srcOrd="0" destOrd="0" presId="urn:microsoft.com/office/officeart/2008/layout/LinedList"/>
+    <dgm:cxn modelId="{8811E305-3FF8-467A-A6BD-A7E8171AFA62}" type="presParOf" srcId="{E71A00FF-8567-4547-83BD-92B4C6ECCAB3}" destId="{8ADD5B1F-9417-40EA-89B6-024892981AA4}" srcOrd="1" destOrd="0" presId="urn:microsoft.com/office/officeart/2008/layout/LinedList"/>
+    <dgm:cxn modelId="{262A5135-35EE-4066-8E03-728139ED2091}" type="presParOf" srcId="{8ADD5B1F-9417-40EA-89B6-024892981AA4}" destId="{286E4828-A97E-44D4-9F46-F3FB91340495}" srcOrd="0" destOrd="0" presId="urn:microsoft.com/office/officeart/2008/layout/LinedList"/>
+    <dgm:cxn modelId="{82767249-A039-4ABC-8960-F43F13056685}" type="presParOf" srcId="{8ADD5B1F-9417-40EA-89B6-024892981AA4}" destId="{43231C73-3DF8-409F-A14A-8577747BE53B}" srcOrd="1" destOrd="0" presId="urn:microsoft.com/office/officeart/2008/layout/LinedList"/>
+    <dgm:cxn modelId="{4DFBDF84-B0A1-4C7C-B9EC-C4503688FD9B}" type="presParOf" srcId="{E71A00FF-8567-4547-83BD-92B4C6ECCAB3}" destId="{226869FF-65CA-43D3-ABEE-634BC2C3FF45}" srcOrd="2" destOrd="0" presId="urn:microsoft.com/office/officeart/2008/layout/LinedList"/>
+    <dgm:cxn modelId="{3B60EB77-BDDE-4030-AEB5-D33A9E1809C9}" type="presParOf" srcId="{E71A00FF-8567-4547-83BD-92B4C6ECCAB3}" destId="{A6A423FB-2EB0-4DFE-BE46-B786316A409B}" srcOrd="3" destOrd="0" presId="urn:microsoft.com/office/officeart/2008/layout/LinedList"/>
+    <dgm:cxn modelId="{F421C599-338A-4D19-B396-0CE8FBBC5336}" type="presParOf" srcId="{A6A423FB-2EB0-4DFE-BE46-B786316A409B}" destId="{4B73F31E-DD4F-421B-B2F1-18BA8442B607}" srcOrd="0" destOrd="0" presId="urn:microsoft.com/office/officeart/2008/layout/LinedList"/>
+    <dgm:cxn modelId="{250E4780-FD55-47A7-B17A-38FF3F8C261D}" type="presParOf" srcId="{A6A423FB-2EB0-4DFE-BE46-B786316A409B}" destId="{379C6B76-33F6-4032-9473-E20599C975BC}" srcOrd="1" destOrd="0" presId="urn:microsoft.com/office/officeart/2008/layout/LinedList"/>
+    <dgm:cxn modelId="{C8B7B60E-675C-4E3B-96A8-31400FF4A22E}" type="presParOf" srcId="{E71A00FF-8567-4547-83BD-92B4C6ECCAB3}" destId="{D1B6387D-B263-48F7-B215-86B39A11B701}" srcOrd="4" destOrd="0" presId="urn:microsoft.com/office/officeart/2008/layout/LinedList"/>
+    <dgm:cxn modelId="{5E0EDC34-23D5-4FCA-916A-B672A338D62F}" type="presParOf" srcId="{E71A00FF-8567-4547-83BD-92B4C6ECCAB3}" destId="{F313ACA1-4234-4C4C-B923-E462EFBC7E1C}" srcOrd="5" destOrd="0" presId="urn:microsoft.com/office/officeart/2008/layout/LinedList"/>
+    <dgm:cxn modelId="{B0394975-804F-4F92-97F6-56107F94A309}" type="presParOf" srcId="{F313ACA1-4234-4C4C-B923-E462EFBC7E1C}" destId="{C1F9FC95-EB24-4084-8F62-9AE36C805892}" srcOrd="0" destOrd="0" presId="urn:microsoft.com/office/officeart/2008/layout/LinedList"/>
+    <dgm:cxn modelId="{08DFD504-05B8-425C-B188-10B0CCCD98C6}" type="presParOf" srcId="{F313ACA1-4234-4C4C-B923-E462EFBC7E1C}" destId="{345F74C5-4B52-4726-BDF1-B4DE01E59D69}" srcOrd="1" destOrd="0" presId="urn:microsoft.com/office/officeart/2008/layout/LinedList"/>
+    <dgm:cxn modelId="{509D6D5C-DB63-46D2-8106-5315A34AF969}" type="presParOf" srcId="{E71A00FF-8567-4547-83BD-92B4C6ECCAB3}" destId="{366D05AE-2654-40AE-B4A1-F0CED6AFB36D}" srcOrd="6" destOrd="0" presId="urn:microsoft.com/office/officeart/2008/layout/LinedList"/>
+    <dgm:cxn modelId="{5814A590-7D0F-4891-AF22-C30AA62011B8}" type="presParOf" srcId="{E71A00FF-8567-4547-83BD-92B4C6ECCAB3}" destId="{B8B892F8-D46A-4DCB-832A-5762711CE0B0}" srcOrd="7" destOrd="0" presId="urn:microsoft.com/office/officeart/2008/layout/LinedList"/>
+    <dgm:cxn modelId="{F3CAAE17-7BEB-4E34-BE46-E880A5D70CDE}" type="presParOf" srcId="{B8B892F8-D46A-4DCB-832A-5762711CE0B0}" destId="{F41B3C12-01C5-46F6-AC38-C673D63598EA}" srcOrd="0" destOrd="0" presId="urn:microsoft.com/office/officeart/2008/layout/LinedList"/>
+    <dgm:cxn modelId="{D17E458A-A6AD-4528-A1DD-4C110DE57F55}" type="presParOf" srcId="{B8B892F8-D46A-4DCB-832A-5762711CE0B0}" destId="{741F6E8C-271C-4AA3-B3D3-65B3F67BB0BB}" srcOrd="1" destOrd="0" presId="urn:microsoft.com/office/officeart/2008/layout/LinedList"/>
+    <dgm:cxn modelId="{BA7DFDAD-51F1-452B-86D1-112C123451A7}" type="presParOf" srcId="{E71A00FF-8567-4547-83BD-92B4C6ECCAB3}" destId="{78B86CA8-3F5D-46A2-B2FC-3FF7A5D25EE1}" srcOrd="8" destOrd="0" presId="urn:microsoft.com/office/officeart/2008/layout/LinedList"/>
+    <dgm:cxn modelId="{3A5BF1F1-7D06-4DCC-99E8-289AC7684E1D}" type="presParOf" srcId="{E71A00FF-8567-4547-83BD-92B4C6ECCAB3}" destId="{9760600D-C9FA-466F-8D4F-D9307A6CC419}" srcOrd="9" destOrd="0" presId="urn:microsoft.com/office/officeart/2008/layout/LinedList"/>
+    <dgm:cxn modelId="{D9227C06-1F56-4C04-9D2F-8585206B17CA}" type="presParOf" srcId="{9760600D-C9FA-466F-8D4F-D9307A6CC419}" destId="{591A139C-115B-4A3B-98E0-0121C15147AD}" srcOrd="0" destOrd="0" presId="urn:microsoft.com/office/officeart/2008/layout/LinedList"/>
+    <dgm:cxn modelId="{91D1BEDB-89A8-415B-995A-FB6971D23203}" type="presParOf" srcId="{9760600D-C9FA-466F-8D4F-D9307A6CC419}" destId="{A457B8FA-FBBE-424C-BAED-12D9B54A7830}" srcOrd="1" destOrd="0" presId="urn:microsoft.com/office/officeart/2008/layout/LinedList"/>
+    <dgm:cxn modelId="{71C00A81-151B-4CF5-AB8C-5B8EB7CBFA9F}" type="presParOf" srcId="{E71A00FF-8567-4547-83BD-92B4C6ECCAB3}" destId="{F776F01C-12C8-448D-922B-D5CCD29D3576}" srcOrd="10" destOrd="0" presId="urn:microsoft.com/office/officeart/2008/layout/LinedList"/>
+    <dgm:cxn modelId="{924A22E5-CD66-4121-BCAC-A96E544EB734}" type="presParOf" srcId="{E71A00FF-8567-4547-83BD-92B4C6ECCAB3}" destId="{68FB3BB9-6252-437D-88BF-81A049509300}" srcOrd="11" destOrd="0" presId="urn:microsoft.com/office/officeart/2008/layout/LinedList"/>
+    <dgm:cxn modelId="{2685ABC3-B111-4F0D-9B58-9DE148C05DC5}" type="presParOf" srcId="{68FB3BB9-6252-437D-88BF-81A049509300}" destId="{7AE6848E-534F-4C1E-86DC-F6AE6C2AD889}" srcOrd="0" destOrd="0" presId="urn:microsoft.com/office/officeart/2008/layout/LinedList"/>
+    <dgm:cxn modelId="{3F40A4DA-2337-437C-889B-275DE3CFE105}" type="presParOf" srcId="{68FB3BB9-6252-437D-88BF-81A049509300}" destId="{B1E67E6A-BB92-42CB-9DED-FEEAF4E0015B}" srcOrd="1" destOrd="0" presId="urn:microsoft.com/office/officeart/2008/layout/LinedList"/>
+    <dgm:cxn modelId="{C69005EB-6CD7-4A5C-9DBC-DA92930A3FEB}" type="presParOf" srcId="{E71A00FF-8567-4547-83BD-92B4C6ECCAB3}" destId="{FEB4EA1C-588F-4EDD-96A9-E66EE97938FD}" srcOrd="12" destOrd="0" presId="urn:microsoft.com/office/officeart/2008/layout/LinedList"/>
+    <dgm:cxn modelId="{0DE575D6-5392-47B8-B656-53A43E07012E}" type="presParOf" srcId="{E71A00FF-8567-4547-83BD-92B4C6ECCAB3}" destId="{10673083-2050-4872-A9EE-BDC2ACF5B986}" srcOrd="13" destOrd="0" presId="urn:microsoft.com/office/officeart/2008/layout/LinedList"/>
+    <dgm:cxn modelId="{4A65BA9D-9A80-400B-9148-04BB7CB134D2}" type="presParOf" srcId="{10673083-2050-4872-A9EE-BDC2ACF5B986}" destId="{A19B2900-4DFD-4A56-AA1E-A0D8011D5639}" srcOrd="0" destOrd="0" presId="urn:microsoft.com/office/officeart/2008/layout/LinedList"/>
+    <dgm:cxn modelId="{373B6376-52CC-4912-9E95-A16A44D99B34}" type="presParOf" srcId="{10673083-2050-4872-A9EE-BDC2ACF5B986}" destId="{8C6F03D5-7FC9-4C54-BDE5-0DA2850C295B}" srcOrd="1" destOrd="0" presId="urn:microsoft.com/office/officeart/2008/layout/LinedList"/>
+    <dgm:cxn modelId="{6152495B-03CE-4C27-BDD0-D855442EFC32}" type="presParOf" srcId="{E71A00FF-8567-4547-83BD-92B4C6ECCAB3}" destId="{A946CD30-BCA2-499B-B9C7-05E4D52EBF37}" srcOrd="14" destOrd="0" presId="urn:microsoft.com/office/officeart/2008/layout/LinedList"/>
+    <dgm:cxn modelId="{6BFF954E-7329-4319-B388-F281A631052A}" type="presParOf" srcId="{E71A00FF-8567-4547-83BD-92B4C6ECCAB3}" destId="{8BF4A4FC-FA76-49F6-869C-F9E89B301B43}" srcOrd="15" destOrd="0" presId="urn:microsoft.com/office/officeart/2008/layout/LinedList"/>
+    <dgm:cxn modelId="{A578BC2D-01C8-4DB7-84E1-FD281718BD57}" type="presParOf" srcId="{8BF4A4FC-FA76-49F6-869C-F9E89B301B43}" destId="{D3E00D8A-5428-4CFA-B53F-6895A1F6B7CB}" srcOrd="0" destOrd="0" presId="urn:microsoft.com/office/officeart/2008/layout/LinedList"/>
+    <dgm:cxn modelId="{4A4DDA6F-881F-4B04-82F2-24F2817A730D}" type="presParOf" srcId="{8BF4A4FC-FA76-49F6-869C-F9E89B301B43}" destId="{982B9696-3153-4755-8C68-05659B484842}" srcOrd="1" destOrd="0" presId="urn:microsoft.com/office/officeart/2008/layout/LinedList"/>
+    <dgm:cxn modelId="{D0A7C862-81B4-4AD9-9A69-B484ABAC14A2}" type="presParOf" srcId="{E71A00FF-8567-4547-83BD-92B4C6ECCAB3}" destId="{9A61DA2B-2D05-4E00-8985-3D95C0E76F8D}" srcOrd="16" destOrd="0" presId="urn:microsoft.com/office/officeart/2008/layout/LinedList"/>
+    <dgm:cxn modelId="{CD590F5C-079A-44D4-BDCD-EC21BD5250AA}" type="presParOf" srcId="{E71A00FF-8567-4547-83BD-92B4C6ECCAB3}" destId="{E4F9AFCF-812B-412F-BA11-CF22B2CD0883}" srcOrd="17" destOrd="0" presId="urn:microsoft.com/office/officeart/2008/layout/LinedList"/>
+    <dgm:cxn modelId="{0B865CD9-9D02-4DF6-AF52-BD847198C01F}" type="presParOf" srcId="{E4F9AFCF-812B-412F-BA11-CF22B2CD0883}" destId="{A582FBBD-B838-4122-B7BC-2E4DA4DC0DEB}" srcOrd="0" destOrd="0" presId="urn:microsoft.com/office/officeart/2008/layout/LinedList"/>
+    <dgm:cxn modelId="{30380DF3-B26A-44FA-AF3F-A6AB058B8B32}" type="presParOf" srcId="{E4F9AFCF-812B-412F-BA11-CF22B2CD0883}" destId="{54910951-3910-4DFD-AB57-866A03812A1F}" srcOrd="1" destOrd="0" presId="urn:microsoft.com/office/officeart/2008/layout/LinedList"/>
+    <dgm:cxn modelId="{90985B23-E4AE-4416-A883-0CC08C2947F3}" type="presParOf" srcId="{E71A00FF-8567-4547-83BD-92B4C6ECCAB3}" destId="{F1154946-2DBD-4BF6-B70B-EBE1C19D879B}" srcOrd="18" destOrd="0" presId="urn:microsoft.com/office/officeart/2008/layout/LinedList"/>
+    <dgm:cxn modelId="{46D3A050-4745-43A9-BB95-394CD08800BA}" type="presParOf" srcId="{E71A00FF-8567-4547-83BD-92B4C6ECCAB3}" destId="{63731BC8-2528-4B5C-B986-FA0CA828AB89}" srcOrd="19" destOrd="0" presId="urn:microsoft.com/office/officeart/2008/layout/LinedList"/>
+    <dgm:cxn modelId="{97A6E16E-6A70-46A3-9E76-CB9E6F4BFD02}" type="presParOf" srcId="{63731BC8-2528-4B5C-B986-FA0CA828AB89}" destId="{4A4A4916-74A9-4198-87D8-28AA7AC21CFD}" srcOrd="0" destOrd="0" presId="urn:microsoft.com/office/officeart/2008/layout/LinedList"/>
+    <dgm:cxn modelId="{92E81933-4ED9-4FC0-9D67-8362C388DFC4}" type="presParOf" srcId="{63731BC8-2528-4B5C-B986-FA0CA828AB89}" destId="{A2EB63A6-0DF3-447B-B0FC-C41236AF62F6}" srcOrd="1" destOrd="0" presId="urn:microsoft.com/office/officeart/2008/layout/LinedList"/>
+    <dgm:cxn modelId="{972B1F37-01D0-4204-AAE6-02B20A71AC9E}" type="presParOf" srcId="{E71A00FF-8567-4547-83BD-92B4C6ECCAB3}" destId="{ED64FD6D-740B-4B42-91A3-1A8AA6FB7475}" srcOrd="20" destOrd="0" presId="urn:microsoft.com/office/officeart/2008/layout/LinedList"/>
+    <dgm:cxn modelId="{AA39726E-4D46-444C-A733-8E98FAB6F889}" type="presParOf" srcId="{E71A00FF-8567-4547-83BD-92B4C6ECCAB3}" destId="{9DFCA9D9-9AC5-4430-BBD2-7D93367AC7E9}" srcOrd="21" destOrd="0" presId="urn:microsoft.com/office/officeart/2008/layout/LinedList"/>
+    <dgm:cxn modelId="{8BFE747A-9593-4C04-8963-321A9E93D2F1}" type="presParOf" srcId="{9DFCA9D9-9AC5-4430-BBD2-7D93367AC7E9}" destId="{9230B32D-C148-4723-A56D-6621D7AEC6F8}" srcOrd="0" destOrd="0" presId="urn:microsoft.com/office/officeart/2008/layout/LinedList"/>
+    <dgm:cxn modelId="{4E35252F-8C7A-4A55-8AD7-03F908C9CEAC}" type="presParOf" srcId="{9DFCA9D9-9AC5-4430-BBD2-7D93367AC7E9}" destId="{64A84494-AC47-41D8-8DEB-A4C54AB0E86C}" srcOrd="1" destOrd="0" presId="urn:microsoft.com/office/officeart/2008/layout/LinedList"/>
+  </dgm:cxnLst>
+  <dgm:bg/>
+  <dgm:whole/>
+  <dgm:extLst>
+    <a:ext uri="http://schemas.microsoft.com/office/drawing/2008/diagram">
+      <dsp:dataModelExt xmlns:dsp="http://schemas.microsoft.com/office/drawing/2008/diagram" relId="rId10" minVer="http://schemas.openxmlformats.org/drawingml/2006/diagram"/>
+    </a:ext>
+  </dgm:extLst>
+</dgm:dataModel>
+</file>
+
+<file path=ppt/diagrams/drawing1.xml><?xml version="1.0" encoding="utf-8"?>
+<dsp:drawing xmlns:dgm="http://schemas.openxmlformats.org/drawingml/2006/diagram" xmlns:dsp="http://schemas.microsoft.com/office/drawing/2008/diagram" xmlns:a="http://schemas.openxmlformats.org/drawingml/2006/main">
+  <dsp:spTree>
+    <dsp:nvGrpSpPr>
+      <dsp:cNvPr id="0" name=""/>
+      <dsp:cNvGrpSpPr/>
+    </dsp:nvGrpSpPr>
+    <dsp:grpSpPr/>
+    <dsp:sp modelId="{8C6E7446-D4E8-4838-BB67-4F2EF87570C1}">
+      <dsp:nvSpPr>
+        <dsp:cNvPr id="0" name=""/>
+        <dsp:cNvSpPr/>
+      </dsp:nvSpPr>
+      <dsp:spPr>
+        <a:xfrm>
+          <a:off x="0" y="2487"/>
+          <a:ext cx="8169216" cy="0"/>
+        </a:xfrm>
+        <a:prstGeom prst="line">
+          <a:avLst/>
+        </a:prstGeom>
+        <a:solidFill>
+          <a:schemeClr val="accent1">
+            <a:hueOff val="0"/>
+            <a:satOff val="0"/>
+            <a:lumOff val="0"/>
+            <a:alphaOff val="0"/>
+          </a:schemeClr>
+        </a:solidFill>
+        <a:ln w="12700" cap="flat" cmpd="sng" algn="ctr">
+          <a:solidFill>
+            <a:schemeClr val="accent1">
+              <a:hueOff val="0"/>
+              <a:satOff val="0"/>
+              <a:lumOff val="0"/>
+              <a:alphaOff val="0"/>
+            </a:schemeClr>
+          </a:solidFill>
+          <a:prstDash val="solid"/>
+          <a:miter lim="800000"/>
+        </a:ln>
+        <a:effectLst/>
+      </dsp:spPr>
+      <dsp:style>
+        <a:lnRef idx="2">
+          <a:scrgbClr r="0" g="0" b="0"/>
+        </a:lnRef>
+        <a:fillRef idx="1">
+          <a:scrgbClr r="0" g="0" b="0"/>
+        </a:fillRef>
+        <a:effectRef idx="0">
+          <a:scrgbClr r="0" g="0" b="0"/>
+        </a:effectRef>
+        <a:fontRef idx="minor">
+          <a:schemeClr val="lt1"/>
+        </a:fontRef>
+      </dsp:style>
+    </dsp:sp>
+    <dsp:sp modelId="{286E4828-A97E-44D4-9F46-F3FB91340495}">
+      <dsp:nvSpPr>
+        <dsp:cNvPr id="0" name=""/>
+        <dsp:cNvSpPr/>
+      </dsp:nvSpPr>
+      <dsp:spPr>
+        <a:xfrm>
+          <a:off x="0" y="2487"/>
+          <a:ext cx="8169216" cy="462611"/>
+        </a:xfrm>
+        <a:prstGeom prst="rect">
+          <a:avLst/>
+        </a:prstGeom>
+        <a:noFill/>
+        <a:ln>
+          <a:noFill/>
+        </a:ln>
+        <a:effectLst/>
+      </dsp:spPr>
+      <dsp:style>
+        <a:lnRef idx="0">
+          <a:scrgbClr r="0" g="0" b="0"/>
+        </a:lnRef>
+        <a:fillRef idx="0">
+          <a:scrgbClr r="0" g="0" b="0"/>
+        </a:fillRef>
+        <a:effectRef idx="0">
+          <a:scrgbClr r="0" g="0" b="0"/>
+        </a:effectRef>
+        <a:fontRef idx="minor"/>
+      </dsp:style>
+      <dsp:txBody>
+        <a:bodyPr spcFirstLastPara="0" vert="horz" wrap="square" lIns="60960" tIns="60960" rIns="60960" bIns="60960" numCol="1" spcCol="1270" anchor="t" anchorCtr="0">
+          <a:noAutofit/>
+        </a:bodyPr>
+        <a:lstStyle/>
+        <a:p>
+          <a:pPr marL="0" lvl="0" indent="0" algn="l" defTabSz="711200">
+            <a:lnSpc>
+              <a:spcPct val="90000"/>
+            </a:lnSpc>
+            <a:spcBef>
+              <a:spcPct val="0"/>
+            </a:spcBef>
+            <a:spcAft>
+              <a:spcPct val="35000"/>
+            </a:spcAft>
+            <a:buNone/>
+          </a:pPr>
+          <a:r>
+            <a:rPr lang="en-US" sz="1600" b="1" i="0" kern="1200"/>
+            <a:t>Key Points:</a:t>
+          </a:r>
+          <a:endParaRPr lang="en-US" sz="1600" kern="1200"/>
+        </a:p>
+      </dsp:txBody>
+      <dsp:txXfrm>
+        <a:off x="0" y="2487"/>
+        <a:ext cx="8169216" cy="462611"/>
+      </dsp:txXfrm>
+    </dsp:sp>
+    <dsp:sp modelId="{226869FF-65CA-43D3-ABEE-634BC2C3FF45}">
+      <dsp:nvSpPr>
+        <dsp:cNvPr id="0" name=""/>
+        <dsp:cNvSpPr/>
+      </dsp:nvSpPr>
+      <dsp:spPr>
+        <a:xfrm>
+          <a:off x="0" y="465098"/>
+          <a:ext cx="8169216" cy="0"/>
+        </a:xfrm>
+        <a:prstGeom prst="line">
+          <a:avLst/>
+        </a:prstGeom>
+        <a:solidFill>
+          <a:schemeClr val="accent1">
+            <a:hueOff val="0"/>
+            <a:satOff val="0"/>
+            <a:lumOff val="0"/>
+            <a:alphaOff val="0"/>
+          </a:schemeClr>
+        </a:solidFill>
+        <a:ln w="12700" cap="flat" cmpd="sng" algn="ctr">
+          <a:solidFill>
+            <a:schemeClr val="accent1">
+              <a:hueOff val="0"/>
+              <a:satOff val="0"/>
+              <a:lumOff val="0"/>
+              <a:alphaOff val="0"/>
+            </a:schemeClr>
+          </a:solidFill>
+          <a:prstDash val="solid"/>
+          <a:miter lim="800000"/>
+        </a:ln>
+        <a:effectLst/>
+      </dsp:spPr>
+      <dsp:style>
+        <a:lnRef idx="2">
+          <a:scrgbClr r="0" g="0" b="0"/>
+        </a:lnRef>
+        <a:fillRef idx="1">
+          <a:scrgbClr r="0" g="0" b="0"/>
+        </a:fillRef>
+        <a:effectRef idx="0">
+          <a:scrgbClr r="0" g="0" b="0"/>
+        </a:effectRef>
+        <a:fontRef idx="minor">
+          <a:schemeClr val="lt1"/>
+        </a:fontRef>
+      </dsp:style>
+    </dsp:sp>
+    <dsp:sp modelId="{4B73F31E-DD4F-421B-B2F1-18BA8442B607}">
+      <dsp:nvSpPr>
+        <dsp:cNvPr id="0" name=""/>
+        <dsp:cNvSpPr/>
+      </dsp:nvSpPr>
+      <dsp:spPr>
+        <a:xfrm>
+          <a:off x="0" y="465098"/>
+          <a:ext cx="8169216" cy="462611"/>
+        </a:xfrm>
+        <a:prstGeom prst="rect">
+          <a:avLst/>
+        </a:prstGeom>
+        <a:noFill/>
+        <a:ln>
+          <a:noFill/>
+        </a:ln>
+        <a:effectLst/>
+      </dsp:spPr>
+      <dsp:style>
+        <a:lnRef idx="0">
+          <a:scrgbClr r="0" g="0" b="0"/>
+        </a:lnRef>
+        <a:fillRef idx="0">
+          <a:scrgbClr r="0" g="0" b="0"/>
+        </a:fillRef>
+        <a:effectRef idx="0">
+          <a:scrgbClr r="0" g="0" b="0"/>
+        </a:effectRef>
+        <a:fontRef idx="minor"/>
+      </dsp:style>
+      <dsp:txBody>
+        <a:bodyPr spcFirstLastPara="0" vert="horz" wrap="square" lIns="60960" tIns="60960" rIns="60960" bIns="60960" numCol="1" spcCol="1270" anchor="t" anchorCtr="0">
+          <a:noAutofit/>
+        </a:bodyPr>
+        <a:lstStyle/>
+        <a:p>
+          <a:pPr marL="0" lvl="0" indent="0" algn="l" defTabSz="711200">
+            <a:lnSpc>
+              <a:spcPct val="90000"/>
+            </a:lnSpc>
+            <a:spcBef>
+              <a:spcPct val="0"/>
+            </a:spcBef>
+            <a:spcAft>
+              <a:spcPct val="35000"/>
+            </a:spcAft>
+            <a:buNone/>
+          </a:pPr>
+          <a:r>
+            <a:rPr lang="en-US" sz="1600" b="0" i="0" kern="1200" dirty="0"/>
+            <a:t>"24/7 Support": the round-the-clock availability and responsiveness of conversational agents.</a:t>
+          </a:r>
+          <a:endParaRPr lang="en-US" sz="1600" kern="1200" dirty="0"/>
+        </a:p>
+      </dsp:txBody>
+      <dsp:txXfrm>
+        <a:off x="0" y="465098"/>
+        <a:ext cx="8169216" cy="462611"/>
+      </dsp:txXfrm>
+    </dsp:sp>
+    <dsp:sp modelId="{D1B6387D-B263-48F7-B215-86B39A11B701}">
+      <dsp:nvSpPr>
+        <dsp:cNvPr id="0" name=""/>
+        <dsp:cNvSpPr/>
+      </dsp:nvSpPr>
+      <dsp:spPr>
+        <a:xfrm>
+          <a:off x="0" y="927710"/>
+          <a:ext cx="8169216" cy="0"/>
+        </a:xfrm>
+        <a:prstGeom prst="line">
+          <a:avLst/>
+        </a:prstGeom>
+        <a:solidFill>
+          <a:schemeClr val="accent1">
+            <a:hueOff val="0"/>
+            <a:satOff val="0"/>
+            <a:lumOff val="0"/>
+            <a:alphaOff val="0"/>
+          </a:schemeClr>
+        </a:solidFill>
+        <a:ln w="12700" cap="flat" cmpd="sng" algn="ctr">
+          <a:solidFill>
+            <a:schemeClr val="accent1">
+              <a:hueOff val="0"/>
+              <a:satOff val="0"/>
+              <a:lumOff val="0"/>
+              <a:alphaOff val="0"/>
+            </a:schemeClr>
+          </a:solidFill>
+          <a:prstDash val="solid"/>
+          <a:miter lim="800000"/>
+        </a:ln>
+        <a:effectLst/>
+      </dsp:spPr>
+      <dsp:style>
+        <a:lnRef idx="2">
+          <a:scrgbClr r="0" g="0" b="0"/>
+        </a:lnRef>
+        <a:fillRef idx="1">
+          <a:scrgbClr r="0" g="0" b="0"/>
+        </a:fillRef>
+        <a:effectRef idx="0">
+          <a:scrgbClr r="0" g="0" b="0"/>
+        </a:effectRef>
+        <a:fontRef idx="minor">
+          <a:schemeClr val="lt1"/>
+        </a:fontRef>
+      </dsp:style>
+    </dsp:sp>
+    <dsp:sp modelId="{C1F9FC95-EB24-4084-8F62-9AE36C805892}">
+      <dsp:nvSpPr>
+        <dsp:cNvPr id="0" name=""/>
+        <dsp:cNvSpPr/>
+      </dsp:nvSpPr>
+      <dsp:spPr>
+        <a:xfrm>
+          <a:off x="0" y="927710"/>
+          <a:ext cx="8169216" cy="462611"/>
+        </a:xfrm>
+        <a:prstGeom prst="rect">
+          <a:avLst/>
+        </a:prstGeom>
+        <a:noFill/>
+        <a:ln>
+          <a:noFill/>
+        </a:ln>
+        <a:effectLst/>
+      </dsp:spPr>
+      <dsp:style>
+        <a:lnRef idx="0">
+          <a:scrgbClr r="0" g="0" b="0"/>
+        </a:lnRef>
+        <a:fillRef idx="0">
+          <a:scrgbClr r="0" g="0" b="0"/>
+        </a:fillRef>
+        <a:effectRef idx="0">
+          <a:scrgbClr r="0" g="0" b="0"/>
+        </a:effectRef>
+        <a:fontRef idx="minor"/>
+      </dsp:style>
+      <dsp:txBody>
+        <a:bodyPr spcFirstLastPara="0" vert="horz" wrap="square" lIns="60960" tIns="60960" rIns="60960" bIns="60960" numCol="1" spcCol="1270" anchor="t" anchorCtr="0">
+          <a:noAutofit/>
+        </a:bodyPr>
+        <a:lstStyle/>
+        <a:p>
+          <a:pPr marL="0" lvl="0" indent="0" algn="l" defTabSz="711200">
+            <a:lnSpc>
+              <a:spcPct val="90000"/>
+            </a:lnSpc>
+            <a:spcBef>
+              <a:spcPct val="0"/>
+            </a:spcBef>
+            <a:spcAft>
+              <a:spcPct val="35000"/>
+            </a:spcAft>
+            <a:buNone/>
+          </a:pPr>
+          <a:r>
+            <a:rPr lang="en-US" sz="1600" b="0" i="0" kern="1200" dirty="0"/>
+            <a:t>"Cost Efficiency": cost savings through automation.</a:t>
+          </a:r>
+          <a:endParaRPr lang="en-US" sz="1600" kern="1200" dirty="0"/>
+        </a:p>
+      </dsp:txBody>
+      <dsp:txXfrm>
+        <a:off x="0" y="927710"/>
+        <a:ext cx="8169216" cy="462611"/>
+      </dsp:txXfrm>
+    </dsp:sp>
+    <dsp:sp modelId="{366D05AE-2654-40AE-B4A1-F0CED6AFB36D}">
+      <dsp:nvSpPr>
+        <dsp:cNvPr id="0" name=""/>
+        <dsp:cNvSpPr/>
+      </dsp:nvSpPr>
+      <dsp:spPr>
+        <a:xfrm>
+          <a:off x="0" y="1390321"/>
+          <a:ext cx="8169216" cy="0"/>
+        </a:xfrm>
+        <a:prstGeom prst="line">
+          <a:avLst/>
+        </a:prstGeom>
+        <a:solidFill>
+          <a:schemeClr val="accent1">
+            <a:hueOff val="0"/>
+            <a:satOff val="0"/>
+            <a:lumOff val="0"/>
+            <a:alphaOff val="0"/>
+          </a:schemeClr>
+        </a:solidFill>
+        <a:ln w="12700" cap="flat" cmpd="sng" algn="ctr">
+          <a:solidFill>
+            <a:schemeClr val="accent1">
+              <a:hueOff val="0"/>
+              <a:satOff val="0"/>
+              <a:lumOff val="0"/>
+              <a:alphaOff val="0"/>
+            </a:schemeClr>
+          </a:solidFill>
+          <a:prstDash val="solid"/>
+          <a:miter lim="800000"/>
+        </a:ln>
+        <a:effectLst/>
+      </dsp:spPr>
+      <dsp:style>
+        <a:lnRef idx="2">
+          <a:scrgbClr r="0" g="0" b="0"/>
+        </a:lnRef>
+        <a:fillRef idx="1">
+          <a:scrgbClr r="0" g="0" b="0"/>
+        </a:fillRef>
+        <a:effectRef idx="0">
+          <a:scrgbClr r="0" g="0" b="0"/>
+        </a:effectRef>
+        <a:fontRef idx="minor">
+          <a:schemeClr val="lt1"/>
+        </a:fontRef>
+      </dsp:style>
+    </dsp:sp>
+    <dsp:sp modelId="{F41B3C12-01C5-46F6-AC38-C673D63598EA}">
+      <dsp:nvSpPr>
+        <dsp:cNvPr id="0" name=""/>
+        <dsp:cNvSpPr/>
+      </dsp:nvSpPr>
+      <dsp:spPr>
+        <a:xfrm>
+          <a:off x="0" y="1390321"/>
+          <a:ext cx="8169216" cy="462611"/>
+        </a:xfrm>
+        <a:prstGeom prst="rect">
+          <a:avLst/>
+        </a:prstGeom>
+        <a:noFill/>
+        <a:ln>
+          <a:noFill/>
+        </a:ln>
+        <a:effectLst/>
+      </dsp:spPr>
+      <dsp:style>
+        <a:lnRef idx="0">
+          <a:scrgbClr r="0" g="0" b="0"/>
+        </a:lnRef>
+        <a:fillRef idx="0">
+          <a:scrgbClr r="0" g="0" b="0"/>
+        </a:fillRef>
+        <a:effectRef idx="0">
+          <a:scrgbClr r="0" g="0" b="0"/>
+        </a:effectRef>
+        <a:fontRef idx="minor"/>
+      </dsp:style>
+      <dsp:txBody>
+        <a:bodyPr spcFirstLastPara="0" vert="horz" wrap="square" lIns="60960" tIns="60960" rIns="60960" bIns="60960" numCol="1" spcCol="1270" anchor="t" anchorCtr="0">
+          <a:noAutofit/>
+        </a:bodyPr>
+        <a:lstStyle/>
+        <a:p>
+          <a:pPr marL="0" lvl="0" indent="0" algn="l" defTabSz="711200">
+            <a:lnSpc>
+              <a:spcPct val="90000"/>
+            </a:lnSpc>
+            <a:spcBef>
+              <a:spcPct val="0"/>
+            </a:spcBef>
+            <a:spcAft>
+              <a:spcPct val="35000"/>
+            </a:spcAft>
+            <a:buNone/>
+          </a:pPr>
+          <a:r>
+            <a:rPr lang="en-US" sz="1600" b="0" i="0" kern="1200" dirty="0"/>
+            <a:t>"Personalization": the ability to provide tailored experiences.</a:t>
+          </a:r>
+          <a:endParaRPr lang="en-US" sz="1600" kern="1200" dirty="0"/>
+        </a:p>
+      </dsp:txBody>
+      <dsp:txXfrm>
+        <a:off x="0" y="1390321"/>
+        <a:ext cx="8169216" cy="462611"/>
+      </dsp:txXfrm>
+    </dsp:sp>
+    <dsp:sp modelId="{78B86CA8-3F5D-46A2-B2FC-3FF7A5D25EE1}">
+      <dsp:nvSpPr>
+        <dsp:cNvPr id="0" name=""/>
+        <dsp:cNvSpPr/>
+      </dsp:nvSpPr>
+      <dsp:spPr>
+        <a:xfrm>
+          <a:off x="0" y="1852933"/>
+          <a:ext cx="8169216" cy="0"/>
+        </a:xfrm>
+        <a:prstGeom prst="line">
+          <a:avLst/>
+        </a:prstGeom>
+        <a:solidFill>
+          <a:schemeClr val="accent1">
+            <a:hueOff val="0"/>
+            <a:satOff val="0"/>
+            <a:lumOff val="0"/>
+            <a:alphaOff val="0"/>
+          </a:schemeClr>
+        </a:solidFill>
+        <a:ln w="12700" cap="flat" cmpd="sng" algn="ctr">
+          <a:solidFill>
+            <a:schemeClr val="accent1">
+              <a:hueOff val="0"/>
+              <a:satOff val="0"/>
+              <a:lumOff val="0"/>
+              <a:alphaOff val="0"/>
+            </a:schemeClr>
+          </a:solidFill>
+          <a:prstDash val="solid"/>
+          <a:miter lim="800000"/>
+        </a:ln>
+        <a:effectLst/>
+      </dsp:spPr>
+      <dsp:style>
+        <a:lnRef idx="2">
+          <a:scrgbClr r="0" g="0" b="0"/>
+        </a:lnRef>
+        <a:fillRef idx="1">
+          <a:scrgbClr r="0" g="0" b="0"/>
+        </a:fillRef>
+        <a:effectRef idx="0">
+          <a:scrgbClr r="0" g="0" b="0"/>
+        </a:effectRef>
+        <a:fontRef idx="minor">
+          <a:schemeClr val="lt1"/>
+        </a:fontRef>
+      </dsp:style>
+    </dsp:sp>
+    <dsp:sp modelId="{591A139C-115B-4A3B-98E0-0121C15147AD}">
+      <dsp:nvSpPr>
+        <dsp:cNvPr id="0" name=""/>
+        <dsp:cNvSpPr/>
+      </dsp:nvSpPr>
+      <dsp:spPr>
+        <a:xfrm>
+          <a:off x="0" y="1852933"/>
+          <a:ext cx="8169216" cy="462611"/>
+        </a:xfrm>
+        <a:prstGeom prst="rect">
+          <a:avLst/>
+        </a:prstGeom>
+        <a:noFill/>
+        <a:ln>
+          <a:noFill/>
+        </a:ln>
+        <a:effectLst/>
+      </dsp:spPr>
+      <dsp:style>
+        <a:lnRef idx="0">
+          <a:scrgbClr r="0" g="0" b="0"/>
+        </a:lnRef>
+        <a:fillRef idx="0">
+          <a:scrgbClr r="0" g="0" b="0"/>
+        </a:fillRef>
+        <a:effectRef idx="0">
+          <a:scrgbClr r="0" g="0" b="0"/>
+        </a:effectRef>
+        <a:fontRef idx="minor"/>
+      </dsp:style>
+      <dsp:txBody>
+        <a:bodyPr spcFirstLastPara="0" vert="horz" wrap="square" lIns="60960" tIns="60960" rIns="60960" bIns="60960" numCol="1" spcCol="1270" anchor="t" anchorCtr="0">
+          <a:noAutofit/>
+        </a:bodyPr>
+        <a:lstStyle/>
+        <a:p>
+          <a:pPr marL="0" lvl="0" indent="0" algn="l" defTabSz="711200">
+            <a:lnSpc>
+              <a:spcPct val="90000"/>
+            </a:lnSpc>
+            <a:spcBef>
+              <a:spcPct val="0"/>
+            </a:spcBef>
+            <a:spcAft>
+              <a:spcPct val="35000"/>
+            </a:spcAft>
+            <a:buNone/>
+          </a:pPr>
+          <a:r>
+            <a:rPr lang="en-US" sz="1600" b="0" i="0" kern="1200" dirty="0"/>
+            <a:t>"Data Insights": conversational agents collect valuable data.</a:t>
+          </a:r>
+          <a:endParaRPr lang="en-US" sz="1600" kern="1200" dirty="0"/>
+        </a:p>
+      </dsp:txBody>
+      <dsp:txXfrm>
+        <a:off x="0" y="1852933"/>
+        <a:ext cx="8169216" cy="462611"/>
+      </dsp:txXfrm>
+    </dsp:sp>
+    <dsp:sp modelId="{F776F01C-12C8-448D-922B-D5CCD29D3576}">
+      <dsp:nvSpPr>
+        <dsp:cNvPr id="0" name=""/>
+        <dsp:cNvSpPr/>
+      </dsp:nvSpPr>
+      <dsp:spPr>
+        <a:xfrm>
+          <a:off x="0" y="2315545"/>
+          <a:ext cx="8169216" cy="0"/>
+        </a:xfrm>
+        <a:prstGeom prst="line">
+          <a:avLst/>
+        </a:prstGeom>
+        <a:solidFill>
+          <a:schemeClr val="accent1">
+            <a:hueOff val="0"/>
+            <a:satOff val="0"/>
+            <a:lumOff val="0"/>
+            <a:alphaOff val="0"/>
+          </a:schemeClr>
+        </a:solidFill>
+        <a:ln w="12700" cap="flat" cmpd="sng" algn="ctr">
+          <a:solidFill>
+            <a:schemeClr val="accent1">
+              <a:hueOff val="0"/>
+              <a:satOff val="0"/>
+              <a:lumOff val="0"/>
+              <a:alphaOff val="0"/>
+            </a:schemeClr>
+          </a:solidFill>
+          <a:prstDash val="solid"/>
+          <a:miter lim="800000"/>
+        </a:ln>
+        <a:effectLst/>
+      </dsp:spPr>
+      <dsp:style>
+        <a:lnRef idx="2">
+          <a:scrgbClr r="0" g="0" b="0"/>
+        </a:lnRef>
+        <a:fillRef idx="1">
+          <a:scrgbClr r="0" g="0" b="0"/>
+        </a:fillRef>
+        <a:effectRef idx="0">
+          <a:scrgbClr r="0" g="0" b="0"/>
+        </a:effectRef>
+        <a:fontRef idx="minor">
+          <a:schemeClr val="lt1"/>
+        </a:fontRef>
+      </dsp:style>
+    </dsp:sp>
+    <dsp:sp modelId="{7AE6848E-534F-4C1E-86DC-F6AE6C2AD889}">
+      <dsp:nvSpPr>
+        <dsp:cNvPr id="0" name=""/>
+        <dsp:cNvSpPr/>
+      </dsp:nvSpPr>
+      <dsp:spPr>
+        <a:xfrm>
+          <a:off x="0" y="2315545"/>
+          <a:ext cx="8169216" cy="462611"/>
+        </a:xfrm>
+        <a:prstGeom prst="rect">
+          <a:avLst/>
+        </a:prstGeom>
+        <a:noFill/>
+        <a:ln>
+          <a:noFill/>
+        </a:ln>
+        <a:effectLst/>
+      </dsp:spPr>
+      <dsp:style>
+        <a:lnRef idx="0">
+          <a:scrgbClr r="0" g="0" b="0"/>
+        </a:lnRef>
+        <a:fillRef idx="0">
+          <a:scrgbClr r="0" g="0" b="0"/>
+        </a:fillRef>
+        <a:effectRef idx="0">
+          <a:scrgbClr r="0" g="0" b="0"/>
+        </a:effectRef>
+        <a:fontRef idx="minor"/>
+      </dsp:style>
+      <dsp:txBody>
+        <a:bodyPr spcFirstLastPara="0" vert="horz" wrap="square" lIns="60960" tIns="60960" rIns="60960" bIns="60960" numCol="1" spcCol="1270" anchor="t" anchorCtr="0">
+          <a:noAutofit/>
+        </a:bodyPr>
+        <a:lstStyle/>
+        <a:p>
+          <a:pPr marL="0" lvl="0" indent="0" algn="l" defTabSz="711200">
+            <a:lnSpc>
+              <a:spcPct val="90000"/>
+            </a:lnSpc>
+            <a:spcBef>
+              <a:spcPct val="0"/>
+            </a:spcBef>
+            <a:spcAft>
+              <a:spcPct val="35000"/>
+            </a:spcAft>
+            <a:buNone/>
+          </a:pPr>
+          <a:r>
+            <a:rPr lang="en-US" sz="1600" b="0" i="0" kern="1200" dirty="0"/>
+            <a:t>"Scalability": the ease of scaling support and services.</a:t>
+          </a:r>
+          <a:endParaRPr lang="en-US" sz="1600" kern="1200" dirty="0"/>
+        </a:p>
+      </dsp:txBody>
+      <dsp:txXfrm>
+        <a:off x="0" y="2315545"/>
+        <a:ext cx="8169216" cy="462611"/>
+      </dsp:txXfrm>
+    </dsp:sp>
+    <dsp:sp modelId="{FEB4EA1C-588F-4EDD-96A9-E66EE97938FD}">
+      <dsp:nvSpPr>
+        <dsp:cNvPr id="0" name=""/>
+        <dsp:cNvSpPr/>
+      </dsp:nvSpPr>
+      <dsp:spPr>
+        <a:xfrm>
+          <a:off x="0" y="2778156"/>
+          <a:ext cx="8169216" cy="0"/>
+        </a:xfrm>
+        <a:prstGeom prst="line">
+          <a:avLst/>
+        </a:prstGeom>
+        <a:solidFill>
+          <a:schemeClr val="accent1">
+            <a:hueOff val="0"/>
+            <a:satOff val="0"/>
+            <a:lumOff val="0"/>
+            <a:alphaOff val="0"/>
+          </a:schemeClr>
+        </a:solidFill>
+        <a:ln w="12700" cap="flat" cmpd="sng" algn="ctr">
+          <a:solidFill>
+            <a:schemeClr val="accent1">
+              <a:hueOff val="0"/>
+              <a:satOff val="0"/>
+              <a:lumOff val="0"/>
+              <a:alphaOff val="0"/>
+            </a:schemeClr>
+          </a:solidFill>
+          <a:prstDash val="solid"/>
+          <a:miter lim="800000"/>
+        </a:ln>
+        <a:effectLst/>
+      </dsp:spPr>
+      <dsp:style>
+        <a:lnRef idx="2">
+          <a:scrgbClr r="0" g="0" b="0"/>
+        </a:lnRef>
+        <a:fillRef idx="1">
+          <a:scrgbClr r="0" g="0" b="0"/>
+        </a:fillRef>
+        <a:effectRef idx="0">
+          <a:scrgbClr r="0" g="0" b="0"/>
+        </a:effectRef>
+        <a:fontRef idx="minor">
+          <a:schemeClr val="lt1"/>
+        </a:fontRef>
+      </dsp:style>
+    </dsp:sp>
+    <dsp:sp modelId="{A19B2900-4DFD-4A56-AA1E-A0D8011D5639}">
+      <dsp:nvSpPr>
+        <dsp:cNvPr id="0" name=""/>
+        <dsp:cNvSpPr/>
+      </dsp:nvSpPr>
+      <dsp:spPr>
+        <a:xfrm>
+          <a:off x="0" y="2778156"/>
+          <a:ext cx="8169216" cy="462611"/>
+        </a:xfrm>
+        <a:prstGeom prst="rect">
+          <a:avLst/>
+        </a:prstGeom>
+        <a:noFill/>
+        <a:ln>
+          <a:noFill/>
+        </a:ln>
+        <a:effectLst/>
+      </dsp:spPr>
+      <dsp:style>
+        <a:lnRef idx="0">
+          <a:scrgbClr r="0" g="0" b="0"/>
+        </a:lnRef>
+        <a:fillRef idx="0">
+          <a:scrgbClr r="0" g="0" b="0"/>
+        </a:fillRef>
+        <a:effectRef idx="0">
+          <a:scrgbClr r="0" g="0" b="0"/>
+        </a:effectRef>
+        <a:fontRef idx="minor"/>
+      </dsp:style>
+      <dsp:txBody>
+        <a:bodyPr spcFirstLastPara="0" vert="horz" wrap="square" lIns="60960" tIns="60960" rIns="60960" bIns="60960" numCol="1" spcCol="1270" anchor="t" anchorCtr="0">
+          <a:noAutofit/>
+        </a:bodyPr>
+        <a:lstStyle/>
+        <a:p>
+          <a:pPr marL="0" lvl="0" indent="0" algn="l" defTabSz="711200">
+            <a:lnSpc>
+              <a:spcPct val="90000"/>
+            </a:lnSpc>
+            <a:spcBef>
+              <a:spcPct val="0"/>
+            </a:spcBef>
+            <a:spcAft>
+              <a:spcPct val="35000"/>
+            </a:spcAft>
+            <a:buNone/>
+          </a:pPr>
+          <a:r>
+            <a:rPr lang="en-US" sz="1600" b="0" i="0" kern="1200" dirty="0"/>
+            <a:t>"Multilingual Support": ability to assist in multiple languages.</a:t>
+          </a:r>
+          <a:endParaRPr lang="en-US" sz="1600" kern="1200" dirty="0"/>
+        </a:p>
+      </dsp:txBody>
+      <dsp:txXfrm>
+        <a:off x="0" y="2778156"/>
+        <a:ext cx="8169216" cy="462611"/>
+      </dsp:txXfrm>
+    </dsp:sp>
+    <dsp:sp modelId="{A946CD30-BCA2-499B-B9C7-05E4D52EBF37}">
+      <dsp:nvSpPr>
+        <dsp:cNvPr id="0" name=""/>
+        <dsp:cNvSpPr/>
+      </dsp:nvSpPr>
+      <dsp:spPr>
+        <a:xfrm>
+          <a:off x="0" y="3240768"/>
+          <a:ext cx="8169216" cy="0"/>
+        </a:xfrm>
+        <a:prstGeom prst="line">
+          <a:avLst/>
+        </a:prstGeom>
+        <a:solidFill>
+          <a:schemeClr val="accent1">
+            <a:hueOff val="0"/>
+            <a:satOff val="0"/>
+            <a:lumOff val="0"/>
+            <a:alphaOff val="0"/>
+          </a:schemeClr>
+        </a:solidFill>
+        <a:ln w="12700" cap="flat" cmpd="sng" algn="ctr">
+          <a:solidFill>
+            <a:schemeClr val="accent1">
+              <a:hueOff val="0"/>
+              <a:satOff val="0"/>
+              <a:lumOff val="0"/>
+              <a:alphaOff val="0"/>
+            </a:schemeClr>
+          </a:solidFill>
+          <a:prstDash val="solid"/>
+          <a:miter lim="800000"/>
+        </a:ln>
+        <a:effectLst/>
+      </dsp:spPr>
+      <dsp:style>
+        <a:lnRef idx="2">
+          <a:scrgbClr r="0" g="0" b="0"/>
+        </a:lnRef>
+        <a:fillRef idx="1">
+          <a:scrgbClr r="0" g="0" b="0"/>
+        </a:fillRef>
+        <a:effectRef idx="0">
+          <a:scrgbClr r="0" g="0" b="0"/>
+        </a:effectRef>
+        <a:fontRef idx="minor">
+          <a:schemeClr val="lt1"/>
+        </a:fontRef>
+      </dsp:style>
+    </dsp:sp>
+    <dsp:sp modelId="{D3E00D8A-5428-4CFA-B53F-6895A1F6B7CB}">
+      <dsp:nvSpPr>
+        <dsp:cNvPr id="0" name=""/>
+        <dsp:cNvSpPr/>
+      </dsp:nvSpPr>
+      <dsp:spPr>
+        <a:xfrm>
+          <a:off x="0" y="3240768"/>
+          <a:ext cx="8169216" cy="462611"/>
+        </a:xfrm>
+        <a:prstGeom prst="rect">
+          <a:avLst/>
+        </a:prstGeom>
+        <a:noFill/>
+        <a:ln>
+          <a:noFill/>
+        </a:ln>
+        <a:effectLst/>
+      </dsp:spPr>
+      <dsp:style>
+        <a:lnRef idx="0">
+          <a:scrgbClr r="0" g="0" b="0"/>
+        </a:lnRef>
+        <a:fillRef idx="0">
+          <a:scrgbClr r="0" g="0" b="0"/>
+        </a:fillRef>
+        <a:effectRef idx="0">
+          <a:scrgbClr r="0" g="0" b="0"/>
+        </a:effectRef>
+        <a:fontRef idx="minor"/>
+      </dsp:style>
+      <dsp:txBody>
+        <a:bodyPr spcFirstLastPara="0" vert="horz" wrap="square" lIns="60960" tIns="60960" rIns="60960" bIns="60960" numCol="1" spcCol="1270" anchor="t" anchorCtr="0">
+          <a:noAutofit/>
+        </a:bodyPr>
+        <a:lstStyle/>
+        <a:p>
+          <a:pPr marL="0" lvl="0" indent="0" algn="l" defTabSz="711200">
+            <a:lnSpc>
+              <a:spcPct val="90000"/>
+            </a:lnSpc>
+            <a:spcBef>
+              <a:spcPct val="0"/>
+            </a:spcBef>
+            <a:spcAft>
+              <a:spcPct val="35000"/>
+            </a:spcAft>
+            <a:buNone/>
+          </a:pPr>
+          <a:r>
+            <a:rPr lang="en-US" sz="1600" b="0" i="0" kern="1200"/>
+            <a:t>"Accessibility": Note how they can make services more accessible.</a:t>
+          </a:r>
+          <a:endParaRPr lang="en-US" sz="1600" kern="1200"/>
+        </a:p>
+      </dsp:txBody>
+      <dsp:txXfrm>
+        <a:off x="0" y="3240768"/>
+        <a:ext cx="8169216" cy="462611"/>
+      </dsp:txXfrm>
+    </dsp:sp>
+    <dsp:sp modelId="{9A61DA2B-2D05-4E00-8985-3D95C0E76F8D}">
+      <dsp:nvSpPr>
+        <dsp:cNvPr id="0" name=""/>
+        <dsp:cNvSpPr/>
+      </dsp:nvSpPr>
+      <dsp:spPr>
+        <a:xfrm>
+          <a:off x="0" y="3703380"/>
+          <a:ext cx="8169216" cy="0"/>
+        </a:xfrm>
+        <a:prstGeom prst="line">
+          <a:avLst/>
+        </a:prstGeom>
+        <a:solidFill>
+          <a:schemeClr val="accent1">
+            <a:hueOff val="0"/>
+            <a:satOff val="0"/>
+            <a:lumOff val="0"/>
+            <a:alphaOff val="0"/>
+          </a:schemeClr>
+        </a:solidFill>
+        <a:ln w="12700" cap="flat" cmpd="sng" algn="ctr">
+          <a:solidFill>
+            <a:schemeClr val="accent1">
+              <a:hueOff val="0"/>
+              <a:satOff val="0"/>
+              <a:lumOff val="0"/>
+              <a:alphaOff val="0"/>
+            </a:schemeClr>
+          </a:solidFill>
+          <a:prstDash val="solid"/>
+          <a:miter lim="800000"/>
+        </a:ln>
+        <a:effectLst/>
+      </dsp:spPr>
+      <dsp:style>
+        <a:lnRef idx="2">
+          <a:scrgbClr r="0" g="0" b="0"/>
+        </a:lnRef>
+        <a:fillRef idx="1">
+          <a:scrgbClr r="0" g="0" b="0"/>
+        </a:fillRef>
+        <a:effectRef idx="0">
+          <a:scrgbClr r="0" g="0" b="0"/>
+        </a:effectRef>
+        <a:fontRef idx="minor">
+          <a:schemeClr val="lt1"/>
+        </a:fontRef>
+      </dsp:style>
+    </dsp:sp>
+    <dsp:sp modelId="{A582FBBD-B838-4122-B7BC-2E4DA4DC0DEB}">
+      <dsp:nvSpPr>
+        <dsp:cNvPr id="0" name=""/>
+        <dsp:cNvSpPr/>
+      </dsp:nvSpPr>
+      <dsp:spPr>
+        <a:xfrm>
+          <a:off x="0" y="3703380"/>
+          <a:ext cx="8169216" cy="462611"/>
+        </a:xfrm>
+        <a:prstGeom prst="rect">
+          <a:avLst/>
+        </a:prstGeom>
+        <a:noFill/>
+        <a:ln>
+          <a:noFill/>
+        </a:ln>
+        <a:effectLst/>
+      </dsp:spPr>
+      <dsp:style>
+        <a:lnRef idx="0">
+          <a:scrgbClr r="0" g="0" b="0"/>
+        </a:lnRef>
+        <a:fillRef idx="0">
+          <a:scrgbClr r="0" g="0" b="0"/>
+        </a:fillRef>
+        <a:effectRef idx="0">
+          <a:scrgbClr r="0" g="0" b="0"/>
+        </a:effectRef>
+        <a:fontRef idx="minor"/>
+      </dsp:style>
+      <dsp:txBody>
+        <a:bodyPr spcFirstLastPara="0" vert="horz" wrap="square" lIns="60960" tIns="60960" rIns="60960" bIns="60960" numCol="1" spcCol="1270" anchor="t" anchorCtr="0">
+          <a:noAutofit/>
+        </a:bodyPr>
+        <a:lstStyle/>
+        <a:p>
+          <a:pPr marL="0" lvl="0" indent="0" algn="l" defTabSz="711200">
+            <a:lnSpc>
+              <a:spcPct val="90000"/>
+            </a:lnSpc>
+            <a:spcBef>
+              <a:spcPct val="0"/>
+            </a:spcBef>
+            <a:spcAft>
+              <a:spcPct val="35000"/>
+            </a:spcAft>
+            <a:buNone/>
+          </a:pPr>
+          <a:r>
+            <a:rPr lang="en-US" sz="1600" b="0" i="0" kern="1200"/>
+            <a:t>"Consistency": Emphasize the reliability of responses.</a:t>
+          </a:r>
+          <a:endParaRPr lang="en-US" sz="1600" kern="1200"/>
+        </a:p>
+      </dsp:txBody>
+      <dsp:txXfrm>
+        <a:off x="0" y="3703380"/>
+        <a:ext cx="8169216" cy="462611"/>
+      </dsp:txXfrm>
+    </dsp:sp>
+    <dsp:sp modelId="{F1154946-2DBD-4BF6-B70B-EBE1C19D879B}">
+      <dsp:nvSpPr>
+        <dsp:cNvPr id="0" name=""/>
+        <dsp:cNvSpPr/>
+      </dsp:nvSpPr>
+      <dsp:spPr>
+        <a:xfrm>
+          <a:off x="0" y="4165991"/>
+          <a:ext cx="8169216" cy="0"/>
+        </a:xfrm>
+        <a:prstGeom prst="line">
+          <a:avLst/>
+        </a:prstGeom>
+        <a:solidFill>
+          <a:schemeClr val="accent1">
+            <a:hueOff val="0"/>
+            <a:satOff val="0"/>
+            <a:lumOff val="0"/>
+            <a:alphaOff val="0"/>
+          </a:schemeClr>
+        </a:solidFill>
+        <a:ln w="12700" cap="flat" cmpd="sng" algn="ctr">
+          <a:solidFill>
+            <a:schemeClr val="accent1">
+              <a:hueOff val="0"/>
+              <a:satOff val="0"/>
+              <a:lumOff val="0"/>
+              <a:alphaOff val="0"/>
+            </a:schemeClr>
+          </a:solidFill>
+          <a:prstDash val="solid"/>
+          <a:miter lim="800000"/>
+        </a:ln>
+        <a:effectLst/>
+      </dsp:spPr>
+      <dsp:style>
+        <a:lnRef idx="2">
+          <a:scrgbClr r="0" g="0" b="0"/>
+        </a:lnRef>
+        <a:fillRef idx="1">
+          <a:scrgbClr r="0" g="0" b="0"/>
+        </a:fillRef>
+        <a:effectRef idx="0">
+          <a:scrgbClr r="0" g="0" b="0"/>
+        </a:effectRef>
+        <a:fontRef idx="minor">
+          <a:schemeClr val="lt1"/>
+        </a:fontRef>
+      </dsp:style>
+    </dsp:sp>
+    <dsp:sp modelId="{4A4A4916-74A9-4198-87D8-28AA7AC21CFD}">
+      <dsp:nvSpPr>
+        <dsp:cNvPr id="0" name=""/>
+        <dsp:cNvSpPr/>
+      </dsp:nvSpPr>
+      <dsp:spPr>
+        <a:xfrm>
+          <a:off x="0" y="4165991"/>
+          <a:ext cx="8169216" cy="462611"/>
+        </a:xfrm>
+        <a:prstGeom prst="rect">
+          <a:avLst/>
+        </a:prstGeom>
+        <a:noFill/>
+        <a:ln>
+          <a:noFill/>
+        </a:ln>
+        <a:effectLst/>
+      </dsp:spPr>
+      <dsp:style>
+        <a:lnRef idx="0">
+          <a:scrgbClr r="0" g="0" b="0"/>
+        </a:lnRef>
+        <a:fillRef idx="0">
+          <a:scrgbClr r="0" g="0" b="0"/>
+        </a:fillRef>
+        <a:effectRef idx="0">
+          <a:scrgbClr r="0" g="0" b="0"/>
+        </a:effectRef>
+        <a:fontRef idx="minor"/>
+      </dsp:style>
+      <dsp:txBody>
+        <a:bodyPr spcFirstLastPara="0" vert="horz" wrap="square" lIns="60960" tIns="60960" rIns="60960" bIns="60960" numCol="1" spcCol="1270" anchor="t" anchorCtr="0">
+          <a:noAutofit/>
+        </a:bodyPr>
+        <a:lstStyle/>
+        <a:p>
+          <a:pPr marL="0" lvl="0" indent="0" algn="l" defTabSz="711200">
+            <a:lnSpc>
+              <a:spcPct val="90000"/>
+            </a:lnSpc>
+            <a:spcBef>
+              <a:spcPct val="0"/>
+            </a:spcBef>
+            <a:spcAft>
+              <a:spcPct val="35000"/>
+            </a:spcAft>
+            <a:buNone/>
+          </a:pPr>
+          <a:r>
+            <a:rPr lang="en-US" sz="1600" b="0" i="0" kern="1200" dirty="0"/>
+            <a:t>"Various Applications": healthcare, education, and marketing.</a:t>
+          </a:r>
+          <a:endParaRPr lang="en-US" sz="1600" kern="1200" dirty="0"/>
+        </a:p>
+      </dsp:txBody>
+      <dsp:txXfrm>
+        <a:off x="0" y="4165991"/>
+        <a:ext cx="8169216" cy="462611"/>
+      </dsp:txXfrm>
+    </dsp:sp>
+    <dsp:sp modelId="{ED64FD6D-740B-4B42-91A3-1A8AA6FB7475}">
+      <dsp:nvSpPr>
+        <dsp:cNvPr id="0" name=""/>
+        <dsp:cNvSpPr/>
+      </dsp:nvSpPr>
+      <dsp:spPr>
+        <a:xfrm>
+          <a:off x="0" y="4628603"/>
+          <a:ext cx="8169216" cy="0"/>
+        </a:xfrm>
+        <a:prstGeom prst="line">
+          <a:avLst/>
+        </a:prstGeom>
+        <a:solidFill>
+          <a:schemeClr val="accent1">
+            <a:hueOff val="0"/>
+            <a:satOff val="0"/>
+            <a:lumOff val="0"/>
+            <a:alphaOff val="0"/>
+          </a:schemeClr>
+        </a:solidFill>
+        <a:ln w="12700" cap="flat" cmpd="sng" algn="ctr">
+          <a:solidFill>
+            <a:schemeClr val="accent1">
+              <a:hueOff val="0"/>
+              <a:satOff val="0"/>
+              <a:lumOff val="0"/>
+              <a:alphaOff val="0"/>
+            </a:schemeClr>
+          </a:solidFill>
+          <a:prstDash val="solid"/>
+          <a:miter lim="800000"/>
+        </a:ln>
+        <a:effectLst/>
+      </dsp:spPr>
+      <dsp:style>
+        <a:lnRef idx="2">
+          <a:scrgbClr r="0" g="0" b="0"/>
+        </a:lnRef>
+        <a:fillRef idx="1">
+          <a:scrgbClr r="0" g="0" b="0"/>
+        </a:fillRef>
+        <a:effectRef idx="0">
+          <a:scrgbClr r="0" g="0" b="0"/>
+        </a:effectRef>
+        <a:fontRef idx="minor">
+          <a:schemeClr val="lt1"/>
+        </a:fontRef>
+      </dsp:style>
+    </dsp:sp>
+    <dsp:sp modelId="{9230B32D-C148-4723-A56D-6621D7AEC6F8}">
+      <dsp:nvSpPr>
+        <dsp:cNvPr id="0" name=""/>
+        <dsp:cNvSpPr/>
+      </dsp:nvSpPr>
+      <dsp:spPr>
+        <a:xfrm>
+          <a:off x="0" y="4628603"/>
+          <a:ext cx="8169216" cy="462611"/>
+        </a:xfrm>
+        <a:prstGeom prst="rect">
+          <a:avLst/>
+        </a:prstGeom>
+        <a:noFill/>
+        <a:ln>
+          <a:noFill/>
+        </a:ln>
+        <a:effectLst/>
+      </dsp:spPr>
+      <dsp:style>
+        <a:lnRef idx="0">
+          <a:scrgbClr r="0" g="0" b="0"/>
+        </a:lnRef>
+        <a:fillRef idx="0">
+          <a:scrgbClr r="0" g="0" b="0"/>
+        </a:fillRef>
+        <a:effectRef idx="0">
+          <a:scrgbClr r="0" g="0" b="0"/>
+        </a:effectRef>
+        <a:fontRef idx="minor"/>
+      </dsp:style>
+      <dsp:txBody>
+        <a:bodyPr spcFirstLastPara="0" vert="horz" wrap="square" lIns="60960" tIns="60960" rIns="60960" bIns="60960" numCol="1" spcCol="1270" anchor="t" anchorCtr="0">
+          <a:noAutofit/>
+        </a:bodyPr>
+        <a:lstStyle/>
+        <a:p>
+          <a:pPr marL="0" lvl="0" indent="0" algn="l" defTabSz="711200">
+            <a:lnSpc>
+              <a:spcPct val="90000"/>
+            </a:lnSpc>
+            <a:spcBef>
+              <a:spcPct val="0"/>
+            </a:spcBef>
+            <a:spcAft>
+              <a:spcPct val="35000"/>
+            </a:spcAft>
+            <a:buNone/>
+          </a:pPr>
+          <a:r>
+            <a:rPr lang="en-US" sz="1600" b="0" i="0" kern="1200" dirty="0"/>
+            <a:t>"Human-Machine Interaction": improved natural interaction with technology.</a:t>
+          </a:r>
+          <a:endParaRPr lang="en-US" sz="1600" kern="1200" dirty="0"/>
+        </a:p>
+      </dsp:txBody>
+      <dsp:txXfrm>
+        <a:off x="0" y="4628603"/>
+        <a:ext cx="8169216" cy="462611"/>
+      </dsp:txXfrm>
+    </dsp:sp>
+  </dsp:spTree>
+</dsp:drawing>
+</file>
+
+<file path=ppt/diagrams/layout1.xml><?xml version="1.0" encoding="utf-8"?>
+<dgm:layoutDef xmlns:dgm="http://schemas.openxmlformats.org/drawingml/2006/diagram" xmlns:a="http://schemas.openxmlformats.org/drawingml/2006/main" uniqueId="urn:microsoft.com/office/officeart/2008/layout/LinedList">
+  <dgm:title val=""/>
+  <dgm:desc val=""/>
+  <dgm:catLst>
+    <dgm:cat type="hierarchy" pri="8000"/>
+    <dgm:cat type="list" pri="2500"/>
+  </dgm:catLst>
+  <dgm:sampData>
+    <dgm:dataModel>
+      <dgm:ptLst>
+        <dgm:pt modelId="0" type="doc"/>
+        <dgm:pt modelId="1">
+          <dgm:prSet phldr="1"/>
+        </dgm:pt>
+        <dgm:pt modelId="11">
+          <dgm:prSet phldr="1"/>
+        </dgm:pt>
+        <dgm:pt modelId="12">
+          <dgm:prSet phldr="1"/>
+        </dgm:pt>
+        <dgm:pt modelId="13">
+          <dgm:prSet phldr="1"/>
+        </dgm:pt>
+      </dgm:ptLst>
+      <dgm:cxnLst>
+        <dgm:cxn modelId="2" srcId="0" destId="1" srcOrd="0" destOrd="0"/>
+        <dgm:cxn modelId="3" srcId="1" destId="11" srcOrd="0" destOrd="0"/>
+        <dgm:cxn modelId="4" srcId="1" destId="12" srcOrd="1" destOrd="0"/>
+        <dgm:cxn modelId="5" srcId="1" destId="13" srcOrd="2" destOrd="0"/>
+      </dgm:cxnLst>
+      <dgm:bg/>
+      <dgm:whole/>
+    </dgm:dataModel>
+  </dgm:sampData>
+  <dgm:styleData>
+    <dgm:dataModel>
+      <dgm:ptLst>
+        <dgm:pt modelId="0" type="doc"/>
+        <dgm:pt modelId="1">
+          <dgm:prSet phldr="1"/>
+        </dgm:pt>
+        <dgm:pt modelId="11">
+          <dgm:prSet phldr="1"/>
+        </dgm:pt>
+        <dgm:pt modelId="12">
+          <dgm:prSet phldr="1"/>
+        </dgm:pt>
+      </dgm:ptLst>
+      <dgm:cxnLst>
+        <dgm:cxn modelId="2" srcId="0" destId="1" srcOrd="0" destOrd="0"/>
+        <dgm:cxn modelId="3" srcId="1" destId="11" srcOrd="0" destOrd="0"/>
+        <dgm:cxn modelId="4" srcId="1" destId="12" srcOrd="1" destOrd="0"/>
+      </dgm:cxnLst>
+      <dgm:bg/>
+      <dgm:whole/>
+    </dgm:dataModel>
+  </dgm:styleData>
+  <dgm:clrData>
+    <dgm:dataModel>
+      <dgm:ptLst>
+        <dgm:pt modelId="0" type="doc"/>
+        <dgm:pt modelId="1">
+          <dgm:prSet phldr="1"/>
+        </dgm:pt>
+        <dgm:pt modelId="11">
+          <dgm:prSet phldr="1"/>
+        </dgm:pt>
+        <dgm:pt modelId="12">
+          <dgm:prSet phldr="1"/>
+        </dgm:pt>
+      </dgm:ptLst>
+      <dgm:cxnLst>
+        <dgm:cxn modelId="2" srcId="0" destId="1" srcOrd="0" destOrd="0"/>
+        <dgm:cxn modelId="3" srcId="1" destId="11" srcOrd="0" destOrd="0"/>
+        <dgm:cxn modelId="4" srcId="1" destId="12" srcOrd="1" destOrd="0"/>
+      </dgm:cxnLst>
+      <dgm:bg/>
+      <dgm:whole/>
+    </dgm:dataModel>
+  </dgm:clrData>
+  <dgm:layoutNode name="vert0">
+    <dgm:varLst>
+      <dgm:dir/>
+      <dgm:animOne val="branch"/>
+      <dgm:animLvl val="lvl"/>
+    </dgm:varLst>
+    <dgm:choose name="Name0">
+      <dgm:if name="Name1" func="var" arg="dir" op="equ" val="norm">
+        <dgm:alg type="lin">
+          <dgm:param type="linDir" val="fromT"/>
+          <dgm:param type="nodeHorzAlign" val="l"/>
+        </dgm:alg>
+      </dgm:if>
+      <dgm:else name="Name2">
+        <dgm:alg type="lin">
+          <dgm:param type="linDir" val="fromT"/>
+          <dgm:param type="nodeHorzAlign" val="r"/>
+        </dgm:alg>
+      </dgm:else>
+    </dgm:choose>
+    <dgm:shape xmlns:r="http://schemas.openxmlformats.org/officeDocument/2006/relationships" r:blip="">
+      <dgm:adjLst/>
+    </dgm:shape>
+    <dgm:presOf/>
+    <dgm:constrLst>
+      <dgm:constr type="w" for="ch" forName="horz1" refType="w"/>
+      <dgm:constr type="h" for="ch" forName="horz1" refType="h"/>
+      <dgm:constr type="h" for="des" forName="vert1" refType="h"/>
+      <dgm:constr type="h" for="des" forName="tx1" refType="h"/>
+      <dgm:constr type="h" for="des" forName="horz2" refType="h"/>
+      <dgm:constr type="h" for="des" forName="vert2" refType="h"/>
+      <dgm:constr type="h" for="des" forName="horz3" refType="h"/>
+      <dgm:constr type="h" for="des" forName="vert3" refType="h"/>
+      <dgm:constr type="h" for="des" forName="horz4" refType="h"/>
+      <dgm:constr type="h" for="des" ptType="node" refType="h"/>
+      <dgm:constr type="primFontSz" for="des" forName="tx1" op="equ" val="65"/>
+      <dgm:constr type="primFontSz" for="des" forName="tx2" op="equ" val="65"/>
+      <dgm:constr type="primFontSz" for="des" forName="tx3" op="equ" val="65"/>
+      <dgm:constr type="primFontSz" for="des" forName="tx4" op="equ" val="65"/>
+      <dgm:constr type="w" for="des" forName="thickLine" refType="w"/>
+      <dgm:constr type="h" for="des" forName="thickLine"/>
+      <dgm:constr type="h" for="des" forName="thinLine1"/>
+      <dgm:constr type="h" for="des" forName="thinLine2b"/>
+      <dgm:constr type="h" for="des" forName="thinLine3"/>
+      <dgm:constr type="h" for="des" forName="vertSpace2a" refType="h" fact="0.05"/>
+      <dgm:constr type="h" for="des" forName="vertSpace2b" refType="h" refFor="des" refForName="vertSpace2a"/>
+    </dgm:constrLst>
+    <dgm:forEach name="Name3" axis="ch" ptType="node">
+      <dgm:layoutNode name="thickLine" styleLbl="alignNode1">
+        <dgm:alg type="sp"/>
+        <dgm:shape xmlns:r="http://schemas.openxmlformats.org/officeDocument/2006/relationships" type="line" r:blip="">
+          <dgm:adjLst/>
+        </dgm:shape>
+        <dgm:presOf/>
+      </dgm:layoutNode>
+      <dgm:layoutNode name="horz1">
+        <dgm:choose name="Name4">
+          <dgm:if name="Name5" func="var" arg="dir" op="equ" val="norm">
+            <dgm:alg type="lin">
+              <dgm:param type="linDir" val="fromL"/>
+              <dgm:param type="nodeVertAlign" val="t"/>
+            </dgm:alg>
+          </dgm:if>
+          <dgm:else name="Name6">
+            <dgm:alg type="lin">
+              <dgm:param type="linDir" val="fromR"/>
+              <dgm:param type="nodeVertAlign" val="t"/>
+            </dgm:alg>
+          </dgm:else>
+        </dgm:choose>
+        <dgm:shape xmlns:r="http://schemas.openxmlformats.org/officeDocument/2006/relationships" r:blip="">
+          <dgm:adjLst/>
+        </dgm:shape>
+        <dgm:presOf/>
+        <dgm:choose name="Name7">
+          <dgm:if name="Name8" axis="root des" func="maxDepth" op="equ" val="1">
+            <dgm:constrLst>
+              <dgm:constr type="w" for="ch" forName="tx1" refType="w"/>
+            </dgm:constrLst>
+          </dgm:if>
+          <dgm:if name="Name9" axis="root des" func="maxDepth" op="equ" val="2">
+            <dgm:constrLst>
+              <dgm:constr type="w" for="ch" forName="tx1" refType="w" fact="0.2"/>
+              <dgm:constr type="w" for="des" forName="tx2" refType="w" fact="0.785"/>
+              <dgm:constr type="w" for="des" forName="horzSpace2" refType="w" fact="0.015"/>
+              <dgm:constr type="w" for="des" forName="thinLine2b" refType="w" fact="0.8"/>
+            </dgm:constrLst>
+          </dgm:if>
+          <dgm:if name="Name10" axis="root des" func="maxDepth" op="equ" val="3">
+            <dgm:constrLst>
+              <dgm:constr type="w" for="ch" forName="tx1" refType="w" fact="0.2"/>
+              <dgm:constr type="w" for="des" forName="tx2" refType="w" fact="0.385"/>
+              <dgm:constr type="w" for="des" forName="tx3" refType="w" fact="0.385"/>
+              <dgm:constr type="w" for="des" forName="horzSpace2" refType="w" fact="0.015"/>
+              <dgm:constr type="w" for="des" forName="horzSpace3" refType="w" fact="0.015"/>
+              <dgm:constr type="w" for="des" forName="thinLine2b" refType="w" fact="0.8"/>
+              <dgm:constr type="w" for="des" forName="thinLine3" refType="w" fact="0.385"/>
+            </dgm:constrLst>
+          </dgm:if>
+          <dgm:if name="Name11" axis="root des" func="maxDepth" op="gte" val="4">
+            <dgm:constrLst>
+              <dgm:constr type="w" for="ch" forName="tx1" refType="w" fact="0.2"/>
+              <dgm:constr type="w" for="des" forName="tx2" refType="w" fact="0.2516"/>
+              <dgm:constr type="w" for="des" forName="tx3" refType="w" fact="0.2516"/>
+              <dgm:constr type="w" for="des" forName="tx4" refType="w" fact="0.2516"/>
+              <dgm:constr type="w" for="des" forName="horzSpace2" refType="w" fact="0.015"/>
+              <dgm:constr type="w" for="des" forName="horzSpace3" refType="w" fact="0.015"/>
+              <dgm:constr type="w" for="des" forName="horzSpace4" refType="w" fact="0.015"/>
+              <dgm:constr type="w" for="des" forName="thinLine2b" refType="w" fact="0.8"/>
+              <dgm:constr type="w" for="des" forName="thinLine3" refType="w" fact="0.5332"/>
+            </dgm:constrLst>
+          </dgm:if>
+          <dgm:else name="Name12"/>
+        </dgm:choose>
+        <dgm:layoutNode name="tx1" styleLbl="revTx">
+          <dgm:alg type="tx">
+            <dgm:param type="parTxLTRAlign" val="l"/>
+            <dgm:param type="parTxRTLAlign" val="r"/>
+            <dgm:param type="txAnchorVert" val="t"/>
+          </dgm:alg>
+          <dgm:shape xmlns:r="http://schemas.openxmlformats.org/officeDocument/2006/relationships" type="rect" r:blip="">
+            <dgm:adjLst/>
+          </dgm:shape>
+          <dgm:presOf axis="self"/>
+          <dgm:constrLst>
+            <dgm:constr type="tMarg" refType="primFontSz" fact="0.3"/>
+            <dgm:constr type="bMarg" refType="primFontSz" fact="0.3"/>
+            <dgm:constr type="lMarg" refType="primFontSz" fact="0.3"/>
+            <dgm:constr type="rMarg" refType="primFontSz" fact="0.3"/>
+          </dgm:constrLst>
+          <dgm:ruleLst>
+            <dgm:rule type="primFontSz" val="5" fact="NaN" max="NaN"/>
+          </dgm:ruleLst>
+        </dgm:layoutNode>
+        <dgm:layoutNode name="vert1">
+          <dgm:choose name="Name13">
+            <dgm:if name="Name14" func="var" arg="dir" op="equ" val="norm">
+              <dgm:alg type="lin">
+                <dgm:param type="linDir" val="fromT"/>
+                <dgm:param type="nodeHorzAlign" val="l"/>
+              </dgm:alg>
+            </dgm:if>
+            <dgm:else name="Name15">
+              <dgm:alg type="lin">
+                <dgm:param type="linDir" val="fromT"/>
+                <dgm:param type="nodeHorzAlign" val="r"/>
+              </dgm:alg>
+            </dgm:else>
+          </dgm:choose>
+          <dgm:shape xmlns:r="http://schemas.openxmlformats.org/officeDocument/2006/relationships" r:blip="">
+            <dgm:adjLst/>
+          </dgm:shape>
+          <dgm:presOf/>
+          <dgm:forEach name="Name16" axis="ch" ptType="node">
+            <dgm:choose name="Name17">
+              <dgm:if name="Name18" axis="self" ptType="node" func="pos" op="equ" val="1">
+                <dgm:layoutNode name="vertSpace2a">
+                  <dgm:alg type="sp"/>
+                  <dgm:shape xmlns:r="http://schemas.openxmlformats.org/officeDocument/2006/relationships" r:blip="">
+                    <dgm:adjLst/>
+                  </dgm:shape>
+                  <dgm:presOf/>
+                </dgm:layoutNode>
+              </dgm:if>
+              <dgm:else name="Name19"/>
+            </dgm:choose>
+            <dgm:layoutNode name="horz2">
+              <dgm:choose name="Name20">
+                <dgm:if name="Name21" func="var" arg="dir" op="equ" val="norm">
+                  <dgm:alg type="lin">
+                    <dgm:param type="linDir" val="fromL"/>
+                    <dgm:param type="nodeVertAlign" val="t"/>
+                  </dgm:alg>
+                </dgm:if>
+                <dgm:else name="Name22">
+                  <dgm:alg type="lin">
+                    <dgm:param type="linDir" val="fromR"/>
+                    <dgm:param type="nodeVertAlign" val="t"/>
+                  </dgm:alg>
+                </dgm:else>
+              </dgm:choose>
+              <dgm:shape xmlns:r="http://schemas.openxmlformats.org/officeDocument/2006/relationships" r:blip="">
+                <dgm:adjLst/>
+              </dgm:shape>
+              <dgm:presOf/>
+              <dgm:layoutNode name="horzSpace2">
+                <dgm:alg type="sp"/>
+                <dgm:shape xmlns:r="http://schemas.openxmlformats.org/officeDocument/2006/relationships" r:blip="">
+                  <dgm:adjLst/>
+                </dgm:shape>
+                <dgm:presOf/>
+              </dgm:layoutNode>
+              <dgm:layoutNode name="tx2" styleLbl="revTx">
+                <dgm:alg type="tx">
+                  <dgm:param type="parTxLTRAlign" val="l"/>
+                  <dgm:param type="parTxRTLAlign" val="r"/>
+                  <dgm:param type="txAnchorVert" val="t"/>
+                </dgm:alg>
+                <dgm:shape xmlns:r="http://schemas.openxmlformats.org/officeDocument/2006/relationships" type="rect" r:blip="">
+                  <dgm:adjLst/>
+                </dgm:shape>
+                <dgm:presOf axis="self"/>
+                <dgm:constrLst>
+                  <dgm:constr type="tMarg" refType="primFontSz" fact="0.3"/>
+                  <dgm:constr type="bMarg" refType="primFontSz" fact="0.3"/>
+                  <dgm:constr type="lMarg" refType="primFontSz" fact="0.3"/>
+                  <dgm:constr type="rMarg" refType="primFontSz" fact="0.3"/>
+                </dgm:constrLst>
+                <dgm:ruleLst>
+                  <dgm:rule type="primFontSz" val="5" fact="NaN" max="NaN"/>
+                </dgm:ruleLst>
+              </dgm:layoutNode>
+              <dgm:layoutNode name="vert2">
+                <dgm:choose name="Name23">
+                  <dgm:if name="Name24" func="var" arg="dir" op="equ" val="norm">
+                    <dgm:alg type="lin">
+                      <dgm:param type="linDir" val="fromT"/>
+                      <dgm:param type="nodeHorzAlign" val="l"/>
+                    </dgm:alg>
+                  </dgm:if>
+                  <dgm:else name="Name25">
+                    <dgm:alg type="lin">
+                      <dgm:param type="linDir" val="fromT"/>
+                      <dgm:param type="nodeHorzAlign" val="r"/>
+                    </dgm:alg>
+                  </dgm:else>
+                </dgm:choose>
+                <dgm:shape xmlns:r="http://schemas.openxmlformats.org/officeDocument/2006/relationships" r:blip="">
+                  <dgm:adjLst/>
+                </dgm:shape>
+                <dgm:presOf/>
+                <dgm:forEach name="Name26" axis="ch" ptType="node">
+                  <dgm:layoutNode name="horz3">
+                    <dgm:choose name="Name27">
+                      <dgm:if name="Name28" func="var" arg="dir" op="equ" val="norm">
+                        <dgm:alg type="lin">
+                          <dgm:param type="linDir" val="fromL"/>
+                          <dgm:param type="nodeVertAlign" val="t"/>
+                        </dgm:alg>
+                      </dgm:if>
+                      <dgm:else name="Name29">
+                        <dgm:alg type="lin">
+                          <dgm:param type="linDir" val="fromR"/>
+                          <dgm:param type="nodeVertAlign" val="t"/>
+                        </dgm:alg>
+                      </dgm:else>
+                    </dgm:choose>
+                    <dgm:shape xmlns:r="http://schemas.openxmlformats.org/officeDocument/2006/relationships" r:blip="">
+                      <dgm:adjLst/>
+                    </dgm:shape>
+                    <dgm:presOf/>
+                    <dgm:layoutNode name="horzSpace3">
+                      <dgm:alg type="sp"/>
+                      <dgm:shape xmlns:r="http://schemas.openxmlformats.org/officeDocument/2006/relationships" r:blip="">
+                        <dgm:adjLst/>
+                      </dgm:shape>
+                      <dgm:presOf/>
+                    </dgm:layoutNode>
+                    <dgm:layoutNode name="tx3" styleLbl="revTx">
+                      <dgm:alg type="tx">
+                        <dgm:param type="parTxLTRAlign" val="l"/>
+                        <dgm:param type="parTxRTLAlign" val="r"/>
+                        <dgm:param type="txAnchorVert" val="t"/>
+                      </dgm:alg>
+                      <dgm:shape xmlns:r="http://schemas.openxmlformats.org/officeDocument/2006/relationships" type="rect" r:blip="">
+                        <dgm:adjLst/>
+                      </dgm:shape>
+                      <dgm:presOf axis="self"/>
+                      <dgm:constrLst>
+                        <dgm:constr type="tMarg" refType="primFontSz" fact="0.3"/>
+                        <dgm:constr type="bMarg" refType="primFontSz" fact="0.3"/>
+                        <dgm:constr type="lMarg" refType="primFontSz" fact="0.3"/>
+                        <dgm:constr type="rMarg" refType="primFontSz" fact="0.3"/>
+                      </dgm:constrLst>
+                      <dgm:ruleLst>
+                        <dgm:rule type="primFontSz" val="5" fact="NaN" max="NaN"/>
+                      </dgm:ruleLst>
+                    </dgm:layoutNode>
+                    <dgm:layoutNode name="vert3">
+                      <dgm:choose name="Name30">
+                        <dgm:if name="Name31" func="var" arg="dir" op="equ" val="norm">
+                          <dgm:alg type="lin">
+                            <dgm:param type="linDir" val="fromT"/>
+                            <dgm:param type="nodeHorzAlign" val="l"/>
+                          </dgm:alg>
+                        </dgm:if>
+                        <dgm:else name="Name32">
+                          <dgm:alg type="lin">
+                            <dgm:param type="linDir" val="fromT"/>
+                            <dgm:param type="nodeHorzAlign" val="r"/>
+                          </dgm:alg>
+                        </dgm:else>
+                      </dgm:choose>
+                      <dgm:shape xmlns:r="http://schemas.openxmlformats.org/officeDocument/2006/relationships" r:blip="">
+                        <dgm:adjLst/>
+                      </dgm:shape>
+                      <dgm:presOf/>
+                      <dgm:forEach name="Name33" axis="ch" ptType="node">
+                        <dgm:layoutNode name="horz4">
+                          <dgm:choose name="Name34">
+                            <dgm:if name="Name35" func="var" arg="dir" op="equ" val="norm">
+                              <dgm:alg type="lin">
+                                <dgm:param type="linDir" val="fromL"/>
+                                <dgm:param type="nodeVertAlign" val="t"/>
+                              </dgm:alg>
+                            </dgm:if>
+                            <dgm:else name="Name36">
+                              <dgm:alg type="lin">
+                                <dgm:param type="linDir" val="fromR"/>
+                                <dgm:param type="nodeVertAlign" val="t"/>
+                              </dgm:alg>
+                            </dgm:else>
+                          </dgm:choose>
+                          <dgm:shape xmlns:r="http://schemas.openxmlformats.org/officeDocument/2006/relationships" r:blip="">
+                            <dgm:adjLst/>
+                          </dgm:shape>
+                          <dgm:presOf/>
+                          <dgm:layoutNode name="horzSpace4">
+                            <dgm:alg type="sp"/>
+                            <dgm:shape xmlns:r="http://schemas.openxmlformats.org/officeDocument/2006/relationships" r:blip="">
+                              <dgm:adjLst/>
+                            </dgm:shape>
+                            <dgm:presOf/>
+                          </dgm:layoutNode>
+                          <dgm:layoutNode name="tx4" styleLbl="revTx">
+                            <dgm:varLst>
+                              <dgm:bulletEnabled val="1"/>
+                            </dgm:varLst>
+                            <dgm:alg type="tx">
+                              <dgm:param type="parTxLTRAlign" val="l"/>
+                              <dgm:param type="parTxRTLAlign" val="r"/>
+                              <dgm:param type="txAnchorVert" val="t"/>
+                            </dgm:alg>
+                            <dgm:shape xmlns:r="http://schemas.openxmlformats.org/officeDocument/2006/relationships" type="rect" r:blip="">
+                              <dgm:adjLst/>
+                            </dgm:shape>
+                            <dgm:presOf axis="desOrSelf" ptType="node"/>
+                            <dgm:constrLst>
+                              <dgm:constr type="tMarg" refType="primFontSz" fact="0.3"/>
+                              <dgm:constr type="bMarg" refType="primFontSz" fact="0.3"/>
+                              <dgm:constr type="lMarg" refType="primFontSz" fact="0.3"/>
+                              <dgm:constr type="rMarg" refType="primFontSz" fact="0.3"/>
+                            </dgm:constrLst>
+                            <dgm:ruleLst>
+                              <dgm:rule type="primFontSz" val="5" fact="NaN" max="NaN"/>
+                            </dgm:ruleLst>
+                          </dgm:layoutNode>
+                        </dgm:layoutNode>
+                      </dgm:forEach>
+                    </dgm:layoutNode>
+                  </dgm:layoutNode>
+                  <dgm:forEach name="Name37" axis="followSib" ptType="sibTrans" cnt="1">
+                    <dgm:layoutNode name="thinLine3" styleLbl="callout">
+                      <dgm:alg type="sp"/>
+                      <dgm:shape xmlns:r="http://schemas.openxmlformats.org/officeDocument/2006/relationships" type="line" r:blip="">
+                        <dgm:adjLst/>
+                      </dgm:shape>
+                      <dgm:presOf/>
+                    </dgm:layoutNode>
+                  </dgm:forEach>
+                </dgm:forEach>
+              </dgm:layoutNode>
+            </dgm:layoutNode>
+            <dgm:layoutNode name="thinLine2b" styleLbl="callout">
+              <dgm:alg type="sp"/>
+              <dgm:shape xmlns:r="http://schemas.openxmlformats.org/officeDocument/2006/relationships" type="line" r:blip="">
+                <dgm:adjLst/>
+              </dgm:shape>
+              <dgm:presOf/>
+            </dgm:layoutNode>
+            <dgm:layoutNode name="vertSpace2b">
+              <dgm:alg type="sp"/>
+              <dgm:shape xmlns:r="http://schemas.openxmlformats.org/officeDocument/2006/relationships" r:blip="">
+                <dgm:adjLst/>
+              </dgm:shape>
+              <dgm:presOf/>
+            </dgm:layoutNode>
+          </dgm:forEach>
+        </dgm:layoutNode>
+      </dgm:layoutNode>
+    </dgm:forEach>
+  </dgm:layoutNode>
+</dgm:layoutDef>
+</file>
+
+<file path=ppt/diagrams/quickStyle1.xml><?xml version="1.0" encoding="utf-8"?>
+<dgm:styleDef xmlns:dgm="http://schemas.openxmlformats.org/drawingml/2006/diagram" xmlns:a="http://schemas.openxmlformats.org/drawingml/2006/main" uniqueId="urn:microsoft.com/office/officeart/2005/8/quickstyle/simple1">
+  <dgm:title val=""/>
+  <dgm:desc val=""/>
+  <dgm:catLst>
+    <dgm:cat type="simple" pri="10100"/>
+  </dgm:catLst>
+  <dgm:scene3d>
+    <a:camera prst="orthographicFront"/>
+    <a:lightRig rig="threePt" dir="t"/>
+  </dgm:scene3d>
+  <dgm:styleLbl name="node0">
+    <dgm:scene3d>
+      <a:camera prst="orthographicFront"/>
+      <a:lightRig rig="threePt" dir="t"/>
+    </dgm:scene3d>
+    <dgm:sp3d/>
+    <dgm:txPr/>
+    <dgm:style>
+      <a:lnRef idx="2">
+        <a:scrgbClr r="0" g="0" b="0"/>
+      </a:lnRef>
+      <a:fillRef idx="1">
+        <a:scrgbClr r="0" g="0" b="0"/>
+      </a:fillRef>
+      <a:effectRef idx="0">
+        <a:scrgbClr r="0" g="0" b="0"/>
+      </a:effectRef>
+      <a:fontRef idx="minor">
+        <a:schemeClr val="lt1"/>
+      </a:fontRef>
+    </dgm:style>
+  </dgm:styleLbl>
+  <dgm:styleLbl name="lnNode1">
+    <dgm:scene3d>
+      <a:camera prst="orthographicFront"/>
+      <a:lightRig rig="threePt" dir="t"/>
+    </dgm:scene3d>
+    <dgm:sp3d/>
+    <dgm:txPr/>
+    <dgm:style>
+      <a:lnRef idx="2">
+        <a:scrgbClr r="0" g="0" b="0"/>
+      </a:lnRef>
+      <a:fillRef idx="1">
+        <a:scrgbClr r="0" g="0" b="0"/>
+      </a:fillRef>
+      <a:effectRef idx="0">
+        <a:scrgbClr r="0" g="0" b="0"/>
+      </a:effectRef>
+      <a:fontRef idx="minor">
+        <a:schemeClr val="lt1"/>
+      </a:fontRef>
+    </dgm:style>
+  </dgm:styleLbl>
+  <dgm:styleLbl name="vennNode1">
+    <dgm:scene3d>
+      <a:camera prst="orthographicFront"/>
+      <a:lightRig rig="threePt" dir="t"/>
+    </dgm:scene3d>
+    <dgm:sp3d/>
+    <dgm:txPr/>
+    <dgm:style>
+      <a:lnRef idx="2">
+        <a:scrgbClr r="0" g="0" b="0"/>
+      </a:lnRef>
+      <a:fillRef idx="1">
+        <a:scrgbClr r="0" g="0" b="0"/>
+      </a:fillRef>
+      <a:effectRef idx="0">
+        <a:scrgbClr r="0" g="0" b="0"/>
+      </a:effectRef>
+      <a:fontRef idx="minor">
+        <a:schemeClr val="tx1"/>
+      </a:fontRef>
+    </dgm:style>
+  </dgm:styleLbl>
+  <dgm:styleLbl name="alignNode1">
+    <dgm:scene3d>
+      <a:camera prst="orthographicFront"/>
+      <a:lightRig rig="threePt" dir="t"/>
+    </dgm:scene3d>
+    <dgm:sp3d/>
+    <dgm:txPr/>
+    <dgm:style>
+      <a:lnRef idx="2">
+        <a:scrgbClr r="0" g="0" b="0"/>
+      </a:lnRef>
+      <a:fillRef idx="1">
+        <a:scrgbClr r="0" g="0" b="0"/>
+      </a:fillRef>
+      <a:effectRef idx="0">
+        <a:scrgbClr r="0" g="0" b="0"/>
+      </a:effectRef>
+      <a:fontRef idx="minor">
+        <a:schemeClr val="lt1"/>
+      </a:fontRef>
+    </dgm:style>
+  </dgm:styleLbl>
+  <dgm:styleLbl name="node1">
+    <dgm:scene3d>
+      <a:camera prst="orthographicFront"/>
+      <a:lightRig rig="threePt" dir="t"/>
+    </dgm:scene3d>
+    <dgm:sp3d/>
+    <dgm:txPr/>
+    <dgm:style>
+      <a:lnRef idx="2">
+        <a:scrgbClr r="0" g="0" b="0"/>
+      </a:lnRef>
+      <a:fillRef idx="1">
+        <a:scrgbClr r="0" g="0" b="0"/>
+      </a:fillRef>
+      <a:effectRef idx="0">
+        <a:scrgbClr r="0" g="0" b="0"/>
+      </a:effectRef>
+      <a:fontRef idx="minor">
+        <a:schemeClr val="lt1"/>
+      </a:fontRef>
+    </dgm:style>
+  </dgm:styleLbl>
+  <dgm:styleLbl name="node2">
+    <dgm:scene3d>
+      <a:camera prst="orthographicFront"/>
+      <a:lightRig rig="threePt" dir="t"/>
+    </dgm:scene3d>
+    <dgm:sp3d/>
+    <dgm:txPr/>
+    <dgm:style>
+      <a:lnRef idx="2">
+        <a:scrgbClr r="0" g="0" b="0"/>
+      </a:lnRef>
+      <a:fillRef idx="1">
+        <a:scrgbClr r="0" g="0" b="0"/>
+      </a:fillRef>
+      <a:effectRef idx="0">
+        <a:scrgbClr r="0" g="0" b="0"/>
+      </a:effectRef>
+      <a:fontRef idx="minor">
+        <a:schemeClr val="lt1"/>
+      </a:fontRef>
+    </dgm:style>
+  </dgm:styleLbl>
+  <dgm:styleLbl name="node3">
+    <dgm:scene3d>
+      <a:camera prst="orthographicFront"/>
+      <a:lightRig rig="threePt" dir="t"/>
+    </dgm:scene3d>
+    <dgm:sp3d/>
+    <dgm:txPr/>
+    <dgm:style>
+      <a:lnRef idx="2">
+        <a:scrgbClr r="0" g="0" b="0"/>
+      </a:lnRef>
+      <a:fillRef idx="1">
+        <a:scrgbClr r="0" g="0" b="0"/>
+      </a:fillRef>
+      <a:effectRef idx="0">
+        <a:scrgbClr r="0" g="0" b="0"/>
+      </a:effectRef>
+      <a:fontRef idx="minor">
+        <a:schemeClr val="lt1"/>
+      </a:fontRef>
+    </dgm:style>
+  </dgm:styleLbl>
+  <dgm:styleLbl name="node4">
+    <dgm:scene3d>
+      <a:camera prst="orthographicFront"/>
+      <a:lightRig rig="threePt" dir="t"/>
+    </dgm:scene3d>
+    <dgm:sp3d/>
+    <dgm:txPr/>
+    <dgm:style>
+      <a:lnRef idx="2">
+        <a:scrgbClr r="0" g="0" b="0"/>
+      </a:lnRef>
+      <a:fillRef idx="1">
+        <a:scrgbClr r="0" g="0" b="0"/>
+      </a:fillRef>
+      <a:effectRef idx="0">
+        <a:scrgbClr r="0" g="0" b="0"/>
+      </a:effectRef>
+      <a:fontRef idx="minor">
+        <a:schemeClr val="lt1"/>
+      </a:fontRef>
+    </dgm:style>
+  </dgm:styleLbl>
+  <dgm:styleLbl name="fgImgPlace1">
+    <dgm:scene3d>
+      <a:camera prst="orthographicFront"/>
+      <a:lightRig rig="threePt" dir="t"/>
+    </dgm:scene3d>
+    <dgm:sp3d/>
+    <dgm:txPr/>
+    <dgm:style>
+      <a:lnRef idx="2">
+        <a:scrgbClr r="0" g="0" b="0"/>
+      </a:lnRef>
+      <a:fillRef idx="1">
+        <a:scrgbClr r="0" g="0" b="0"/>
+      </a:fillRef>
+      <a:effectRef idx="0">
+        <a:scrgbClr r="0" g="0" b="0"/>
+      </a:effectRef>
+      <a:fontRef idx="minor"/>
+    </dgm:style>
+  </dgm:styleLbl>
+  <dgm:styleLbl name="alignImgPlace1">
+    <dgm:scene3d>
+      <a:camera prst="orthographicFront"/>
+      <a:lightRig rig="threePt" dir="t"/>
+    </dgm:scene3d>
+    <dgm:sp3d/>
+    <dgm:txPr/>
+    <dgm:style>
+      <a:lnRef idx="2">
+        <a:scrgbClr r="0" g="0" b="0"/>
+      </a:lnRef>
+      <a:fillRef idx="1">
+        <a:scrgbClr r="0" g="0" b="0"/>
+      </a:fillRef>
+      <a:effectRef idx="0">
+        <a:scrgbClr r="0" g="0" b="0"/>
+      </a:effectRef>
+      <a:fontRef idx="minor"/>
+    </dgm:style>
+  </dgm:styleLbl>
+  <dgm:styleLbl name="bgImgPlace1">
+    <dgm:scene3d>
+      <a:camera prst="orthographicFront"/>
+      <a:lightRig rig="threePt" dir="t"/>
+    </dgm:scene3d>
+    <dgm:sp3d/>
+    <dgm:txPr/>
+    <dgm:style>
+      <a:lnRef idx="2">
+        <a:scrgbClr r="0" g="0" b="0"/>
+      </a:lnRef>
+      <a:fillRef idx="1">
+        <a:scrgbClr r="0" g="0" b="0"/>
+      </a:fillRef>
+      <a:effectRef idx="0">
+        <a:scrgbClr r="0" g="0" b="0"/>
+      </a:effectRef>
+      <a:fontRef idx="minor"/>
+    </dgm:style>
+  </dgm:styleLbl>
+  <dgm:styleLbl name="sibTrans2D1">
+    <dgm:scene3d>
+      <a:camera prst="orthographicFront"/>
+      <a:lightRig rig="threePt" dir="t"/>
+    </dgm:scene3d>
+    <dgm:sp3d/>
+    <dgm:txPr/>
+    <dgm:style>
+      <a:lnRef idx="0">
+        <a:scrgbClr r="0" g="0" b="0"/>
+      </a:lnRef>
+      <a:fillRef idx="1">
+        <a:scrgbClr r="0" g="0" b="0"/>
+      </a:fillRef>
+      <a:effectRef idx="0">
+        <a:scrgbClr r="0" g="0" b="0"/>
+      </a:effectRef>
+      <a:fontRef idx="minor">
+        <a:schemeClr val="lt1"/>
+      </a:fontRef>
+    </dgm:style>
+  </dgm:styleLbl>
+  <dgm:styleLbl name="fgSibTrans2D1">
+    <dgm:scene3d>
+      <a:camera prst="orthographicFront"/>
+      <a:lightRig rig="threePt" dir="t"/>
+    </dgm:scene3d>
+    <dgm:sp3d/>
+    <dgm:txPr/>
+    <dgm:style>
+      <a:lnRef idx="0">
+        <a:scrgbClr r="0" g="0" b="0"/>
+      </a:lnRef>
+      <a:fillRef idx="1">
+        <a:scrgbClr r="0" g="0" b="0"/>
+      </a:fillRef>
+      <a:effectRef idx="0">
+        <a:scrgbClr r="0" g="0" b="0"/>
+      </a:effectRef>
+      <a:fontRef idx="minor">
+        <a:schemeClr val="lt1"/>
+      </a:fontRef>
+    </dgm:style>
+  </dgm:styleLbl>
+  <dgm:styleLbl name="bgSibTrans2D1">
+    <dgm:scene3d>
+      <a:camera prst="orthographicFront"/>
+      <a:lightRig rig="threePt" dir="t"/>
+    </dgm:scene3d>
+    <dgm:sp3d/>
+    <dgm:txPr/>
+    <dgm:style>
+      <a:lnRef idx="0">
+        <a:scrgbClr r="0" g="0" b="0"/>
+      </a:lnRef>
+      <a:fillRef idx="1">
+        <a:scrgbClr r="0" g="0" b="0"/>
+      </a:fillRef>
+      <a:effectRef idx="0">
+        <a:scrgbClr r="0" g="0" b="0"/>
+      </a:effectRef>
+      <a:fontRef idx="minor">
+        <a:schemeClr val="lt1"/>
+      </a:fontRef>
+    </dgm:style>
+  </dgm:styleLbl>
+  <dgm:styleLbl name="sibTrans1D1">
+    <dgm:scene3d>
+      <a:camera prst="orthographicFront"/>
+      <a:lightRig rig="threePt" dir="t"/>
+    </dgm:scene3d>
+    <dgm:sp3d/>
+    <dgm:txPr/>
+    <dgm:style>
+      <a:lnRef idx="1">
+        <a:scrgbClr r="0" g="0" b="0"/>
+      </a:lnRef>
+      <a:fillRef idx="0">
+        <a:scrgbClr r="0" g="0" b="0"/>
+      </a:fillRef>
+      <a:effectRef idx="0">
+        <a:scrgbClr r="0" g="0" b="0"/>
+      </a:effectRef>
+      <a:fontRef idx="minor"/>
+    </dgm:style>
+  </dgm:styleLbl>
+  <dgm:styleLbl name="callout">
+    <dgm:scene3d>
+      <a:camera prst="orthographicFront"/>
+      <a:lightRig rig="threePt" dir="t"/>
+    </dgm:scene3d>
+    <dgm:sp3d/>
+    <dgm:txPr/>
+    <dgm:style>
+      <a:lnRef idx="2">
+        <a:scrgbClr r="0" g="0" b="0"/>
+      </a:lnRef>
+      <a:fillRef idx="1">
+        <a:scrgbClr r="0" g="0" b="0"/>
+      </a:fillRef>
+      <a:effectRef idx="0">
+        <a:scrgbClr r="0" g="0" b="0"/>
+      </a:effectRef>
+      <a:fontRef idx="minor"/>
+    </dgm:style>
+  </dgm:styleLbl>
+  <dgm:styleLbl name="asst0">
+    <dgm:scene3d>
+      <a:camera prst="orthographicFront"/>
+      <a:lightRig rig="threePt" dir="t"/>
+    </dgm:scene3d>
+    <dgm:sp3d/>
+    <dgm:txPr/>
+    <dgm:style>
+      <a:lnRef idx="2">
+        <a:scrgbClr r="0" g="0" b="0"/>
+      </a:lnRef>
+      <a:fillRef idx="1">
+        <a:scrgbClr r="0" g="0" b="0"/>
+      </a:fillRef>
+      <a:effectRef idx="0">
+        <a:scrgbClr r="0" g="0" b="0"/>
+      </a:effectRef>
+      <a:fontRef idx="minor">
+        <a:schemeClr val="lt1"/>
+      </a:fontRef>
+    </dgm:style>
+  </dgm:styleLbl>
+  <dgm:styleLbl name="asst1">
+    <dgm:scene3d>
+      <a:camera prst="orthographicFront"/>
+      <a:lightRig rig="threePt" dir="t"/>
+    </dgm:scene3d>
+    <dgm:sp3d/>
+    <dgm:txPr/>
+    <dgm:style>
+      <a:lnRef idx="2">
+        <a:scrgbClr r="0" g="0" b="0"/>
+      </a:lnRef>
+      <a:fillRef idx="1">
+        <a:scrgbClr r="0" g="0" b="0"/>
+      </a:fillRef>
+      <a:effectRef idx="0">
+        <a:scrgbClr r="0" g="0" b="0"/>
+      </a:effectRef>
+      <a:fontRef idx="minor">
+        <a:schemeClr val="lt1"/>
+      </a:fontRef>
+    </dgm:style>
+  </dgm:styleLbl>
+  <dgm:styleLbl name="asst2">
+    <dgm:scene3d>
+      <a:camera prst="orthographicFront"/>
+      <a:lightRig rig="threePt" dir="t"/>
+    </dgm:scene3d>
+    <dgm:sp3d/>
+    <dgm:txPr/>
+    <dgm:style>
+      <a:lnRef idx="2">
+        <a:scrgbClr r="0" g="0" b="0"/>
+      </a:lnRef>
+      <a:fillRef idx="1">
+        <a:scrgbClr r="0" g="0" b="0"/>
+      </a:fillRef>
+      <a:effectRef idx="0">
+        <a:scrgbClr r="0" g="0" b="0"/>
+      </a:effectRef>
+      <a:fontRef idx="minor">
+        <a:schemeClr val="lt1"/>
+      </a:fontRef>
+    </dgm:style>
+  </dgm:styleLbl>
+  <dgm:styleLbl name="asst3">
+    <dgm:scene3d>
+      <a:camera prst="orthographicFront"/>
+      <a:lightRig rig="threePt" dir="t"/>
+    </dgm:scene3d>
+    <dgm:sp3d/>
+    <dgm:txPr/>
+    <dgm:style>
+      <a:lnRef idx="2">
+        <a:scrgbClr r="0" g="0" b="0"/>
+      </a:lnRef>
+      <a:fillRef idx="1">
+        <a:scrgbClr r="0" g="0" b="0"/>
+      </a:fillRef>
+      <a:effectRef idx="0">
+        <a:scrgbClr r="0" g="0" b="0"/>
+      </a:effectRef>
+      <a:fontRef idx="minor">
+        <a:schemeClr val="lt1"/>
+      </a:fontRef>
+    </dgm:style>
+  </dgm:styleLbl>
+  <dgm:styleLbl name="asst4">
+    <dgm:scene3d>
+      <a:camera prst="orthographicFront"/>
+      <a:lightRig rig="threePt" dir="t"/>
+    </dgm:scene3d>
+    <dgm:sp3d/>
+    <dgm:txPr/>
+    <dgm:style>
+      <a:lnRef idx="2">
+        <a:scrgbClr r="0" g="0" b="0"/>
+      </a:lnRef>
+      <a:fillRef idx="1">
+        <a:scrgbClr r="0" g="0" b="0"/>
+      </a:fillRef>
+      <a:effectRef idx="0">
+        <a:scrgbClr r="0" g="0" b="0"/>
+      </a:effectRef>
+      <a:fontRef idx="minor">
+        <a:schemeClr val="lt1"/>
+      </a:fontRef>
+    </dgm:style>
+  </dgm:styleLbl>
+  <dgm:styleLbl name="parChTrans2D1">
+    <dgm:scene3d>
+      <a:camera prst="orthographicFront"/>
+      <a:lightRig rig="threePt" dir="t"/>
+    </dgm:scene3d>
+    <dgm:sp3d/>
+    <dgm:txPr/>
+    <dgm:style>
+      <a:lnRef idx="2">
+        <a:scrgbClr r="0" g="0" b="0"/>
+      </a:lnRef>
+      <a:fillRef idx="1">
+        <a:scrgbClr r="0" g="0" b="0"/>
+      </a:fillRef>
+      <a:effectRef idx="0">
+        <a:scrgbClr r="0" g="0" b="0"/>
+      </a:effectRef>
+      <a:fontRef idx="minor">
+        <a:schemeClr val="lt1"/>
+      </a:fontRef>
+    </dgm:style>
+  </dgm:styleLbl>
+  <dgm:styleLbl name="parChTrans2D2">
+    <dgm:scene3d>
+      <a:camera prst="orthographicFront"/>
+      <a:lightRig rig="threePt" dir="t"/>
+    </dgm:scene3d>
+    <dgm:sp3d/>
+    <dgm:txPr/>
+    <dgm:style>
+      <a:lnRef idx="2">
+        <a:scrgbClr r="0" g="0" b="0"/>
+      </a:lnRef>
+      <a:fillRef idx="1">
+        <a:scrgbClr r="0" g="0" b="0"/>
+      </a:fillRef>
+      <a:effectRef idx="0">
+        <a:scrgbClr r="0" g="0" b="0"/>
+      </a:effectRef>
+      <a:fontRef idx="minor">
+        <a:schemeClr val="lt1"/>
+      </a:fontRef>
+    </dgm:style>
+  </dgm:styleLbl>
+  <dgm:styleLbl name="parChTrans2D3">
+    <dgm:scene3d>
+      <a:camera prst="orthographicFront"/>
+      <a:lightRig rig="threePt" dir="t"/>
+    </dgm:scene3d>
+    <dgm:sp3d/>
+    <dgm:txPr/>
+    <dgm:style>
+      <a:lnRef idx="2">
+        <a:scrgbClr r="0" g="0" b="0"/>
+      </a:lnRef>
+      <a:fillRef idx="1">
+        <a:scrgbClr r="0" g="0" b="0"/>
+      </a:fillRef>
+      <a:effectRef idx="0">
+        <a:scrgbClr r="0" g="0" b="0"/>
+      </a:effectRef>
+      <a:fontRef idx="minor">
+        <a:schemeClr val="lt1"/>
+      </a:fontRef>
+    </dgm:style>
+  </dgm:styleLbl>
+  <dgm:styleLbl name="parChTrans2D4">
+    <dgm:scene3d>
+      <a:camera prst="orthographicFront"/>
+      <a:lightRig rig="threePt" dir="t"/>
+    </dgm:scene3d>
+    <dgm:sp3d/>
+    <dgm:txPr/>
+    <dgm:style>
+      <a:lnRef idx="2">
+        <a:scrgbClr r="0" g="0" b="0"/>
+      </a:lnRef>
+      <a:fillRef idx="1">
+        <a:scrgbClr r="0" g="0" b="0"/>
+      </a:fillRef>
+      <a:effectRef idx="0">
+        <a:scrgbClr r="0" g="0" b="0"/>
+      </a:effectRef>
+      <a:fontRef idx="minor">
+        <a:schemeClr val="lt1"/>
+      </a:fontRef>
+    </dgm:style>
+  </dgm:styleLbl>
+  <dgm:styleLbl name="parChTrans1D1">
+    <dgm:scene3d>
+      <a:camera prst="orthographicFront"/>
+      <a:lightRig rig="threePt" dir="t"/>
+    </dgm:scene3d>
+    <dgm:sp3d/>
+    <dgm:txPr/>
+    <dgm:style>
+      <a:lnRef idx="2">
+        <a:scrgbClr r="0" g="0" b="0"/>
+      </a:lnRef>
+      <a:fillRef idx="0">
+        <a:scrgbClr r="0" g="0" b="0"/>
+      </a:fillRef>
+      <a:effectRef idx="0">
+        <a:scrgbClr r="0" g="0" b="0"/>
+      </a:effectRef>
+      <a:fontRef idx="minor"/>
+    </dgm:style>
+  </dgm:styleLbl>
+  <dgm:styleLbl name="parChTrans1D2">
+    <dgm:scene3d>
+      <a:camera prst="orthographicFront"/>
+      <a:lightRig rig="threePt" dir="t"/>
+    </dgm:scene3d>
+    <dgm:sp3d/>
+    <dgm:txPr/>
+    <dgm:style>
+      <a:lnRef idx="2">
+        <a:scrgbClr r="0" g="0" b="0"/>
+      </a:lnRef>
+      <a:fillRef idx="0">
+        <a:scrgbClr r="0" g="0" b="0"/>
+      </a:fillRef>
+      <a:effectRef idx="0">
+        <a:scrgbClr r="0" g="0" b="0"/>
+      </a:effectRef>
+      <a:fontRef idx="minor"/>
+    </dgm:style>
+  </dgm:styleLbl>
+  <dgm:styleLbl name="parChTrans1D3">
+    <dgm:scene3d>
+      <a:camera prst="orthographicFront"/>
+      <a:lightRig rig="threePt" dir="t"/>
+    </dgm:scene3d>
+    <dgm:sp3d/>
+    <dgm:txPr/>
+    <dgm:style>
+      <a:lnRef idx="2">
+        <a:scrgbClr r="0" g="0" b="0"/>
+      </a:lnRef>
+      <a:fillRef idx="0">
+        <a:scrgbClr r="0" g="0" b="0"/>
+      </a:fillRef>
+      <a:effectRef idx="0">
+        <a:scrgbClr r="0" g="0" b="0"/>
+      </a:effectRef>
+      <a:fontRef idx="minor"/>
+    </dgm:style>
+  </dgm:styleLbl>
+  <dgm:styleLbl name="parChTrans1D4">
+    <dgm:scene3d>
+      <a:camera prst="orthographicFront"/>
+      <a:lightRig rig="threePt" dir="t"/>
+    </dgm:scene3d>
+    <dgm:sp3d/>
+    <dgm:txPr/>
+    <dgm:style>
+      <a:lnRef idx="2">
+        <a:scrgbClr r="0" g="0" b="0"/>
+      </a:lnRef>
+      <a:fillRef idx="0">
+        <a:scrgbClr r="0" g="0" b="0"/>
+      </a:fillRef>
+      <a:effectRef idx="0">
+        <a:scrgbClr r="0" g="0" b="0"/>
+      </a:effectRef>
+      <a:fontRef idx="minor"/>
+    </dgm:style>
+  </dgm:styleLbl>
+  <dgm:styleLbl name="fgAcc1">
+    <dgm:scene3d>
+      <a:camera prst="orthographicFront"/>
+      <a:lightRig rig="threePt" dir="t"/>
+    </dgm:scene3d>
+    <dgm:sp3d/>
+    <dgm:txPr/>
+    <dgm:style>
+      <a:lnRef idx="2">
+        <a:scrgbClr r="0" g="0" b="0"/>
+      </a:lnRef>
+      <a:fillRef idx="1">
+        <a:scrgbClr r="0" g="0" b="0"/>
+      </a:fillRef>
+      <a:effectRef idx="0">
+        <a:scrgbClr r="0" g="0" b="0"/>
+      </a:effectRef>
+      <a:fontRef idx="minor"/>
+    </dgm:style>
+  </dgm:styleLbl>
+  <dgm:styleLbl name="conFgAcc1">
+    <dgm:scene3d>
+      <a:camera prst="orthographicFront"/>
+      <a:lightRig rig="threePt" dir="t"/>
+    </dgm:scene3d>
+    <dgm:sp3d/>
+    <dgm:txPr/>
+    <dgm:style>
+      <a:lnRef idx="2">
+        <a:scrgbClr r="0" g="0" b="0"/>
+      </a:lnRef>
+      <a:fillRef idx="1">
+        <a:scrgbClr r="0" g="0" b="0"/>
+      </a:fillRef>
+      <a:effectRef idx="0">
+        <a:scrgbClr r="0" g="0" b="0"/>
+      </a:effectRef>
+      <a:fontRef idx="minor"/>
+    </dgm:style>
+  </dgm:styleLbl>
+  <dgm:styleLbl name="alignAcc1">
+    <dgm:scene3d>
+      <a:camera prst="orthographicFront"/>
+      <a:lightRig rig="threePt" dir="t"/>
+    </dgm:scene3d>
+    <dgm:sp3d/>
+    <dgm:txPr/>
+    <dgm:style>
+      <a:lnRef idx="2">
+        <a:scrgbClr r="0" g="0" b="0"/>
+      </a:lnRef>
+      <a:fillRef idx="1">
+        <a:scrgbClr r="0" g="0" b="0"/>
+      </a:fillRef>
+      <a:effectRef idx="0">
+        <a:scrgbClr r="0" g="0" b="0"/>
+      </a:effectRef>
+      <a:fontRef idx="minor"/>
+    </dgm:style>
+  </dgm:styleLbl>
+  <dgm:styleLbl name="trAlignAcc1">
+    <dgm:scene3d>
+      <a:camera prst="orthographicFront"/>
+      <a:lightRig rig="threePt" dir="t"/>
+    </dgm:scene3d>
+    <dgm:sp3d/>
+    <dgm:txPr/>
+    <dgm:style>
+      <a:lnRef idx="1">
+        <a:scrgbClr r="0" g="0" b="0"/>
+      </a:lnRef>
+      <a:fillRef idx="1">
+        <a:scrgbClr r="0" g="0" b="0"/>
+      </a:fillRef>
+      <a:effectRef idx="0">
+        <a:scrgbClr r="0" g="0" b="0"/>
+      </a:effectRef>
+      <a:fontRef idx="minor"/>
+    </dgm:style>
+  </dgm:styleLbl>
+  <dgm:styleLbl name="bgAcc1">
+    <dgm:scene3d>
+      <a:camera prst="orthographicFront"/>
+      <a:lightRig rig="threePt" dir="t"/>
+    </dgm:scene3d>
+    <dgm:sp3d/>
+    <dgm:txPr/>
+    <dgm:style>
+      <a:lnRef idx="2">
+        <a:scrgbClr r="0" g="0" b="0"/>
+      </a:lnRef>
+      <a:fillRef idx="1">
+        <a:scrgbClr r="0" g="0" b="0"/>
+      </a:fillRef>
+      <a:effectRef idx="0">
+        <a:scrgbClr r="0" g="0" b="0"/>
+      </a:effectRef>
+      <a:fontRef idx="minor"/>
+    </dgm:style>
+  </dgm:styleLbl>
+  <dgm:styleLbl name="solidFgAcc1">
+    <dgm:scene3d>
+      <a:camera prst="orthographicFront"/>
+      <a:lightRig rig="threePt" dir="t"/>
+    </dgm:scene3d>
+    <dgm:sp3d/>
+    <dgm:txPr/>
+    <dgm:style>
+      <a:lnRef idx="2">
+        <a:scrgbClr r="0" g="0" b="0"/>
+      </a:lnRef>
+      <a:fillRef idx="1">
+        <a:scrgbClr r="0" g="0" b="0"/>
+      </a:fillRef>
+      <a:effectRef idx="0">
+        <a:scrgbClr r="0" g="0" b="0"/>
+      </a:effectRef>
+      <a:fontRef idx="minor"/>
+    </dgm:style>
+  </dgm:styleLbl>
+  <dgm:styleLbl name="solidAlignAcc1">
+    <dgm:scene3d>
+      <a:camera prst="orthographicFront"/>
+      <a:lightRig rig="threePt" dir="t"/>
+    </dgm:scene3d>
+    <dgm:sp3d/>
+    <dgm:txPr/>
+    <dgm:style>
+      <a:lnRef idx="2">
+        <a:scrgbClr r="0" g="0" b="0"/>
+      </a:lnRef>
+      <a:fillRef idx="1">
+        <a:scrgbClr r="0" g="0" b="0"/>
+      </a:fillRef>
+      <a:effectRef idx="0">
+        <a:scrgbClr r="0" g="0" b="0"/>
+      </a:effectRef>
+      <a:fontRef idx="minor"/>
+    </dgm:style>
+  </dgm:styleLbl>
+  <dgm:styleLbl name="solidBgAcc1">
+    <dgm:scene3d>
+      <a:camera prst="orthographicFront"/>
+      <a:lightRig rig="threePt" dir="t"/>
+    </dgm:scene3d>
+    <dgm:sp3d/>
+    <dgm:txPr/>
+    <dgm:style>
+      <a:lnRef idx="2">
+        <a:scrgbClr r="0" g="0" b="0"/>
+      </a:lnRef>
+      <a:fillRef idx="1">
+        <a:scrgbClr r="0" g="0" b="0"/>
+      </a:fillRef>
+      <a:effectRef idx="0">
+        <a:scrgbClr r="0" g="0" b="0"/>
+      </a:effectRef>
+      <a:fontRef idx="minor"/>
+    </dgm:style>
+  </dgm:styleLbl>
+  <dgm:styleLbl name="fgAccFollowNode1">
+    <dgm:scene3d>
+      <a:camera prst="orthographicFront"/>
+      <a:lightRig rig="threePt" dir="t"/>
+    </dgm:scene3d>
+    <dgm:sp3d/>
+    <dgm:txPr/>
+    <dgm:style>
+      <a:lnRef idx="2">
+        <a:scrgbClr r="0" g="0" b="0"/>
+      </a:lnRef>
+      <a:fillRef idx="1">
+        <a:scrgbClr r="0" g="0" b="0"/>
+      </a:fillRef>
+      <a:effectRef idx="0">
+        <a:scrgbClr r="0" g="0" b="0"/>
+      </a:effectRef>
+      <a:fontRef idx="minor"/>
+    </dgm:style>
+  </dgm:styleLbl>
+  <dgm:styleLbl name="alignAccFollowNode1">
+    <dgm:scene3d>
+      <a:camera prst="orthographicFront"/>
+      <a:lightRig rig="threePt" dir="t"/>
+    </dgm:scene3d>
+    <dgm:sp3d/>
+    <dgm:txPr/>
+    <dgm:style>
+      <a:lnRef idx="2">
+        <a:scrgbClr r="0" g="0" b="0"/>
+      </a:lnRef>
+      <a:fillRef idx="1">
+        <a:scrgbClr r="0" g="0" b="0"/>
+      </a:fillRef>
+      <a:effectRef idx="0">
+        <a:scrgbClr r="0" g="0" b="0"/>
+      </a:effectRef>
+      <a:fontRef idx="minor"/>
+    </dgm:style>
+  </dgm:styleLbl>
+  <dgm:styleLbl name="bgAccFollowNode1">
+    <dgm:scene3d>
+      <a:camera prst="orthographicFront"/>
+      <a:lightRig rig="threePt" dir="t"/>
+    </dgm:scene3d>
+    <dgm:sp3d/>
+    <dgm:txPr/>
+    <dgm:style>
+      <a:lnRef idx="2">
+        <a:scrgbClr r="0" g="0" b="0"/>
+      </a:lnRef>
+      <a:fillRef idx="1">
+        <a:scrgbClr r="0" g="0" b="0"/>
+      </a:fillRef>
+      <a:effectRef idx="0">
+        <a:scrgbClr r="0" g="0" b="0"/>
+      </a:effectRef>
+      <a:fontRef idx="minor"/>
+    </dgm:style>
+  </dgm:styleLbl>
+  <dgm:styleLbl name="fgAcc0">
+    <dgm:scene3d>
+      <a:camera prst="orthographicFront"/>
+      <a:lightRig rig="threePt" dir="t"/>
+    </dgm:scene3d>
+    <dgm:sp3d/>
+    <dgm:txPr/>
+    <dgm:style>
+      <a:lnRef idx="2">
+        <a:scrgbClr r="0" g="0" b="0"/>
+      </a:lnRef>
+      <a:fillRef idx="1">
+        <a:scrgbClr r="0" g="0" b="0"/>
+      </a:fillRef>
+      <a:effectRef idx="0">
+        <a:scrgbClr r="0" g="0" b="0"/>
+      </a:effectRef>
+      <a:fontRef idx="minor"/>
+    </dgm:style>
+  </dgm:styleLbl>
+  <dgm:styleLbl name="fgAcc2">
+    <dgm:scene3d>
+      <a:camera prst="orthographicFront"/>
+      <a:lightRig rig="threePt" dir="t"/>
+    </dgm:scene3d>
+    <dgm:sp3d/>
+    <dgm:txPr/>
+    <dgm:style>
+      <a:lnRef idx="2">
+        <a:scrgbClr r="0" g="0" b="0"/>
+      </a:lnRef>
+      <a:fillRef idx="1">
+        <a:scrgbClr r="0" g="0" b="0"/>
+      </a:fillRef>
+      <a:effectRef idx="0">
+        <a:scrgbClr r="0" g="0" b="0"/>
+      </a:effectRef>
+      <a:fontRef idx="minor"/>
+    </dgm:style>
+  </dgm:styleLbl>
+  <dgm:styleLbl name="fgAcc3">
+    <dgm:scene3d>
+      <a:camera prst="orthographicFront"/>
+      <a:lightRig rig="threePt" dir="t"/>
+    </dgm:scene3d>
+    <dgm:sp3d/>
+    <dgm:txPr/>
+    <dgm:style>
+      <a:lnRef idx="2">
+        <a:scrgbClr r="0" g="0" b="0"/>
+      </a:lnRef>
+      <a:fillRef idx="1">
+        <a:scrgbClr r="0" g="0" b="0"/>
+      </a:fillRef>
+      <a:effectRef idx="0">
+        <a:scrgbClr r="0" g="0" b="0"/>
+      </a:effectRef>
+      <a:fontRef idx="minor"/>
+    </dgm:style>
+  </dgm:styleLbl>
+  <dgm:styleLbl name="fgAcc4">
+    <dgm:scene3d>
+      <a:camera prst="orthographicFront"/>
+      <a:lightRig rig="threePt" dir="t"/>
+    </dgm:scene3d>
+    <dgm:sp3d/>
+    <dgm:txPr/>
+    <dgm:style>
+      <a:lnRef idx="2">
+        <a:scrgbClr r="0" g="0" b="0"/>
+      </a:lnRef>
+      <a:fillRef idx="1">
+        <a:scrgbClr r="0" g="0" b="0"/>
+      </a:fillRef>
+      <a:effectRef idx="0">
+        <a:scrgbClr r="0" g="0" b="0"/>
+      </a:effectRef>
+      <a:fontRef idx="minor"/>
+    </dgm:style>
+  </dgm:styleLbl>
+  <dgm:styleLbl name="bgShp">
+    <dgm:scene3d>
+      <a:camera prst="orthographicFront"/>
+      <a:lightRig rig="threePt" dir="t"/>
+    </dgm:scene3d>
+    <dgm:sp3d/>
+    <dgm:txPr/>
+    <dgm:style>
+      <a:lnRef idx="0">
+        <a:scrgbClr r="0" g="0" b="0"/>
+      </a:lnRef>
+      <a:fillRef idx="1">
+        <a:scrgbClr r="0" g="0" b="0"/>
+      </a:fillRef>
+      <a:effectRef idx="0">
+        <a:scrgbClr r="0" g="0" b="0"/>
+      </a:effectRef>
+      <a:fontRef idx="minor"/>
+    </dgm:style>
+  </dgm:styleLbl>
+  <dgm:styleLbl name="dkBgShp">
+    <dgm:scene3d>
+      <a:camera prst="orthographicFront"/>
+      <a:lightRig rig="threePt" dir="t"/>
+    </dgm:scene3d>
+    <dgm:sp3d/>
+    <dgm:txPr/>
+    <dgm:style>
+      <a:lnRef idx="0">
+        <a:scrgbClr r="0" g="0" b="0"/>
+      </a:lnRef>
+      <a:fillRef idx="1">
+        <a:scrgbClr r="0" g="0" b="0"/>
+      </a:fillRef>
+      <a:effectRef idx="0">
+        <a:scrgbClr r="0" g="0" b="0"/>
+      </a:effectRef>
+      <a:fontRef idx="minor"/>
+    </dgm:style>
+  </dgm:styleLbl>
+  <dgm:styleLbl name="trBgShp">
+    <dgm:scene3d>
+      <a:camera prst="orthographicFront"/>
+      <a:lightRig rig="threePt" dir="t"/>
+    </dgm:scene3d>
+    <dgm:sp3d/>
+    <dgm:txPr/>
+    <dgm:style>
+      <a:lnRef idx="0">
+        <a:scrgbClr r="0" g="0" b="0"/>
+      </a:lnRef>
+      <a:fillRef idx="1">
+        <a:scrgbClr r="0" g="0" b="0"/>
+      </a:fillRef>
+      <a:effectRef idx="0">
+        <a:scrgbClr r="0" g="0" b="0"/>
+      </a:effectRef>
+      <a:fontRef idx="minor"/>
+    </dgm:style>
+  </dgm:styleLbl>
+  <dgm:styleLbl name="fgShp">
+    <dgm:scene3d>
+      <a:camera prst="orthographicFront"/>
+      <a:lightRig rig="threePt" dir="t"/>
+    </dgm:scene3d>
+    <dgm:sp3d/>
+    <dgm:txPr/>
+    <dgm:style>
+      <a:lnRef idx="2">
+        <a:scrgbClr r="0" g="0" b="0"/>
+      </a:lnRef>
+      <a:fillRef idx="1">
+        <a:scrgbClr r="0" g="0" b="0"/>
+      </a:fillRef>
+      <a:effectRef idx="0">
+        <a:scrgbClr r="0" g="0" b="0"/>
+      </a:effectRef>
+      <a:fontRef idx="minor"/>
+    </dgm:style>
+  </dgm:styleLbl>
+  <dgm:styleLbl name="revTx">
+    <dgm:scene3d>
+      <a:camera prst="orthographicFront"/>
+      <a:lightRig rig="threePt" dir="t"/>
+    </dgm:scene3d>
+    <dgm:sp3d/>
+    <dgm:txPr/>
+    <dgm:style>
+      <a:lnRef idx="0">
+        <a:scrgbClr r="0" g="0" b="0"/>
+      </a:lnRef>
+      <a:fillRef idx="0">
+        <a:scrgbClr r="0" g="0" b="0"/>
+      </a:fillRef>
+      <a:effectRef idx="0">
+        <a:scrgbClr r="0" g="0" b="0"/>
+      </a:effectRef>
+      <a:fontRef idx="minor"/>
+    </dgm:style>
+  </dgm:styleLbl>
+</dgm:styleDef>
 </file>
 
 <file path=ppt/slideLayouts/slideLayout1.xml><?xml version="1.0" encoding="utf-8"?>
@@ -3350,12 +7523,12 @@
           <a:chExt cx="0" cy="0"/>
         </a:xfrm>
       </p:grpSpPr>
-      <p:sp>
+      <p:sp useBgFill="1">
         <p:nvSpPr>
-          <p:cNvPr id="57" name="Rectangle 56">
+          <p:cNvPr id="24" name="Rectangle 23">
             <a:extLst>
               <a:ext uri="{FF2B5EF4-FFF2-40B4-BE49-F238E27FC236}">
-                <a16:creationId xmlns:a16="http://schemas.microsoft.com/office/drawing/2014/main" id="{B9FF99BD-075F-4761-A995-6FC574BD25EA}"/>
+                <a16:creationId xmlns:a16="http://schemas.microsoft.com/office/drawing/2014/main" id="{A3363022-C969-41E9-8EB2-E4C94908C1FA}"/>
               </a:ext>
               <a:ext uri="{C183D7F6-B498-43B3-948B-1728B52AA6E4}">
                 <adec:decorative xmlns:adec="http://schemas.microsoft.com/office/drawing/2017/decorative" val="1"/>
@@ -3375,16 +7548,74 @@
         </p:nvSpPr>
         <p:spPr>
           <a:xfrm>
-            <a:off x="0" y="0"/>
-            <a:ext cx="12192000" cy="6858000"/>
+            <a:off x="0" y="-1"/>
+            <a:ext cx="12191695" cy="6852025"/>
+          </a:xfrm>
+          <a:prstGeom prst="rect">
+            <a:avLst/>
+          </a:prstGeom>
+          <a:ln>
+            <a:noFill/>
+          </a:ln>
+        </p:spPr>
+        <p:style>
+          <a:lnRef idx="2">
+            <a:schemeClr val="accent1">
+              <a:shade val="50000"/>
+            </a:schemeClr>
+          </a:lnRef>
+          <a:fillRef idx="1">
+            <a:schemeClr val="accent1"/>
+          </a:fillRef>
+          <a:effectRef idx="0">
+            <a:schemeClr val="accent1"/>
+          </a:effectRef>
+          <a:fontRef idx="minor">
+            <a:schemeClr val="lt1"/>
+          </a:fontRef>
+        </p:style>
+        <p:txBody>
+          <a:bodyPr rtlCol="0" anchor="ctr"/>
+          <a:lstStyle/>
+          <a:p>
+            <a:pPr algn="ctr"/>
+            <a:endParaRPr lang="en-US"/>
+          </a:p>
+        </p:txBody>
+      </p:sp>
+      <p:sp>
+        <p:nvSpPr>
+          <p:cNvPr id="25" name="Rectangle 24">
+            <a:extLst>
+              <a:ext uri="{FF2B5EF4-FFF2-40B4-BE49-F238E27FC236}">
+                <a16:creationId xmlns:a16="http://schemas.microsoft.com/office/drawing/2014/main" id="{8D1AD6B3-BE88-4CEB-BA17-790657CC4729}"/>
+              </a:ext>
+              <a:ext uri="{C183D7F6-B498-43B3-948B-1728B52AA6E4}">
+                <adec:decorative xmlns:adec="http://schemas.microsoft.com/office/drawing/2017/decorative" val="1"/>
+              </a:ext>
+            </a:extLst>
+          </p:cNvPr>
+          <p:cNvSpPr>
+            <a:spLocks noGrp="1" noRot="1" noChangeAspect="1" noMove="1" noResize="1" noEditPoints="1" noAdjustHandles="1" noChangeArrowheads="1" noChangeShapeType="1" noTextEdit="1"/>
+          </p:cNvSpPr>
+          <p:nvPr>
+            <p:extLst>
+              <p:ext uri="{386F3935-93C4-4BCD-93E2-E3B085C9AB24}">
+                <p16:designElem xmlns:p16="http://schemas.microsoft.com/office/powerpoint/2015/main" val="1"/>
+              </p:ext>
+            </p:extLst>
+          </p:nvPr>
+        </p:nvSpPr>
+        <p:spPr>
+          <a:xfrm>
+            <a:off x="305" y="0"/>
+            <a:ext cx="12191695" cy="6858000"/>
           </a:xfrm>
           <a:prstGeom prst="rect">
             <a:avLst/>
           </a:prstGeom>
           <a:solidFill>
-            <a:schemeClr val="bg1">
-              <a:lumMod val="65000"/>
-            </a:schemeClr>
+            <a:schemeClr val="bg1"/>
           </a:solidFill>
           <a:ln>
             <a:noFill/>
@@ -3417,10 +7648,2416 @@
       </p:sp>
       <p:sp>
         <p:nvSpPr>
-          <p:cNvPr id="58" name="Rectangle 57">
+          <p:cNvPr id="7" name="TextBox 6">
             <a:extLst>
               <a:ext uri="{FF2B5EF4-FFF2-40B4-BE49-F238E27FC236}">
-                <a16:creationId xmlns:a16="http://schemas.microsoft.com/office/drawing/2014/main" id="{A7B21A54-9BA3-4EA9-B460-5A829ADD9051}"/>
+                <a16:creationId xmlns:a16="http://schemas.microsoft.com/office/drawing/2014/main" id="{BE0A0899-BBF6-1564-1FCD-33FB1D24A4A8}"/>
+              </a:ext>
+            </a:extLst>
+          </p:cNvPr>
+          <p:cNvSpPr txBox="1"/>
+          <p:nvPr/>
+        </p:nvSpPr>
+        <p:spPr>
+          <a:xfrm>
+            <a:off x="1380942" y="430446"/>
+            <a:ext cx="6624371" cy="838831"/>
+          </a:xfrm>
+          <a:prstGeom prst="rect">
+            <a:avLst/>
+          </a:prstGeom>
+        </p:spPr>
+        <p:txBody>
+          <a:bodyPr vert="horz" lIns="91440" tIns="45720" rIns="91440" bIns="45720" rtlCol="0" anchor="b">
+            <a:normAutofit/>
+          </a:bodyPr>
+          <a:lstStyle/>
+          <a:p>
+            <a:pPr>
+              <a:lnSpc>
+                <a:spcPct val="90000"/>
+              </a:lnSpc>
+              <a:spcBef>
+                <a:spcPts val="1000"/>
+              </a:spcBef>
+              <a:spcAft>
+                <a:spcPts val="600"/>
+              </a:spcAft>
+            </a:pPr>
+            <a:r>
+              <a:rPr lang="en-US" sz="1500" dirty="0">
+                <a:solidFill>
+                  <a:prstClr val="black">
+                    <a:hueOff val="0"/>
+                    <a:satOff val="0"/>
+                    <a:lumOff val="0"/>
+                    <a:alphaOff val="0"/>
+                  </a:prstClr>
+                </a:solidFill>
+                <a:latin typeface="Calibri" panose="020F0502020204030204"/>
+              </a:rPr>
+              <a:t>Conversational Agents (Chatbots/Virtual Assistants) : Enhancing Interactions</a:t>
+            </a:r>
+          </a:p>
+        </p:txBody>
+      </p:sp>
+      <p:pic>
+        <p:nvPicPr>
+          <p:cNvPr id="26" name="Graphic 25" descr="Chat">
+            <a:extLst>
+              <a:ext uri="{FF2B5EF4-FFF2-40B4-BE49-F238E27FC236}">
+                <a16:creationId xmlns:a16="http://schemas.microsoft.com/office/drawing/2014/main" id="{B6D45A24-8404-A34F-2F74-DAB80B0C4B3D}"/>
+              </a:ext>
+            </a:extLst>
+          </p:cNvPr>
+          <p:cNvPicPr>
+            <a:picLocks noChangeAspect="1"/>
+          </p:cNvPicPr>
+          <p:nvPr/>
+        </p:nvPicPr>
+        <p:blipFill>
+          <a:blip r:embed="rId2">
+            <a:extLst>
+              <a:ext uri="{28A0092B-C50C-407E-A947-70E740481C1C}">
+                <a14:useLocalDpi xmlns:a14="http://schemas.microsoft.com/office/drawing/2010/main" val="0"/>
+              </a:ext>
+              <a:ext uri="{96DAC541-7B7A-43D3-8B79-37D633B846F1}">
+                <asvg:svgBlip xmlns:asvg="http://schemas.microsoft.com/office/drawing/2016/SVG/main" r:embed="rId3"/>
+              </a:ext>
+            </a:extLst>
+          </a:blip>
+          <a:stretch>
+            <a:fillRect/>
+          </a:stretch>
+        </p:blipFill>
+        <p:spPr>
+          <a:xfrm>
+            <a:off x="340470" y="1815320"/>
+            <a:ext cx="4141760" cy="4141760"/>
+          </a:xfrm>
+          <a:custGeom>
+            <a:avLst/>
+            <a:gdLst/>
+            <a:ahLst/>
+            <a:cxnLst/>
+            <a:rect l="l" t="t" r="r" b="b"/>
+            <a:pathLst>
+              <a:path w="4141760" h="4377846">
+                <a:moveTo>
+                  <a:pt x="0" y="0"/>
+                </a:moveTo>
+                <a:lnTo>
+                  <a:pt x="4141760" y="0"/>
+                </a:lnTo>
+                <a:lnTo>
+                  <a:pt x="4141760" y="4377846"/>
+                </a:lnTo>
+                <a:lnTo>
+                  <a:pt x="0" y="4377846"/>
+                </a:lnTo>
+                <a:close/>
+              </a:path>
+            </a:pathLst>
+          </a:custGeom>
+        </p:spPr>
+      </p:pic>
+      <p:grpSp>
+        <p:nvGrpSpPr>
+          <p:cNvPr id="20" name="Group 19">
+            <a:extLst>
+              <a:ext uri="{FF2B5EF4-FFF2-40B4-BE49-F238E27FC236}">
+                <a16:creationId xmlns:a16="http://schemas.microsoft.com/office/drawing/2014/main" id="{89D1390B-7E13-4B4F-9CB2-391063412E54}"/>
+              </a:ext>
+              <a:ext uri="{C183D7F6-B498-43B3-948B-1728B52AA6E4}">
+                <adec:decorative xmlns:adec="http://schemas.microsoft.com/office/drawing/2017/decorative" val="1"/>
+              </a:ext>
+            </a:extLst>
+          </p:cNvPr>
+          <p:cNvGrpSpPr>
+            <a:grpSpLocks noGrp="1" noUngrp="1" noRot="1" noChangeAspect="1" noMove="1" noResize="1"/>
+          </p:cNvGrpSpPr>
+          <p:nvPr>
+            <p:extLst>
+              <p:ext uri="{386F3935-93C4-4BCD-93E2-E3B085C9AB24}">
+                <p16:designElem xmlns:p16="http://schemas.microsoft.com/office/powerpoint/2015/main" val="1"/>
+              </p:ext>
+            </p:extLst>
+          </p:nvPr>
+        </p:nvGrpSpPr>
+        <p:grpSpPr>
+          <a:xfrm>
+            <a:off x="-4253" y="-5977"/>
+            <a:ext cx="6238675" cy="6863979"/>
+            <a:chOff x="305" y="-5977"/>
+            <a:chExt cx="6238675" cy="6863979"/>
+          </a:xfrm>
+        </p:grpSpPr>
+        <p:sp>
+          <p:nvSpPr>
+            <p:cNvPr id="21" name="Freeform: Shape 20">
+              <a:extLst>
+                <a:ext uri="{FF2B5EF4-FFF2-40B4-BE49-F238E27FC236}">
+                  <a16:creationId xmlns:a16="http://schemas.microsoft.com/office/drawing/2014/main" id="{9E720206-AA49-4786-A932-A2650DE09183}"/>
+                </a:ext>
+                <a:ext uri="{C183D7F6-B498-43B3-948B-1728B52AA6E4}">
+                  <adec:decorative xmlns:adec="http://schemas.microsoft.com/office/drawing/2017/decorative" val="1"/>
+                </a:ext>
+              </a:extLst>
+            </p:cNvPr>
+            <p:cNvSpPr/>
+            <p:nvPr>
+              <p:extLst>
+                <p:ext uri="{386F3935-93C4-4BCD-93E2-E3B085C9AB24}">
+                  <p16:designElem xmlns:p16="http://schemas.microsoft.com/office/powerpoint/2015/main" val="1"/>
+                </p:ext>
+              </p:extLst>
+            </p:nvPr>
+          </p:nvSpPr>
+          <p:spPr>
+            <a:xfrm flipH="1">
+              <a:off x="305" y="34854"/>
+              <a:ext cx="6028697" cy="6817170"/>
+            </a:xfrm>
+            <a:custGeom>
+              <a:avLst/>
+              <a:gdLst>
+                <a:gd name="connsiteX0" fmla="*/ 6028697 w 6028697"/>
+                <a:gd name="connsiteY0" fmla="*/ 6155323 h 6817170"/>
+                <a:gd name="connsiteX1" fmla="*/ 6028697 w 6028697"/>
+                <a:gd name="connsiteY1" fmla="*/ 6817170 h 6817170"/>
+                <a:gd name="connsiteX2" fmla="*/ 5157862 w 6028697"/>
+                <a:gd name="connsiteY2" fmla="*/ 6817170 h 6817170"/>
+                <a:gd name="connsiteX3" fmla="*/ 5347156 w 6028697"/>
+                <a:gd name="connsiteY3" fmla="*/ 6687553 h 6817170"/>
+                <a:gd name="connsiteX4" fmla="*/ 5487470 w 6028697"/>
+                <a:gd name="connsiteY4" fmla="*/ 6581714 h 6817170"/>
+                <a:gd name="connsiteX5" fmla="*/ 5627642 w 6028697"/>
+                <a:gd name="connsiteY5" fmla="*/ 6472328 h 6817170"/>
+                <a:gd name="connsiteX6" fmla="*/ 5911392 w 6028697"/>
+                <a:gd name="connsiteY6" fmla="*/ 6245328 h 6817170"/>
+                <a:gd name="connsiteX7" fmla="*/ 4481066 w 6028697"/>
+                <a:gd name="connsiteY7" fmla="*/ 478 h 6817170"/>
+                <a:gd name="connsiteX8" fmla="*/ 4672258 w 6028697"/>
+                <a:gd name="connsiteY8" fmla="*/ 7519 h 6817170"/>
+                <a:gd name="connsiteX9" fmla="*/ 5429869 w 6028697"/>
+                <a:gd name="connsiteY9" fmla="*/ 125134 h 6817170"/>
+                <a:gd name="connsiteX10" fmla="*/ 5976319 w 6028697"/>
+                <a:gd name="connsiteY10" fmla="*/ 314893 h 6817170"/>
+                <a:gd name="connsiteX11" fmla="*/ 6028697 w 6028697"/>
+                <a:gd name="connsiteY11" fmla="*/ 339901 h 6817170"/>
+                <a:gd name="connsiteX12" fmla="*/ 6028697 w 6028697"/>
+                <a:gd name="connsiteY12" fmla="*/ 732458 h 6817170"/>
+                <a:gd name="connsiteX13" fmla="*/ 5990985 w 6028697"/>
+                <a:gd name="connsiteY13" fmla="*/ 712211 h 6817170"/>
+                <a:gd name="connsiteX14" fmla="*/ 5341339 w 6028697"/>
+                <a:gd name="connsiteY14" fmla="*/ 475281 h 6817170"/>
+                <a:gd name="connsiteX15" fmla="*/ 4651969 w 6028697"/>
+                <a:gd name="connsiteY15" fmla="*/ 377104 h 6817170"/>
+                <a:gd name="connsiteX16" fmla="*/ 3953093 w 6028697"/>
+                <a:gd name="connsiteY16" fmla="*/ 402498 h 6817170"/>
+                <a:gd name="connsiteX17" fmla="*/ 3267413 w 6028697"/>
+                <a:gd name="connsiteY17" fmla="*/ 546643 h 6817170"/>
+                <a:gd name="connsiteX18" fmla="*/ 1439498 w 6028697"/>
+                <a:gd name="connsiteY18" fmla="*/ 1568141 h 6817170"/>
+                <a:gd name="connsiteX19" fmla="*/ 960671 w 6028697"/>
+                <a:gd name="connsiteY19" fmla="*/ 2082013 h 6817170"/>
+                <a:gd name="connsiteX20" fmla="*/ 581866 w 6028697"/>
+                <a:gd name="connsiteY20" fmla="*/ 2672638 h 6817170"/>
+                <a:gd name="connsiteX21" fmla="*/ 324789 w 6028697"/>
+                <a:gd name="connsiteY21" fmla="*/ 3325262 h 6817170"/>
+                <a:gd name="connsiteX22" fmla="*/ 231151 w 6028697"/>
+                <a:gd name="connsiteY22" fmla="*/ 4022292 h 6817170"/>
+                <a:gd name="connsiteX23" fmla="*/ 270592 w 6028697"/>
+                <a:gd name="connsiteY23" fmla="*/ 4362792 h 6817170"/>
+                <a:gd name="connsiteX24" fmla="*/ 387213 w 6028697"/>
+                <a:gd name="connsiteY24" fmla="*/ 4681585 h 6817170"/>
+                <a:gd name="connsiteX25" fmla="*/ 468507 w 6028697"/>
+                <a:gd name="connsiteY25" fmla="*/ 4831546 h 6817170"/>
+                <a:gd name="connsiteX26" fmla="*/ 561862 w 6028697"/>
+                <a:gd name="connsiteY26" fmla="*/ 4976826 h 6817170"/>
+                <a:gd name="connsiteX27" fmla="*/ 777511 w 6028697"/>
+                <a:gd name="connsiteY27" fmla="*/ 5257597 h 6817170"/>
+                <a:gd name="connsiteX28" fmla="*/ 1010895 w 6028697"/>
+                <a:gd name="connsiteY28" fmla="*/ 5540494 h 6817170"/>
+                <a:gd name="connsiteX29" fmla="*/ 1126948 w 6028697"/>
+                <a:gd name="connsiteY29" fmla="*/ 5688186 h 6817170"/>
+                <a:gd name="connsiteX30" fmla="*/ 1182706 w 6028697"/>
+                <a:gd name="connsiteY30" fmla="*/ 5760543 h 6817170"/>
+                <a:gd name="connsiteX31" fmla="*/ 1237327 w 6028697"/>
+                <a:gd name="connsiteY31" fmla="*/ 5830060 h 6817170"/>
+                <a:gd name="connsiteX32" fmla="*/ 1706649 w 6028697"/>
+                <a:gd name="connsiteY32" fmla="*/ 6342797 h 6817170"/>
+                <a:gd name="connsiteX33" fmla="*/ 1956207 w 6028697"/>
+                <a:gd name="connsiteY33" fmla="*/ 6573484 h 6817170"/>
+                <a:gd name="connsiteX34" fmla="*/ 2217681 w 6028697"/>
+                <a:gd name="connsiteY34" fmla="*/ 6786297 h 6817170"/>
+                <a:gd name="connsiteX35" fmla="*/ 2260820 w 6028697"/>
+                <a:gd name="connsiteY35" fmla="*/ 6817170 h 6817170"/>
+                <a:gd name="connsiteX36" fmla="*/ 1429497 w 6028697"/>
+                <a:gd name="connsiteY36" fmla="*/ 6817170 h 6817170"/>
+                <a:gd name="connsiteX37" fmla="*/ 1327275 w 6028697"/>
+                <a:gd name="connsiteY37" fmla="*/ 6713800 h 6817170"/>
+                <a:gd name="connsiteX38" fmla="*/ 1080556 w 6028697"/>
+                <a:gd name="connsiteY38" fmla="*/ 6414443 h 6817170"/>
+                <a:gd name="connsiteX39" fmla="*/ 865189 w 6028697"/>
+                <a:gd name="connsiteY39" fmla="*/ 6097496 h 6817170"/>
+                <a:gd name="connsiteX40" fmla="*/ 814823 w 6028697"/>
+                <a:gd name="connsiteY40" fmla="*/ 6016911 h 6817170"/>
+                <a:gd name="connsiteX41" fmla="*/ 766729 w 6028697"/>
+                <a:gd name="connsiteY41" fmla="*/ 5938453 h 6817170"/>
+                <a:gd name="connsiteX42" fmla="*/ 671672 w 6028697"/>
+                <a:gd name="connsiteY42" fmla="*/ 5786648 h 6817170"/>
+                <a:gd name="connsiteX43" fmla="*/ 474608 w 6028697"/>
+                <a:gd name="connsiteY43" fmla="*/ 5474664 h 6817170"/>
+                <a:gd name="connsiteX44" fmla="*/ 282652 w 6028697"/>
+                <a:gd name="connsiteY44" fmla="*/ 5146508 h 6817170"/>
+                <a:gd name="connsiteX45" fmla="*/ 196108 w 6028697"/>
+                <a:gd name="connsiteY45" fmla="*/ 4972712 h 6817170"/>
+                <a:gd name="connsiteX46" fmla="*/ 122474 w 6028697"/>
+                <a:gd name="connsiteY46" fmla="*/ 4791821 h 6817170"/>
+                <a:gd name="connsiteX47" fmla="*/ 65724 w 6028697"/>
+                <a:gd name="connsiteY47" fmla="*/ 4603129 h 6817170"/>
+                <a:gd name="connsiteX48" fmla="*/ 44727 w 6028697"/>
+                <a:gd name="connsiteY48" fmla="*/ 4506937 h 6817170"/>
+                <a:gd name="connsiteX49" fmla="*/ 35505 w 6028697"/>
+                <a:gd name="connsiteY49" fmla="*/ 4458699 h 6817170"/>
+                <a:gd name="connsiteX50" fmla="*/ 27845 w 6028697"/>
+                <a:gd name="connsiteY50" fmla="*/ 4410320 h 6817170"/>
+                <a:gd name="connsiteX51" fmla="*/ 37 w 6028697"/>
+                <a:gd name="connsiteY51" fmla="*/ 4022292 h 6817170"/>
+                <a:gd name="connsiteX52" fmla="*/ 78777 w 6028697"/>
+                <a:gd name="connsiteY52" fmla="*/ 3267236 h 6817170"/>
+                <a:gd name="connsiteX53" fmla="*/ 315424 w 6028697"/>
+                <a:gd name="connsiteY53" fmla="*/ 2543673 h 6817170"/>
+                <a:gd name="connsiteX54" fmla="*/ 1202710 w 6028697"/>
+                <a:gd name="connsiteY54" fmla="*/ 1314895 h 6817170"/>
+                <a:gd name="connsiteX55" fmla="*/ 1791065 w 6028697"/>
+                <a:gd name="connsiteY55" fmla="*/ 833514 h 6817170"/>
+                <a:gd name="connsiteX56" fmla="*/ 3908404 w 6028697"/>
+                <a:gd name="connsiteY56" fmla="*/ 29794 h 6817170"/>
+                <a:gd name="connsiteX57" fmla="*/ 4481066 w 6028697"/>
+                <a:gd name="connsiteY57" fmla="*/ 478 h 6817170"/>
+              </a:gdLst>
+              <a:ahLst/>
+              <a:cxnLst>
+                <a:cxn ang="0">
+                  <a:pos x="connsiteX0" y="connsiteY0"/>
+                </a:cxn>
+                <a:cxn ang="0">
+                  <a:pos x="connsiteX1" y="connsiteY1"/>
+                </a:cxn>
+                <a:cxn ang="0">
+                  <a:pos x="connsiteX2" y="connsiteY2"/>
+                </a:cxn>
+                <a:cxn ang="0">
+                  <a:pos x="connsiteX3" y="connsiteY3"/>
+                </a:cxn>
+                <a:cxn ang="0">
+                  <a:pos x="connsiteX4" y="connsiteY4"/>
+                </a:cxn>
+                <a:cxn ang="0">
+                  <a:pos x="connsiteX5" y="connsiteY5"/>
+                </a:cxn>
+                <a:cxn ang="0">
+                  <a:pos x="connsiteX6" y="connsiteY6"/>
+                </a:cxn>
+                <a:cxn ang="0">
+                  <a:pos x="connsiteX7" y="connsiteY7"/>
+                </a:cxn>
+                <a:cxn ang="0">
+                  <a:pos x="connsiteX8" y="connsiteY8"/>
+                </a:cxn>
+                <a:cxn ang="0">
+                  <a:pos x="connsiteX9" y="connsiteY9"/>
+                </a:cxn>
+                <a:cxn ang="0">
+                  <a:pos x="connsiteX10" y="connsiteY10"/>
+                </a:cxn>
+                <a:cxn ang="0">
+                  <a:pos x="connsiteX11" y="connsiteY11"/>
+                </a:cxn>
+                <a:cxn ang="0">
+                  <a:pos x="connsiteX12" y="connsiteY12"/>
+                </a:cxn>
+                <a:cxn ang="0">
+                  <a:pos x="connsiteX13" y="connsiteY13"/>
+                </a:cxn>
+                <a:cxn ang="0">
+                  <a:pos x="connsiteX14" y="connsiteY14"/>
+                </a:cxn>
+                <a:cxn ang="0">
+                  <a:pos x="connsiteX15" y="connsiteY15"/>
+                </a:cxn>
+                <a:cxn ang="0">
+                  <a:pos x="connsiteX16" y="connsiteY16"/>
+                </a:cxn>
+                <a:cxn ang="0">
+                  <a:pos x="connsiteX17" y="connsiteY17"/>
+                </a:cxn>
+                <a:cxn ang="0">
+                  <a:pos x="connsiteX18" y="connsiteY18"/>
+                </a:cxn>
+                <a:cxn ang="0">
+                  <a:pos x="connsiteX19" y="connsiteY19"/>
+                </a:cxn>
+                <a:cxn ang="0">
+                  <a:pos x="connsiteX20" y="connsiteY20"/>
+                </a:cxn>
+                <a:cxn ang="0">
+                  <a:pos x="connsiteX21" y="connsiteY21"/>
+                </a:cxn>
+                <a:cxn ang="0">
+                  <a:pos x="connsiteX22" y="connsiteY22"/>
+                </a:cxn>
+                <a:cxn ang="0">
+                  <a:pos x="connsiteX23" y="connsiteY23"/>
+                </a:cxn>
+                <a:cxn ang="0">
+                  <a:pos x="connsiteX24" y="connsiteY24"/>
+                </a:cxn>
+                <a:cxn ang="0">
+                  <a:pos x="connsiteX25" y="connsiteY25"/>
+                </a:cxn>
+                <a:cxn ang="0">
+                  <a:pos x="connsiteX26" y="connsiteY26"/>
+                </a:cxn>
+                <a:cxn ang="0">
+                  <a:pos x="connsiteX27" y="connsiteY27"/>
+                </a:cxn>
+                <a:cxn ang="0">
+                  <a:pos x="connsiteX28" y="connsiteY28"/>
+                </a:cxn>
+                <a:cxn ang="0">
+                  <a:pos x="connsiteX29" y="connsiteY29"/>
+                </a:cxn>
+                <a:cxn ang="0">
+                  <a:pos x="connsiteX30" y="connsiteY30"/>
+                </a:cxn>
+                <a:cxn ang="0">
+                  <a:pos x="connsiteX31" y="connsiteY31"/>
+                </a:cxn>
+                <a:cxn ang="0">
+                  <a:pos x="connsiteX32" y="connsiteY32"/>
+                </a:cxn>
+                <a:cxn ang="0">
+                  <a:pos x="connsiteX33" y="connsiteY33"/>
+                </a:cxn>
+                <a:cxn ang="0">
+                  <a:pos x="connsiteX34" y="connsiteY34"/>
+                </a:cxn>
+                <a:cxn ang="0">
+                  <a:pos x="connsiteX35" y="connsiteY35"/>
+                </a:cxn>
+                <a:cxn ang="0">
+                  <a:pos x="connsiteX36" y="connsiteY36"/>
+                </a:cxn>
+                <a:cxn ang="0">
+                  <a:pos x="connsiteX37" y="connsiteY37"/>
+                </a:cxn>
+                <a:cxn ang="0">
+                  <a:pos x="connsiteX38" y="connsiteY38"/>
+                </a:cxn>
+                <a:cxn ang="0">
+                  <a:pos x="connsiteX39" y="connsiteY39"/>
+                </a:cxn>
+                <a:cxn ang="0">
+                  <a:pos x="connsiteX40" y="connsiteY40"/>
+                </a:cxn>
+                <a:cxn ang="0">
+                  <a:pos x="connsiteX41" y="connsiteY41"/>
+                </a:cxn>
+                <a:cxn ang="0">
+                  <a:pos x="connsiteX42" y="connsiteY42"/>
+                </a:cxn>
+                <a:cxn ang="0">
+                  <a:pos x="connsiteX43" y="connsiteY43"/>
+                </a:cxn>
+                <a:cxn ang="0">
+                  <a:pos x="connsiteX44" y="connsiteY44"/>
+                </a:cxn>
+                <a:cxn ang="0">
+                  <a:pos x="connsiteX45" y="connsiteY45"/>
+                </a:cxn>
+                <a:cxn ang="0">
+                  <a:pos x="connsiteX46" y="connsiteY46"/>
+                </a:cxn>
+                <a:cxn ang="0">
+                  <a:pos x="connsiteX47" y="connsiteY47"/>
+                </a:cxn>
+                <a:cxn ang="0">
+                  <a:pos x="connsiteX48" y="connsiteY48"/>
+                </a:cxn>
+                <a:cxn ang="0">
+                  <a:pos x="connsiteX49" y="connsiteY49"/>
+                </a:cxn>
+                <a:cxn ang="0">
+                  <a:pos x="connsiteX50" y="connsiteY50"/>
+                </a:cxn>
+                <a:cxn ang="0">
+                  <a:pos x="connsiteX51" y="connsiteY51"/>
+                </a:cxn>
+                <a:cxn ang="0">
+                  <a:pos x="connsiteX52" y="connsiteY52"/>
+                </a:cxn>
+                <a:cxn ang="0">
+                  <a:pos x="connsiteX53" y="connsiteY53"/>
+                </a:cxn>
+                <a:cxn ang="0">
+                  <a:pos x="connsiteX54" y="connsiteY54"/>
+                </a:cxn>
+                <a:cxn ang="0">
+                  <a:pos x="connsiteX55" y="connsiteY55"/>
+                </a:cxn>
+                <a:cxn ang="0">
+                  <a:pos x="connsiteX56" y="connsiteY56"/>
+                </a:cxn>
+                <a:cxn ang="0">
+                  <a:pos x="connsiteX57" y="connsiteY57"/>
+                </a:cxn>
+              </a:cxnLst>
+              <a:rect l="l" t="t" r="r" b="b"/>
+              <a:pathLst>
+                <a:path w="6028697" h="6817170">
+                  <a:moveTo>
+                    <a:pt x="6028697" y="6155323"/>
+                  </a:moveTo>
+                  <a:lnTo>
+                    <a:pt x="6028697" y="6817170"/>
+                  </a:lnTo>
+                  <a:lnTo>
+                    <a:pt x="5157862" y="6817170"/>
+                  </a:lnTo>
+                  <a:lnTo>
+                    <a:pt x="5347156" y="6687553"/>
+                  </a:lnTo>
+                  <a:cubicBezTo>
+                    <a:pt x="5394117" y="6653219"/>
+                    <a:pt x="5440793" y="6617608"/>
+                    <a:pt x="5487470" y="6581714"/>
+                  </a:cubicBezTo>
+                  <a:cubicBezTo>
+                    <a:pt x="5534147" y="6545820"/>
+                    <a:pt x="5580966" y="6509358"/>
+                    <a:pt x="5627642" y="6472328"/>
+                  </a:cubicBezTo>
+                  <a:lnTo>
+                    <a:pt x="5911392" y="6245328"/>
+                  </a:lnTo>
+                  <a:close/>
+                  <a:moveTo>
+                    <a:pt x="4481066" y="478"/>
+                  </a:moveTo>
+                  <a:cubicBezTo>
+                    <a:pt x="4544817" y="1422"/>
+                    <a:pt x="4608563" y="3769"/>
+                    <a:pt x="4672258" y="7519"/>
+                  </a:cubicBezTo>
+                  <a:cubicBezTo>
+                    <a:pt x="4927973" y="22364"/>
+                    <a:pt x="5181687" y="61751"/>
+                    <a:pt x="5429869" y="125134"/>
+                  </a:cubicBezTo>
+                  <a:cubicBezTo>
+                    <a:pt x="5617090" y="173104"/>
+                    <a:pt x="5799867" y="236595"/>
+                    <a:pt x="5976319" y="314893"/>
+                  </a:cubicBezTo>
+                  <a:lnTo>
+                    <a:pt x="6028697" y="339901"/>
+                  </a:lnTo>
+                  <a:lnTo>
+                    <a:pt x="6028697" y="732458"/>
+                  </a:lnTo>
+                  <a:lnTo>
+                    <a:pt x="5990985" y="712211"/>
+                  </a:lnTo>
+                  <a:cubicBezTo>
+                    <a:pt x="5783917" y="609342"/>
+                    <a:pt x="5566013" y="529876"/>
+                    <a:pt x="5341339" y="475281"/>
+                  </a:cubicBezTo>
+                  <a:cubicBezTo>
+                    <a:pt x="5115233" y="420503"/>
+                    <a:pt x="4884375" y="387624"/>
+                    <a:pt x="4651969" y="377104"/>
+                  </a:cubicBezTo>
+                  <a:cubicBezTo>
+                    <a:pt x="4418713" y="365171"/>
+                    <a:pt x="4184861" y="373670"/>
+                    <a:pt x="3953093" y="402498"/>
+                  </a:cubicBezTo>
+                  <a:cubicBezTo>
+                    <a:pt x="3721001" y="431832"/>
+                    <a:pt x="3491675" y="480040"/>
+                    <a:pt x="3267413" y="546643"/>
+                  </a:cubicBezTo>
+                  <a:cubicBezTo>
+                    <a:pt x="2591323" y="750761"/>
+                    <a:pt x="1967642" y="1099289"/>
+                    <a:pt x="1439498" y="1568141"/>
+                  </a:cubicBezTo>
+                  <a:cubicBezTo>
+                    <a:pt x="1265589" y="1725523"/>
+                    <a:pt x="1105393" y="1897434"/>
+                    <a:pt x="960671" y="2082013"/>
+                  </a:cubicBezTo>
+                  <a:cubicBezTo>
+                    <a:pt x="815775" y="2266294"/>
+                    <a:pt x="688923" y="2464081"/>
+                    <a:pt x="581866" y="2672638"/>
+                  </a:cubicBezTo>
+                  <a:cubicBezTo>
+                    <a:pt x="473765" y="2880669"/>
+                    <a:pt x="387610" y="3099397"/>
+                    <a:pt x="324789" y="3325262"/>
+                  </a:cubicBezTo>
+                  <a:cubicBezTo>
+                    <a:pt x="262714" y="3552403"/>
+                    <a:pt x="231223" y="3786822"/>
+                    <a:pt x="231151" y="4022292"/>
+                  </a:cubicBezTo>
+                  <a:cubicBezTo>
+                    <a:pt x="231413" y="4136912"/>
+                    <a:pt x="244645" y="4251136"/>
+                    <a:pt x="270592" y="4362792"/>
+                  </a:cubicBezTo>
+                  <a:cubicBezTo>
+                    <a:pt x="297885" y="4472943"/>
+                    <a:pt x="336983" y="4579833"/>
+                    <a:pt x="387213" y="4681585"/>
+                  </a:cubicBezTo>
+                  <a:cubicBezTo>
+                    <a:pt x="412042" y="4732517"/>
+                    <a:pt x="439423" y="4782457"/>
+                    <a:pt x="468507" y="4831546"/>
+                  </a:cubicBezTo>
+                  <a:cubicBezTo>
+                    <a:pt x="497591" y="4880636"/>
+                    <a:pt x="529230" y="4929015"/>
+                    <a:pt x="561862" y="4976826"/>
+                  </a:cubicBezTo>
+                  <a:cubicBezTo>
+                    <a:pt x="627975" y="5072166"/>
+                    <a:pt x="701466" y="5164668"/>
+                    <a:pt x="777511" y="5257597"/>
+                  </a:cubicBezTo>
+                  <a:cubicBezTo>
+                    <a:pt x="853556" y="5350524"/>
+                    <a:pt x="933574" y="5443594"/>
+                    <a:pt x="1010895" y="5540494"/>
+                  </a:cubicBezTo>
+                  <a:cubicBezTo>
+                    <a:pt x="1049957" y="5588732"/>
+                    <a:pt x="1088642" y="5637963"/>
+                    <a:pt x="1126948" y="5688186"/>
+                  </a:cubicBezTo>
+                  <a:lnTo>
+                    <a:pt x="1182706" y="5760543"/>
+                  </a:lnTo>
+                  <a:cubicBezTo>
+                    <a:pt x="1201007" y="5783669"/>
+                    <a:pt x="1218458" y="5807503"/>
+                    <a:pt x="1237327" y="5830060"/>
+                  </a:cubicBezTo>
+                  <a:cubicBezTo>
+                    <a:pt x="1383714" y="6009916"/>
+                    <a:pt x="1540413" y="6181116"/>
+                    <a:pt x="1706649" y="6342797"/>
+                  </a:cubicBezTo>
+                  <a:cubicBezTo>
+                    <a:pt x="1788084" y="6422531"/>
+                    <a:pt x="1871265" y="6499427"/>
+                    <a:pt x="1956207" y="6573484"/>
+                  </a:cubicBezTo>
+                  <a:cubicBezTo>
+                    <a:pt x="2041332" y="6647402"/>
+                    <a:pt x="2127733" y="6718907"/>
+                    <a:pt x="2217681" y="6786297"/>
+                  </a:cubicBezTo>
+                  <a:lnTo>
+                    <a:pt x="2260820" y="6817170"/>
+                  </a:lnTo>
+                  <a:lnTo>
+                    <a:pt x="1429497" y="6817170"/>
+                  </a:lnTo>
+                  <a:lnTo>
+                    <a:pt x="1327275" y="6713800"/>
+                  </a:lnTo>
+                  <a:cubicBezTo>
+                    <a:pt x="1239186" y="6618984"/>
+                    <a:pt x="1156797" y="6519019"/>
+                    <a:pt x="1080556" y="6414443"/>
+                  </a:cubicBezTo>
+                  <a:cubicBezTo>
+                    <a:pt x="1004653" y="6310734"/>
+                    <a:pt x="932439" y="6205177"/>
+                    <a:pt x="865189" y="6097496"/>
+                  </a:cubicBezTo>
+                  <a:cubicBezTo>
+                    <a:pt x="847881" y="6070823"/>
+                    <a:pt x="831565" y="6043725"/>
+                    <a:pt x="814823" y="6016911"/>
+                  </a:cubicBezTo>
+                  <a:lnTo>
+                    <a:pt x="766729" y="5938453"/>
+                  </a:lnTo>
+                  <a:cubicBezTo>
+                    <a:pt x="735941" y="5887947"/>
+                    <a:pt x="703878" y="5837581"/>
+                    <a:pt x="671672" y="5786648"/>
+                  </a:cubicBezTo>
+                  <a:lnTo>
+                    <a:pt x="474608" y="5474664"/>
+                  </a:lnTo>
+                  <a:cubicBezTo>
+                    <a:pt x="408778" y="5368968"/>
+                    <a:pt x="343516" y="5260008"/>
+                    <a:pt x="282652" y="5146508"/>
+                  </a:cubicBezTo>
+                  <a:cubicBezTo>
+                    <a:pt x="252290" y="5089759"/>
+                    <a:pt x="223065" y="5032015"/>
+                    <a:pt x="196108" y="4972712"/>
+                  </a:cubicBezTo>
+                  <a:cubicBezTo>
+                    <a:pt x="169152" y="4913408"/>
+                    <a:pt x="144607" y="4853111"/>
+                    <a:pt x="122474" y="4791821"/>
+                  </a:cubicBezTo>
+                  <a:cubicBezTo>
+                    <a:pt x="100342" y="4730532"/>
+                    <a:pt x="81757" y="4666830"/>
+                    <a:pt x="65724" y="4603129"/>
+                  </a:cubicBezTo>
+                  <a:cubicBezTo>
+                    <a:pt x="58205" y="4571064"/>
+                    <a:pt x="50828" y="4539143"/>
+                    <a:pt x="44727" y="4506937"/>
+                  </a:cubicBezTo>
+                  <a:lnTo>
+                    <a:pt x="35505" y="4458699"/>
+                  </a:lnTo>
+                  <a:lnTo>
+                    <a:pt x="27845" y="4410320"/>
+                  </a:lnTo>
+                  <a:cubicBezTo>
+                    <a:pt x="8635" y="4281881"/>
+                    <a:pt x="-661" y="4152150"/>
+                    <a:pt x="37" y="4022292"/>
+                  </a:cubicBezTo>
+                  <a:cubicBezTo>
+                    <a:pt x="712" y="3768592"/>
+                    <a:pt x="27094" y="3515615"/>
+                    <a:pt x="78777" y="3267236"/>
+                  </a:cubicBezTo>
+                  <a:cubicBezTo>
+                    <a:pt x="130048" y="3017876"/>
+                    <a:pt x="209439" y="2775142"/>
+                    <a:pt x="315424" y="2543673"/>
+                  </a:cubicBezTo>
+                  <a:cubicBezTo>
+                    <a:pt x="528236" y="2081161"/>
+                    <a:pt x="838234" y="1667312"/>
+                    <a:pt x="1202710" y="1314895"/>
+                  </a:cubicBezTo>
+                  <a:cubicBezTo>
+                    <a:pt x="1385514" y="1138814"/>
+                    <a:pt x="1582282" y="977831"/>
+                    <a:pt x="1791065" y="833514"/>
+                  </a:cubicBezTo>
+                  <a:cubicBezTo>
+                    <a:pt x="2420037" y="395614"/>
+                    <a:pt x="3147288" y="119557"/>
+                    <a:pt x="3908404" y="29794"/>
+                  </a:cubicBezTo>
+                  <a:cubicBezTo>
+                    <a:pt x="4098509" y="7429"/>
+                    <a:pt x="4289811" y="-2355"/>
+                    <a:pt x="4481066" y="478"/>
+                  </a:cubicBezTo>
+                  <a:close/>
+                </a:path>
+              </a:pathLst>
+            </a:custGeom>
+            <a:gradFill>
+              <a:gsLst>
+                <a:gs pos="2000">
+                  <a:schemeClr val="bg1">
+                    <a:alpha val="10000"/>
+                  </a:schemeClr>
+                </a:gs>
+                <a:gs pos="16000">
+                  <a:schemeClr val="accent6">
+                    <a:alpha val="10000"/>
+                  </a:schemeClr>
+                </a:gs>
+                <a:gs pos="100000">
+                  <a:schemeClr val="bg1">
+                    <a:alpha val="10000"/>
+                  </a:schemeClr>
+                </a:gs>
+                <a:gs pos="85000">
+                  <a:schemeClr val="accent1">
+                    <a:alpha val="10000"/>
+                  </a:schemeClr>
+                </a:gs>
+              </a:gsLst>
+              <a:lin ang="12000000" scaled="0"/>
+            </a:gradFill>
+            <a:ln>
+              <a:noFill/>
+            </a:ln>
+          </p:spPr>
+          <p:style>
+            <a:lnRef idx="2">
+              <a:schemeClr val="accent1">
+                <a:shade val="50000"/>
+              </a:schemeClr>
+            </a:lnRef>
+            <a:fillRef idx="1">
+              <a:schemeClr val="accent1"/>
+            </a:fillRef>
+            <a:effectRef idx="0">
+              <a:schemeClr val="accent1"/>
+            </a:effectRef>
+            <a:fontRef idx="minor">
+              <a:schemeClr val="lt1"/>
+            </a:fontRef>
+          </p:style>
+          <p:txBody>
+            <a:bodyPr rtlCol="0" anchor="ctr"/>
+            <a:lstStyle/>
+            <a:p>
+              <a:pPr algn="ctr"/>
+              <a:endParaRPr lang="en-US" dirty="0"/>
+            </a:p>
+          </p:txBody>
+        </p:sp>
+        <p:sp>
+          <p:nvSpPr>
+            <p:cNvPr id="22" name="Freeform: Shape 21">
+              <a:extLst>
+                <a:ext uri="{FF2B5EF4-FFF2-40B4-BE49-F238E27FC236}">
+                  <a16:creationId xmlns:a16="http://schemas.microsoft.com/office/drawing/2014/main" id="{C72F6EE6-EDE9-45A5-8F6D-02B9B7CB2C2F}"/>
+                </a:ext>
+                <a:ext uri="{C183D7F6-B498-43B3-948B-1728B52AA6E4}">
+                  <adec:decorative xmlns:adec="http://schemas.microsoft.com/office/drawing/2017/decorative" val="1"/>
+                </a:ext>
+              </a:extLst>
+            </p:cNvPr>
+            <p:cNvSpPr/>
+            <p:nvPr>
+              <p:extLst>
+                <p:ext uri="{386F3935-93C4-4BCD-93E2-E3B085C9AB24}">
+                  <p16:designElem xmlns:p16="http://schemas.microsoft.com/office/powerpoint/2015/main" val="1"/>
+                </p:ext>
+              </p:extLst>
+            </p:nvPr>
+          </p:nvSpPr>
+          <p:spPr>
+            <a:xfrm flipH="1">
+              <a:off x="305" y="1"/>
+              <a:ext cx="6165116" cy="6858001"/>
+            </a:xfrm>
+            <a:custGeom>
+              <a:avLst/>
+              <a:gdLst>
+                <a:gd name="connsiteX0" fmla="*/ 6264586 w 6264586"/>
+                <a:gd name="connsiteY0" fmla="*/ 6646464 h 6858001"/>
+                <a:gd name="connsiteX1" fmla="*/ 6264586 w 6264586"/>
+                <a:gd name="connsiteY1" fmla="*/ 6858001 h 6858001"/>
+                <a:gd name="connsiteX2" fmla="*/ 5997170 w 6264586"/>
+                <a:gd name="connsiteY2" fmla="*/ 6858001 h 6858001"/>
+                <a:gd name="connsiteX3" fmla="*/ 6121512 w 6264586"/>
+                <a:gd name="connsiteY3" fmla="*/ 6761029 h 6858001"/>
+                <a:gd name="connsiteX4" fmla="*/ 2693206 w 6264586"/>
+                <a:gd name="connsiteY4" fmla="*/ 0 h 6858001"/>
+                <a:gd name="connsiteX5" fmla="*/ 5872285 w 6264586"/>
+                <a:gd name="connsiteY5" fmla="*/ 0 h 6858001"/>
+                <a:gd name="connsiteX6" fmla="*/ 6024875 w 6264586"/>
+                <a:gd name="connsiteY6" fmla="*/ 68385 h 6858001"/>
+                <a:gd name="connsiteX7" fmla="*/ 6206432 w 6264586"/>
+                <a:gd name="connsiteY7" fmla="*/ 162336 h 6858001"/>
+                <a:gd name="connsiteX8" fmla="*/ 6264586 w 6264586"/>
+                <a:gd name="connsiteY8" fmla="*/ 196704 h 6858001"/>
+                <a:gd name="connsiteX9" fmla="*/ 6264586 w 6264586"/>
+                <a:gd name="connsiteY9" fmla="*/ 537242 h 6858001"/>
+                <a:gd name="connsiteX10" fmla="*/ 6230189 w 6264586"/>
+                <a:gd name="connsiteY10" fmla="*/ 517260 h 6858001"/>
+                <a:gd name="connsiteX11" fmla="*/ 5540536 w 6264586"/>
+                <a:gd name="connsiteY11" fmla="*/ 249543 h 6858001"/>
+                <a:gd name="connsiteX12" fmla="*/ 5178896 w 6264586"/>
+                <a:gd name="connsiteY12" fmla="*/ 178606 h 6858001"/>
+                <a:gd name="connsiteX13" fmla="*/ 4814279 w 6264586"/>
+                <a:gd name="connsiteY13" fmla="*/ 146683 h 6858001"/>
+                <a:gd name="connsiteX14" fmla="*/ 4655095 w 6264586"/>
+                <a:gd name="connsiteY14" fmla="*/ 143421 h 6858001"/>
+                <a:gd name="connsiteX15" fmla="*/ 4081069 w 6264586"/>
+                <a:gd name="connsiteY15" fmla="*/ 185983 h 6858001"/>
+                <a:gd name="connsiteX16" fmla="*/ 3720566 w 6264586"/>
+                <a:gd name="connsiteY16" fmla="*/ 256921 h 6858001"/>
+                <a:gd name="connsiteX17" fmla="*/ 3365879 w 6264586"/>
+                <a:gd name="connsiteY17" fmla="*/ 357651 h 6858001"/>
+                <a:gd name="connsiteX18" fmla="*/ 3020555 w 6264586"/>
+                <a:gd name="connsiteY18" fmla="*/ 486190 h 6858001"/>
+                <a:gd name="connsiteX19" fmla="*/ 2685163 w 6264586"/>
+                <a:gd name="connsiteY19" fmla="*/ 641542 h 6858001"/>
+                <a:gd name="connsiteX20" fmla="*/ 2047720 w 6264586"/>
+                <a:gd name="connsiteY20" fmla="*/ 1025030 h 6858001"/>
+                <a:gd name="connsiteX21" fmla="*/ 1897333 w 6264586"/>
+                <a:gd name="connsiteY21" fmla="*/ 1134983 h 6858001"/>
+                <a:gd name="connsiteX22" fmla="*/ 1835758 w 6264586"/>
+                <a:gd name="connsiteY22" fmla="*/ 1182227 h 6858001"/>
+                <a:gd name="connsiteX23" fmla="*/ 1823273 w 6264586"/>
+                <a:gd name="connsiteY23" fmla="*/ 1192016 h 6858001"/>
+                <a:gd name="connsiteX24" fmla="*/ 1750918 w 6264586"/>
+                <a:gd name="connsiteY24" fmla="*/ 1249760 h 6858001"/>
+                <a:gd name="connsiteX25" fmla="*/ 1469297 w 6264586"/>
+                <a:gd name="connsiteY25" fmla="*/ 1496906 h 6858001"/>
+                <a:gd name="connsiteX26" fmla="*/ 967769 w 6264586"/>
+                <a:gd name="connsiteY26" fmla="*/ 2056602 h 6858001"/>
+                <a:gd name="connsiteX27" fmla="*/ 754105 w 6264586"/>
+                <a:gd name="connsiteY27" fmla="*/ 2368727 h 6858001"/>
+                <a:gd name="connsiteX28" fmla="*/ 572364 w 6264586"/>
+                <a:gd name="connsiteY28" fmla="*/ 2701140 h 6858001"/>
+                <a:gd name="connsiteX29" fmla="*/ 532497 w 6264586"/>
+                <a:gd name="connsiteY29" fmla="*/ 2786265 h 6858001"/>
+                <a:gd name="connsiteX30" fmla="*/ 512918 w 6264586"/>
+                <a:gd name="connsiteY30" fmla="*/ 2828827 h 6858001"/>
+                <a:gd name="connsiteX31" fmla="*/ 494475 w 6264586"/>
+                <a:gd name="connsiteY31" fmla="*/ 2872240 h 6858001"/>
+                <a:gd name="connsiteX32" fmla="*/ 491637 w 6264586"/>
+                <a:gd name="connsiteY32" fmla="*/ 2878908 h 6858001"/>
+                <a:gd name="connsiteX33" fmla="*/ 459290 w 6264586"/>
+                <a:gd name="connsiteY33" fmla="*/ 2959635 h 6858001"/>
+                <a:gd name="connsiteX34" fmla="*/ 446805 w 6264586"/>
+                <a:gd name="connsiteY34" fmla="*/ 2992408 h 6858001"/>
+                <a:gd name="connsiteX35" fmla="*/ 426090 w 6264586"/>
+                <a:gd name="connsiteY35" fmla="*/ 3049158 h 6858001"/>
+                <a:gd name="connsiteX36" fmla="*/ 426090 w 6264586"/>
+                <a:gd name="connsiteY36" fmla="*/ 3049867 h 6858001"/>
+                <a:gd name="connsiteX37" fmla="*/ 318124 w 6264586"/>
+                <a:gd name="connsiteY37" fmla="*/ 3414202 h 6858001"/>
+                <a:gd name="connsiteX38" fmla="*/ 230729 w 6264586"/>
+                <a:gd name="connsiteY38" fmla="*/ 4169260 h 6858001"/>
+                <a:gd name="connsiteX39" fmla="*/ 268893 w 6264586"/>
+                <a:gd name="connsiteY39" fmla="*/ 4544236 h 6858001"/>
+                <a:gd name="connsiteX40" fmla="*/ 379840 w 6264586"/>
+                <a:gd name="connsiteY40" fmla="*/ 4900056 h 6858001"/>
+                <a:gd name="connsiteX41" fmla="*/ 406512 w 6264586"/>
+                <a:gd name="connsiteY41" fmla="*/ 4960211 h 6858001"/>
+                <a:gd name="connsiteX42" fmla="*/ 417862 w 6264586"/>
+                <a:gd name="connsiteY42" fmla="*/ 4984613 h 6858001"/>
+                <a:gd name="connsiteX43" fmla="*/ 428077 w 6264586"/>
+                <a:gd name="connsiteY43" fmla="*/ 5005043 h 6858001"/>
+                <a:gd name="connsiteX44" fmla="*/ 460140 w 6264586"/>
+                <a:gd name="connsiteY44" fmla="*/ 5067327 h 6858001"/>
+                <a:gd name="connsiteX45" fmla="*/ 555197 w 6264586"/>
+                <a:gd name="connsiteY45" fmla="*/ 5229773 h 6858001"/>
+                <a:gd name="connsiteX46" fmla="*/ 660611 w 6264586"/>
+                <a:gd name="connsiteY46" fmla="*/ 5387396 h 6858001"/>
+                <a:gd name="connsiteX47" fmla="*/ 774110 w 6264586"/>
+                <a:gd name="connsiteY47" fmla="*/ 5542182 h 6858001"/>
+                <a:gd name="connsiteX48" fmla="*/ 917829 w 6264586"/>
+                <a:gd name="connsiteY48" fmla="*/ 5727896 h 6858001"/>
+                <a:gd name="connsiteX49" fmla="*/ 1012885 w 6264586"/>
+                <a:gd name="connsiteY49" fmla="*/ 5849767 h 6858001"/>
+                <a:gd name="connsiteX50" fmla="*/ 1133053 w 6264586"/>
+                <a:gd name="connsiteY50" fmla="*/ 6006822 h 6858001"/>
+                <a:gd name="connsiteX51" fmla="*/ 1194343 w 6264586"/>
+                <a:gd name="connsiteY51" fmla="*/ 6090245 h 6858001"/>
+                <a:gd name="connsiteX52" fmla="*/ 1249390 w 6264586"/>
+                <a:gd name="connsiteY52" fmla="*/ 6165155 h 6858001"/>
+                <a:gd name="connsiteX53" fmla="*/ 1345724 w 6264586"/>
+                <a:gd name="connsiteY53" fmla="*/ 6292132 h 6858001"/>
+                <a:gd name="connsiteX54" fmla="*/ 1364310 w 6264586"/>
+                <a:gd name="connsiteY54" fmla="*/ 6316251 h 6858001"/>
+                <a:gd name="connsiteX55" fmla="*/ 1373673 w 6264586"/>
+                <a:gd name="connsiteY55" fmla="*/ 6327885 h 6858001"/>
+                <a:gd name="connsiteX56" fmla="*/ 1484619 w 6264586"/>
+                <a:gd name="connsiteY56" fmla="*/ 6462240 h 6858001"/>
+                <a:gd name="connsiteX57" fmla="*/ 1739000 w 6264586"/>
+                <a:gd name="connsiteY57" fmla="*/ 6737335 h 6858001"/>
+                <a:gd name="connsiteX58" fmla="*/ 1866801 w 6264586"/>
+                <a:gd name="connsiteY58" fmla="*/ 6858001 h 6858001"/>
+                <a:gd name="connsiteX59" fmla="*/ 1144149 w 6264586"/>
+                <a:gd name="connsiteY59" fmla="*/ 6858001 h 6858001"/>
+                <a:gd name="connsiteX60" fmla="*/ 1058349 w 6264586"/>
+                <a:gd name="connsiteY60" fmla="*/ 6766452 h 6858001"/>
+                <a:gd name="connsiteX61" fmla="*/ 580309 w 6264586"/>
+                <a:gd name="connsiteY61" fmla="*/ 6105000 h 6858001"/>
+                <a:gd name="connsiteX62" fmla="*/ 1 w 6264586"/>
+                <a:gd name="connsiteY62" fmla="*/ 3960094 h 6858001"/>
+                <a:gd name="connsiteX63" fmla="*/ 2599292 w 6264586"/>
+                <a:gd name="connsiteY63" fmla="*/ 37050 h 6858001"/>
+              </a:gdLst>
+              <a:ahLst/>
+              <a:cxnLst>
+                <a:cxn ang="0">
+                  <a:pos x="connsiteX0" y="connsiteY0"/>
+                </a:cxn>
+                <a:cxn ang="0">
+                  <a:pos x="connsiteX1" y="connsiteY1"/>
+                </a:cxn>
+                <a:cxn ang="0">
+                  <a:pos x="connsiteX2" y="connsiteY2"/>
+                </a:cxn>
+                <a:cxn ang="0">
+                  <a:pos x="connsiteX3" y="connsiteY3"/>
+                </a:cxn>
+                <a:cxn ang="0">
+                  <a:pos x="connsiteX4" y="connsiteY4"/>
+                </a:cxn>
+                <a:cxn ang="0">
+                  <a:pos x="connsiteX5" y="connsiteY5"/>
+                </a:cxn>
+                <a:cxn ang="0">
+                  <a:pos x="connsiteX6" y="connsiteY6"/>
+                </a:cxn>
+                <a:cxn ang="0">
+                  <a:pos x="connsiteX7" y="connsiteY7"/>
+                </a:cxn>
+                <a:cxn ang="0">
+                  <a:pos x="connsiteX8" y="connsiteY8"/>
+                </a:cxn>
+                <a:cxn ang="0">
+                  <a:pos x="connsiteX9" y="connsiteY9"/>
+                </a:cxn>
+                <a:cxn ang="0">
+                  <a:pos x="connsiteX10" y="connsiteY10"/>
+                </a:cxn>
+                <a:cxn ang="0">
+                  <a:pos x="connsiteX11" y="connsiteY11"/>
+                </a:cxn>
+                <a:cxn ang="0">
+                  <a:pos x="connsiteX12" y="connsiteY12"/>
+                </a:cxn>
+                <a:cxn ang="0">
+                  <a:pos x="connsiteX13" y="connsiteY13"/>
+                </a:cxn>
+                <a:cxn ang="0">
+                  <a:pos x="connsiteX14" y="connsiteY14"/>
+                </a:cxn>
+                <a:cxn ang="0">
+                  <a:pos x="connsiteX15" y="connsiteY15"/>
+                </a:cxn>
+                <a:cxn ang="0">
+                  <a:pos x="connsiteX16" y="connsiteY16"/>
+                </a:cxn>
+                <a:cxn ang="0">
+                  <a:pos x="connsiteX17" y="connsiteY17"/>
+                </a:cxn>
+                <a:cxn ang="0">
+                  <a:pos x="connsiteX18" y="connsiteY18"/>
+                </a:cxn>
+                <a:cxn ang="0">
+                  <a:pos x="connsiteX19" y="connsiteY19"/>
+                </a:cxn>
+                <a:cxn ang="0">
+                  <a:pos x="connsiteX20" y="connsiteY20"/>
+                </a:cxn>
+                <a:cxn ang="0">
+                  <a:pos x="connsiteX21" y="connsiteY21"/>
+                </a:cxn>
+                <a:cxn ang="0">
+                  <a:pos x="connsiteX22" y="connsiteY22"/>
+                </a:cxn>
+                <a:cxn ang="0">
+                  <a:pos x="connsiteX23" y="connsiteY23"/>
+                </a:cxn>
+                <a:cxn ang="0">
+                  <a:pos x="connsiteX24" y="connsiteY24"/>
+                </a:cxn>
+                <a:cxn ang="0">
+                  <a:pos x="connsiteX25" y="connsiteY25"/>
+                </a:cxn>
+                <a:cxn ang="0">
+                  <a:pos x="connsiteX26" y="connsiteY26"/>
+                </a:cxn>
+                <a:cxn ang="0">
+                  <a:pos x="connsiteX27" y="connsiteY27"/>
+                </a:cxn>
+                <a:cxn ang="0">
+                  <a:pos x="connsiteX28" y="connsiteY28"/>
+                </a:cxn>
+                <a:cxn ang="0">
+                  <a:pos x="connsiteX29" y="connsiteY29"/>
+                </a:cxn>
+                <a:cxn ang="0">
+                  <a:pos x="connsiteX30" y="connsiteY30"/>
+                </a:cxn>
+                <a:cxn ang="0">
+                  <a:pos x="connsiteX31" y="connsiteY31"/>
+                </a:cxn>
+                <a:cxn ang="0">
+                  <a:pos x="connsiteX32" y="connsiteY32"/>
+                </a:cxn>
+                <a:cxn ang="0">
+                  <a:pos x="connsiteX33" y="connsiteY33"/>
+                </a:cxn>
+                <a:cxn ang="0">
+                  <a:pos x="connsiteX34" y="connsiteY34"/>
+                </a:cxn>
+                <a:cxn ang="0">
+                  <a:pos x="connsiteX35" y="connsiteY35"/>
+                </a:cxn>
+                <a:cxn ang="0">
+                  <a:pos x="connsiteX36" y="connsiteY36"/>
+                </a:cxn>
+                <a:cxn ang="0">
+                  <a:pos x="connsiteX37" y="connsiteY37"/>
+                </a:cxn>
+                <a:cxn ang="0">
+                  <a:pos x="connsiteX38" y="connsiteY38"/>
+                </a:cxn>
+                <a:cxn ang="0">
+                  <a:pos x="connsiteX39" y="connsiteY39"/>
+                </a:cxn>
+                <a:cxn ang="0">
+                  <a:pos x="connsiteX40" y="connsiteY40"/>
+                </a:cxn>
+                <a:cxn ang="0">
+                  <a:pos x="connsiteX41" y="connsiteY41"/>
+                </a:cxn>
+                <a:cxn ang="0">
+                  <a:pos x="connsiteX42" y="connsiteY42"/>
+                </a:cxn>
+                <a:cxn ang="0">
+                  <a:pos x="connsiteX43" y="connsiteY43"/>
+                </a:cxn>
+                <a:cxn ang="0">
+                  <a:pos x="connsiteX44" y="connsiteY44"/>
+                </a:cxn>
+                <a:cxn ang="0">
+                  <a:pos x="connsiteX45" y="connsiteY45"/>
+                </a:cxn>
+                <a:cxn ang="0">
+                  <a:pos x="connsiteX46" y="connsiteY46"/>
+                </a:cxn>
+                <a:cxn ang="0">
+                  <a:pos x="connsiteX47" y="connsiteY47"/>
+                </a:cxn>
+                <a:cxn ang="0">
+                  <a:pos x="connsiteX48" y="connsiteY48"/>
+                </a:cxn>
+                <a:cxn ang="0">
+                  <a:pos x="connsiteX49" y="connsiteY49"/>
+                </a:cxn>
+                <a:cxn ang="0">
+                  <a:pos x="connsiteX50" y="connsiteY50"/>
+                </a:cxn>
+                <a:cxn ang="0">
+                  <a:pos x="connsiteX51" y="connsiteY51"/>
+                </a:cxn>
+                <a:cxn ang="0">
+                  <a:pos x="connsiteX52" y="connsiteY52"/>
+                </a:cxn>
+                <a:cxn ang="0">
+                  <a:pos x="connsiteX53" y="connsiteY53"/>
+                </a:cxn>
+                <a:cxn ang="0">
+                  <a:pos x="connsiteX54" y="connsiteY54"/>
+                </a:cxn>
+                <a:cxn ang="0">
+                  <a:pos x="connsiteX55" y="connsiteY55"/>
+                </a:cxn>
+                <a:cxn ang="0">
+                  <a:pos x="connsiteX56" y="connsiteY56"/>
+                </a:cxn>
+                <a:cxn ang="0">
+                  <a:pos x="connsiteX57" y="connsiteY57"/>
+                </a:cxn>
+                <a:cxn ang="0">
+                  <a:pos x="connsiteX58" y="connsiteY58"/>
+                </a:cxn>
+                <a:cxn ang="0">
+                  <a:pos x="connsiteX59" y="connsiteY59"/>
+                </a:cxn>
+                <a:cxn ang="0">
+                  <a:pos x="connsiteX60" y="connsiteY60"/>
+                </a:cxn>
+                <a:cxn ang="0">
+                  <a:pos x="connsiteX61" y="connsiteY61"/>
+                </a:cxn>
+                <a:cxn ang="0">
+                  <a:pos x="connsiteX62" y="connsiteY62"/>
+                </a:cxn>
+                <a:cxn ang="0">
+                  <a:pos x="connsiteX63" y="connsiteY63"/>
+                </a:cxn>
+              </a:cxnLst>
+              <a:rect l="l" t="t" r="r" b="b"/>
+              <a:pathLst>
+                <a:path w="6264586" h="6858001">
+                  <a:moveTo>
+                    <a:pt x="6264586" y="6646464"/>
+                  </a:moveTo>
+                  <a:lnTo>
+                    <a:pt x="6264586" y="6858001"/>
+                  </a:lnTo>
+                  <a:lnTo>
+                    <a:pt x="5997170" y="6858001"/>
+                  </a:lnTo>
+                  <a:lnTo>
+                    <a:pt x="6121512" y="6761029"/>
+                  </a:lnTo>
+                  <a:close/>
+                  <a:moveTo>
+                    <a:pt x="2693206" y="0"/>
+                  </a:moveTo>
+                  <a:lnTo>
+                    <a:pt x="5872285" y="0"/>
+                  </a:lnTo>
+                  <a:lnTo>
+                    <a:pt x="6024875" y="68385"/>
+                  </a:lnTo>
+                  <a:cubicBezTo>
+                    <a:pt x="6086250" y="97989"/>
+                    <a:pt x="6146793" y="129318"/>
+                    <a:pt x="6206432" y="162336"/>
+                  </a:cubicBezTo>
+                  <a:lnTo>
+                    <a:pt x="6264586" y="196704"/>
+                  </a:lnTo>
+                  <a:lnTo>
+                    <a:pt x="6264586" y="537242"/>
+                  </a:lnTo>
+                  <a:lnTo>
+                    <a:pt x="6230189" y="517260"/>
+                  </a:lnTo>
+                  <a:cubicBezTo>
+                    <a:pt x="6012226" y="399931"/>
+                    <a:pt x="5780573" y="310008"/>
+                    <a:pt x="5540536" y="249543"/>
+                  </a:cubicBezTo>
+                  <a:cubicBezTo>
+                    <a:pt x="5421375" y="219324"/>
+                    <a:pt x="5300641" y="195644"/>
+                    <a:pt x="5178896" y="178606"/>
+                  </a:cubicBezTo>
+                  <a:cubicBezTo>
+                    <a:pt x="5057977" y="161840"/>
+                    <a:pt x="4936276" y="151186"/>
+                    <a:pt x="4814279" y="146683"/>
+                  </a:cubicBezTo>
+                  <a:cubicBezTo>
+                    <a:pt x="4761501" y="144556"/>
+                    <a:pt x="4708015" y="143421"/>
+                    <a:pt x="4655095" y="143421"/>
+                  </a:cubicBezTo>
+                  <a:cubicBezTo>
+                    <a:pt x="4462968" y="143573"/>
+                    <a:pt x="4271111" y="157799"/>
+                    <a:pt x="4081069" y="185983"/>
+                  </a:cubicBezTo>
+                  <a:cubicBezTo>
+                    <a:pt x="3956361" y="205703"/>
+                    <a:pt x="3835058" y="229396"/>
+                    <a:pt x="3720566" y="256921"/>
+                  </a:cubicBezTo>
+                  <a:cubicBezTo>
+                    <a:pt x="3596708" y="286714"/>
+                    <a:pt x="3477677" y="320905"/>
+                    <a:pt x="3365879" y="357651"/>
+                  </a:cubicBezTo>
+                  <a:cubicBezTo>
+                    <a:pt x="3249257" y="395958"/>
+                    <a:pt x="3133487" y="438945"/>
+                    <a:pt x="3020555" y="486190"/>
+                  </a:cubicBezTo>
+                  <a:cubicBezTo>
+                    <a:pt x="2907623" y="533434"/>
+                    <a:pt x="2794832" y="585786"/>
+                    <a:pt x="2685163" y="641542"/>
+                  </a:cubicBezTo>
+                  <a:cubicBezTo>
+                    <a:pt x="2463995" y="754348"/>
+                    <a:pt x="2250998" y="882488"/>
+                    <a:pt x="2047720" y="1025030"/>
+                  </a:cubicBezTo>
+                  <a:cubicBezTo>
+                    <a:pt x="2006151" y="1054399"/>
+                    <a:pt x="1951528" y="1093415"/>
+                    <a:pt x="1897333" y="1134983"/>
+                  </a:cubicBezTo>
+                  <a:cubicBezTo>
+                    <a:pt x="1876761" y="1150164"/>
+                    <a:pt x="1855905" y="1166479"/>
+                    <a:pt x="1835758" y="1182227"/>
+                  </a:cubicBezTo>
+                  <a:lnTo>
+                    <a:pt x="1823273" y="1192016"/>
+                  </a:lnTo>
+                  <a:cubicBezTo>
+                    <a:pt x="1797027" y="1211879"/>
+                    <a:pt x="1772057" y="1232309"/>
+                    <a:pt x="1750918" y="1249760"/>
+                  </a:cubicBezTo>
+                  <a:cubicBezTo>
+                    <a:pt x="1645931" y="1335737"/>
+                    <a:pt x="1554422" y="1416605"/>
+                    <a:pt x="1469297" y="1496906"/>
+                  </a:cubicBezTo>
+                  <a:cubicBezTo>
+                    <a:pt x="1286595" y="1668957"/>
+                    <a:pt x="1118818" y="1856190"/>
+                    <a:pt x="967769" y="2056602"/>
+                  </a:cubicBezTo>
+                  <a:cubicBezTo>
+                    <a:pt x="890731" y="2159603"/>
+                    <a:pt x="818800" y="2264590"/>
+                    <a:pt x="754105" y="2368727"/>
+                  </a:cubicBezTo>
+                  <a:cubicBezTo>
+                    <a:pt x="681749" y="2488328"/>
+                    <a:pt x="622304" y="2596720"/>
+                    <a:pt x="572364" y="2701140"/>
+                  </a:cubicBezTo>
+                  <a:cubicBezTo>
+                    <a:pt x="557609" y="2730507"/>
+                    <a:pt x="543989" y="2760443"/>
+                    <a:pt x="532497" y="2786265"/>
+                  </a:cubicBezTo>
+                  <a:lnTo>
+                    <a:pt x="512918" y="2828827"/>
+                  </a:lnTo>
+                  <a:lnTo>
+                    <a:pt x="494475" y="2872240"/>
+                  </a:lnTo>
+                  <a:lnTo>
+                    <a:pt x="491637" y="2878908"/>
+                  </a:lnTo>
+                  <a:cubicBezTo>
+                    <a:pt x="480146" y="2906575"/>
+                    <a:pt x="469220" y="2932821"/>
+                    <a:pt x="459290" y="2959635"/>
+                  </a:cubicBezTo>
+                  <a:cubicBezTo>
+                    <a:pt x="455176" y="2970559"/>
+                    <a:pt x="451060" y="2981484"/>
+                    <a:pt x="446805" y="2992408"/>
+                  </a:cubicBezTo>
+                  <a:cubicBezTo>
+                    <a:pt x="439427" y="3012412"/>
+                    <a:pt x="432333" y="3030572"/>
+                    <a:pt x="426090" y="3049158"/>
+                  </a:cubicBezTo>
+                  <a:lnTo>
+                    <a:pt x="426090" y="3049867"/>
+                  </a:lnTo>
+                  <a:cubicBezTo>
+                    <a:pt x="383010" y="3169099"/>
+                    <a:pt x="346959" y="3290756"/>
+                    <a:pt x="318124" y="3414202"/>
+                  </a:cubicBezTo>
+                  <a:cubicBezTo>
+                    <a:pt x="260107" y="3661703"/>
+                    <a:pt x="230780" y="3915049"/>
+                    <a:pt x="230729" y="4169260"/>
+                  </a:cubicBezTo>
+                  <a:cubicBezTo>
+                    <a:pt x="231621" y="4295173"/>
+                    <a:pt x="244398" y="4420719"/>
+                    <a:pt x="268893" y="4544236"/>
+                  </a:cubicBezTo>
+                  <a:cubicBezTo>
+                    <a:pt x="293708" y="4666304"/>
+                    <a:pt x="330882" y="4785521"/>
+                    <a:pt x="379840" y="4900056"/>
+                  </a:cubicBezTo>
+                  <a:cubicBezTo>
+                    <a:pt x="387926" y="4919919"/>
+                    <a:pt x="397006" y="4939498"/>
+                    <a:pt x="406512" y="4960211"/>
+                  </a:cubicBezTo>
+                  <a:cubicBezTo>
+                    <a:pt x="410343" y="4968299"/>
+                    <a:pt x="414173" y="4976385"/>
+                    <a:pt x="417862" y="4984613"/>
+                  </a:cubicBezTo>
+                  <a:lnTo>
+                    <a:pt x="428077" y="5005043"/>
+                  </a:lnTo>
+                  <a:cubicBezTo>
+                    <a:pt x="438860" y="5026751"/>
+                    <a:pt x="449075" y="5047181"/>
+                    <a:pt x="460140" y="5067327"/>
+                  </a:cubicBezTo>
+                  <a:cubicBezTo>
+                    <a:pt x="485536" y="5116273"/>
+                    <a:pt x="514763" y="5165789"/>
+                    <a:pt x="555197" y="5229773"/>
+                  </a:cubicBezTo>
+                  <a:cubicBezTo>
+                    <a:pt x="586836" y="5280282"/>
+                    <a:pt x="620318" y="5329511"/>
+                    <a:pt x="660611" y="5387396"/>
+                  </a:cubicBezTo>
+                  <a:cubicBezTo>
+                    <a:pt x="698065" y="5440741"/>
+                    <a:pt x="737223" y="5493094"/>
+                    <a:pt x="774110" y="5542182"/>
+                  </a:cubicBezTo>
+                  <a:cubicBezTo>
+                    <a:pt x="821070" y="5604324"/>
+                    <a:pt x="870301" y="5667173"/>
+                    <a:pt x="917829" y="5727896"/>
+                  </a:cubicBezTo>
+                  <a:cubicBezTo>
+                    <a:pt x="949042" y="5767762"/>
+                    <a:pt x="979828" y="5807063"/>
+                    <a:pt x="1012885" y="5849767"/>
+                  </a:cubicBezTo>
+                  <a:cubicBezTo>
+                    <a:pt x="1045942" y="5892471"/>
+                    <a:pt x="1089497" y="5948796"/>
+                    <a:pt x="1133053" y="6006822"/>
+                  </a:cubicBezTo>
+                  <a:cubicBezTo>
+                    <a:pt x="1153624" y="6034345"/>
+                    <a:pt x="1175332" y="6063998"/>
+                    <a:pt x="1194343" y="6090245"/>
+                  </a:cubicBezTo>
+                  <a:cubicBezTo>
+                    <a:pt x="1213355" y="6116491"/>
+                    <a:pt x="1231372" y="6141178"/>
+                    <a:pt x="1249390" y="6165155"/>
+                  </a:cubicBezTo>
+                  <a:cubicBezTo>
+                    <a:pt x="1280461" y="6208000"/>
+                    <a:pt x="1313659" y="6250847"/>
+                    <a:pt x="1345724" y="6292132"/>
+                  </a:cubicBezTo>
+                  <a:lnTo>
+                    <a:pt x="1364310" y="6316251"/>
+                  </a:lnTo>
+                  <a:lnTo>
+                    <a:pt x="1373673" y="6327885"/>
+                  </a:lnTo>
+                  <a:cubicBezTo>
+                    <a:pt x="1409566" y="6372433"/>
+                    <a:pt x="1446738" y="6418542"/>
+                    <a:pt x="1484619" y="6462240"/>
+                  </a:cubicBezTo>
+                  <a:cubicBezTo>
+                    <a:pt x="1567899" y="6559850"/>
+                    <a:pt x="1653876" y="6652211"/>
+                    <a:pt x="1739000" y="6737335"/>
+                  </a:cubicBezTo>
+                  <a:lnTo>
+                    <a:pt x="1866801" y="6858001"/>
+                  </a:lnTo>
+                  <a:lnTo>
+                    <a:pt x="1144149" y="6858001"/>
+                  </a:lnTo>
+                  <a:lnTo>
+                    <a:pt x="1058349" y="6766452"/>
+                  </a:lnTo>
+                  <a:cubicBezTo>
+                    <a:pt x="878978" y="6562465"/>
+                    <a:pt x="718756" y="6341104"/>
+                    <a:pt x="580309" y="6105000"/>
+                  </a:cubicBezTo>
+                  <a:cubicBezTo>
+                    <a:pt x="200401" y="5454007"/>
+                    <a:pt x="146" y="4713831"/>
+                    <a:pt x="1" y="3960094"/>
+                  </a:cubicBezTo>
+                  <a:cubicBezTo>
+                    <a:pt x="-335" y="2196754"/>
+                    <a:pt x="1071479" y="683605"/>
+                    <a:pt x="2599292" y="37050"/>
+                  </a:cubicBezTo>
+                  <a:close/>
+                </a:path>
+              </a:pathLst>
+            </a:custGeom>
+            <a:gradFill>
+              <a:gsLst>
+                <a:gs pos="2000">
+                  <a:schemeClr val="bg1">
+                    <a:alpha val="10000"/>
+                  </a:schemeClr>
+                </a:gs>
+                <a:gs pos="16000">
+                  <a:schemeClr val="accent6">
+                    <a:alpha val="10000"/>
+                  </a:schemeClr>
+                </a:gs>
+                <a:gs pos="100000">
+                  <a:schemeClr val="bg1">
+                    <a:alpha val="10000"/>
+                  </a:schemeClr>
+                </a:gs>
+                <a:gs pos="85000">
+                  <a:schemeClr val="accent1">
+                    <a:alpha val="10000"/>
+                  </a:schemeClr>
+                </a:gs>
+              </a:gsLst>
+              <a:lin ang="12000000" scaled="0"/>
+            </a:gradFill>
+            <a:ln>
+              <a:noFill/>
+            </a:ln>
+          </p:spPr>
+          <p:style>
+            <a:lnRef idx="2">
+              <a:schemeClr val="accent1">
+                <a:shade val="50000"/>
+              </a:schemeClr>
+            </a:lnRef>
+            <a:fillRef idx="1">
+              <a:schemeClr val="accent1"/>
+            </a:fillRef>
+            <a:effectRef idx="0">
+              <a:schemeClr val="accent1"/>
+            </a:effectRef>
+            <a:fontRef idx="minor">
+              <a:schemeClr val="lt1"/>
+            </a:fontRef>
+          </p:style>
+          <p:txBody>
+            <a:bodyPr rtlCol="0" anchor="ctr"/>
+            <a:lstStyle/>
+            <a:p>
+              <a:pPr algn="ctr"/>
+              <a:endParaRPr lang="en-US" dirty="0"/>
+            </a:p>
+          </p:txBody>
+        </p:sp>
+        <p:sp>
+          <p:nvSpPr>
+            <p:cNvPr id="23" name="Freeform: Shape 22">
+              <a:extLst>
+                <a:ext uri="{FF2B5EF4-FFF2-40B4-BE49-F238E27FC236}">
+                  <a16:creationId xmlns:a16="http://schemas.microsoft.com/office/drawing/2014/main" id="{C093DC50-3BD7-46B1-A300-CD207E152FF4}"/>
+                </a:ext>
+                <a:ext uri="{C183D7F6-B498-43B3-948B-1728B52AA6E4}">
+                  <adec:decorative xmlns:adec="http://schemas.microsoft.com/office/drawing/2017/decorative" val="1"/>
+                </a:ext>
+              </a:extLst>
+            </p:cNvPr>
+            <p:cNvSpPr/>
+            <p:nvPr>
+              <p:extLst>
+                <p:ext uri="{386F3935-93C4-4BCD-93E2-E3B085C9AB24}">
+                  <p16:designElem xmlns:p16="http://schemas.microsoft.com/office/powerpoint/2015/main" val="1"/>
+                </p:ext>
+              </p:extLst>
+            </p:nvPr>
+          </p:nvSpPr>
+          <p:spPr>
+            <a:xfrm flipH="1">
+              <a:off x="305" y="-5977"/>
+              <a:ext cx="6238675" cy="6858001"/>
+            </a:xfrm>
+            <a:custGeom>
+              <a:avLst/>
+              <a:gdLst>
+                <a:gd name="connsiteX0" fmla="*/ 6264586 w 6264586"/>
+                <a:gd name="connsiteY0" fmla="*/ 6646464 h 6858001"/>
+                <a:gd name="connsiteX1" fmla="*/ 6264586 w 6264586"/>
+                <a:gd name="connsiteY1" fmla="*/ 6858001 h 6858001"/>
+                <a:gd name="connsiteX2" fmla="*/ 5997170 w 6264586"/>
+                <a:gd name="connsiteY2" fmla="*/ 6858001 h 6858001"/>
+                <a:gd name="connsiteX3" fmla="*/ 6121512 w 6264586"/>
+                <a:gd name="connsiteY3" fmla="*/ 6761029 h 6858001"/>
+                <a:gd name="connsiteX4" fmla="*/ 2693206 w 6264586"/>
+                <a:gd name="connsiteY4" fmla="*/ 0 h 6858001"/>
+                <a:gd name="connsiteX5" fmla="*/ 5872285 w 6264586"/>
+                <a:gd name="connsiteY5" fmla="*/ 0 h 6858001"/>
+                <a:gd name="connsiteX6" fmla="*/ 6024875 w 6264586"/>
+                <a:gd name="connsiteY6" fmla="*/ 68385 h 6858001"/>
+                <a:gd name="connsiteX7" fmla="*/ 6206432 w 6264586"/>
+                <a:gd name="connsiteY7" fmla="*/ 162336 h 6858001"/>
+                <a:gd name="connsiteX8" fmla="*/ 6264586 w 6264586"/>
+                <a:gd name="connsiteY8" fmla="*/ 196704 h 6858001"/>
+                <a:gd name="connsiteX9" fmla="*/ 6264586 w 6264586"/>
+                <a:gd name="connsiteY9" fmla="*/ 537242 h 6858001"/>
+                <a:gd name="connsiteX10" fmla="*/ 6230189 w 6264586"/>
+                <a:gd name="connsiteY10" fmla="*/ 517260 h 6858001"/>
+                <a:gd name="connsiteX11" fmla="*/ 5540536 w 6264586"/>
+                <a:gd name="connsiteY11" fmla="*/ 249543 h 6858001"/>
+                <a:gd name="connsiteX12" fmla="*/ 5178896 w 6264586"/>
+                <a:gd name="connsiteY12" fmla="*/ 178606 h 6858001"/>
+                <a:gd name="connsiteX13" fmla="*/ 4814279 w 6264586"/>
+                <a:gd name="connsiteY13" fmla="*/ 146683 h 6858001"/>
+                <a:gd name="connsiteX14" fmla="*/ 4655095 w 6264586"/>
+                <a:gd name="connsiteY14" fmla="*/ 143421 h 6858001"/>
+                <a:gd name="connsiteX15" fmla="*/ 4081069 w 6264586"/>
+                <a:gd name="connsiteY15" fmla="*/ 185983 h 6858001"/>
+                <a:gd name="connsiteX16" fmla="*/ 3720566 w 6264586"/>
+                <a:gd name="connsiteY16" fmla="*/ 256921 h 6858001"/>
+                <a:gd name="connsiteX17" fmla="*/ 3365879 w 6264586"/>
+                <a:gd name="connsiteY17" fmla="*/ 357651 h 6858001"/>
+                <a:gd name="connsiteX18" fmla="*/ 3020555 w 6264586"/>
+                <a:gd name="connsiteY18" fmla="*/ 486190 h 6858001"/>
+                <a:gd name="connsiteX19" fmla="*/ 2685163 w 6264586"/>
+                <a:gd name="connsiteY19" fmla="*/ 641542 h 6858001"/>
+                <a:gd name="connsiteX20" fmla="*/ 2047720 w 6264586"/>
+                <a:gd name="connsiteY20" fmla="*/ 1025030 h 6858001"/>
+                <a:gd name="connsiteX21" fmla="*/ 1897333 w 6264586"/>
+                <a:gd name="connsiteY21" fmla="*/ 1134983 h 6858001"/>
+                <a:gd name="connsiteX22" fmla="*/ 1835758 w 6264586"/>
+                <a:gd name="connsiteY22" fmla="*/ 1182227 h 6858001"/>
+                <a:gd name="connsiteX23" fmla="*/ 1823273 w 6264586"/>
+                <a:gd name="connsiteY23" fmla="*/ 1192016 h 6858001"/>
+                <a:gd name="connsiteX24" fmla="*/ 1750918 w 6264586"/>
+                <a:gd name="connsiteY24" fmla="*/ 1249760 h 6858001"/>
+                <a:gd name="connsiteX25" fmla="*/ 1469297 w 6264586"/>
+                <a:gd name="connsiteY25" fmla="*/ 1496906 h 6858001"/>
+                <a:gd name="connsiteX26" fmla="*/ 967769 w 6264586"/>
+                <a:gd name="connsiteY26" fmla="*/ 2056602 h 6858001"/>
+                <a:gd name="connsiteX27" fmla="*/ 754105 w 6264586"/>
+                <a:gd name="connsiteY27" fmla="*/ 2368727 h 6858001"/>
+                <a:gd name="connsiteX28" fmla="*/ 572364 w 6264586"/>
+                <a:gd name="connsiteY28" fmla="*/ 2701140 h 6858001"/>
+                <a:gd name="connsiteX29" fmla="*/ 532497 w 6264586"/>
+                <a:gd name="connsiteY29" fmla="*/ 2786265 h 6858001"/>
+                <a:gd name="connsiteX30" fmla="*/ 512918 w 6264586"/>
+                <a:gd name="connsiteY30" fmla="*/ 2828827 h 6858001"/>
+                <a:gd name="connsiteX31" fmla="*/ 494475 w 6264586"/>
+                <a:gd name="connsiteY31" fmla="*/ 2872240 h 6858001"/>
+                <a:gd name="connsiteX32" fmla="*/ 491637 w 6264586"/>
+                <a:gd name="connsiteY32" fmla="*/ 2878908 h 6858001"/>
+                <a:gd name="connsiteX33" fmla="*/ 459290 w 6264586"/>
+                <a:gd name="connsiteY33" fmla="*/ 2959635 h 6858001"/>
+                <a:gd name="connsiteX34" fmla="*/ 446805 w 6264586"/>
+                <a:gd name="connsiteY34" fmla="*/ 2992408 h 6858001"/>
+                <a:gd name="connsiteX35" fmla="*/ 426090 w 6264586"/>
+                <a:gd name="connsiteY35" fmla="*/ 3049158 h 6858001"/>
+                <a:gd name="connsiteX36" fmla="*/ 426090 w 6264586"/>
+                <a:gd name="connsiteY36" fmla="*/ 3049867 h 6858001"/>
+                <a:gd name="connsiteX37" fmla="*/ 318124 w 6264586"/>
+                <a:gd name="connsiteY37" fmla="*/ 3414202 h 6858001"/>
+                <a:gd name="connsiteX38" fmla="*/ 230729 w 6264586"/>
+                <a:gd name="connsiteY38" fmla="*/ 4169260 h 6858001"/>
+                <a:gd name="connsiteX39" fmla="*/ 268893 w 6264586"/>
+                <a:gd name="connsiteY39" fmla="*/ 4544236 h 6858001"/>
+                <a:gd name="connsiteX40" fmla="*/ 379840 w 6264586"/>
+                <a:gd name="connsiteY40" fmla="*/ 4900056 h 6858001"/>
+                <a:gd name="connsiteX41" fmla="*/ 406512 w 6264586"/>
+                <a:gd name="connsiteY41" fmla="*/ 4960211 h 6858001"/>
+                <a:gd name="connsiteX42" fmla="*/ 417862 w 6264586"/>
+                <a:gd name="connsiteY42" fmla="*/ 4984613 h 6858001"/>
+                <a:gd name="connsiteX43" fmla="*/ 428077 w 6264586"/>
+                <a:gd name="connsiteY43" fmla="*/ 5005043 h 6858001"/>
+                <a:gd name="connsiteX44" fmla="*/ 460140 w 6264586"/>
+                <a:gd name="connsiteY44" fmla="*/ 5067327 h 6858001"/>
+                <a:gd name="connsiteX45" fmla="*/ 555197 w 6264586"/>
+                <a:gd name="connsiteY45" fmla="*/ 5229773 h 6858001"/>
+                <a:gd name="connsiteX46" fmla="*/ 660611 w 6264586"/>
+                <a:gd name="connsiteY46" fmla="*/ 5387396 h 6858001"/>
+                <a:gd name="connsiteX47" fmla="*/ 774110 w 6264586"/>
+                <a:gd name="connsiteY47" fmla="*/ 5542182 h 6858001"/>
+                <a:gd name="connsiteX48" fmla="*/ 917829 w 6264586"/>
+                <a:gd name="connsiteY48" fmla="*/ 5727896 h 6858001"/>
+                <a:gd name="connsiteX49" fmla="*/ 1012885 w 6264586"/>
+                <a:gd name="connsiteY49" fmla="*/ 5849767 h 6858001"/>
+                <a:gd name="connsiteX50" fmla="*/ 1133053 w 6264586"/>
+                <a:gd name="connsiteY50" fmla="*/ 6006822 h 6858001"/>
+                <a:gd name="connsiteX51" fmla="*/ 1194343 w 6264586"/>
+                <a:gd name="connsiteY51" fmla="*/ 6090245 h 6858001"/>
+                <a:gd name="connsiteX52" fmla="*/ 1249390 w 6264586"/>
+                <a:gd name="connsiteY52" fmla="*/ 6165155 h 6858001"/>
+                <a:gd name="connsiteX53" fmla="*/ 1345724 w 6264586"/>
+                <a:gd name="connsiteY53" fmla="*/ 6292132 h 6858001"/>
+                <a:gd name="connsiteX54" fmla="*/ 1364310 w 6264586"/>
+                <a:gd name="connsiteY54" fmla="*/ 6316251 h 6858001"/>
+                <a:gd name="connsiteX55" fmla="*/ 1373673 w 6264586"/>
+                <a:gd name="connsiteY55" fmla="*/ 6327885 h 6858001"/>
+                <a:gd name="connsiteX56" fmla="*/ 1484619 w 6264586"/>
+                <a:gd name="connsiteY56" fmla="*/ 6462240 h 6858001"/>
+                <a:gd name="connsiteX57" fmla="*/ 1739000 w 6264586"/>
+                <a:gd name="connsiteY57" fmla="*/ 6737335 h 6858001"/>
+                <a:gd name="connsiteX58" fmla="*/ 1866801 w 6264586"/>
+                <a:gd name="connsiteY58" fmla="*/ 6858001 h 6858001"/>
+                <a:gd name="connsiteX59" fmla="*/ 1144149 w 6264586"/>
+                <a:gd name="connsiteY59" fmla="*/ 6858001 h 6858001"/>
+                <a:gd name="connsiteX60" fmla="*/ 1058349 w 6264586"/>
+                <a:gd name="connsiteY60" fmla="*/ 6766452 h 6858001"/>
+                <a:gd name="connsiteX61" fmla="*/ 580309 w 6264586"/>
+                <a:gd name="connsiteY61" fmla="*/ 6105000 h 6858001"/>
+                <a:gd name="connsiteX62" fmla="*/ 1 w 6264586"/>
+                <a:gd name="connsiteY62" fmla="*/ 3960094 h 6858001"/>
+                <a:gd name="connsiteX63" fmla="*/ 2599292 w 6264586"/>
+                <a:gd name="connsiteY63" fmla="*/ 37050 h 6858001"/>
+              </a:gdLst>
+              <a:ahLst/>
+              <a:cxnLst>
+                <a:cxn ang="0">
+                  <a:pos x="connsiteX0" y="connsiteY0"/>
+                </a:cxn>
+                <a:cxn ang="0">
+                  <a:pos x="connsiteX1" y="connsiteY1"/>
+                </a:cxn>
+                <a:cxn ang="0">
+                  <a:pos x="connsiteX2" y="connsiteY2"/>
+                </a:cxn>
+                <a:cxn ang="0">
+                  <a:pos x="connsiteX3" y="connsiteY3"/>
+                </a:cxn>
+                <a:cxn ang="0">
+                  <a:pos x="connsiteX4" y="connsiteY4"/>
+                </a:cxn>
+                <a:cxn ang="0">
+                  <a:pos x="connsiteX5" y="connsiteY5"/>
+                </a:cxn>
+                <a:cxn ang="0">
+                  <a:pos x="connsiteX6" y="connsiteY6"/>
+                </a:cxn>
+                <a:cxn ang="0">
+                  <a:pos x="connsiteX7" y="connsiteY7"/>
+                </a:cxn>
+                <a:cxn ang="0">
+                  <a:pos x="connsiteX8" y="connsiteY8"/>
+                </a:cxn>
+                <a:cxn ang="0">
+                  <a:pos x="connsiteX9" y="connsiteY9"/>
+                </a:cxn>
+                <a:cxn ang="0">
+                  <a:pos x="connsiteX10" y="connsiteY10"/>
+                </a:cxn>
+                <a:cxn ang="0">
+                  <a:pos x="connsiteX11" y="connsiteY11"/>
+                </a:cxn>
+                <a:cxn ang="0">
+                  <a:pos x="connsiteX12" y="connsiteY12"/>
+                </a:cxn>
+                <a:cxn ang="0">
+                  <a:pos x="connsiteX13" y="connsiteY13"/>
+                </a:cxn>
+                <a:cxn ang="0">
+                  <a:pos x="connsiteX14" y="connsiteY14"/>
+                </a:cxn>
+                <a:cxn ang="0">
+                  <a:pos x="connsiteX15" y="connsiteY15"/>
+                </a:cxn>
+                <a:cxn ang="0">
+                  <a:pos x="connsiteX16" y="connsiteY16"/>
+                </a:cxn>
+                <a:cxn ang="0">
+                  <a:pos x="connsiteX17" y="connsiteY17"/>
+                </a:cxn>
+                <a:cxn ang="0">
+                  <a:pos x="connsiteX18" y="connsiteY18"/>
+                </a:cxn>
+                <a:cxn ang="0">
+                  <a:pos x="connsiteX19" y="connsiteY19"/>
+                </a:cxn>
+                <a:cxn ang="0">
+                  <a:pos x="connsiteX20" y="connsiteY20"/>
+                </a:cxn>
+                <a:cxn ang="0">
+                  <a:pos x="connsiteX21" y="connsiteY21"/>
+                </a:cxn>
+                <a:cxn ang="0">
+                  <a:pos x="connsiteX22" y="connsiteY22"/>
+                </a:cxn>
+                <a:cxn ang="0">
+                  <a:pos x="connsiteX23" y="connsiteY23"/>
+                </a:cxn>
+                <a:cxn ang="0">
+                  <a:pos x="connsiteX24" y="connsiteY24"/>
+                </a:cxn>
+                <a:cxn ang="0">
+                  <a:pos x="connsiteX25" y="connsiteY25"/>
+                </a:cxn>
+                <a:cxn ang="0">
+                  <a:pos x="connsiteX26" y="connsiteY26"/>
+                </a:cxn>
+                <a:cxn ang="0">
+                  <a:pos x="connsiteX27" y="connsiteY27"/>
+                </a:cxn>
+                <a:cxn ang="0">
+                  <a:pos x="connsiteX28" y="connsiteY28"/>
+                </a:cxn>
+                <a:cxn ang="0">
+                  <a:pos x="connsiteX29" y="connsiteY29"/>
+                </a:cxn>
+                <a:cxn ang="0">
+                  <a:pos x="connsiteX30" y="connsiteY30"/>
+                </a:cxn>
+                <a:cxn ang="0">
+                  <a:pos x="connsiteX31" y="connsiteY31"/>
+                </a:cxn>
+                <a:cxn ang="0">
+                  <a:pos x="connsiteX32" y="connsiteY32"/>
+                </a:cxn>
+                <a:cxn ang="0">
+                  <a:pos x="connsiteX33" y="connsiteY33"/>
+                </a:cxn>
+                <a:cxn ang="0">
+                  <a:pos x="connsiteX34" y="connsiteY34"/>
+                </a:cxn>
+                <a:cxn ang="0">
+                  <a:pos x="connsiteX35" y="connsiteY35"/>
+                </a:cxn>
+                <a:cxn ang="0">
+                  <a:pos x="connsiteX36" y="connsiteY36"/>
+                </a:cxn>
+                <a:cxn ang="0">
+                  <a:pos x="connsiteX37" y="connsiteY37"/>
+                </a:cxn>
+                <a:cxn ang="0">
+                  <a:pos x="connsiteX38" y="connsiteY38"/>
+                </a:cxn>
+                <a:cxn ang="0">
+                  <a:pos x="connsiteX39" y="connsiteY39"/>
+                </a:cxn>
+                <a:cxn ang="0">
+                  <a:pos x="connsiteX40" y="connsiteY40"/>
+                </a:cxn>
+                <a:cxn ang="0">
+                  <a:pos x="connsiteX41" y="connsiteY41"/>
+                </a:cxn>
+                <a:cxn ang="0">
+                  <a:pos x="connsiteX42" y="connsiteY42"/>
+                </a:cxn>
+                <a:cxn ang="0">
+                  <a:pos x="connsiteX43" y="connsiteY43"/>
+                </a:cxn>
+                <a:cxn ang="0">
+                  <a:pos x="connsiteX44" y="connsiteY44"/>
+                </a:cxn>
+                <a:cxn ang="0">
+                  <a:pos x="connsiteX45" y="connsiteY45"/>
+                </a:cxn>
+                <a:cxn ang="0">
+                  <a:pos x="connsiteX46" y="connsiteY46"/>
+                </a:cxn>
+                <a:cxn ang="0">
+                  <a:pos x="connsiteX47" y="connsiteY47"/>
+                </a:cxn>
+                <a:cxn ang="0">
+                  <a:pos x="connsiteX48" y="connsiteY48"/>
+                </a:cxn>
+                <a:cxn ang="0">
+                  <a:pos x="connsiteX49" y="connsiteY49"/>
+                </a:cxn>
+                <a:cxn ang="0">
+                  <a:pos x="connsiteX50" y="connsiteY50"/>
+                </a:cxn>
+                <a:cxn ang="0">
+                  <a:pos x="connsiteX51" y="connsiteY51"/>
+                </a:cxn>
+                <a:cxn ang="0">
+                  <a:pos x="connsiteX52" y="connsiteY52"/>
+                </a:cxn>
+                <a:cxn ang="0">
+                  <a:pos x="connsiteX53" y="connsiteY53"/>
+                </a:cxn>
+                <a:cxn ang="0">
+                  <a:pos x="connsiteX54" y="connsiteY54"/>
+                </a:cxn>
+                <a:cxn ang="0">
+                  <a:pos x="connsiteX55" y="connsiteY55"/>
+                </a:cxn>
+                <a:cxn ang="0">
+                  <a:pos x="connsiteX56" y="connsiteY56"/>
+                </a:cxn>
+                <a:cxn ang="0">
+                  <a:pos x="connsiteX57" y="connsiteY57"/>
+                </a:cxn>
+                <a:cxn ang="0">
+                  <a:pos x="connsiteX58" y="connsiteY58"/>
+                </a:cxn>
+                <a:cxn ang="0">
+                  <a:pos x="connsiteX59" y="connsiteY59"/>
+                </a:cxn>
+                <a:cxn ang="0">
+                  <a:pos x="connsiteX60" y="connsiteY60"/>
+                </a:cxn>
+                <a:cxn ang="0">
+                  <a:pos x="connsiteX61" y="connsiteY61"/>
+                </a:cxn>
+                <a:cxn ang="0">
+                  <a:pos x="connsiteX62" y="connsiteY62"/>
+                </a:cxn>
+                <a:cxn ang="0">
+                  <a:pos x="connsiteX63" y="connsiteY63"/>
+                </a:cxn>
+              </a:cxnLst>
+              <a:rect l="l" t="t" r="r" b="b"/>
+              <a:pathLst>
+                <a:path w="6264586" h="6858001">
+                  <a:moveTo>
+                    <a:pt x="6264586" y="6646464"/>
+                  </a:moveTo>
+                  <a:lnTo>
+                    <a:pt x="6264586" y="6858001"/>
+                  </a:lnTo>
+                  <a:lnTo>
+                    <a:pt x="5997170" y="6858001"/>
+                  </a:lnTo>
+                  <a:lnTo>
+                    <a:pt x="6121512" y="6761029"/>
+                  </a:lnTo>
+                  <a:close/>
+                  <a:moveTo>
+                    <a:pt x="2693206" y="0"/>
+                  </a:moveTo>
+                  <a:lnTo>
+                    <a:pt x="5872285" y="0"/>
+                  </a:lnTo>
+                  <a:lnTo>
+                    <a:pt x="6024875" y="68385"/>
+                  </a:lnTo>
+                  <a:cubicBezTo>
+                    <a:pt x="6086250" y="97989"/>
+                    <a:pt x="6146793" y="129318"/>
+                    <a:pt x="6206432" y="162336"/>
+                  </a:cubicBezTo>
+                  <a:lnTo>
+                    <a:pt x="6264586" y="196704"/>
+                  </a:lnTo>
+                  <a:lnTo>
+                    <a:pt x="6264586" y="537242"/>
+                  </a:lnTo>
+                  <a:lnTo>
+                    <a:pt x="6230189" y="517260"/>
+                  </a:lnTo>
+                  <a:cubicBezTo>
+                    <a:pt x="6012226" y="399931"/>
+                    <a:pt x="5780573" y="310008"/>
+                    <a:pt x="5540536" y="249543"/>
+                  </a:cubicBezTo>
+                  <a:cubicBezTo>
+                    <a:pt x="5421375" y="219324"/>
+                    <a:pt x="5300641" y="195644"/>
+                    <a:pt x="5178896" y="178606"/>
+                  </a:cubicBezTo>
+                  <a:cubicBezTo>
+                    <a:pt x="5057977" y="161840"/>
+                    <a:pt x="4936276" y="151186"/>
+                    <a:pt x="4814279" y="146683"/>
+                  </a:cubicBezTo>
+                  <a:cubicBezTo>
+                    <a:pt x="4761501" y="144556"/>
+                    <a:pt x="4708015" y="143421"/>
+                    <a:pt x="4655095" y="143421"/>
+                  </a:cubicBezTo>
+                  <a:cubicBezTo>
+                    <a:pt x="4462968" y="143573"/>
+                    <a:pt x="4271111" y="157799"/>
+                    <a:pt x="4081069" y="185983"/>
+                  </a:cubicBezTo>
+                  <a:cubicBezTo>
+                    <a:pt x="3956361" y="205703"/>
+                    <a:pt x="3835058" y="229396"/>
+                    <a:pt x="3720566" y="256921"/>
+                  </a:cubicBezTo>
+                  <a:cubicBezTo>
+                    <a:pt x="3596708" y="286714"/>
+                    <a:pt x="3477677" y="320905"/>
+                    <a:pt x="3365879" y="357651"/>
+                  </a:cubicBezTo>
+                  <a:cubicBezTo>
+                    <a:pt x="3249257" y="395958"/>
+                    <a:pt x="3133487" y="438945"/>
+                    <a:pt x="3020555" y="486190"/>
+                  </a:cubicBezTo>
+                  <a:cubicBezTo>
+                    <a:pt x="2907623" y="533434"/>
+                    <a:pt x="2794832" y="585786"/>
+                    <a:pt x="2685163" y="641542"/>
+                  </a:cubicBezTo>
+                  <a:cubicBezTo>
+                    <a:pt x="2463995" y="754348"/>
+                    <a:pt x="2250998" y="882488"/>
+                    <a:pt x="2047720" y="1025030"/>
+                  </a:cubicBezTo>
+                  <a:cubicBezTo>
+                    <a:pt x="2006151" y="1054399"/>
+                    <a:pt x="1951528" y="1093415"/>
+                    <a:pt x="1897333" y="1134983"/>
+                  </a:cubicBezTo>
+                  <a:cubicBezTo>
+                    <a:pt x="1876761" y="1150164"/>
+                    <a:pt x="1855905" y="1166479"/>
+                    <a:pt x="1835758" y="1182227"/>
+                  </a:cubicBezTo>
+                  <a:lnTo>
+                    <a:pt x="1823273" y="1192016"/>
+                  </a:lnTo>
+                  <a:cubicBezTo>
+                    <a:pt x="1797027" y="1211879"/>
+                    <a:pt x="1772057" y="1232309"/>
+                    <a:pt x="1750918" y="1249760"/>
+                  </a:cubicBezTo>
+                  <a:cubicBezTo>
+                    <a:pt x="1645931" y="1335737"/>
+                    <a:pt x="1554422" y="1416605"/>
+                    <a:pt x="1469297" y="1496906"/>
+                  </a:cubicBezTo>
+                  <a:cubicBezTo>
+                    <a:pt x="1286595" y="1668957"/>
+                    <a:pt x="1118818" y="1856190"/>
+                    <a:pt x="967769" y="2056602"/>
+                  </a:cubicBezTo>
+                  <a:cubicBezTo>
+                    <a:pt x="890731" y="2159603"/>
+                    <a:pt x="818800" y="2264590"/>
+                    <a:pt x="754105" y="2368727"/>
+                  </a:cubicBezTo>
+                  <a:cubicBezTo>
+                    <a:pt x="681749" y="2488328"/>
+                    <a:pt x="622304" y="2596720"/>
+                    <a:pt x="572364" y="2701140"/>
+                  </a:cubicBezTo>
+                  <a:cubicBezTo>
+                    <a:pt x="557609" y="2730507"/>
+                    <a:pt x="543989" y="2760443"/>
+                    <a:pt x="532497" y="2786265"/>
+                  </a:cubicBezTo>
+                  <a:lnTo>
+                    <a:pt x="512918" y="2828827"/>
+                  </a:lnTo>
+                  <a:lnTo>
+                    <a:pt x="494475" y="2872240"/>
+                  </a:lnTo>
+                  <a:lnTo>
+                    <a:pt x="491637" y="2878908"/>
+                  </a:lnTo>
+                  <a:cubicBezTo>
+                    <a:pt x="480146" y="2906575"/>
+                    <a:pt x="469220" y="2932821"/>
+                    <a:pt x="459290" y="2959635"/>
+                  </a:cubicBezTo>
+                  <a:cubicBezTo>
+                    <a:pt x="455176" y="2970559"/>
+                    <a:pt x="451060" y="2981484"/>
+                    <a:pt x="446805" y="2992408"/>
+                  </a:cubicBezTo>
+                  <a:cubicBezTo>
+                    <a:pt x="439427" y="3012412"/>
+                    <a:pt x="432333" y="3030572"/>
+                    <a:pt x="426090" y="3049158"/>
+                  </a:cubicBezTo>
+                  <a:lnTo>
+                    <a:pt x="426090" y="3049867"/>
+                  </a:lnTo>
+                  <a:cubicBezTo>
+                    <a:pt x="383010" y="3169099"/>
+                    <a:pt x="346959" y="3290756"/>
+                    <a:pt x="318124" y="3414202"/>
+                  </a:cubicBezTo>
+                  <a:cubicBezTo>
+                    <a:pt x="260107" y="3661703"/>
+                    <a:pt x="230780" y="3915049"/>
+                    <a:pt x="230729" y="4169260"/>
+                  </a:cubicBezTo>
+                  <a:cubicBezTo>
+                    <a:pt x="231621" y="4295173"/>
+                    <a:pt x="244398" y="4420719"/>
+                    <a:pt x="268893" y="4544236"/>
+                  </a:cubicBezTo>
+                  <a:cubicBezTo>
+                    <a:pt x="293708" y="4666304"/>
+                    <a:pt x="330882" y="4785521"/>
+                    <a:pt x="379840" y="4900056"/>
+                  </a:cubicBezTo>
+                  <a:cubicBezTo>
+                    <a:pt x="387926" y="4919919"/>
+                    <a:pt x="397006" y="4939498"/>
+                    <a:pt x="406512" y="4960211"/>
+                  </a:cubicBezTo>
+                  <a:cubicBezTo>
+                    <a:pt x="410343" y="4968299"/>
+                    <a:pt x="414173" y="4976385"/>
+                    <a:pt x="417862" y="4984613"/>
+                  </a:cubicBezTo>
+                  <a:lnTo>
+                    <a:pt x="428077" y="5005043"/>
+                  </a:lnTo>
+                  <a:cubicBezTo>
+                    <a:pt x="438860" y="5026751"/>
+                    <a:pt x="449075" y="5047181"/>
+                    <a:pt x="460140" y="5067327"/>
+                  </a:cubicBezTo>
+                  <a:cubicBezTo>
+                    <a:pt x="485536" y="5116273"/>
+                    <a:pt x="514763" y="5165789"/>
+                    <a:pt x="555197" y="5229773"/>
+                  </a:cubicBezTo>
+                  <a:cubicBezTo>
+                    <a:pt x="586836" y="5280282"/>
+                    <a:pt x="620318" y="5329511"/>
+                    <a:pt x="660611" y="5387396"/>
+                  </a:cubicBezTo>
+                  <a:cubicBezTo>
+                    <a:pt x="698065" y="5440741"/>
+                    <a:pt x="737223" y="5493094"/>
+                    <a:pt x="774110" y="5542182"/>
+                  </a:cubicBezTo>
+                  <a:cubicBezTo>
+                    <a:pt x="821070" y="5604324"/>
+                    <a:pt x="870301" y="5667173"/>
+                    <a:pt x="917829" y="5727896"/>
+                  </a:cubicBezTo>
+                  <a:cubicBezTo>
+                    <a:pt x="949042" y="5767762"/>
+                    <a:pt x="979828" y="5807063"/>
+                    <a:pt x="1012885" y="5849767"/>
+                  </a:cubicBezTo>
+                  <a:cubicBezTo>
+                    <a:pt x="1045942" y="5892471"/>
+                    <a:pt x="1089497" y="5948796"/>
+                    <a:pt x="1133053" y="6006822"/>
+                  </a:cubicBezTo>
+                  <a:cubicBezTo>
+                    <a:pt x="1153624" y="6034345"/>
+                    <a:pt x="1175332" y="6063998"/>
+                    <a:pt x="1194343" y="6090245"/>
+                  </a:cubicBezTo>
+                  <a:cubicBezTo>
+                    <a:pt x="1213355" y="6116491"/>
+                    <a:pt x="1231372" y="6141178"/>
+                    <a:pt x="1249390" y="6165155"/>
+                  </a:cubicBezTo>
+                  <a:cubicBezTo>
+                    <a:pt x="1280461" y="6208000"/>
+                    <a:pt x="1313659" y="6250847"/>
+                    <a:pt x="1345724" y="6292132"/>
+                  </a:cubicBezTo>
+                  <a:lnTo>
+                    <a:pt x="1364310" y="6316251"/>
+                  </a:lnTo>
+                  <a:lnTo>
+                    <a:pt x="1373673" y="6327885"/>
+                  </a:lnTo>
+                  <a:cubicBezTo>
+                    <a:pt x="1409566" y="6372433"/>
+                    <a:pt x="1446738" y="6418542"/>
+                    <a:pt x="1484619" y="6462240"/>
+                  </a:cubicBezTo>
+                  <a:cubicBezTo>
+                    <a:pt x="1567899" y="6559850"/>
+                    <a:pt x="1653876" y="6652211"/>
+                    <a:pt x="1739000" y="6737335"/>
+                  </a:cubicBezTo>
+                  <a:lnTo>
+                    <a:pt x="1866801" y="6858001"/>
+                  </a:lnTo>
+                  <a:lnTo>
+                    <a:pt x="1144149" y="6858001"/>
+                  </a:lnTo>
+                  <a:lnTo>
+                    <a:pt x="1058349" y="6766452"/>
+                  </a:lnTo>
+                  <a:cubicBezTo>
+                    <a:pt x="878978" y="6562465"/>
+                    <a:pt x="718756" y="6341104"/>
+                    <a:pt x="580309" y="6105000"/>
+                  </a:cubicBezTo>
+                  <a:cubicBezTo>
+                    <a:pt x="200401" y="5454007"/>
+                    <a:pt x="146" y="4713831"/>
+                    <a:pt x="1" y="3960094"/>
+                  </a:cubicBezTo>
+                  <a:cubicBezTo>
+                    <a:pt x="-335" y="2196754"/>
+                    <a:pt x="1071479" y="683605"/>
+                    <a:pt x="2599292" y="37050"/>
+                  </a:cubicBezTo>
+                  <a:close/>
+                </a:path>
+              </a:pathLst>
+            </a:custGeom>
+            <a:gradFill>
+              <a:gsLst>
+                <a:gs pos="2000">
+                  <a:schemeClr val="bg1">
+                    <a:alpha val="10000"/>
+                  </a:schemeClr>
+                </a:gs>
+                <a:gs pos="16000">
+                  <a:schemeClr val="accent6">
+                    <a:alpha val="10000"/>
+                  </a:schemeClr>
+                </a:gs>
+                <a:gs pos="100000">
+                  <a:schemeClr val="bg1">
+                    <a:alpha val="10000"/>
+                  </a:schemeClr>
+                </a:gs>
+                <a:gs pos="85000">
+                  <a:schemeClr val="accent1">
+                    <a:alpha val="10000"/>
+                  </a:schemeClr>
+                </a:gs>
+              </a:gsLst>
+              <a:lin ang="12000000" scaled="0"/>
+            </a:gradFill>
+            <a:ln>
+              <a:noFill/>
+            </a:ln>
+          </p:spPr>
+          <p:style>
+            <a:lnRef idx="2">
+              <a:schemeClr val="accent1">
+                <a:shade val="50000"/>
+              </a:schemeClr>
+            </a:lnRef>
+            <a:fillRef idx="1">
+              <a:schemeClr val="accent1"/>
+            </a:fillRef>
+            <a:effectRef idx="0">
+              <a:schemeClr val="accent1"/>
+            </a:effectRef>
+            <a:fontRef idx="minor">
+              <a:schemeClr val="lt1"/>
+            </a:fontRef>
+          </p:style>
+          <p:txBody>
+            <a:bodyPr rtlCol="0" anchor="ctr"/>
+            <a:lstStyle/>
+            <a:p>
+              <a:pPr algn="ctr"/>
+              <a:endParaRPr lang="en-US" dirty="0"/>
+            </a:p>
+          </p:txBody>
+        </p:sp>
+      </p:grpSp>
+      <p:sp>
+        <p:nvSpPr>
+          <p:cNvPr id="5" name="TextBox 4">
+            <a:extLst>
+              <a:ext uri="{FF2B5EF4-FFF2-40B4-BE49-F238E27FC236}">
+                <a16:creationId xmlns:a16="http://schemas.microsoft.com/office/drawing/2014/main" id="{B3D5FF38-3CBC-AD12-0BE2-BCB9E05A3DAA}"/>
+              </a:ext>
+            </a:extLst>
+          </p:cNvPr>
+          <p:cNvSpPr txBox="1"/>
+          <p:nvPr/>
+        </p:nvSpPr>
+        <p:spPr>
+          <a:xfrm>
+            <a:off x="3616624" y="360741"/>
+            <a:ext cx="6094562" cy="323165"/>
+          </a:xfrm>
+          <a:prstGeom prst="rect">
+            <a:avLst/>
+          </a:prstGeom>
+          <a:noFill/>
+        </p:spPr>
+        <p:txBody>
+          <a:bodyPr wrap="square">
+            <a:spAutoFit/>
+          </a:bodyPr>
+          <a:lstStyle/>
+          <a:p>
+            <a:pPr>
+              <a:spcAft>
+                <a:spcPts val="600"/>
+              </a:spcAft>
+            </a:pPr>
+            <a:r>
+              <a:rPr lang="en-US" sz="1500" dirty="0">
+                <a:solidFill>
+                  <a:prstClr val="black">
+                    <a:hueOff val="0"/>
+                    <a:satOff val="0"/>
+                    <a:lumOff val="0"/>
+                    <a:alphaOff val="0"/>
+                  </a:prstClr>
+                </a:solidFill>
+                <a:latin typeface="Calibri" panose="020F0502020204030204"/>
+              </a:rPr>
+              <a:t>The Significance of Conversational Agents</a:t>
+            </a:r>
+            <a:endParaRPr lang="en-IN" sz="1500" dirty="0">
+              <a:solidFill>
+                <a:prstClr val="black">
+                  <a:hueOff val="0"/>
+                  <a:satOff val="0"/>
+                  <a:lumOff val="0"/>
+                  <a:alphaOff val="0"/>
+                </a:prstClr>
+              </a:solidFill>
+              <a:latin typeface="Calibri" panose="020F0502020204030204"/>
+            </a:endParaRPr>
+          </a:p>
+        </p:txBody>
+      </p:sp>
+      <p:pic>
+        <p:nvPicPr>
+          <p:cNvPr id="2" name="Picture 2" descr="Hire Chatbot Developers | Hire Remote Chatbot Developers In India  -Prismetric">
+            <a:extLst>
+              <a:ext uri="{FF2B5EF4-FFF2-40B4-BE49-F238E27FC236}">
+                <a16:creationId xmlns:a16="http://schemas.microsoft.com/office/drawing/2014/main" id="{6FF3AFF9-D544-FD2A-392C-A035AAB7C1C1}"/>
+              </a:ext>
+            </a:extLst>
+          </p:cNvPr>
+          <p:cNvPicPr>
+            <a:picLocks noChangeAspect="1" noChangeArrowheads="1"/>
+          </p:cNvPicPr>
+          <p:nvPr/>
+        </p:nvPicPr>
+        <p:blipFill rotWithShape="1">
+          <a:blip r:embed="rId4">
+            <a:extLst>
+              <a:ext uri="{28A0092B-C50C-407E-A947-70E740481C1C}">
+                <a14:useLocalDpi xmlns:a14="http://schemas.microsoft.com/office/drawing/2010/main" val="0"/>
+              </a:ext>
+            </a:extLst>
+          </a:blip>
+          <a:srcRect l="9007" t="11466" r="8102" b="10456"/>
+          <a:stretch/>
+        </p:blipFill>
+        <p:spPr bwMode="auto">
+          <a:xfrm>
+            <a:off x="207388" y="119847"/>
+            <a:ext cx="1186654" cy="1117769"/>
+          </a:xfrm>
+          <a:prstGeom prst="rect">
+            <a:avLst/>
+          </a:prstGeom>
+          <a:noFill/>
+          <a:extLst>
+            <a:ext uri="{909E8E84-426E-40DD-AFC4-6F175D3DCCD1}">
+              <a14:hiddenFill xmlns:a14="http://schemas.microsoft.com/office/drawing/2010/main">
+                <a:solidFill>
+                  <a:srgbClr val="FFFFFF"/>
+                </a:solidFill>
+              </a14:hiddenFill>
+            </a:ext>
+          </a:extLst>
+        </p:spPr>
+      </p:pic>
+      <p:pic>
+        <p:nvPicPr>
+          <p:cNvPr id="3" name="Picture 18" descr="A robot using a laptop sitting on a blue chair">
+            <a:extLst>
+              <a:ext uri="{FF2B5EF4-FFF2-40B4-BE49-F238E27FC236}">
+                <a16:creationId xmlns:a16="http://schemas.microsoft.com/office/drawing/2014/main" id="{DBA8E439-49A1-B3B4-A02E-4D6173826B9A}"/>
+              </a:ext>
+            </a:extLst>
+          </p:cNvPr>
+          <p:cNvPicPr>
+            <a:picLocks noChangeAspect="1" noChangeArrowheads="1"/>
+          </p:cNvPicPr>
+          <p:nvPr/>
+        </p:nvPicPr>
+        <p:blipFill>
+          <a:blip r:embed="rId5">
+            <a:extLst>
+              <a:ext uri="{28A0092B-C50C-407E-A947-70E740481C1C}">
+                <a14:useLocalDpi xmlns:a14="http://schemas.microsoft.com/office/drawing/2010/main" val="0"/>
+              </a:ext>
+            </a:extLst>
+          </a:blip>
+          <a:srcRect l="38156" r="17468"/>
+          <a:stretch>
+            <a:fillRect/>
+          </a:stretch>
+        </p:blipFill>
+        <p:spPr bwMode="auto">
+          <a:xfrm>
+            <a:off x="7888436" y="959344"/>
+            <a:ext cx="4096176" cy="5192336"/>
+          </a:xfrm>
+          <a:prstGeom prst="rect">
+            <a:avLst/>
+          </a:prstGeom>
+          <a:noFill/>
+          <a:ln>
+            <a:noFill/>
+          </a:ln>
+          <a:extLst>
+            <a:ext uri="{909E8E84-426E-40DD-AFC4-6F175D3DCCD1}">
+              <a14:hiddenFill xmlns:a14="http://schemas.microsoft.com/office/drawing/2010/main">
+                <a:solidFill>
+                  <a:srgbClr val="FFFFFF"/>
+                </a:solidFill>
+              </a14:hiddenFill>
+            </a:ext>
+            <a:ext uri="{91240B29-F687-4F45-9708-019B960494DF}">
+              <a14:hiddenLine xmlns:a14="http://schemas.microsoft.com/office/drawing/2010/main" w="9525">
+                <a:solidFill>
+                  <a:srgbClr val="000000"/>
+                </a:solidFill>
+                <a:miter lim="800000"/>
+                <a:headEnd/>
+                <a:tailEnd/>
+              </a14:hiddenLine>
+            </a:ext>
+          </a:extLst>
+        </p:spPr>
+      </p:pic>
+      <p:graphicFrame>
+        <p:nvGraphicFramePr>
+          <p:cNvPr id="30" name="TextBox 8">
+            <a:extLst>
+              <a:ext uri="{FF2B5EF4-FFF2-40B4-BE49-F238E27FC236}">
+                <a16:creationId xmlns:a16="http://schemas.microsoft.com/office/drawing/2014/main" id="{95E9CE53-42C1-3E5A-B4D6-1396417EC2E1}"/>
+              </a:ext>
+            </a:extLst>
+          </p:cNvPr>
+          <p:cNvGraphicFramePr/>
+          <p:nvPr>
+            <p:extLst>
+              <p:ext uri="{D42A27DB-BD31-4B8C-83A1-F6EECF244321}">
+                <p14:modId xmlns:p14="http://schemas.microsoft.com/office/powerpoint/2010/main" val="3089499781"/>
+              </p:ext>
+            </p:extLst>
+          </p:nvPr>
+        </p:nvGraphicFramePr>
+        <p:xfrm>
+          <a:off x="340470" y="1394008"/>
+          <a:ext cx="8169216" cy="5093702"/>
+        </p:xfrm>
+        <a:graphic>
+          <a:graphicData uri="http://schemas.openxmlformats.org/drawingml/2006/diagram">
+            <dgm:relIds xmlns:dgm="http://schemas.openxmlformats.org/drawingml/2006/diagram" xmlns:r="http://schemas.openxmlformats.org/officeDocument/2006/relationships" r:dm="rId6" r:lo="rId7" r:qs="rId8" r:cs="rId9"/>
+          </a:graphicData>
+        </a:graphic>
+      </p:graphicFrame>
+    </p:spTree>
+    <p:extLst>
+      <p:ext uri="{BB962C8B-B14F-4D97-AF65-F5344CB8AC3E}">
+        <p14:creationId xmlns:p14="http://schemas.microsoft.com/office/powerpoint/2010/main" val="1721226976"/>
+      </p:ext>
+    </p:extLst>
+  </p:cSld>
+  <p:clrMapOvr>
+    <a:masterClrMapping/>
+  </p:clrMapOvr>
+</p:sld>
+</file>
+
+<file path=ppt/slides/slide2.xml><?xml version="1.0" encoding="utf-8"?>
+<p:sld xmlns:a="http://schemas.openxmlformats.org/drawingml/2006/main" xmlns:r="http://schemas.openxmlformats.org/officeDocument/2006/relationships" xmlns:p="http://schemas.openxmlformats.org/presentationml/2006/main">
+  <p:cSld>
+    <p:bg>
+      <p:bgPr>
+        <a:solidFill>
+          <a:schemeClr val="bg1"/>
+        </a:solidFill>
+        <a:effectLst/>
+      </p:bgPr>
+    </p:bg>
+    <p:spTree>
+      <p:nvGrpSpPr>
+        <p:cNvPr id="1" name=""/>
+        <p:cNvGrpSpPr/>
+        <p:nvPr/>
+      </p:nvGrpSpPr>
+      <p:grpSpPr>
+        <a:xfrm>
+          <a:off x="0" y="0"/>
+          <a:ext cx="0" cy="0"/>
+          <a:chOff x="0" y="0"/>
+          <a:chExt cx="0" cy="0"/>
+        </a:xfrm>
+      </p:grpSpPr>
+      <p:sp>
+        <p:nvSpPr>
+          <p:cNvPr id="99" name="Freeform 6">
+            <a:extLst>
+              <a:ext uri="{FF2B5EF4-FFF2-40B4-BE49-F238E27FC236}">
+                <a16:creationId xmlns:a16="http://schemas.microsoft.com/office/drawing/2014/main" id="{69D184B2-2226-4E31-BCCB-444330767440}"/>
               </a:ext>
               <a:ext uri="{C183D7F6-B498-43B3-948B-1728B52AA6E4}">
                 <adec:decorative xmlns:adec="http://schemas.microsoft.com/office/drawing/2017/decorative" val="1"/>
@@ -3438,52 +10075,92 @@
             </p:extLst>
           </p:nvPr>
         </p:nvSpPr>
-        <p:spPr>
+        <p:spPr bwMode="auto">
           <a:xfrm>
-            <a:off x="477012" y="480060"/>
-            <a:ext cx="11237976" cy="5897880"/>
+            <a:off x="11118533" y="918266"/>
+            <a:ext cx="706127" cy="5863534"/>
           </a:xfrm>
-          <a:prstGeom prst="rect">
+          <a:custGeom>
             <a:avLst/>
-          </a:prstGeom>
-          <a:noFill/>
+            <a:gdLst>
+              <a:gd name="T0" fmla="*/ 414 w 414"/>
+              <a:gd name="T1" fmla="*/ 2447 h 2447"/>
+              <a:gd name="T2" fmla="*/ 0 w 414"/>
+              <a:gd name="T3" fmla="*/ 2247 h 2447"/>
+              <a:gd name="T4" fmla="*/ 0 w 414"/>
+              <a:gd name="T5" fmla="*/ 0 h 2447"/>
+              <a:gd name="T6" fmla="*/ 414 w 414"/>
+              <a:gd name="T7" fmla="*/ 200 h 2447"/>
+              <a:gd name="T8" fmla="*/ 414 w 414"/>
+              <a:gd name="T9" fmla="*/ 2447 h 2447"/>
+            </a:gdLst>
+            <a:ahLst/>
+            <a:cxnLst>
+              <a:cxn ang="0">
+                <a:pos x="T0" y="T1"/>
+              </a:cxn>
+              <a:cxn ang="0">
+                <a:pos x="T2" y="T3"/>
+              </a:cxn>
+              <a:cxn ang="0">
+                <a:pos x="T4" y="T5"/>
+              </a:cxn>
+              <a:cxn ang="0">
+                <a:pos x="T6" y="T7"/>
+              </a:cxn>
+              <a:cxn ang="0">
+                <a:pos x="T8" y="T9"/>
+              </a:cxn>
+            </a:cxnLst>
+            <a:rect l="0" t="0" r="r" b="b"/>
+            <a:pathLst>
+              <a:path w="414" h="2447">
+                <a:moveTo>
+                  <a:pt x="414" y="2447"/>
+                </a:moveTo>
+                <a:lnTo>
+                  <a:pt x="0" y="2247"/>
+                </a:lnTo>
+                <a:lnTo>
+                  <a:pt x="0" y="0"/>
+                </a:lnTo>
+                <a:lnTo>
+                  <a:pt x="414" y="200"/>
+                </a:lnTo>
+                <a:lnTo>
+                  <a:pt x="414" y="2447"/>
+                </a:lnTo>
+                <a:close/>
+              </a:path>
+            </a:pathLst>
+          </a:custGeom>
+          <a:solidFill>
+            <a:schemeClr val="accent1">
+              <a:lumMod val="75000"/>
+            </a:schemeClr>
+          </a:solidFill>
           <a:ln>
-            <a:solidFill>
-              <a:schemeClr val="bg1"/>
-            </a:solidFill>
+            <a:noFill/>
           </a:ln>
         </p:spPr>
-        <p:style>
-          <a:lnRef idx="2">
-            <a:schemeClr val="accent1">
-              <a:shade val="50000"/>
-            </a:schemeClr>
-          </a:lnRef>
-          <a:fillRef idx="1">
-            <a:schemeClr val="accent1"/>
-          </a:fillRef>
-          <a:effectRef idx="0">
-            <a:schemeClr val="accent1"/>
-          </a:effectRef>
-          <a:fontRef idx="minor">
-            <a:schemeClr val="lt1"/>
-          </a:fontRef>
-        </p:style>
         <p:txBody>
-          <a:bodyPr rtlCol="0" anchor="ctr"/>
+          <a:bodyPr vert="horz" wrap="square" lIns="91440" tIns="45720" rIns="91440" bIns="45720" numCol="1" anchor="t" anchorCtr="0" compatLnSpc="1">
+            <a:prstTxWarp prst="textNoShape">
+              <a:avLst/>
+            </a:prstTxWarp>
+          </a:bodyPr>
           <a:lstStyle/>
           <a:p>
-            <a:pPr algn="ctr"/>
             <a:endParaRPr lang="en-US"/>
           </a:p>
         </p:txBody>
       </p:sp>
       <p:sp>
         <p:nvSpPr>
-          <p:cNvPr id="59" name="Rectangle 58">
+          <p:cNvPr id="100" name="Freeform 7">
             <a:extLst>
               <a:ext uri="{FF2B5EF4-FFF2-40B4-BE49-F238E27FC236}">
-                <a16:creationId xmlns:a16="http://schemas.microsoft.com/office/drawing/2014/main" id="{6FA8F714-B9D8-488A-8CCA-E9948FF913A9}"/>
+                <a16:creationId xmlns:a16="http://schemas.microsoft.com/office/drawing/2014/main" id="{1AC4D4E3-486A-464A-8EC8-D44881097267}"/>
               </a:ext>
               <a:ext uri="{C183D7F6-B498-43B3-948B-1728B52AA6E4}">
                 <adec:decorative xmlns:adec="http://schemas.microsoft.com/office/drawing/2017/decorative" val="1"/>
@@ -3501,10 +10178,113 @@
             </p:extLst>
           </p:nvPr>
         </p:nvSpPr>
-        <p:spPr>
+        <p:spPr bwMode="auto">
           <a:xfrm>
-            <a:off x="643466" y="643468"/>
-            <a:ext cx="10905067" cy="5571066"/>
+            <a:off x="11117879" y="643467"/>
+            <a:ext cx="420307" cy="5668919"/>
+          </a:xfrm>
+          <a:custGeom>
+            <a:avLst/>
+            <a:gdLst>
+              <a:gd name="T0" fmla="*/ 209 w 209"/>
+              <a:gd name="T1" fmla="*/ 2246 h 2358"/>
+              <a:gd name="T2" fmla="*/ 0 w 209"/>
+              <a:gd name="T3" fmla="*/ 2358 h 2358"/>
+              <a:gd name="T4" fmla="*/ 0 w 209"/>
+              <a:gd name="T5" fmla="*/ 111 h 2358"/>
+              <a:gd name="T6" fmla="*/ 209 w 209"/>
+              <a:gd name="T7" fmla="*/ 0 h 2358"/>
+              <a:gd name="T8" fmla="*/ 209 w 209"/>
+              <a:gd name="T9" fmla="*/ 2246 h 2358"/>
+            </a:gdLst>
+            <a:ahLst/>
+            <a:cxnLst>
+              <a:cxn ang="0">
+                <a:pos x="T0" y="T1"/>
+              </a:cxn>
+              <a:cxn ang="0">
+                <a:pos x="T2" y="T3"/>
+              </a:cxn>
+              <a:cxn ang="0">
+                <a:pos x="T4" y="T5"/>
+              </a:cxn>
+              <a:cxn ang="0">
+                <a:pos x="T6" y="T7"/>
+              </a:cxn>
+              <a:cxn ang="0">
+                <a:pos x="T8" y="T9"/>
+              </a:cxn>
+            </a:cxnLst>
+            <a:rect l="0" t="0" r="r" b="b"/>
+            <a:pathLst>
+              <a:path w="209" h="2358">
+                <a:moveTo>
+                  <a:pt x="209" y="2246"/>
+                </a:moveTo>
+                <a:lnTo>
+                  <a:pt x="0" y="2358"/>
+                </a:lnTo>
+                <a:lnTo>
+                  <a:pt x="0" y="111"/>
+                </a:lnTo>
+                <a:lnTo>
+                  <a:pt x="209" y="0"/>
+                </a:lnTo>
+                <a:lnTo>
+                  <a:pt x="209" y="2246"/>
+                </a:lnTo>
+                <a:close/>
+              </a:path>
+            </a:pathLst>
+          </a:custGeom>
+          <a:solidFill>
+            <a:schemeClr val="accent1">
+              <a:lumMod val="50000"/>
+            </a:schemeClr>
+          </a:solidFill>
+          <a:ln>
+            <a:noFill/>
+          </a:ln>
+        </p:spPr>
+        <p:txBody>
+          <a:bodyPr vert="horz" wrap="square" lIns="91440" tIns="45720" rIns="91440" bIns="45720" numCol="1" anchor="t" anchorCtr="0" compatLnSpc="1">
+            <a:prstTxWarp prst="textNoShape">
+              <a:avLst/>
+            </a:prstTxWarp>
+          </a:bodyPr>
+          <a:lstStyle/>
+          <a:p>
+            <a:endParaRPr lang="en-US"/>
+          </a:p>
+        </p:txBody>
+      </p:sp>
+      <p:sp>
+        <p:nvSpPr>
+          <p:cNvPr id="98" name="Rectangle 97">
+            <a:extLst>
+              <a:ext uri="{FF2B5EF4-FFF2-40B4-BE49-F238E27FC236}">
+                <a16:creationId xmlns:a16="http://schemas.microsoft.com/office/drawing/2014/main" id="{864DE13E-58EB-4475-B79C-0D4FC651239B}"/>
+              </a:ext>
+              <a:ext uri="{C183D7F6-B498-43B3-948B-1728B52AA6E4}">
+                <adec:decorative xmlns:adec="http://schemas.microsoft.com/office/drawing/2017/decorative" val="1"/>
+              </a:ext>
+            </a:extLst>
+          </p:cNvPr>
+          <p:cNvSpPr>
+            <a:spLocks noGrp="1" noRot="1" noChangeAspect="1" noMove="1" noResize="1" noEditPoints="1" noAdjustHandles="1" noChangeArrowheads="1" noChangeShapeType="1" noTextEdit="1"/>
+          </p:cNvSpPr>
+          <p:nvPr>
+            <p:extLst>
+              <p:ext uri="{386F3935-93C4-4BCD-93E2-E3B085C9AB24}">
+                <p16:designElem xmlns:p16="http://schemas.microsoft.com/office/powerpoint/2015/main" val="1"/>
+              </p:ext>
+            </p:extLst>
+          </p:nvPr>
+        </p:nvSpPr>
+        <p:spPr bwMode="auto">
+          <a:xfrm>
+            <a:off x="638387" y="643467"/>
+            <a:ext cx="10933503" cy="5391944"/>
           </a:xfrm>
           <a:prstGeom prst="rect">
             <a:avLst/>
@@ -3512,31 +10292,21 @@
           <a:solidFill>
             <a:srgbClr val="FFFFFF"/>
           </a:solidFill>
-          <a:ln>
-            <a:noFill/>
+          <a:ln w="12700">
+            <a:solidFill>
+              <a:schemeClr val="accent1"/>
+            </a:solidFill>
+            <a:miter lim="800000"/>
           </a:ln>
         </p:spPr>
-        <p:style>
-          <a:lnRef idx="2">
-            <a:schemeClr val="accent1">
-              <a:shade val="50000"/>
-            </a:schemeClr>
-          </a:lnRef>
-          <a:fillRef idx="1">
-            <a:schemeClr val="accent1"/>
-          </a:fillRef>
-          <a:effectRef idx="0">
-            <a:schemeClr val="accent1"/>
-          </a:effectRef>
-          <a:fontRef idx="minor">
-            <a:schemeClr val="lt1"/>
-          </a:fontRef>
-        </p:style>
         <p:txBody>
-          <a:bodyPr rtlCol="0" anchor="ctr"/>
+          <a:bodyPr vert="horz" wrap="square" lIns="91440" tIns="45720" rIns="91440" bIns="45720" numCol="1" anchor="t" anchorCtr="0" compatLnSpc="1">
+            <a:prstTxWarp prst="textNoShape">
+              <a:avLst/>
+            </a:prstTxWarp>
+          </a:bodyPr>
           <a:lstStyle/>
           <a:p>
-            <a:pPr algn="ctr"/>
             <a:endParaRPr lang="en-US"/>
           </a:p>
         </p:txBody>
@@ -3556,42 +10326,44 @@
           <p:nvPr>
             <p:extLst>
               <p:ext uri="{D42A27DB-BD31-4B8C-83A1-F6EECF244321}">
-                <p14:modId xmlns:p14="http://schemas.microsoft.com/office/powerpoint/2010/main" val="2357630973"/>
+                <p14:modId xmlns:p14="http://schemas.microsoft.com/office/powerpoint/2010/main" val="2593413385"/>
               </p:ext>
             </p:extLst>
           </p:nvPr>
         </p:nvGraphicFramePr>
         <p:xfrm>
-          <a:off x="1120477" y="1385747"/>
-          <a:ext cx="9951043" cy="4080364"/>
+          <a:off x="802257" y="822589"/>
+          <a:ext cx="10550106" cy="4931228"/>
         </p:xfrm>
         <a:graphic>
           <a:graphicData uri="http://schemas.openxmlformats.org/drawingml/2006/table">
             <a:tbl>
-              <a:tblPr/>
+              <a:tblPr firstRow="1" bandRow="1">
+                <a:tableStyleId>{69012ECD-51FC-41F1-AA8D-1B2483CD663E}</a:tableStyleId>
+              </a:tblPr>
               <a:tblGrid>
-                <a:gridCol w="1215455">
+                <a:gridCol w="885952">
                   <a:extLst>
                     <a:ext uri="{9D8B030D-6E8A-4147-A177-3AD203B41FA5}">
                       <a16:colId xmlns:a16="http://schemas.microsoft.com/office/drawing/2014/main" val="2552393206"/>
                     </a:ext>
                   </a:extLst>
                 </a:gridCol>
-                <a:gridCol w="1964668">
+                <a:gridCol w="2324646">
                   <a:extLst>
                     <a:ext uri="{9D8B030D-6E8A-4147-A177-3AD203B41FA5}">
                       <a16:colId xmlns:a16="http://schemas.microsoft.com/office/drawing/2014/main" val="860205446"/>
                     </a:ext>
                   </a:extLst>
                 </a:gridCol>
-                <a:gridCol w="2051807">
+                <a:gridCol w="2404382">
                   <a:extLst>
                     <a:ext uri="{9D8B030D-6E8A-4147-A177-3AD203B41FA5}">
                       <a16:colId xmlns:a16="http://schemas.microsoft.com/office/drawing/2014/main" val="1162389129"/>
                     </a:ext>
                   </a:extLst>
                 </a:gridCol>
-                <a:gridCol w="4719113">
+                <a:gridCol w="4935126">
                   <a:extLst>
                     <a:ext uri="{9D8B030D-6E8A-4147-A177-3AD203B41FA5}">
                       <a16:colId xmlns:a16="http://schemas.microsoft.com/office/drawing/2014/main" val="766157464"/>
@@ -3599,7 +10371,7 @@
                   </a:extLst>
                 </a:gridCol>
               </a:tblGrid>
-              <a:tr h="406465">
+              <a:tr h="440725">
                 <a:tc gridSpan="4">
                   <a:txBody>
                     <a:bodyPr/>
@@ -3614,62 +10386,21 @@
                         </a:spcAft>
                       </a:pPr>
                       <a:r>
-                        <a:rPr lang="en-US" sz="1500" b="0" i="0" u="none" strike="noStrike">
+                        <a:rPr lang="en-US" sz="1400" b="0" u="none" strike="noStrike" dirty="0">
                           <a:solidFill>
                             <a:srgbClr val="000000"/>
                           </a:solidFill>
                           <a:effectLst/>
-                          <a:latin typeface="Calibri" panose="020F0502020204030204" pitchFamily="34" charset="0"/>
                         </a:rPr>
                         <a:t>The Evolution of GPT Models</a:t>
                       </a:r>
-                      <a:endParaRPr lang="en-US" sz="2500" b="0" i="0" u="none" strike="noStrike">
+                      <a:endParaRPr lang="en-US" sz="2400" b="0" i="0" u="none" strike="noStrike" dirty="0">
                         <a:effectLst/>
                         <a:latin typeface="Arial" panose="020B0604020202020204" pitchFamily="34" charset="0"/>
                       </a:endParaRPr>
                     </a:p>
                   </a:txBody>
-                  <a:tcPr marL="125711" marR="125711" marT="62855" marB="62855">
-                    <a:lnL w="6350" cap="flat" cmpd="sng" algn="ctr">
-                      <a:solidFill>
-                        <a:srgbClr val="000000"/>
-                      </a:solidFill>
-                      <a:prstDash val="solid"/>
-                      <a:round/>
-                      <a:headEnd type="none" w="med" len="med"/>
-                      <a:tailEnd type="none" w="med" len="med"/>
-                    </a:lnL>
-                    <a:lnR w="6350" cap="flat" cmpd="sng" algn="ctr">
-                      <a:solidFill>
-                        <a:srgbClr val="000000"/>
-                      </a:solidFill>
-                      <a:prstDash val="solid"/>
-                      <a:round/>
-                      <a:headEnd type="none" w="med" len="med"/>
-                      <a:tailEnd type="none" w="med" len="med"/>
-                    </a:lnR>
-                    <a:lnT w="6350" cap="flat" cmpd="sng" algn="ctr">
-                      <a:solidFill>
-                        <a:srgbClr val="000000"/>
-                      </a:solidFill>
-                      <a:prstDash val="solid"/>
-                      <a:round/>
-                      <a:headEnd type="none" w="med" len="med"/>
-                      <a:tailEnd type="none" w="med" len="med"/>
-                    </a:lnT>
-                    <a:lnB w="6350" cap="flat" cmpd="sng" algn="ctr">
-                      <a:solidFill>
-                        <a:srgbClr val="000000"/>
-                      </a:solidFill>
-                      <a:prstDash val="solid"/>
-                      <a:round/>
-                      <a:headEnd type="none" w="med" len="med"/>
-                      <a:tailEnd type="none" w="med" len="med"/>
-                    </a:lnB>
-                    <a:solidFill>
-                      <a:srgbClr val="F8CBAD"/>
-                    </a:solidFill>
-                  </a:tcPr>
+                  <a:tcPr marL="121538" marR="121538" marT="60768" marB="60768"/>
                 </a:tc>
                 <a:tc hMerge="1">
                   <a:txBody>
@@ -3707,7 +10438,7 @@
                   </a:ext>
                 </a:extLst>
               </a:tr>
-              <a:tr h="293849">
+              <a:tr h="309968">
                 <a:tc>
                   <a:txBody>
                     <a:bodyPr/>
@@ -3722,62 +10453,21 @@
                         </a:spcAft>
                       </a:pPr>
                       <a:r>
-                        <a:rPr lang="en-IN" sz="1500" b="0" i="0" u="none" strike="noStrike">
+                        <a:rPr lang="en-IN" sz="1400" b="0" u="none" strike="noStrike">
                           <a:solidFill>
                             <a:srgbClr val="000000"/>
                           </a:solidFill>
                           <a:effectLst/>
-                          <a:latin typeface="Calibri" panose="020F0502020204030204" pitchFamily="34" charset="0"/>
                         </a:rPr>
                         <a:t>Year</a:t>
                       </a:r>
-                      <a:endParaRPr lang="en-IN" sz="2500" b="0" i="0" u="none" strike="noStrike">
+                      <a:endParaRPr lang="en-IN" sz="2400" b="0" i="0" u="none" strike="noStrike">
                         <a:effectLst/>
                         <a:latin typeface="Arial" panose="020B0604020202020204" pitchFamily="34" charset="0"/>
                       </a:endParaRPr>
                     </a:p>
                   </a:txBody>
-                  <a:tcPr marL="13095" marR="13095" marT="13095" marB="0" anchor="b">
-                    <a:lnL w="6350" cap="flat" cmpd="sng" algn="ctr">
-                      <a:solidFill>
-                        <a:srgbClr val="000000"/>
-                      </a:solidFill>
-                      <a:prstDash val="solid"/>
-                      <a:round/>
-                      <a:headEnd type="none" w="med" len="med"/>
-                      <a:tailEnd type="none" w="med" len="med"/>
-                    </a:lnL>
-                    <a:lnR w="6350" cap="flat" cmpd="sng" algn="ctr">
-                      <a:solidFill>
-                        <a:srgbClr val="000000"/>
-                      </a:solidFill>
-                      <a:prstDash val="solid"/>
-                      <a:round/>
-                      <a:headEnd type="none" w="med" len="med"/>
-                      <a:tailEnd type="none" w="med" len="med"/>
-                    </a:lnR>
-                    <a:lnT w="6350" cap="flat" cmpd="sng" algn="ctr">
-                      <a:solidFill>
-                        <a:srgbClr val="000000"/>
-                      </a:solidFill>
-                      <a:prstDash val="solid"/>
-                      <a:round/>
-                      <a:headEnd type="none" w="med" len="med"/>
-                      <a:tailEnd type="none" w="med" len="med"/>
-                    </a:lnT>
-                    <a:lnB w="6350" cap="flat" cmpd="sng" algn="ctr">
-                      <a:solidFill>
-                        <a:srgbClr val="000000"/>
-                      </a:solidFill>
-                      <a:prstDash val="solid"/>
-                      <a:round/>
-                      <a:headEnd type="none" w="med" len="med"/>
-                      <a:tailEnd type="none" w="med" len="med"/>
-                    </a:lnB>
-                    <a:solidFill>
-                      <a:srgbClr val="C6E0B4"/>
-                    </a:solidFill>
-                  </a:tcPr>
+                  <a:tcPr marL="12661" marR="12661" marT="12661" marB="0" anchor="b"/>
                 </a:tc>
                 <a:tc>
                   <a:txBody>
@@ -3793,62 +10483,21 @@
                         </a:spcAft>
                       </a:pPr>
                       <a:r>
-                        <a:rPr lang="en-IN" sz="1500" b="0" i="0" u="none" strike="noStrike">
+                        <a:rPr lang="en-IN" sz="1400" b="0" u="none" strike="noStrike">
                           <a:solidFill>
                             <a:srgbClr val="000000"/>
                           </a:solidFill>
                           <a:effectLst/>
-                          <a:latin typeface="Calibri" panose="020F0502020204030204" pitchFamily="34" charset="0"/>
                         </a:rPr>
                         <a:t>Model released</a:t>
                       </a:r>
-                      <a:endParaRPr lang="en-IN" sz="2500" b="0" i="0" u="none" strike="noStrike">
+                      <a:endParaRPr lang="en-IN" sz="2400" b="0" i="0" u="none" strike="noStrike">
                         <a:effectLst/>
                         <a:latin typeface="Arial" panose="020B0604020202020204" pitchFamily="34" charset="0"/>
                       </a:endParaRPr>
                     </a:p>
                   </a:txBody>
-                  <a:tcPr marL="13095" marR="13095" marT="13095" marB="0" anchor="b">
-                    <a:lnL w="6350" cap="flat" cmpd="sng" algn="ctr">
-                      <a:solidFill>
-                        <a:srgbClr val="000000"/>
-                      </a:solidFill>
-                      <a:prstDash val="solid"/>
-                      <a:round/>
-                      <a:headEnd type="none" w="med" len="med"/>
-                      <a:tailEnd type="none" w="med" len="med"/>
-                    </a:lnL>
-                    <a:lnR w="6350" cap="flat" cmpd="sng" algn="ctr">
-                      <a:solidFill>
-                        <a:srgbClr val="000000"/>
-                      </a:solidFill>
-                      <a:prstDash val="solid"/>
-                      <a:round/>
-                      <a:headEnd type="none" w="med" len="med"/>
-                      <a:tailEnd type="none" w="med" len="med"/>
-                    </a:lnR>
-                    <a:lnT w="6350" cap="flat" cmpd="sng" algn="ctr">
-                      <a:solidFill>
-                        <a:srgbClr val="000000"/>
-                      </a:solidFill>
-                      <a:prstDash val="solid"/>
-                      <a:round/>
-                      <a:headEnd type="none" w="med" len="med"/>
-                      <a:tailEnd type="none" w="med" len="med"/>
-                    </a:lnT>
-                    <a:lnB w="6350" cap="flat" cmpd="sng" algn="ctr">
-                      <a:solidFill>
-                        <a:srgbClr val="000000"/>
-                      </a:solidFill>
-                      <a:prstDash val="solid"/>
-                      <a:round/>
-                      <a:headEnd type="none" w="med" len="med"/>
-                      <a:tailEnd type="none" w="med" len="med"/>
-                    </a:lnB>
-                    <a:solidFill>
-                      <a:srgbClr val="C6E0B4"/>
-                    </a:solidFill>
-                  </a:tcPr>
+                  <a:tcPr marL="12661" marR="12661" marT="12661" marB="0" anchor="b"/>
                 </a:tc>
                 <a:tc>
                   <a:txBody>
@@ -3864,62 +10513,21 @@
                         </a:spcAft>
                       </a:pPr>
                       <a:r>
-                        <a:rPr lang="en-IN" sz="1500" b="0" i="0" u="none" strike="noStrike">
+                        <a:rPr lang="en-IN" sz="1400" b="0" u="none" strike="noStrike">
                           <a:solidFill>
                             <a:srgbClr val="000000"/>
                           </a:solidFill>
                           <a:effectLst/>
-                          <a:latin typeface="Calibri" panose="020F0502020204030204" pitchFamily="34" charset="0"/>
                         </a:rPr>
                         <a:t>Parameters</a:t>
                       </a:r>
-                      <a:endParaRPr lang="en-IN" sz="2500" b="0" i="0" u="none" strike="noStrike">
+                      <a:endParaRPr lang="en-IN" sz="2400" b="0" i="0" u="none" strike="noStrike">
                         <a:effectLst/>
                         <a:latin typeface="Arial" panose="020B0604020202020204" pitchFamily="34" charset="0"/>
                       </a:endParaRPr>
                     </a:p>
                   </a:txBody>
-                  <a:tcPr marL="13095" marR="13095" marT="13095" marB="0" anchor="b">
-                    <a:lnL w="6350" cap="flat" cmpd="sng" algn="ctr">
-                      <a:solidFill>
-                        <a:srgbClr val="000000"/>
-                      </a:solidFill>
-                      <a:prstDash val="solid"/>
-                      <a:round/>
-                      <a:headEnd type="none" w="med" len="med"/>
-                      <a:tailEnd type="none" w="med" len="med"/>
-                    </a:lnL>
-                    <a:lnR w="6350" cap="flat" cmpd="sng" algn="ctr">
-                      <a:solidFill>
-                        <a:srgbClr val="000000"/>
-                      </a:solidFill>
-                      <a:prstDash val="solid"/>
-                      <a:round/>
-                      <a:headEnd type="none" w="med" len="med"/>
-                      <a:tailEnd type="none" w="med" len="med"/>
-                    </a:lnR>
-                    <a:lnT w="6350" cap="flat" cmpd="sng" algn="ctr">
-                      <a:solidFill>
-                        <a:srgbClr val="000000"/>
-                      </a:solidFill>
-                      <a:prstDash val="solid"/>
-                      <a:round/>
-                      <a:headEnd type="none" w="med" len="med"/>
-                      <a:tailEnd type="none" w="med" len="med"/>
-                    </a:lnT>
-                    <a:lnB w="6350" cap="flat" cmpd="sng" algn="ctr">
-                      <a:solidFill>
-                        <a:srgbClr val="000000"/>
-                      </a:solidFill>
-                      <a:prstDash val="solid"/>
-                      <a:round/>
-                      <a:headEnd type="none" w="med" len="med"/>
-                      <a:tailEnd type="none" w="med" len="med"/>
-                    </a:lnB>
-                    <a:solidFill>
-                      <a:srgbClr val="C6E0B4"/>
-                    </a:solidFill>
-                  </a:tcPr>
+                  <a:tcPr marL="12661" marR="12661" marT="12661" marB="0" anchor="b"/>
                 </a:tc>
                 <a:tc>
                   <a:txBody>
@@ -3935,62 +10543,21 @@
                         </a:spcAft>
                       </a:pPr>
                       <a:r>
-                        <a:rPr lang="en-IN" sz="1500" b="0" i="0" u="none" strike="noStrike">
+                        <a:rPr lang="en-IN" sz="1400" b="0" u="none" strike="noStrike">
                           <a:solidFill>
                             <a:srgbClr val="000000"/>
                           </a:solidFill>
                           <a:effectLst/>
-                          <a:latin typeface="Calibri" panose="020F0502020204030204" pitchFamily="34" charset="0"/>
                         </a:rPr>
                         <a:t>Train data</a:t>
                       </a:r>
-                      <a:endParaRPr lang="en-IN" sz="2500" b="0" i="0" u="none" strike="noStrike">
+                      <a:endParaRPr lang="en-IN" sz="2400" b="0" i="0" u="none" strike="noStrike">
                         <a:effectLst/>
                         <a:latin typeface="Arial" panose="020B0604020202020204" pitchFamily="34" charset="0"/>
                       </a:endParaRPr>
                     </a:p>
                   </a:txBody>
-                  <a:tcPr marL="13095" marR="13095" marT="13095" marB="0" anchor="b">
-                    <a:lnL w="6350" cap="flat" cmpd="sng" algn="ctr">
-                      <a:solidFill>
-                        <a:srgbClr val="000000"/>
-                      </a:solidFill>
-                      <a:prstDash val="solid"/>
-                      <a:round/>
-                      <a:headEnd type="none" w="med" len="med"/>
-                      <a:tailEnd type="none" w="med" len="med"/>
-                    </a:lnL>
-                    <a:lnR w="6350" cap="flat" cmpd="sng" algn="ctr">
-                      <a:solidFill>
-                        <a:srgbClr val="000000"/>
-                      </a:solidFill>
-                      <a:prstDash val="solid"/>
-                      <a:round/>
-                      <a:headEnd type="none" w="med" len="med"/>
-                      <a:tailEnd type="none" w="med" len="med"/>
-                    </a:lnR>
-                    <a:lnT w="6350" cap="flat" cmpd="sng" algn="ctr">
-                      <a:solidFill>
-                        <a:srgbClr val="000000"/>
-                      </a:solidFill>
-                      <a:prstDash val="solid"/>
-                      <a:round/>
-                      <a:headEnd type="none" w="med" len="med"/>
-                      <a:tailEnd type="none" w="med" len="med"/>
-                    </a:lnT>
-                    <a:lnB w="6350" cap="flat" cmpd="sng" algn="ctr">
-                      <a:solidFill>
-                        <a:srgbClr val="000000"/>
-                      </a:solidFill>
-                      <a:prstDash val="solid"/>
-                      <a:round/>
-                      <a:headEnd type="none" w="med" len="med"/>
-                      <a:tailEnd type="none" w="med" len="med"/>
-                    </a:lnB>
-                    <a:solidFill>
-                      <a:srgbClr val="C6E0B4"/>
-                    </a:solidFill>
-                  </a:tcPr>
+                  <a:tcPr marL="12661" marR="12661" marT="12661" marB="0" anchor="b"/>
                 </a:tc>
                 <a:extLst>
                   <a:ext uri="{0D108BD9-81ED-4DB2-BD59-A6C34878D82A}">
@@ -3998,7 +10565,7 @@
                   </a:ext>
                 </a:extLst>
               </a:tr>
-              <a:tr h="293849">
+              <a:tr h="309968">
                 <a:tc>
                   <a:txBody>
                     <a:bodyPr/>
@@ -4013,59 +10580,21 @@
                         </a:spcAft>
                       </a:pPr>
                       <a:r>
-                        <a:rPr lang="en-IN" sz="1500" b="0" i="0" u="none" strike="noStrike">
+                        <a:rPr lang="en-IN" sz="1400" b="0" u="none" strike="noStrike">
                           <a:solidFill>
                             <a:srgbClr val="000000"/>
                           </a:solidFill>
                           <a:effectLst/>
-                          <a:latin typeface="Calibri" panose="020F0502020204030204" pitchFamily="34" charset="0"/>
                         </a:rPr>
                         <a:t>2018</a:t>
                       </a:r>
-                      <a:endParaRPr lang="en-IN" sz="2500" b="0" i="0" u="none" strike="noStrike">
+                      <a:endParaRPr lang="en-IN" sz="2400" b="0" i="0" u="none" strike="noStrike">
                         <a:effectLst/>
                         <a:latin typeface="Arial" panose="020B0604020202020204" pitchFamily="34" charset="0"/>
                       </a:endParaRPr>
                     </a:p>
                   </a:txBody>
-                  <a:tcPr marL="13095" marR="13095" marT="13095" marB="0" anchor="b">
-                    <a:lnL w="6350" cap="flat" cmpd="sng" algn="ctr">
-                      <a:solidFill>
-                        <a:srgbClr val="000000"/>
-                      </a:solidFill>
-                      <a:prstDash val="solid"/>
-                      <a:round/>
-                      <a:headEnd type="none" w="med" len="med"/>
-                      <a:tailEnd type="none" w="med" len="med"/>
-                    </a:lnL>
-                    <a:lnR w="6350" cap="flat" cmpd="sng" algn="ctr">
-                      <a:solidFill>
-                        <a:srgbClr val="000000"/>
-                      </a:solidFill>
-                      <a:prstDash val="solid"/>
-                      <a:round/>
-                      <a:headEnd type="none" w="med" len="med"/>
-                      <a:tailEnd type="none" w="med" len="med"/>
-                    </a:lnR>
-                    <a:lnT w="6350" cap="flat" cmpd="sng" algn="ctr">
-                      <a:solidFill>
-                        <a:srgbClr val="000000"/>
-                      </a:solidFill>
-                      <a:prstDash val="solid"/>
-                      <a:round/>
-                      <a:headEnd type="none" w="med" len="med"/>
-                      <a:tailEnd type="none" w="med" len="med"/>
-                    </a:lnT>
-                    <a:lnB w="6350" cap="flat" cmpd="sng" algn="ctr">
-                      <a:solidFill>
-                        <a:srgbClr val="000000"/>
-                      </a:solidFill>
-                      <a:prstDash val="solid"/>
-                      <a:round/>
-                      <a:headEnd type="none" w="med" len="med"/>
-                      <a:tailEnd type="none" w="med" len="med"/>
-                    </a:lnB>
-                  </a:tcPr>
+                  <a:tcPr marL="12661" marR="12661" marT="12661" marB="0" anchor="b"/>
                 </a:tc>
                 <a:tc>
                   <a:txBody>
@@ -4081,59 +10610,21 @@
                         </a:spcAft>
                       </a:pPr>
                       <a:r>
-                        <a:rPr lang="en-IN" sz="1500" b="0" i="0" u="none" strike="noStrike">
+                        <a:rPr lang="en-IN" sz="1400" b="0" u="none" strike="noStrike">
                           <a:solidFill>
                             <a:srgbClr val="000000"/>
                           </a:solidFill>
                           <a:effectLst/>
-                          <a:latin typeface="Calibri" panose="020F0502020204030204" pitchFamily="34" charset="0"/>
                         </a:rPr>
                         <a:t>GPT-1</a:t>
                       </a:r>
-                      <a:endParaRPr lang="en-IN" sz="2500" b="0" i="0" u="none" strike="noStrike">
+                      <a:endParaRPr lang="en-IN" sz="2400" b="0" i="0" u="none" strike="noStrike">
                         <a:effectLst/>
                         <a:latin typeface="Arial" panose="020B0604020202020204" pitchFamily="34" charset="0"/>
                       </a:endParaRPr>
                     </a:p>
                   </a:txBody>
-                  <a:tcPr marL="13095" marR="13095" marT="13095" marB="0" anchor="b">
-                    <a:lnL w="6350" cap="flat" cmpd="sng" algn="ctr">
-                      <a:solidFill>
-                        <a:srgbClr val="000000"/>
-                      </a:solidFill>
-                      <a:prstDash val="solid"/>
-                      <a:round/>
-                      <a:headEnd type="none" w="med" len="med"/>
-                      <a:tailEnd type="none" w="med" len="med"/>
-                    </a:lnL>
-                    <a:lnR w="6350" cap="flat" cmpd="sng" algn="ctr">
-                      <a:solidFill>
-                        <a:srgbClr val="000000"/>
-                      </a:solidFill>
-                      <a:prstDash val="solid"/>
-                      <a:round/>
-                      <a:headEnd type="none" w="med" len="med"/>
-                      <a:tailEnd type="none" w="med" len="med"/>
-                    </a:lnR>
-                    <a:lnT w="6350" cap="flat" cmpd="sng" algn="ctr">
-                      <a:solidFill>
-                        <a:srgbClr val="000000"/>
-                      </a:solidFill>
-                      <a:prstDash val="solid"/>
-                      <a:round/>
-                      <a:headEnd type="none" w="med" len="med"/>
-                      <a:tailEnd type="none" w="med" len="med"/>
-                    </a:lnT>
-                    <a:lnB w="6350" cap="flat" cmpd="sng" algn="ctr">
-                      <a:solidFill>
-                        <a:srgbClr val="000000"/>
-                      </a:solidFill>
-                      <a:prstDash val="solid"/>
-                      <a:round/>
-                      <a:headEnd type="none" w="med" len="med"/>
-                      <a:tailEnd type="none" w="med" len="med"/>
-                    </a:lnB>
-                  </a:tcPr>
+                  <a:tcPr marL="12661" marR="12661" marT="12661" marB="0" anchor="b"/>
                 </a:tc>
                 <a:tc>
                   <a:txBody>
@@ -4149,59 +10640,21 @@
                         </a:spcAft>
                       </a:pPr>
                       <a:r>
-                        <a:rPr lang="en-IN" sz="1500" b="0" i="0" u="none" strike="noStrike">
+                        <a:rPr lang="en-IN" sz="1400" b="0" u="none" strike="noStrike">
                           <a:solidFill>
                             <a:srgbClr val="000000"/>
                           </a:solidFill>
                           <a:effectLst/>
-                          <a:latin typeface="Calibri" panose="020F0502020204030204" pitchFamily="34" charset="0"/>
                         </a:rPr>
                         <a:t>117 million parameters </a:t>
                       </a:r>
-                      <a:endParaRPr lang="en-IN" sz="2500" b="0" i="0" u="none" strike="noStrike">
+                      <a:endParaRPr lang="en-IN" sz="2400" b="0" i="0" u="none" strike="noStrike">
                         <a:effectLst/>
                         <a:latin typeface="Arial" panose="020B0604020202020204" pitchFamily="34" charset="0"/>
                       </a:endParaRPr>
                     </a:p>
                   </a:txBody>
-                  <a:tcPr marL="13095" marR="13095" marT="13095" marB="0" anchor="b">
-                    <a:lnL w="6350" cap="flat" cmpd="sng" algn="ctr">
-                      <a:solidFill>
-                        <a:srgbClr val="000000"/>
-                      </a:solidFill>
-                      <a:prstDash val="solid"/>
-                      <a:round/>
-                      <a:headEnd type="none" w="med" len="med"/>
-                      <a:tailEnd type="none" w="med" len="med"/>
-                    </a:lnL>
-                    <a:lnR w="6350" cap="flat" cmpd="sng" algn="ctr">
-                      <a:solidFill>
-                        <a:srgbClr val="000000"/>
-                      </a:solidFill>
-                      <a:prstDash val="solid"/>
-                      <a:round/>
-                      <a:headEnd type="none" w="med" len="med"/>
-                      <a:tailEnd type="none" w="med" len="med"/>
-                    </a:lnR>
-                    <a:lnT w="6350" cap="flat" cmpd="sng" algn="ctr">
-                      <a:solidFill>
-                        <a:srgbClr val="000000"/>
-                      </a:solidFill>
-                      <a:prstDash val="solid"/>
-                      <a:round/>
-                      <a:headEnd type="none" w="med" len="med"/>
-                      <a:tailEnd type="none" w="med" len="med"/>
-                    </a:lnT>
-                    <a:lnB w="6350" cap="flat" cmpd="sng" algn="ctr">
-                      <a:solidFill>
-                        <a:srgbClr val="000000"/>
-                      </a:solidFill>
-                      <a:prstDash val="solid"/>
-                      <a:round/>
-                      <a:headEnd type="none" w="med" len="med"/>
-                      <a:tailEnd type="none" w="med" len="med"/>
-                    </a:lnB>
-                  </a:tcPr>
+                  <a:tcPr marL="12661" marR="12661" marT="12661" marB="0" anchor="b"/>
                 </a:tc>
                 <a:tc>
                   <a:txBody>
@@ -4217,59 +10670,21 @@
                         </a:spcAft>
                       </a:pPr>
                       <a:r>
-                        <a:rPr lang="en-US" sz="1500" b="0" i="0" u="none" strike="noStrike">
+                        <a:rPr lang="en-US" sz="1400" b="0" u="none" strike="noStrike">
                           <a:solidFill>
                             <a:srgbClr val="000000"/>
                           </a:solidFill>
                           <a:effectLst/>
-                          <a:latin typeface="Calibri" panose="020F0502020204030204" pitchFamily="34" charset="0"/>
                         </a:rPr>
                         <a:t>dataset of approximately 8 million web pages</a:t>
                       </a:r>
-                      <a:endParaRPr lang="en-US" sz="2500" b="0" i="0" u="none" strike="noStrike">
+                      <a:endParaRPr lang="en-US" sz="2400" b="0" i="0" u="none" strike="noStrike">
                         <a:effectLst/>
                         <a:latin typeface="Arial" panose="020B0604020202020204" pitchFamily="34" charset="0"/>
                       </a:endParaRPr>
                     </a:p>
                   </a:txBody>
-                  <a:tcPr marL="13095" marR="13095" marT="13095" marB="0" anchor="b">
-                    <a:lnL w="6350" cap="flat" cmpd="sng" algn="ctr">
-                      <a:solidFill>
-                        <a:srgbClr val="000000"/>
-                      </a:solidFill>
-                      <a:prstDash val="solid"/>
-                      <a:round/>
-                      <a:headEnd type="none" w="med" len="med"/>
-                      <a:tailEnd type="none" w="med" len="med"/>
-                    </a:lnL>
-                    <a:lnR w="6350" cap="flat" cmpd="sng" algn="ctr">
-                      <a:solidFill>
-                        <a:srgbClr val="000000"/>
-                      </a:solidFill>
-                      <a:prstDash val="solid"/>
-                      <a:round/>
-                      <a:headEnd type="none" w="med" len="med"/>
-                      <a:tailEnd type="none" w="med" len="med"/>
-                    </a:lnR>
-                    <a:lnT w="6350" cap="flat" cmpd="sng" algn="ctr">
-                      <a:solidFill>
-                        <a:srgbClr val="000000"/>
-                      </a:solidFill>
-                      <a:prstDash val="solid"/>
-                      <a:round/>
-                      <a:headEnd type="none" w="med" len="med"/>
-                      <a:tailEnd type="none" w="med" len="med"/>
-                    </a:lnT>
-                    <a:lnB w="6350" cap="flat" cmpd="sng" algn="ctr">
-                      <a:solidFill>
-                        <a:srgbClr val="000000"/>
-                      </a:solidFill>
-                      <a:prstDash val="solid"/>
-                      <a:round/>
-                      <a:headEnd type="none" w="med" len="med"/>
-                      <a:tailEnd type="none" w="med" len="med"/>
-                    </a:lnB>
-                  </a:tcPr>
+                  <a:tcPr marL="12661" marR="12661" marT="12661" marB="0" anchor="b"/>
                 </a:tc>
                 <a:extLst>
                   <a:ext uri="{0D108BD9-81ED-4DB2-BD59-A6C34878D82A}">
@@ -4277,7 +10692,7 @@
                   </a:ext>
                 </a:extLst>
               </a:tr>
-              <a:tr h="293849">
+              <a:tr h="309968">
                 <a:tc>
                   <a:txBody>
                     <a:bodyPr/>
@@ -4292,59 +10707,21 @@
                         </a:spcAft>
                       </a:pPr>
                       <a:r>
-                        <a:rPr lang="en-IN" sz="1500" b="0" i="0" u="none" strike="noStrike">
+                        <a:rPr lang="en-IN" sz="1400" b="0" u="none" strike="noStrike">
                           <a:solidFill>
                             <a:srgbClr val="000000"/>
                           </a:solidFill>
                           <a:effectLst/>
-                          <a:latin typeface="Calibri" panose="020F0502020204030204" pitchFamily="34" charset="0"/>
                         </a:rPr>
                         <a:t>2019</a:t>
                       </a:r>
-                      <a:endParaRPr lang="en-IN" sz="2500" b="0" i="0" u="none" strike="noStrike">
+                      <a:endParaRPr lang="en-IN" sz="2400" b="0" i="0" u="none" strike="noStrike">
                         <a:effectLst/>
                         <a:latin typeface="Arial" panose="020B0604020202020204" pitchFamily="34" charset="0"/>
                       </a:endParaRPr>
                     </a:p>
                   </a:txBody>
-                  <a:tcPr marL="13095" marR="13095" marT="13095" marB="0" anchor="b">
-                    <a:lnL w="6350" cap="flat" cmpd="sng" algn="ctr">
-                      <a:solidFill>
-                        <a:srgbClr val="000000"/>
-                      </a:solidFill>
-                      <a:prstDash val="solid"/>
-                      <a:round/>
-                      <a:headEnd type="none" w="med" len="med"/>
-                      <a:tailEnd type="none" w="med" len="med"/>
-                    </a:lnL>
-                    <a:lnR w="6350" cap="flat" cmpd="sng" algn="ctr">
-                      <a:solidFill>
-                        <a:srgbClr val="000000"/>
-                      </a:solidFill>
-                      <a:prstDash val="solid"/>
-                      <a:round/>
-                      <a:headEnd type="none" w="med" len="med"/>
-                      <a:tailEnd type="none" w="med" len="med"/>
-                    </a:lnR>
-                    <a:lnT w="6350" cap="flat" cmpd="sng" algn="ctr">
-                      <a:solidFill>
-                        <a:srgbClr val="000000"/>
-                      </a:solidFill>
-                      <a:prstDash val="solid"/>
-                      <a:round/>
-                      <a:headEnd type="none" w="med" len="med"/>
-                      <a:tailEnd type="none" w="med" len="med"/>
-                    </a:lnT>
-                    <a:lnB w="6350" cap="flat" cmpd="sng" algn="ctr">
-                      <a:solidFill>
-                        <a:srgbClr val="000000"/>
-                      </a:solidFill>
-                      <a:prstDash val="solid"/>
-                      <a:round/>
-                      <a:headEnd type="none" w="med" len="med"/>
-                      <a:tailEnd type="none" w="med" len="med"/>
-                    </a:lnB>
-                  </a:tcPr>
+                  <a:tcPr marL="12661" marR="12661" marT="12661" marB="0" anchor="b"/>
                 </a:tc>
                 <a:tc>
                   <a:txBody>
@@ -4360,59 +10737,21 @@
                         </a:spcAft>
                       </a:pPr>
                       <a:r>
-                        <a:rPr lang="en-IN" sz="1500" b="0" i="0" u="none" strike="noStrike">
+                        <a:rPr lang="en-IN" sz="1400" b="0" u="none" strike="noStrike">
                           <a:solidFill>
                             <a:srgbClr val="000000"/>
                           </a:solidFill>
                           <a:effectLst/>
-                          <a:latin typeface="Calibri" panose="020F0502020204030204" pitchFamily="34" charset="0"/>
                         </a:rPr>
                         <a:t>GPT-2</a:t>
                       </a:r>
-                      <a:endParaRPr lang="en-IN" sz="2500" b="0" i="0" u="none" strike="noStrike">
+                      <a:endParaRPr lang="en-IN" sz="2400" b="0" i="0" u="none" strike="noStrike">
                         <a:effectLst/>
                         <a:latin typeface="Arial" panose="020B0604020202020204" pitchFamily="34" charset="0"/>
                       </a:endParaRPr>
                     </a:p>
                   </a:txBody>
-                  <a:tcPr marL="13095" marR="13095" marT="13095" marB="0" anchor="b">
-                    <a:lnL w="6350" cap="flat" cmpd="sng" algn="ctr">
-                      <a:solidFill>
-                        <a:srgbClr val="000000"/>
-                      </a:solidFill>
-                      <a:prstDash val="solid"/>
-                      <a:round/>
-                      <a:headEnd type="none" w="med" len="med"/>
-                      <a:tailEnd type="none" w="med" len="med"/>
-                    </a:lnL>
-                    <a:lnR w="6350" cap="flat" cmpd="sng" algn="ctr">
-                      <a:solidFill>
-                        <a:srgbClr val="000000"/>
-                      </a:solidFill>
-                      <a:prstDash val="solid"/>
-                      <a:round/>
-                      <a:headEnd type="none" w="med" len="med"/>
-                      <a:tailEnd type="none" w="med" len="med"/>
-                    </a:lnR>
-                    <a:lnT w="6350" cap="flat" cmpd="sng" algn="ctr">
-                      <a:solidFill>
-                        <a:srgbClr val="000000"/>
-                      </a:solidFill>
-                      <a:prstDash val="solid"/>
-                      <a:round/>
-                      <a:headEnd type="none" w="med" len="med"/>
-                      <a:tailEnd type="none" w="med" len="med"/>
-                    </a:lnT>
-                    <a:lnB w="6350" cap="flat" cmpd="sng" algn="ctr">
-                      <a:solidFill>
-                        <a:srgbClr val="000000"/>
-                      </a:solidFill>
-                      <a:prstDash val="solid"/>
-                      <a:round/>
-                      <a:headEnd type="none" w="med" len="med"/>
-                      <a:tailEnd type="none" w="med" len="med"/>
-                    </a:lnB>
-                  </a:tcPr>
+                  <a:tcPr marL="12661" marR="12661" marT="12661" marB="0" anchor="b"/>
                 </a:tc>
                 <a:tc>
                   <a:txBody>
@@ -4428,59 +10767,21 @@
                         </a:spcAft>
                       </a:pPr>
                       <a:r>
-                        <a:rPr lang="en-IN" sz="1500" b="0" i="0" u="none" strike="noStrike">
+                        <a:rPr lang="en-IN" sz="1400" b="0" u="none" strike="noStrike">
                           <a:solidFill>
                             <a:srgbClr val="000000"/>
                           </a:solidFill>
                           <a:effectLst/>
-                          <a:latin typeface="Calibri" panose="020F0502020204030204" pitchFamily="34" charset="0"/>
                         </a:rPr>
                         <a:t>1.5 billion parameters</a:t>
                       </a:r>
-                      <a:endParaRPr lang="en-IN" sz="2500" b="0" i="0" u="none" strike="noStrike">
+                      <a:endParaRPr lang="en-IN" sz="2400" b="0" i="0" u="none" strike="noStrike">
                         <a:effectLst/>
                         <a:latin typeface="Arial" panose="020B0604020202020204" pitchFamily="34" charset="0"/>
                       </a:endParaRPr>
                     </a:p>
                   </a:txBody>
-                  <a:tcPr marL="13095" marR="13095" marT="13095" marB="0" anchor="b">
-                    <a:lnL w="6350" cap="flat" cmpd="sng" algn="ctr">
-                      <a:solidFill>
-                        <a:srgbClr val="000000"/>
-                      </a:solidFill>
-                      <a:prstDash val="solid"/>
-                      <a:round/>
-                      <a:headEnd type="none" w="med" len="med"/>
-                      <a:tailEnd type="none" w="med" len="med"/>
-                    </a:lnL>
-                    <a:lnR w="6350" cap="flat" cmpd="sng" algn="ctr">
-                      <a:solidFill>
-                        <a:srgbClr val="000000"/>
-                      </a:solidFill>
-                      <a:prstDash val="solid"/>
-                      <a:round/>
-                      <a:headEnd type="none" w="med" len="med"/>
-                      <a:tailEnd type="none" w="med" len="med"/>
-                    </a:lnR>
-                    <a:lnT w="6350" cap="flat" cmpd="sng" algn="ctr">
-                      <a:solidFill>
-                        <a:srgbClr val="000000"/>
-                      </a:solidFill>
-                      <a:prstDash val="solid"/>
-                      <a:round/>
-                      <a:headEnd type="none" w="med" len="med"/>
-                      <a:tailEnd type="none" w="med" len="med"/>
-                    </a:lnT>
-                    <a:lnB w="6350" cap="flat" cmpd="sng" algn="ctr">
-                      <a:solidFill>
-                        <a:srgbClr val="000000"/>
-                      </a:solidFill>
-                      <a:prstDash val="solid"/>
-                      <a:round/>
-                      <a:headEnd type="none" w="med" len="med"/>
-                      <a:tailEnd type="none" w="med" len="med"/>
-                    </a:lnB>
-                  </a:tcPr>
+                  <a:tcPr marL="12661" marR="12661" marT="12661" marB="0" anchor="b"/>
                 </a:tc>
                 <a:tc>
                   <a:txBody>
@@ -4496,59 +10797,21 @@
                         </a:spcAft>
                       </a:pPr>
                       <a:r>
-                        <a:rPr lang="en-US" sz="1500" b="0" i="0" u="none" strike="noStrike">
+                        <a:rPr lang="en-US" sz="1400" b="0" u="none" strike="noStrike">
                           <a:solidFill>
                             <a:srgbClr val="000000"/>
                           </a:solidFill>
                           <a:effectLst/>
-                          <a:latin typeface="Calibri" panose="020F0502020204030204" pitchFamily="34" charset="0"/>
                         </a:rPr>
                         <a:t>approximately 40 GB of text</a:t>
                       </a:r>
-                      <a:endParaRPr lang="en-US" sz="2500" b="0" i="0" u="none" strike="noStrike">
+                      <a:endParaRPr lang="en-US" sz="2400" b="0" i="0" u="none" strike="noStrike">
                         <a:effectLst/>
                         <a:latin typeface="Arial" panose="020B0604020202020204" pitchFamily="34" charset="0"/>
                       </a:endParaRPr>
                     </a:p>
                   </a:txBody>
-                  <a:tcPr marL="13095" marR="13095" marT="13095" marB="0" anchor="b">
-                    <a:lnL w="6350" cap="flat" cmpd="sng" algn="ctr">
-                      <a:solidFill>
-                        <a:srgbClr val="000000"/>
-                      </a:solidFill>
-                      <a:prstDash val="solid"/>
-                      <a:round/>
-                      <a:headEnd type="none" w="med" len="med"/>
-                      <a:tailEnd type="none" w="med" len="med"/>
-                    </a:lnL>
-                    <a:lnR w="6350" cap="flat" cmpd="sng" algn="ctr">
-                      <a:solidFill>
-                        <a:srgbClr val="000000"/>
-                      </a:solidFill>
-                      <a:prstDash val="solid"/>
-                      <a:round/>
-                      <a:headEnd type="none" w="med" len="med"/>
-                      <a:tailEnd type="none" w="med" len="med"/>
-                    </a:lnR>
-                    <a:lnT w="6350" cap="flat" cmpd="sng" algn="ctr">
-                      <a:solidFill>
-                        <a:srgbClr val="000000"/>
-                      </a:solidFill>
-                      <a:prstDash val="solid"/>
-                      <a:round/>
-                      <a:headEnd type="none" w="med" len="med"/>
-                      <a:tailEnd type="none" w="med" len="med"/>
-                    </a:lnT>
-                    <a:lnB w="6350" cap="flat" cmpd="sng" algn="ctr">
-                      <a:solidFill>
-                        <a:srgbClr val="000000"/>
-                      </a:solidFill>
-                      <a:prstDash val="solid"/>
-                      <a:round/>
-                      <a:headEnd type="none" w="med" len="med"/>
-                      <a:tailEnd type="none" w="med" len="med"/>
-                    </a:lnB>
-                  </a:tcPr>
+                  <a:tcPr marL="12661" marR="12661" marT="12661" marB="0" anchor="b"/>
                 </a:tc>
                 <a:extLst>
                   <a:ext uri="{0D108BD9-81ED-4DB2-BD59-A6C34878D82A}">
@@ -4556,7 +10819,7 @@
                   </a:ext>
                 </a:extLst>
               </a:tr>
-              <a:tr h="293849">
+              <a:tr h="309968">
                 <a:tc>
                   <a:txBody>
                     <a:bodyPr/>
@@ -4571,59 +10834,21 @@
                         </a:spcAft>
                       </a:pPr>
                       <a:r>
-                        <a:rPr lang="en-IN" sz="1500" b="0" i="0" u="none" strike="noStrike">
+                        <a:rPr lang="en-IN" sz="1400" b="0" u="none" strike="noStrike">
                           <a:solidFill>
                             <a:srgbClr val="000000"/>
                           </a:solidFill>
                           <a:effectLst/>
-                          <a:latin typeface="Calibri" panose="020F0502020204030204" pitchFamily="34" charset="0"/>
                         </a:rPr>
                         <a:t>2020</a:t>
                       </a:r>
-                      <a:endParaRPr lang="en-IN" sz="2500" b="0" i="0" u="none" strike="noStrike">
+                      <a:endParaRPr lang="en-IN" sz="2400" b="0" i="0" u="none" strike="noStrike">
                         <a:effectLst/>
                         <a:latin typeface="Arial" panose="020B0604020202020204" pitchFamily="34" charset="0"/>
                       </a:endParaRPr>
                     </a:p>
                   </a:txBody>
-                  <a:tcPr marL="13095" marR="13095" marT="13095" marB="0" anchor="b">
-                    <a:lnL w="6350" cap="flat" cmpd="sng" algn="ctr">
-                      <a:solidFill>
-                        <a:srgbClr val="000000"/>
-                      </a:solidFill>
-                      <a:prstDash val="solid"/>
-                      <a:round/>
-                      <a:headEnd type="none" w="med" len="med"/>
-                      <a:tailEnd type="none" w="med" len="med"/>
-                    </a:lnL>
-                    <a:lnR w="6350" cap="flat" cmpd="sng" algn="ctr">
-                      <a:solidFill>
-                        <a:srgbClr val="000000"/>
-                      </a:solidFill>
-                      <a:prstDash val="solid"/>
-                      <a:round/>
-                      <a:headEnd type="none" w="med" len="med"/>
-                      <a:tailEnd type="none" w="med" len="med"/>
-                    </a:lnR>
-                    <a:lnT w="6350" cap="flat" cmpd="sng" algn="ctr">
-                      <a:solidFill>
-                        <a:srgbClr val="000000"/>
-                      </a:solidFill>
-                      <a:prstDash val="solid"/>
-                      <a:round/>
-                      <a:headEnd type="none" w="med" len="med"/>
-                      <a:tailEnd type="none" w="med" len="med"/>
-                    </a:lnT>
-                    <a:lnB w="6350" cap="flat" cmpd="sng" algn="ctr">
-                      <a:solidFill>
-                        <a:srgbClr val="000000"/>
-                      </a:solidFill>
-                      <a:prstDash val="solid"/>
-                      <a:round/>
-                      <a:headEnd type="none" w="med" len="med"/>
-                      <a:tailEnd type="none" w="med" len="med"/>
-                    </a:lnB>
-                  </a:tcPr>
+                  <a:tcPr marL="12661" marR="12661" marT="12661" marB="0" anchor="b"/>
                 </a:tc>
                 <a:tc>
                   <a:txBody>
@@ -4639,59 +10864,21 @@
                         </a:spcAft>
                       </a:pPr>
                       <a:r>
-                        <a:rPr lang="en-IN" sz="1500" b="0" i="0" u="none" strike="noStrike">
+                        <a:rPr lang="en-IN" sz="1400" b="0" u="none" strike="noStrike">
                           <a:solidFill>
                             <a:srgbClr val="000000"/>
                           </a:solidFill>
                           <a:effectLst/>
-                          <a:latin typeface="Calibri" panose="020F0502020204030204" pitchFamily="34" charset="0"/>
                         </a:rPr>
                         <a:t>GPT-3</a:t>
                       </a:r>
-                      <a:endParaRPr lang="en-IN" sz="2500" b="0" i="0" u="none" strike="noStrike">
+                      <a:endParaRPr lang="en-IN" sz="2400" b="0" i="0" u="none" strike="noStrike">
                         <a:effectLst/>
                         <a:latin typeface="Arial" panose="020B0604020202020204" pitchFamily="34" charset="0"/>
                       </a:endParaRPr>
                     </a:p>
                   </a:txBody>
-                  <a:tcPr marL="13095" marR="13095" marT="13095" marB="0" anchor="b">
-                    <a:lnL w="6350" cap="flat" cmpd="sng" algn="ctr">
-                      <a:solidFill>
-                        <a:srgbClr val="000000"/>
-                      </a:solidFill>
-                      <a:prstDash val="solid"/>
-                      <a:round/>
-                      <a:headEnd type="none" w="med" len="med"/>
-                      <a:tailEnd type="none" w="med" len="med"/>
-                    </a:lnL>
-                    <a:lnR w="6350" cap="flat" cmpd="sng" algn="ctr">
-                      <a:solidFill>
-                        <a:srgbClr val="000000"/>
-                      </a:solidFill>
-                      <a:prstDash val="solid"/>
-                      <a:round/>
-                      <a:headEnd type="none" w="med" len="med"/>
-                      <a:tailEnd type="none" w="med" len="med"/>
-                    </a:lnR>
-                    <a:lnT w="6350" cap="flat" cmpd="sng" algn="ctr">
-                      <a:solidFill>
-                        <a:srgbClr val="000000"/>
-                      </a:solidFill>
-                      <a:prstDash val="solid"/>
-                      <a:round/>
-                      <a:headEnd type="none" w="med" len="med"/>
-                      <a:tailEnd type="none" w="med" len="med"/>
-                    </a:lnT>
-                    <a:lnB w="6350" cap="flat" cmpd="sng" algn="ctr">
-                      <a:solidFill>
-                        <a:srgbClr val="000000"/>
-                      </a:solidFill>
-                      <a:prstDash val="solid"/>
-                      <a:round/>
-                      <a:headEnd type="none" w="med" len="med"/>
-                      <a:tailEnd type="none" w="med" len="med"/>
-                    </a:lnB>
-                  </a:tcPr>
+                  <a:tcPr marL="12661" marR="12661" marT="12661" marB="0" anchor="b"/>
                 </a:tc>
                 <a:tc>
                   <a:txBody>
@@ -4707,59 +10894,21 @@
                         </a:spcAft>
                       </a:pPr>
                       <a:r>
-                        <a:rPr lang="en-IN" sz="1500" b="0" i="0" u="none" strike="noStrike">
+                        <a:rPr lang="en-IN" sz="1400" b="0" u="none" strike="noStrike">
                           <a:solidFill>
                             <a:srgbClr val="000000"/>
                           </a:solidFill>
                           <a:effectLst/>
-                          <a:latin typeface="Calibri" panose="020F0502020204030204" pitchFamily="34" charset="0"/>
                         </a:rPr>
                         <a:t>175 billion parameters</a:t>
                       </a:r>
-                      <a:endParaRPr lang="en-IN" sz="2500" b="0" i="0" u="none" strike="noStrike">
+                      <a:endParaRPr lang="en-IN" sz="2400" b="0" i="0" u="none" strike="noStrike">
                         <a:effectLst/>
                         <a:latin typeface="Arial" panose="020B0604020202020204" pitchFamily="34" charset="0"/>
                       </a:endParaRPr>
                     </a:p>
                   </a:txBody>
-                  <a:tcPr marL="13095" marR="13095" marT="13095" marB="0" anchor="b">
-                    <a:lnL w="6350" cap="flat" cmpd="sng" algn="ctr">
-                      <a:solidFill>
-                        <a:srgbClr val="000000"/>
-                      </a:solidFill>
-                      <a:prstDash val="solid"/>
-                      <a:round/>
-                      <a:headEnd type="none" w="med" len="med"/>
-                      <a:tailEnd type="none" w="med" len="med"/>
-                    </a:lnL>
-                    <a:lnR w="6350" cap="flat" cmpd="sng" algn="ctr">
-                      <a:solidFill>
-                        <a:srgbClr val="000000"/>
-                      </a:solidFill>
-                      <a:prstDash val="solid"/>
-                      <a:round/>
-                      <a:headEnd type="none" w="med" len="med"/>
-                      <a:tailEnd type="none" w="med" len="med"/>
-                    </a:lnR>
-                    <a:lnT w="6350" cap="flat" cmpd="sng" algn="ctr">
-                      <a:solidFill>
-                        <a:srgbClr val="000000"/>
-                      </a:solidFill>
-                      <a:prstDash val="solid"/>
-                      <a:round/>
-                      <a:headEnd type="none" w="med" len="med"/>
-                      <a:tailEnd type="none" w="med" len="med"/>
-                    </a:lnT>
-                    <a:lnB w="6350" cap="flat" cmpd="sng" algn="ctr">
-                      <a:solidFill>
-                        <a:srgbClr val="000000"/>
-                      </a:solidFill>
-                      <a:prstDash val="solid"/>
-                      <a:round/>
-                      <a:headEnd type="none" w="med" len="med"/>
-                      <a:tailEnd type="none" w="med" len="med"/>
-                    </a:lnB>
-                  </a:tcPr>
+                  <a:tcPr marL="12661" marR="12661" marT="12661" marB="0" anchor="b"/>
                 </a:tc>
                 <a:tc>
                   <a:txBody>
@@ -4775,59 +10924,21 @@
                         </a:spcAft>
                       </a:pPr>
                       <a:r>
-                        <a:rPr lang="en-US" sz="1500" b="0" i="0" u="none" strike="noStrike">
+                        <a:rPr lang="en-US" sz="1400" b="0" u="none" strike="noStrike">
                           <a:solidFill>
                             <a:srgbClr val="000000"/>
                           </a:solidFill>
                           <a:effectLst/>
-                          <a:latin typeface="Calibri" panose="020F0502020204030204" pitchFamily="34" charset="0"/>
                         </a:rPr>
                         <a:t>approximately 570 GB of text </a:t>
                       </a:r>
-                      <a:endParaRPr lang="en-US" sz="2500" b="0" i="0" u="none" strike="noStrike">
+                      <a:endParaRPr lang="en-US" sz="2400" b="0" i="0" u="none" strike="noStrike">
                         <a:effectLst/>
                         <a:latin typeface="Arial" panose="020B0604020202020204" pitchFamily="34" charset="0"/>
                       </a:endParaRPr>
                     </a:p>
                   </a:txBody>
-                  <a:tcPr marL="13095" marR="13095" marT="13095" marB="0" anchor="b">
-                    <a:lnL w="6350" cap="flat" cmpd="sng" algn="ctr">
-                      <a:solidFill>
-                        <a:srgbClr val="000000"/>
-                      </a:solidFill>
-                      <a:prstDash val="solid"/>
-                      <a:round/>
-                      <a:headEnd type="none" w="med" len="med"/>
-                      <a:tailEnd type="none" w="med" len="med"/>
-                    </a:lnL>
-                    <a:lnR w="6350" cap="flat" cmpd="sng" algn="ctr">
-                      <a:solidFill>
-                        <a:srgbClr val="000000"/>
-                      </a:solidFill>
-                      <a:prstDash val="solid"/>
-                      <a:round/>
-                      <a:headEnd type="none" w="med" len="med"/>
-                      <a:tailEnd type="none" w="med" len="med"/>
-                    </a:lnR>
-                    <a:lnT w="6350" cap="flat" cmpd="sng" algn="ctr">
-                      <a:solidFill>
-                        <a:srgbClr val="000000"/>
-                      </a:solidFill>
-                      <a:prstDash val="solid"/>
-                      <a:round/>
-                      <a:headEnd type="none" w="med" len="med"/>
-                      <a:tailEnd type="none" w="med" len="med"/>
-                    </a:lnT>
-                    <a:lnB w="6350" cap="flat" cmpd="sng" algn="ctr">
-                      <a:solidFill>
-                        <a:srgbClr val="000000"/>
-                      </a:solidFill>
-                      <a:prstDash val="solid"/>
-                      <a:round/>
-                      <a:headEnd type="none" w="med" len="med"/>
-                      <a:tailEnd type="none" w="med" len="med"/>
-                    </a:lnB>
-                  </a:tcPr>
+                  <a:tcPr marL="12661" marR="12661" marT="12661" marB="0" anchor="b"/>
                 </a:tc>
                 <a:extLst>
                   <a:ext uri="{0D108BD9-81ED-4DB2-BD59-A6C34878D82A}">
@@ -4835,7 +10946,7 @@
                   </a:ext>
                 </a:extLst>
               </a:tr>
-              <a:tr h="524319">
+              <a:tr h="833376">
                 <a:tc>
                   <a:txBody>
                     <a:bodyPr/>
@@ -4850,59 +10961,21 @@
                         </a:spcAft>
                       </a:pPr>
                       <a:r>
-                        <a:rPr lang="en-IN" sz="1500" b="0" i="0" u="none" strike="noStrike">
+                        <a:rPr lang="en-IN" sz="1400" b="0" u="none" strike="noStrike">
                           <a:solidFill>
                             <a:srgbClr val="000000"/>
                           </a:solidFill>
                           <a:effectLst/>
-                          <a:latin typeface="Calibri" panose="020F0502020204030204" pitchFamily="34" charset="0"/>
                         </a:rPr>
                         <a:t>2021</a:t>
                       </a:r>
-                      <a:endParaRPr lang="en-IN" sz="2500" b="0" i="0" u="none" strike="noStrike">
+                      <a:endParaRPr lang="en-IN" sz="2400" b="0" i="0" u="none" strike="noStrike">
                         <a:effectLst/>
                         <a:latin typeface="Arial" panose="020B0604020202020204" pitchFamily="34" charset="0"/>
                       </a:endParaRPr>
                     </a:p>
                   </a:txBody>
-                  <a:tcPr marL="13095" marR="13095" marT="13095" marB="0" anchor="b">
-                    <a:lnL w="6350" cap="flat" cmpd="sng" algn="ctr">
-                      <a:solidFill>
-                        <a:srgbClr val="000000"/>
-                      </a:solidFill>
-                      <a:prstDash val="solid"/>
-                      <a:round/>
-                      <a:headEnd type="none" w="med" len="med"/>
-                      <a:tailEnd type="none" w="med" len="med"/>
-                    </a:lnL>
-                    <a:lnR w="6350" cap="flat" cmpd="sng" algn="ctr">
-                      <a:solidFill>
-                        <a:srgbClr val="000000"/>
-                      </a:solidFill>
-                      <a:prstDash val="solid"/>
-                      <a:round/>
-                      <a:headEnd type="none" w="med" len="med"/>
-                      <a:tailEnd type="none" w="med" len="med"/>
-                    </a:lnR>
-                    <a:lnT w="6350" cap="flat" cmpd="sng" algn="ctr">
-                      <a:solidFill>
-                        <a:srgbClr val="000000"/>
-                      </a:solidFill>
-                      <a:prstDash val="solid"/>
-                      <a:round/>
-                      <a:headEnd type="none" w="med" len="med"/>
-                      <a:tailEnd type="none" w="med" len="med"/>
-                    </a:lnT>
-                    <a:lnB w="6350" cap="flat" cmpd="sng" algn="ctr">
-                      <a:solidFill>
-                        <a:srgbClr val="000000"/>
-                      </a:solidFill>
-                      <a:prstDash val="solid"/>
-                      <a:round/>
-                      <a:headEnd type="none" w="med" len="med"/>
-                      <a:tailEnd type="none" w="med" len="med"/>
-                    </a:lnB>
-                  </a:tcPr>
+                  <a:tcPr marL="12661" marR="12661" marT="12661" marB="0" anchor="b"/>
                 </a:tc>
                 <a:tc>
                   <a:txBody>
@@ -4918,59 +10991,21 @@
                         </a:spcAft>
                       </a:pPr>
                       <a:r>
-                        <a:rPr lang="en-IN" sz="1500" b="0" i="0" u="none" strike="noStrike">
+                        <a:rPr lang="en-IN" sz="1400" b="0" u="none" strike="noStrike">
                           <a:solidFill>
                             <a:srgbClr val="000000"/>
                           </a:solidFill>
                           <a:effectLst/>
-                          <a:latin typeface="Calibri" panose="020F0502020204030204" pitchFamily="34" charset="0"/>
                         </a:rPr>
                         <a:t>OpenAI’s Codex </a:t>
                       </a:r>
-                      <a:endParaRPr lang="en-IN" sz="2500" b="0" i="0" u="none" strike="noStrike">
+                      <a:endParaRPr lang="en-IN" sz="2400" b="0" i="0" u="none" strike="noStrike">
                         <a:effectLst/>
                         <a:latin typeface="Arial" panose="020B0604020202020204" pitchFamily="34" charset="0"/>
                       </a:endParaRPr>
                     </a:p>
                   </a:txBody>
-                  <a:tcPr marL="13095" marR="13095" marT="13095" marB="0" anchor="b">
-                    <a:lnL w="6350" cap="flat" cmpd="sng" algn="ctr">
-                      <a:solidFill>
-                        <a:srgbClr val="000000"/>
-                      </a:solidFill>
-                      <a:prstDash val="solid"/>
-                      <a:round/>
-                      <a:headEnd type="none" w="med" len="med"/>
-                      <a:tailEnd type="none" w="med" len="med"/>
-                    </a:lnL>
-                    <a:lnR w="6350" cap="flat" cmpd="sng" algn="ctr">
-                      <a:solidFill>
-                        <a:srgbClr val="000000"/>
-                      </a:solidFill>
-                      <a:prstDash val="solid"/>
-                      <a:round/>
-                      <a:headEnd type="none" w="med" len="med"/>
-                      <a:tailEnd type="none" w="med" len="med"/>
-                    </a:lnR>
-                    <a:lnT w="6350" cap="flat" cmpd="sng" algn="ctr">
-                      <a:solidFill>
-                        <a:srgbClr val="000000"/>
-                      </a:solidFill>
-                      <a:prstDash val="solid"/>
-                      <a:round/>
-                      <a:headEnd type="none" w="med" len="med"/>
-                      <a:tailEnd type="none" w="med" len="med"/>
-                    </a:lnT>
-                    <a:lnB w="6350" cap="flat" cmpd="sng" algn="ctr">
-                      <a:solidFill>
-                        <a:srgbClr val="000000"/>
-                      </a:solidFill>
-                      <a:prstDash val="solid"/>
-                      <a:round/>
-                      <a:headEnd type="none" w="med" len="med"/>
-                      <a:tailEnd type="none" w="med" len="med"/>
-                    </a:lnB>
-                  </a:tcPr>
+                  <a:tcPr marL="12661" marR="12661" marT="12661" marB="0" anchor="b"/>
                 </a:tc>
                 <a:tc>
                   <a:txBody>
@@ -4986,59 +11021,21 @@
                         </a:spcAft>
                       </a:pPr>
                       <a:r>
-                        <a:rPr lang="en-IN" sz="1500" b="0" i="0" u="none" strike="noStrike">
+                        <a:rPr lang="en-IN" sz="1400" b="0" u="none" strike="noStrike">
                           <a:solidFill>
                             <a:srgbClr val="000000"/>
                           </a:solidFill>
                           <a:effectLst/>
-                          <a:latin typeface="Calibri" panose="020F0502020204030204" pitchFamily="34" charset="0"/>
                         </a:rPr>
                         <a:t>6 billion parameters </a:t>
                       </a:r>
-                      <a:endParaRPr lang="en-IN" sz="2500" b="0" i="0" u="none" strike="noStrike">
+                      <a:endParaRPr lang="en-IN" sz="2400" b="0" i="0" u="none" strike="noStrike">
                         <a:effectLst/>
                         <a:latin typeface="Arial" panose="020B0604020202020204" pitchFamily="34" charset="0"/>
                       </a:endParaRPr>
                     </a:p>
                   </a:txBody>
-                  <a:tcPr marL="13095" marR="13095" marT="13095" marB="0" anchor="b">
-                    <a:lnL w="6350" cap="flat" cmpd="sng" algn="ctr">
-                      <a:solidFill>
-                        <a:srgbClr val="000000"/>
-                      </a:solidFill>
-                      <a:prstDash val="solid"/>
-                      <a:round/>
-                      <a:headEnd type="none" w="med" len="med"/>
-                      <a:tailEnd type="none" w="med" len="med"/>
-                    </a:lnL>
-                    <a:lnR w="6350" cap="flat" cmpd="sng" algn="ctr">
-                      <a:solidFill>
-                        <a:srgbClr val="000000"/>
-                      </a:solidFill>
-                      <a:prstDash val="solid"/>
-                      <a:round/>
-                      <a:headEnd type="none" w="med" len="med"/>
-                      <a:tailEnd type="none" w="med" len="med"/>
-                    </a:lnR>
-                    <a:lnT w="6350" cap="flat" cmpd="sng" algn="ctr">
-                      <a:solidFill>
-                        <a:srgbClr val="000000"/>
-                      </a:solidFill>
-                      <a:prstDash val="solid"/>
-                      <a:round/>
-                      <a:headEnd type="none" w="med" len="med"/>
-                      <a:tailEnd type="none" w="med" len="med"/>
-                    </a:lnT>
-                    <a:lnB w="6350" cap="flat" cmpd="sng" algn="ctr">
-                      <a:solidFill>
-                        <a:srgbClr val="000000"/>
-                      </a:solidFill>
-                      <a:prstDash val="solid"/>
-                      <a:round/>
-                      <a:headEnd type="none" w="med" len="med"/>
-                      <a:tailEnd type="none" w="med" len="med"/>
-                    </a:lnB>
-                  </a:tcPr>
+                  <a:tcPr marL="12661" marR="12661" marT="12661" marB="0" anchor="b"/>
                 </a:tc>
                 <a:tc>
                   <a:txBody>
@@ -5054,59 +11051,21 @@
                         </a:spcAft>
                       </a:pPr>
                       <a:r>
-                        <a:rPr lang="en-US" sz="1500" b="0" i="0" u="none" strike="noStrike">
+                        <a:rPr lang="en-US" sz="1400" b="0" u="none" strike="noStrike">
                           <a:solidFill>
                             <a:srgbClr val="000000"/>
                           </a:solidFill>
                           <a:effectLst/>
-                          <a:latin typeface="Calibri" panose="020F0502020204030204" pitchFamily="34" charset="0"/>
                         </a:rPr>
                         <a:t>trained on code 800 million lines of code powers GitHub Copilot, an AI-powered code completion tool</a:t>
                       </a:r>
-                      <a:endParaRPr lang="en-US" sz="2500" b="0" i="0" u="none" strike="noStrike">
+                      <a:endParaRPr lang="en-US" sz="2400" b="0" i="0" u="none" strike="noStrike">
                         <a:effectLst/>
                         <a:latin typeface="Arial" panose="020B0604020202020204" pitchFamily="34" charset="0"/>
                       </a:endParaRPr>
                     </a:p>
                   </a:txBody>
-                  <a:tcPr marL="13095" marR="13095" marT="13095" marB="0" anchor="b">
-                    <a:lnL w="6350" cap="flat" cmpd="sng" algn="ctr">
-                      <a:solidFill>
-                        <a:srgbClr val="000000"/>
-                      </a:solidFill>
-                      <a:prstDash val="solid"/>
-                      <a:round/>
-                      <a:headEnd type="none" w="med" len="med"/>
-                      <a:tailEnd type="none" w="med" len="med"/>
-                    </a:lnL>
-                    <a:lnR w="6350" cap="flat" cmpd="sng" algn="ctr">
-                      <a:solidFill>
-                        <a:srgbClr val="000000"/>
-                      </a:solidFill>
-                      <a:prstDash val="solid"/>
-                      <a:round/>
-                      <a:headEnd type="none" w="med" len="med"/>
-                      <a:tailEnd type="none" w="med" len="med"/>
-                    </a:lnR>
-                    <a:lnT w="6350" cap="flat" cmpd="sng" algn="ctr">
-                      <a:solidFill>
-                        <a:srgbClr val="000000"/>
-                      </a:solidFill>
-                      <a:prstDash val="solid"/>
-                      <a:round/>
-                      <a:headEnd type="none" w="med" len="med"/>
-                      <a:tailEnd type="none" w="med" len="med"/>
-                    </a:lnT>
-                    <a:lnB w="6350" cap="flat" cmpd="sng" algn="ctr">
-                      <a:solidFill>
-                        <a:srgbClr val="000000"/>
-                      </a:solidFill>
-                      <a:prstDash val="solid"/>
-                      <a:round/>
-                      <a:headEnd type="none" w="med" len="med"/>
-                      <a:tailEnd type="none" w="med" len="med"/>
-                    </a:lnB>
-                  </a:tcPr>
+                  <a:tcPr marL="12661" marR="12661" marT="12661" marB="0" anchor="b"/>
                 </a:tc>
                 <a:extLst>
                   <a:ext uri="{0D108BD9-81ED-4DB2-BD59-A6C34878D82A}">
@@ -5114,7 +11073,7 @@
                   </a:ext>
                 </a:extLst>
               </a:tr>
-              <a:tr h="406465">
+              <a:tr h="440725">
                 <a:tc>
                   <a:txBody>
                     <a:bodyPr/>
@@ -5129,59 +11088,21 @@
                         </a:spcAft>
                       </a:pPr>
                       <a:r>
-                        <a:rPr lang="en-IN" sz="1500" b="0" i="0" u="none" strike="noStrike">
+                        <a:rPr lang="en-IN" sz="1400" b="0" u="none" strike="noStrike">
                           <a:solidFill>
                             <a:srgbClr val="000000"/>
                           </a:solidFill>
                           <a:effectLst/>
-                          <a:latin typeface="Calibri" panose="020F0502020204030204" pitchFamily="34" charset="0"/>
                         </a:rPr>
                         <a:t>2022</a:t>
                       </a:r>
-                      <a:endParaRPr lang="en-IN" sz="2500" b="0" i="0" u="none" strike="noStrike">
+                      <a:endParaRPr lang="en-IN" sz="2400" b="0" i="0" u="none" strike="noStrike">
                         <a:effectLst/>
                         <a:latin typeface="Arial" panose="020B0604020202020204" pitchFamily="34" charset="0"/>
                       </a:endParaRPr>
                     </a:p>
                   </a:txBody>
-                  <a:tcPr marL="13095" marR="13095" marT="13095" marB="0" anchor="b">
-                    <a:lnL w="6350" cap="flat" cmpd="sng" algn="ctr">
-                      <a:solidFill>
-                        <a:srgbClr val="000000"/>
-                      </a:solidFill>
-                      <a:prstDash val="solid"/>
-                      <a:round/>
-                      <a:headEnd type="none" w="med" len="med"/>
-                      <a:tailEnd type="none" w="med" len="med"/>
-                    </a:lnL>
-                    <a:lnR w="6350" cap="flat" cmpd="sng" algn="ctr">
-                      <a:solidFill>
-                        <a:srgbClr val="000000"/>
-                      </a:solidFill>
-                      <a:prstDash val="solid"/>
-                      <a:round/>
-                      <a:headEnd type="none" w="med" len="med"/>
-                      <a:tailEnd type="none" w="med" len="med"/>
-                    </a:lnR>
-                    <a:lnT w="6350" cap="flat" cmpd="sng" algn="ctr">
-                      <a:solidFill>
-                        <a:srgbClr val="000000"/>
-                      </a:solidFill>
-                      <a:prstDash val="solid"/>
-                      <a:round/>
-                      <a:headEnd type="none" w="med" len="med"/>
-                      <a:tailEnd type="none" w="med" len="med"/>
-                    </a:lnT>
-                    <a:lnB w="6350" cap="flat" cmpd="sng" algn="ctr">
-                      <a:solidFill>
-                        <a:srgbClr val="000000"/>
-                      </a:solidFill>
-                      <a:prstDash val="solid"/>
-                      <a:round/>
-                      <a:headEnd type="none" w="med" len="med"/>
-                      <a:tailEnd type="none" w="med" len="med"/>
-                    </a:lnB>
-                  </a:tcPr>
+                  <a:tcPr marL="12661" marR="12661" marT="12661" marB="0" anchor="b"/>
                 </a:tc>
                 <a:tc>
                   <a:txBody>
@@ -5197,59 +11118,21 @@
                         </a:spcAft>
                       </a:pPr>
                       <a:r>
-                        <a:rPr lang="en-IN" sz="1500" b="0" i="0" u="none" strike="noStrike">
+                        <a:rPr lang="en-IN" sz="1400" b="0" u="none" strike="noStrike">
                           <a:solidFill>
                             <a:srgbClr val="000000"/>
                           </a:solidFill>
                           <a:effectLst/>
-                          <a:latin typeface="Calibri" panose="020F0502020204030204" pitchFamily="34" charset="0"/>
                         </a:rPr>
                         <a:t>ChatGPT</a:t>
                       </a:r>
-                      <a:endParaRPr lang="en-IN" sz="2500" b="0" i="0" u="none" strike="noStrike">
+                      <a:endParaRPr lang="en-IN" sz="2400" b="0" i="0" u="none" strike="noStrike">
                         <a:effectLst/>
                         <a:latin typeface="Arial" panose="020B0604020202020204" pitchFamily="34" charset="0"/>
                       </a:endParaRPr>
                     </a:p>
                   </a:txBody>
-                  <a:tcPr marL="13095" marR="13095" marT="13095" marB="0" anchor="b">
-                    <a:lnL w="6350" cap="flat" cmpd="sng" algn="ctr">
-                      <a:solidFill>
-                        <a:srgbClr val="000000"/>
-                      </a:solidFill>
-                      <a:prstDash val="solid"/>
-                      <a:round/>
-                      <a:headEnd type="none" w="med" len="med"/>
-                      <a:tailEnd type="none" w="med" len="med"/>
-                    </a:lnL>
-                    <a:lnR w="6350" cap="flat" cmpd="sng" algn="ctr">
-                      <a:solidFill>
-                        <a:srgbClr val="000000"/>
-                      </a:solidFill>
-                      <a:prstDash val="solid"/>
-                      <a:round/>
-                      <a:headEnd type="none" w="med" len="med"/>
-                      <a:tailEnd type="none" w="med" len="med"/>
-                    </a:lnR>
-                    <a:lnT w="6350" cap="flat" cmpd="sng" algn="ctr">
-                      <a:solidFill>
-                        <a:srgbClr val="000000"/>
-                      </a:solidFill>
-                      <a:prstDash val="solid"/>
-                      <a:round/>
-                      <a:headEnd type="none" w="med" len="med"/>
-                      <a:tailEnd type="none" w="med" len="med"/>
-                    </a:lnT>
-                    <a:lnB w="6350" cap="flat" cmpd="sng" algn="ctr">
-                      <a:solidFill>
-                        <a:srgbClr val="000000"/>
-                      </a:solidFill>
-                      <a:prstDash val="solid"/>
-                      <a:round/>
-                      <a:headEnd type="none" w="med" len="med"/>
-                      <a:tailEnd type="none" w="med" len="med"/>
-                    </a:lnB>
-                  </a:tcPr>
+                  <a:tcPr marL="12661" marR="12661" marT="12661" marB="0" anchor="b"/>
                 </a:tc>
                 <a:tc gridSpan="2">
                   <a:txBody>
@@ -5265,59 +11148,21 @@
                         </a:spcAft>
                       </a:pPr>
                       <a:r>
-                        <a:rPr lang="en-US" sz="1500" b="0" i="0" u="none" strike="noStrike">
+                        <a:rPr lang="en-US" sz="1400" b="0" u="none" strike="noStrike">
                           <a:solidFill>
                             <a:srgbClr val="000000"/>
                           </a:solidFill>
                           <a:effectLst/>
-                          <a:latin typeface="Calibri" panose="020F0502020204030204" pitchFamily="34" charset="0"/>
                         </a:rPr>
                         <a:t>an updated version of GPT-3, referred to as GPT-3.5</a:t>
                       </a:r>
-                      <a:endParaRPr lang="en-US" sz="2500" b="0" i="0" u="none" strike="noStrike">
+                      <a:endParaRPr lang="en-US" sz="2400" b="0" i="0" u="none" strike="noStrike">
                         <a:effectLst/>
                         <a:latin typeface="Arial" panose="020B0604020202020204" pitchFamily="34" charset="0"/>
                       </a:endParaRPr>
                     </a:p>
                   </a:txBody>
-                  <a:tcPr marL="125711" marR="125711" marT="62855" marB="62855">
-                    <a:lnL w="6350" cap="flat" cmpd="sng" algn="ctr">
-                      <a:solidFill>
-                        <a:srgbClr val="000000"/>
-                      </a:solidFill>
-                      <a:prstDash val="solid"/>
-                      <a:round/>
-                      <a:headEnd type="none" w="med" len="med"/>
-                      <a:tailEnd type="none" w="med" len="med"/>
-                    </a:lnL>
-                    <a:lnR w="6350" cap="flat" cmpd="sng" algn="ctr">
-                      <a:solidFill>
-                        <a:srgbClr val="000000"/>
-                      </a:solidFill>
-                      <a:prstDash val="solid"/>
-                      <a:round/>
-                      <a:headEnd type="none" w="med" len="med"/>
-                      <a:tailEnd type="none" w="med" len="med"/>
-                    </a:lnR>
-                    <a:lnT w="6350" cap="flat" cmpd="sng" algn="ctr">
-                      <a:solidFill>
-                        <a:srgbClr val="000000"/>
-                      </a:solidFill>
-                      <a:prstDash val="solid"/>
-                      <a:round/>
-                      <a:headEnd type="none" w="med" len="med"/>
-                      <a:tailEnd type="none" w="med" len="med"/>
-                    </a:lnT>
-                    <a:lnB w="6350" cap="flat" cmpd="sng" algn="ctr">
-                      <a:solidFill>
-                        <a:srgbClr val="000000"/>
-                      </a:solidFill>
-                      <a:prstDash val="solid"/>
-                      <a:round/>
-                      <a:headEnd type="none" w="med" len="med"/>
-                      <a:tailEnd type="none" w="med" len="med"/>
-                    </a:lnB>
-                  </a:tcPr>
+                  <a:tcPr marL="121538" marR="121538" marT="60768" marB="60768"/>
                 </a:tc>
                 <a:tc hMerge="1">
                   <a:txBody>
@@ -5335,7 +11180,7 @@
                   </a:ext>
                 </a:extLst>
               </a:tr>
-              <a:tr h="524319">
+              <a:tr h="571672">
                 <a:tc>
                   <a:txBody>
                     <a:bodyPr/>
@@ -5350,59 +11195,21 @@
                         </a:spcAft>
                       </a:pPr>
                       <a:r>
-                        <a:rPr lang="en-IN" sz="1500" b="0" i="0" u="none" strike="noStrike">
+                        <a:rPr lang="en-IN" sz="1400" b="0" u="none" strike="noStrike">
                           <a:solidFill>
                             <a:srgbClr val="000000"/>
                           </a:solidFill>
                           <a:effectLst/>
-                          <a:latin typeface="Calibri" panose="020F0502020204030204" pitchFamily="34" charset="0"/>
                         </a:rPr>
                         <a:t>Mar-23</a:t>
                       </a:r>
-                      <a:endParaRPr lang="en-IN" sz="2500" b="0" i="0" u="none" strike="noStrike">
+                      <a:endParaRPr lang="en-IN" sz="2400" b="0" i="0" u="none" strike="noStrike">
                         <a:effectLst/>
                         <a:latin typeface="Arial" panose="020B0604020202020204" pitchFamily="34" charset="0"/>
                       </a:endParaRPr>
                     </a:p>
                   </a:txBody>
-                  <a:tcPr marL="13095" marR="13095" marT="13095" marB="0" anchor="b">
-                    <a:lnL w="6350" cap="flat" cmpd="sng" algn="ctr">
-                      <a:solidFill>
-                        <a:srgbClr val="000000"/>
-                      </a:solidFill>
-                      <a:prstDash val="solid"/>
-                      <a:round/>
-                      <a:headEnd type="none" w="med" len="med"/>
-                      <a:tailEnd type="none" w="med" len="med"/>
-                    </a:lnL>
-                    <a:lnR w="6350" cap="flat" cmpd="sng" algn="ctr">
-                      <a:solidFill>
-                        <a:srgbClr val="000000"/>
-                      </a:solidFill>
-                      <a:prstDash val="solid"/>
-                      <a:round/>
-                      <a:headEnd type="none" w="med" len="med"/>
-                      <a:tailEnd type="none" w="med" len="med"/>
-                    </a:lnR>
-                    <a:lnT w="6350" cap="flat" cmpd="sng" algn="ctr">
-                      <a:solidFill>
-                        <a:srgbClr val="000000"/>
-                      </a:solidFill>
-                      <a:prstDash val="solid"/>
-                      <a:round/>
-                      <a:headEnd type="none" w="med" len="med"/>
-                      <a:tailEnd type="none" w="med" len="med"/>
-                    </a:lnT>
-                    <a:lnB w="6350" cap="flat" cmpd="sng" algn="ctr">
-                      <a:solidFill>
-                        <a:srgbClr val="000000"/>
-                      </a:solidFill>
-                      <a:prstDash val="solid"/>
-                      <a:round/>
-                      <a:headEnd type="none" w="med" len="med"/>
-                      <a:tailEnd type="none" w="med" len="med"/>
-                    </a:lnB>
-                  </a:tcPr>
+                  <a:tcPr marL="12661" marR="12661" marT="12661" marB="0" anchor="b"/>
                 </a:tc>
                 <a:tc>
                   <a:txBody>
@@ -5418,59 +11225,21 @@
                         </a:spcAft>
                       </a:pPr>
                       <a:r>
-                        <a:rPr lang="en-US" sz="1500" b="0" i="0" u="none" strike="noStrike">
+                        <a:rPr lang="en-US" sz="1400" b="0" u="none" strike="noStrike">
                           <a:solidFill>
                             <a:srgbClr val="000000"/>
                           </a:solidFill>
                           <a:effectLst/>
-                          <a:latin typeface="Calibri" panose="020F0502020204030204" pitchFamily="34" charset="0"/>
                         </a:rPr>
                         <a:t>GPT-3.5-Turbo model API to the public</a:t>
                       </a:r>
-                      <a:endParaRPr lang="en-US" sz="2500" b="0" i="0" u="none" strike="noStrike">
+                      <a:endParaRPr lang="en-US" sz="2400" b="0" i="0" u="none" strike="noStrike">
                         <a:effectLst/>
                         <a:latin typeface="Arial" panose="020B0604020202020204" pitchFamily="34" charset="0"/>
                       </a:endParaRPr>
                     </a:p>
                   </a:txBody>
-                  <a:tcPr marL="13095" marR="13095" marT="13095" marB="0" anchor="b">
-                    <a:lnL w="6350" cap="flat" cmpd="sng" algn="ctr">
-                      <a:solidFill>
-                        <a:srgbClr val="000000"/>
-                      </a:solidFill>
-                      <a:prstDash val="solid"/>
-                      <a:round/>
-                      <a:headEnd type="none" w="med" len="med"/>
-                      <a:tailEnd type="none" w="med" len="med"/>
-                    </a:lnL>
-                    <a:lnR w="6350" cap="flat" cmpd="sng" algn="ctr">
-                      <a:solidFill>
-                        <a:srgbClr val="000000"/>
-                      </a:solidFill>
-                      <a:prstDash val="solid"/>
-                      <a:round/>
-                      <a:headEnd type="none" w="med" len="med"/>
-                      <a:tailEnd type="none" w="med" len="med"/>
-                    </a:lnR>
-                    <a:lnT w="6350" cap="flat" cmpd="sng" algn="ctr">
-                      <a:solidFill>
-                        <a:srgbClr val="000000"/>
-                      </a:solidFill>
-                      <a:prstDash val="solid"/>
-                      <a:round/>
-                      <a:headEnd type="none" w="med" len="med"/>
-                      <a:tailEnd type="none" w="med" len="med"/>
-                    </a:lnT>
-                    <a:lnB w="6350" cap="flat" cmpd="sng" algn="ctr">
-                      <a:solidFill>
-                        <a:srgbClr val="000000"/>
-                      </a:solidFill>
-                      <a:prstDash val="solid"/>
-                      <a:round/>
-                      <a:headEnd type="none" w="med" len="med"/>
-                      <a:tailEnd type="none" w="med" len="med"/>
-                    </a:lnB>
-                  </a:tcPr>
+                  <a:tcPr marL="12661" marR="12661" marT="12661" marB="0" anchor="b"/>
                 </a:tc>
                 <a:tc gridSpan="2">
                   <a:txBody>
@@ -5486,59 +11255,21 @@
                         </a:spcAft>
                       </a:pPr>
                       <a:r>
-                        <a:rPr lang="en-US" sz="1500" b="0" i="0" u="none" strike="noStrike">
+                        <a:rPr lang="en-US" sz="1400" b="0" u="none" strike="noStrike">
                           <a:solidFill>
                             <a:srgbClr val="000000"/>
                           </a:solidFill>
                           <a:effectLst/>
-                          <a:latin typeface="Calibri" panose="020F0502020204030204" pitchFamily="34" charset="0"/>
                         </a:rPr>
                         <a:t> available to everyone for use in services like ChatGPT</a:t>
                       </a:r>
-                      <a:endParaRPr lang="en-US" sz="2500" b="0" i="0" u="none" strike="noStrike">
+                      <a:endParaRPr lang="en-US" sz="2400" b="0" i="0" u="none" strike="noStrike">
                         <a:effectLst/>
                         <a:latin typeface="Arial" panose="020B0604020202020204" pitchFamily="34" charset="0"/>
                       </a:endParaRPr>
                     </a:p>
                   </a:txBody>
-                  <a:tcPr marL="125711" marR="125711" marT="62855" marB="62855">
-                    <a:lnL w="6350" cap="flat" cmpd="sng" algn="ctr">
-                      <a:solidFill>
-                        <a:srgbClr val="000000"/>
-                      </a:solidFill>
-                      <a:prstDash val="solid"/>
-                      <a:round/>
-                      <a:headEnd type="none" w="med" len="med"/>
-                      <a:tailEnd type="none" w="med" len="med"/>
-                    </a:lnL>
-                    <a:lnR w="6350" cap="flat" cmpd="sng" algn="ctr">
-                      <a:solidFill>
-                        <a:srgbClr val="000000"/>
-                      </a:solidFill>
-                      <a:prstDash val="solid"/>
-                      <a:round/>
-                      <a:headEnd type="none" w="med" len="med"/>
-                      <a:tailEnd type="none" w="med" len="med"/>
-                    </a:lnR>
-                    <a:lnT w="6350" cap="flat" cmpd="sng" algn="ctr">
-                      <a:solidFill>
-                        <a:srgbClr val="000000"/>
-                      </a:solidFill>
-                      <a:prstDash val="solid"/>
-                      <a:round/>
-                      <a:headEnd type="none" w="med" len="med"/>
-                      <a:tailEnd type="none" w="med" len="med"/>
-                    </a:lnT>
-                    <a:lnB w="6350" cap="flat" cmpd="sng" algn="ctr">
-                      <a:solidFill>
-                        <a:srgbClr val="000000"/>
-                      </a:solidFill>
-                      <a:prstDash val="solid"/>
-                      <a:round/>
-                      <a:headEnd type="none" w="med" len="med"/>
-                      <a:tailEnd type="none" w="med" len="med"/>
-                    </a:lnB>
-                  </a:tcPr>
+                  <a:tcPr marL="121538" marR="121538" marT="60768" marB="60768"/>
                 </a:tc>
                 <a:tc hMerge="1">
                   <a:txBody>
@@ -5556,7 +11287,7 @@
                   </a:ext>
                 </a:extLst>
               </a:tr>
-              <a:tr h="636935">
+              <a:tr h="964133">
                 <a:tc>
                   <a:txBody>
                     <a:bodyPr/>
@@ -5571,59 +11302,21 @@
                         </a:spcAft>
                       </a:pPr>
                       <a:r>
-                        <a:rPr lang="en-IN" sz="1500" b="0" i="0" u="none" strike="noStrike">
+                        <a:rPr lang="en-IN" sz="1400" b="0" u="none" strike="noStrike">
                           <a:solidFill>
                             <a:srgbClr val="000000"/>
                           </a:solidFill>
                           <a:effectLst/>
-                          <a:latin typeface="Calibri" panose="020F0502020204030204" pitchFamily="34" charset="0"/>
                         </a:rPr>
                         <a:t>Mar-23</a:t>
                       </a:r>
-                      <a:endParaRPr lang="en-IN" sz="2500" b="0" i="0" u="none" strike="noStrike">
+                      <a:endParaRPr lang="en-IN" sz="2400" b="0" i="0" u="none" strike="noStrike">
                         <a:effectLst/>
                         <a:latin typeface="Arial" panose="020B0604020202020204" pitchFamily="34" charset="0"/>
                       </a:endParaRPr>
                     </a:p>
                   </a:txBody>
-                  <a:tcPr marL="13095" marR="13095" marT="13095" marB="0" anchor="b">
-                    <a:lnL w="6350" cap="flat" cmpd="sng" algn="ctr">
-                      <a:solidFill>
-                        <a:srgbClr val="000000"/>
-                      </a:solidFill>
-                      <a:prstDash val="solid"/>
-                      <a:round/>
-                      <a:headEnd type="none" w="med" len="med"/>
-                      <a:tailEnd type="none" w="med" len="med"/>
-                    </a:lnL>
-                    <a:lnR w="6350" cap="flat" cmpd="sng" algn="ctr">
-                      <a:solidFill>
-                        <a:srgbClr val="000000"/>
-                      </a:solidFill>
-                      <a:prstDash val="solid"/>
-                      <a:round/>
-                      <a:headEnd type="none" w="med" len="med"/>
-                      <a:tailEnd type="none" w="med" len="med"/>
-                    </a:lnR>
-                    <a:lnT w="6350" cap="flat" cmpd="sng" algn="ctr">
-                      <a:solidFill>
-                        <a:srgbClr val="000000"/>
-                      </a:solidFill>
-                      <a:prstDash val="solid"/>
-                      <a:round/>
-                      <a:headEnd type="none" w="med" len="med"/>
-                      <a:tailEnd type="none" w="med" len="med"/>
-                    </a:lnT>
-                    <a:lnB w="6350" cap="flat" cmpd="sng" algn="ctr">
-                      <a:solidFill>
-                        <a:srgbClr val="000000"/>
-                      </a:solidFill>
-                      <a:prstDash val="solid"/>
-                      <a:round/>
-                      <a:headEnd type="none" w="med" len="med"/>
-                      <a:tailEnd type="none" w="med" len="med"/>
-                    </a:lnB>
-                  </a:tcPr>
+                  <a:tcPr marL="12661" marR="12661" marT="12661" marB="0" anchor="b"/>
                 </a:tc>
                 <a:tc>
                   <a:txBody>
@@ -5639,59 +11332,21 @@
                         </a:spcAft>
                       </a:pPr>
                       <a:r>
-                        <a:rPr lang="en-US" sz="1500" b="0" i="0" u="none" strike="noStrike">
+                        <a:rPr lang="en-US" sz="1400" b="0" u="none" strike="noStrike">
                           <a:solidFill>
                             <a:srgbClr val="000000"/>
                           </a:solidFill>
                           <a:effectLst/>
-                          <a:latin typeface="Calibri" panose="020F0502020204030204" pitchFamily="34" charset="0"/>
                         </a:rPr>
                         <a:t>OpenAI announced the release of GPT-4</a:t>
                       </a:r>
-                      <a:endParaRPr lang="en-US" sz="2500" b="0" i="0" u="none" strike="noStrike">
+                      <a:endParaRPr lang="en-US" sz="2400" b="0" i="0" u="none" strike="noStrike">
                         <a:effectLst/>
                         <a:latin typeface="Arial" panose="020B0604020202020204" pitchFamily="34" charset="0"/>
                       </a:endParaRPr>
                     </a:p>
                   </a:txBody>
-                  <a:tcPr marL="13095" marR="13095" marT="13095" marB="0" anchor="b">
-                    <a:lnL w="6350" cap="flat" cmpd="sng" algn="ctr">
-                      <a:solidFill>
-                        <a:srgbClr val="000000"/>
-                      </a:solidFill>
-                      <a:prstDash val="solid"/>
-                      <a:round/>
-                      <a:headEnd type="none" w="med" len="med"/>
-                      <a:tailEnd type="none" w="med" len="med"/>
-                    </a:lnL>
-                    <a:lnR w="6350" cap="flat" cmpd="sng" algn="ctr">
-                      <a:solidFill>
-                        <a:srgbClr val="000000"/>
-                      </a:solidFill>
-                      <a:prstDash val="solid"/>
-                      <a:round/>
-                      <a:headEnd type="none" w="med" len="med"/>
-                      <a:tailEnd type="none" w="med" len="med"/>
-                    </a:lnR>
-                    <a:lnT w="6350" cap="flat" cmpd="sng" algn="ctr">
-                      <a:solidFill>
-                        <a:srgbClr val="000000"/>
-                      </a:solidFill>
-                      <a:prstDash val="solid"/>
-                      <a:round/>
-                      <a:headEnd type="none" w="med" len="med"/>
-                      <a:tailEnd type="none" w="med" len="med"/>
-                    </a:lnT>
-                    <a:lnB w="6350" cap="flat" cmpd="sng" algn="ctr">
-                      <a:solidFill>
-                        <a:srgbClr val="000000"/>
-                      </a:solidFill>
-                      <a:prstDash val="solid"/>
-                      <a:round/>
-                      <a:headEnd type="none" w="med" len="med"/>
-                      <a:tailEnd type="none" w="med" len="med"/>
-                    </a:lnB>
-                  </a:tcPr>
+                  <a:tcPr marL="12661" marR="12661" marT="12661" marB="0" anchor="b"/>
                 </a:tc>
                 <a:tc gridSpan="2">
                   <a:txBody>
@@ -5707,59 +11362,21 @@
                         </a:spcAft>
                       </a:pPr>
                       <a:r>
-                        <a:rPr lang="en-US" sz="1500" b="0" i="0" u="none" strike="noStrike">
+                        <a:rPr lang="en-US" sz="1400" b="0" u="none" strike="noStrike">
                           <a:solidFill>
                             <a:srgbClr val="000000"/>
                           </a:solidFill>
                           <a:effectLst/>
-                          <a:latin typeface="Calibri" panose="020F0502020204030204" pitchFamily="34" charset="0"/>
                         </a:rPr>
                         <a:t>OpenAI is slowly giving developers access to the GPT-4 API. They're starting with a waitlist, and people who help OpenAI evaluate the model get access first.</a:t>
                       </a:r>
-                      <a:endParaRPr lang="en-US" sz="2500" b="0" i="0" u="none" strike="noStrike">
+                      <a:endParaRPr lang="en-US" sz="2400" b="0" i="0" u="none" strike="noStrike">
                         <a:effectLst/>
                         <a:latin typeface="Arial" panose="020B0604020202020204" pitchFamily="34" charset="0"/>
                       </a:endParaRPr>
                     </a:p>
                   </a:txBody>
-                  <a:tcPr marL="125711" marR="125711" marT="62855" marB="62855">
-                    <a:lnL w="6350" cap="flat" cmpd="sng" algn="ctr">
-                      <a:solidFill>
-                        <a:srgbClr val="000000"/>
-                      </a:solidFill>
-                      <a:prstDash val="solid"/>
-                      <a:round/>
-                      <a:headEnd type="none" w="med" len="med"/>
-                      <a:tailEnd type="none" w="med" len="med"/>
-                    </a:lnL>
-                    <a:lnR w="6350" cap="flat" cmpd="sng" algn="ctr">
-                      <a:solidFill>
-                        <a:srgbClr val="000000"/>
-                      </a:solidFill>
-                      <a:prstDash val="solid"/>
-                      <a:round/>
-                      <a:headEnd type="none" w="med" len="med"/>
-                      <a:tailEnd type="none" w="med" len="med"/>
-                    </a:lnR>
-                    <a:lnT w="6350" cap="flat" cmpd="sng" algn="ctr">
-                      <a:solidFill>
-                        <a:srgbClr val="000000"/>
-                      </a:solidFill>
-                      <a:prstDash val="solid"/>
-                      <a:round/>
-                      <a:headEnd type="none" w="med" len="med"/>
-                      <a:tailEnd type="none" w="med" len="med"/>
-                    </a:lnT>
-                    <a:lnB w="6350" cap="flat" cmpd="sng" algn="ctr">
-                      <a:solidFill>
-                        <a:srgbClr val="000000"/>
-                      </a:solidFill>
-                      <a:prstDash val="solid"/>
-                      <a:round/>
-                      <a:headEnd type="none" w="med" len="med"/>
-                      <a:tailEnd type="none" w="med" len="med"/>
-                    </a:lnB>
-                  </a:tcPr>
+                  <a:tcPr marL="121538" marR="121538" marT="60768" marB="60768"/>
                 </a:tc>
                 <a:tc hMerge="1">
                   <a:txBody>
@@ -5777,7 +11394,7 @@
                   </a:ext>
                 </a:extLst>
               </a:tr>
-              <a:tr h="406465">
+              <a:tr h="440725">
                 <a:tc>
                   <a:txBody>
                     <a:bodyPr/>
@@ -5792,59 +11409,21 @@
                         </a:spcAft>
                       </a:pPr>
                       <a:r>
-                        <a:rPr lang="en-IN" sz="1500" b="0" i="0" u="none" strike="noStrike">
+                        <a:rPr lang="en-IN" sz="1400" b="0" u="none" strike="noStrike">
                           <a:solidFill>
                             <a:srgbClr val="000000"/>
                           </a:solidFill>
                           <a:effectLst/>
-                          <a:latin typeface="Calibri" panose="020F0502020204030204" pitchFamily="34" charset="0"/>
                         </a:rPr>
                         <a:t>Sep-23</a:t>
                       </a:r>
-                      <a:endParaRPr lang="en-IN" sz="2500" b="0" i="0" u="none" strike="noStrike">
+                      <a:endParaRPr lang="en-IN" sz="2400" b="0" i="0" u="none" strike="noStrike">
                         <a:effectLst/>
                         <a:latin typeface="Arial" panose="020B0604020202020204" pitchFamily="34" charset="0"/>
                       </a:endParaRPr>
                     </a:p>
                   </a:txBody>
-                  <a:tcPr marL="13095" marR="13095" marT="13095" marB="0" anchor="b">
-                    <a:lnL w="6350" cap="flat" cmpd="sng" algn="ctr">
-                      <a:solidFill>
-                        <a:srgbClr val="000000"/>
-                      </a:solidFill>
-                      <a:prstDash val="solid"/>
-                      <a:round/>
-                      <a:headEnd type="none" w="med" len="med"/>
-                      <a:tailEnd type="none" w="med" len="med"/>
-                    </a:lnL>
-                    <a:lnR w="6350" cap="flat" cmpd="sng" algn="ctr">
-                      <a:solidFill>
-                        <a:srgbClr val="000000"/>
-                      </a:solidFill>
-                      <a:prstDash val="solid"/>
-                      <a:round/>
-                      <a:headEnd type="none" w="med" len="med"/>
-                      <a:tailEnd type="none" w="med" len="med"/>
-                    </a:lnR>
-                    <a:lnT w="6350" cap="flat" cmpd="sng" algn="ctr">
-                      <a:solidFill>
-                        <a:srgbClr val="000000"/>
-                      </a:solidFill>
-                      <a:prstDash val="solid"/>
-                      <a:round/>
-                      <a:headEnd type="none" w="med" len="med"/>
-                      <a:tailEnd type="none" w="med" len="med"/>
-                    </a:lnT>
-                    <a:lnB w="6350" cap="flat" cmpd="sng" algn="ctr">
-                      <a:solidFill>
-                        <a:srgbClr val="000000"/>
-                      </a:solidFill>
-                      <a:prstDash val="solid"/>
-                      <a:round/>
-                      <a:headEnd type="none" w="med" len="med"/>
-                      <a:tailEnd type="none" w="med" len="med"/>
-                    </a:lnB>
-                  </a:tcPr>
+                  <a:tcPr marL="12661" marR="12661" marT="12661" marB="0" anchor="b"/>
                 </a:tc>
                 <a:tc gridSpan="3">
                   <a:txBody>
@@ -5860,59 +11439,21 @@
                         </a:spcAft>
                       </a:pPr>
                       <a:r>
-                        <a:rPr lang="en-US" sz="1500" b="0" i="0" u="none" strike="noStrike">
+                        <a:rPr lang="en-US" sz="1400" b="0" u="none" strike="noStrike" dirty="0">
                           <a:solidFill>
                             <a:srgbClr val="000000"/>
                           </a:solidFill>
                           <a:effectLst/>
-                          <a:latin typeface="Calibri" panose="020F0502020204030204" pitchFamily="34" charset="0"/>
                         </a:rPr>
                         <a:t>New voice and image capabilities in ChatGPT </a:t>
                       </a:r>
-                      <a:endParaRPr lang="en-US" sz="2500" b="0" i="0" u="none" strike="noStrike">
+                      <a:endParaRPr lang="en-US" sz="2400" b="0" i="0" u="none" strike="noStrike" dirty="0">
                         <a:effectLst/>
                         <a:latin typeface="Arial" panose="020B0604020202020204" pitchFamily="34" charset="0"/>
                       </a:endParaRPr>
                     </a:p>
                   </a:txBody>
-                  <a:tcPr marL="125711" marR="125711" marT="62855" marB="62855">
-                    <a:lnL w="6350" cap="flat" cmpd="sng" algn="ctr">
-                      <a:solidFill>
-                        <a:srgbClr val="000000"/>
-                      </a:solidFill>
-                      <a:prstDash val="solid"/>
-                      <a:round/>
-                      <a:headEnd type="none" w="med" len="med"/>
-                      <a:tailEnd type="none" w="med" len="med"/>
-                    </a:lnL>
-                    <a:lnR w="6350" cap="flat" cmpd="sng" algn="ctr">
-                      <a:solidFill>
-                        <a:srgbClr val="000000"/>
-                      </a:solidFill>
-                      <a:prstDash val="solid"/>
-                      <a:round/>
-                      <a:headEnd type="none" w="med" len="med"/>
-                      <a:tailEnd type="none" w="med" len="med"/>
-                    </a:lnR>
-                    <a:lnT w="6350" cap="flat" cmpd="sng" algn="ctr">
-                      <a:solidFill>
-                        <a:srgbClr val="000000"/>
-                      </a:solidFill>
-                      <a:prstDash val="solid"/>
-                      <a:round/>
-                      <a:headEnd type="none" w="med" len="med"/>
-                      <a:tailEnd type="none" w="med" len="med"/>
-                    </a:lnT>
-                    <a:lnB w="6350" cap="flat" cmpd="sng" algn="ctr">
-                      <a:solidFill>
-                        <a:srgbClr val="000000"/>
-                      </a:solidFill>
-                      <a:prstDash val="solid"/>
-                      <a:round/>
-                      <a:headEnd type="none" w="med" len="med"/>
-                      <a:tailEnd type="none" w="med" len="med"/>
-                    </a:lnB>
-                  </a:tcPr>
+                  <a:tcPr marL="121538" marR="121538" marT="60768" marB="60768"/>
                 </a:tc>
                 <a:tc hMerge="1">
                   <a:txBody>

--- a/Presentation.pptx
+++ b/Presentation.pptx
@@ -9955,8 +9955,8 @@
         </p:blipFill>
         <p:spPr bwMode="auto">
           <a:xfrm>
-            <a:off x="7888436" y="959344"/>
-            <a:ext cx="4096176" cy="5192336"/>
+            <a:off x="8226622" y="1388030"/>
+            <a:ext cx="3757990" cy="4966588"/>
           </a:xfrm>
           <a:prstGeom prst="rect">
             <a:avLst/>
@@ -10014,6 +10014,36 @@
           </a:graphicData>
         </a:graphic>
       </p:graphicFrame>
+      <p:pic>
+        <p:nvPicPr>
+          <p:cNvPr id="4" name="Picture 3">
+            <a:extLst>
+              <a:ext uri="{FF2B5EF4-FFF2-40B4-BE49-F238E27FC236}">
+                <a16:creationId xmlns:a16="http://schemas.microsoft.com/office/drawing/2014/main" id="{9E49886B-3AC6-F6BA-6ABD-496D38E6EC60}"/>
+              </a:ext>
+            </a:extLst>
+          </p:cNvPr>
+          <p:cNvPicPr>
+            <a:picLocks noChangeAspect="1"/>
+          </p:cNvPicPr>
+          <p:nvPr/>
+        </p:nvPicPr>
+        <p:blipFill>
+          <a:blip r:embed="rId11"/>
+          <a:stretch>
+            <a:fillRect/>
+          </a:stretch>
+        </p:blipFill>
+        <p:spPr>
+          <a:xfrm>
+            <a:off x="10766285" y="68449"/>
+            <a:ext cx="1425410" cy="1275742"/>
+          </a:xfrm>
+          <a:prstGeom prst="rect">
+            <a:avLst/>
+          </a:prstGeom>
+        </p:spPr>
+      </p:pic>
     </p:spTree>
     <p:extLst>
       <p:ext uri="{BB962C8B-B14F-4D97-AF65-F5344CB8AC3E}">
@@ -10054,10 +10084,10 @@
       </p:grpSpPr>
       <p:sp>
         <p:nvSpPr>
-          <p:cNvPr id="99" name="Freeform 6">
+          <p:cNvPr id="145" name="Rectangle 144">
             <a:extLst>
               <a:ext uri="{FF2B5EF4-FFF2-40B4-BE49-F238E27FC236}">
-                <a16:creationId xmlns:a16="http://schemas.microsoft.com/office/drawing/2014/main" id="{69D184B2-2226-4E31-BCCB-444330767440}"/>
+                <a16:creationId xmlns:a16="http://schemas.microsoft.com/office/drawing/2014/main" id="{F3060C83-F051-4F0E-ABAD-AA0DFC48B218}"/>
               </a:ext>
               <a:ext uri="{C183D7F6-B498-43B3-948B-1728B52AA6E4}">
                 <adec:decorative xmlns:adec="http://schemas.microsoft.com/office/drawing/2017/decorative" val="1"/>
@@ -10075,92 +10105,52 @@
             </p:extLst>
           </p:nvPr>
         </p:nvSpPr>
-        <p:spPr bwMode="auto">
+        <p:spPr>
           <a:xfrm>
-            <a:off x="11118533" y="918266"/>
-            <a:ext cx="706127" cy="5863534"/>
+            <a:off x="0" y="0"/>
+            <a:ext cx="12192000" cy="6858000"/>
           </a:xfrm>
-          <a:custGeom>
+          <a:prstGeom prst="rect">
             <a:avLst/>
-            <a:gdLst>
-              <a:gd name="T0" fmla="*/ 414 w 414"/>
-              <a:gd name="T1" fmla="*/ 2447 h 2447"/>
-              <a:gd name="T2" fmla="*/ 0 w 414"/>
-              <a:gd name="T3" fmla="*/ 2247 h 2447"/>
-              <a:gd name="T4" fmla="*/ 0 w 414"/>
-              <a:gd name="T5" fmla="*/ 0 h 2447"/>
-              <a:gd name="T6" fmla="*/ 414 w 414"/>
-              <a:gd name="T7" fmla="*/ 200 h 2447"/>
-              <a:gd name="T8" fmla="*/ 414 w 414"/>
-              <a:gd name="T9" fmla="*/ 2447 h 2447"/>
-            </a:gdLst>
-            <a:ahLst/>
-            <a:cxnLst>
-              <a:cxn ang="0">
-                <a:pos x="T0" y="T1"/>
-              </a:cxn>
-              <a:cxn ang="0">
-                <a:pos x="T2" y="T3"/>
-              </a:cxn>
-              <a:cxn ang="0">
-                <a:pos x="T4" y="T5"/>
-              </a:cxn>
-              <a:cxn ang="0">
-                <a:pos x="T6" y="T7"/>
-              </a:cxn>
-              <a:cxn ang="0">
-                <a:pos x="T8" y="T9"/>
-              </a:cxn>
-            </a:cxnLst>
-            <a:rect l="0" t="0" r="r" b="b"/>
-            <a:pathLst>
-              <a:path w="414" h="2447">
-                <a:moveTo>
-                  <a:pt x="414" y="2447"/>
-                </a:moveTo>
-                <a:lnTo>
-                  <a:pt x="0" y="2247"/>
-                </a:lnTo>
-                <a:lnTo>
-                  <a:pt x="0" y="0"/>
-                </a:lnTo>
-                <a:lnTo>
-                  <a:pt x="414" y="200"/>
-                </a:lnTo>
-                <a:lnTo>
-                  <a:pt x="414" y="2447"/>
-                </a:lnTo>
-                <a:close/>
-              </a:path>
-            </a:pathLst>
-          </a:custGeom>
+          </a:prstGeom>
           <a:solidFill>
-            <a:schemeClr val="accent1">
-              <a:lumMod val="75000"/>
-            </a:schemeClr>
+            <a:schemeClr val="bg1"/>
           </a:solidFill>
           <a:ln>
             <a:noFill/>
           </a:ln>
         </p:spPr>
+        <p:style>
+          <a:lnRef idx="2">
+            <a:schemeClr val="accent1">
+              <a:shade val="50000"/>
+            </a:schemeClr>
+          </a:lnRef>
+          <a:fillRef idx="1">
+            <a:schemeClr val="accent1"/>
+          </a:fillRef>
+          <a:effectRef idx="0">
+            <a:schemeClr val="accent1"/>
+          </a:effectRef>
+          <a:fontRef idx="minor">
+            <a:schemeClr val="lt1"/>
+          </a:fontRef>
+        </p:style>
         <p:txBody>
-          <a:bodyPr vert="horz" wrap="square" lIns="91440" tIns="45720" rIns="91440" bIns="45720" numCol="1" anchor="t" anchorCtr="0" compatLnSpc="1">
-            <a:prstTxWarp prst="textNoShape">
-              <a:avLst/>
-            </a:prstTxWarp>
-          </a:bodyPr>
+          <a:bodyPr rtlCol="0" anchor="ctr"/>
           <a:lstStyle/>
           <a:p>
-            <a:endParaRPr lang="en-US"/>
+            <a:pPr algn="ctr"/>
+            <a:endParaRPr lang="en-US" dirty="0"/>
           </a:p>
         </p:txBody>
       </p:sp>
       <p:sp>
         <p:nvSpPr>
-          <p:cNvPr id="100" name="Freeform 7">
+          <p:cNvPr id="147" name="Freeform: Shape 146">
             <a:extLst>
               <a:ext uri="{FF2B5EF4-FFF2-40B4-BE49-F238E27FC236}">
-                <a16:creationId xmlns:a16="http://schemas.microsoft.com/office/drawing/2014/main" id="{1AC4D4E3-486A-464A-8EC8-D44881097267}"/>
+                <a16:creationId xmlns:a16="http://schemas.microsoft.com/office/drawing/2014/main" id="{83C98ABE-055B-441F-B07E-44F97F083C39}"/>
               </a:ext>
               <a:ext uri="{C183D7F6-B498-43B3-948B-1728B52AA6E4}">
                 <adec:decorative xmlns:adec="http://schemas.microsoft.com/office/drawing/2017/decorative" val="1"/>
@@ -10178,60 +10168,60 @@
             </p:extLst>
           </p:nvPr>
         </p:nvSpPr>
-        <p:spPr bwMode="auto">
-          <a:xfrm>
-            <a:off x="11117879" y="643467"/>
-            <a:ext cx="420307" cy="5668919"/>
+        <p:spPr>
+          <a:xfrm rot="18900000" flipH="1">
+            <a:off x="-376156" y="-253670"/>
+            <a:ext cx="1827638" cy="1376989"/>
           </a:xfrm>
           <a:custGeom>
             <a:avLst/>
             <a:gdLst>
-              <a:gd name="T0" fmla="*/ 209 w 209"/>
-              <a:gd name="T1" fmla="*/ 2246 h 2358"/>
-              <a:gd name="T2" fmla="*/ 0 w 209"/>
-              <a:gd name="T3" fmla="*/ 2358 h 2358"/>
-              <a:gd name="T4" fmla="*/ 0 w 209"/>
-              <a:gd name="T5" fmla="*/ 111 h 2358"/>
-              <a:gd name="T6" fmla="*/ 209 w 209"/>
-              <a:gd name="T7" fmla="*/ 0 h 2358"/>
-              <a:gd name="T8" fmla="*/ 209 w 209"/>
-              <a:gd name="T9" fmla="*/ 2246 h 2358"/>
+              <a:gd name="connsiteX0" fmla="*/ 0 w 1827638"/>
+              <a:gd name="connsiteY0" fmla="*/ 987379 h 1376989"/>
+              <a:gd name="connsiteX1" fmla="*/ 987379 w 1827638"/>
+              <a:gd name="connsiteY1" fmla="*/ 0 h 1376989"/>
+              <a:gd name="connsiteX2" fmla="*/ 1827638 w 1827638"/>
+              <a:gd name="connsiteY2" fmla="*/ 840260 h 1376989"/>
+              <a:gd name="connsiteX3" fmla="*/ 1827638 w 1827638"/>
+              <a:gd name="connsiteY3" fmla="*/ 1376989 h 1376989"/>
+              <a:gd name="connsiteX4" fmla="*/ 0 w 1827638"/>
+              <a:gd name="connsiteY4" fmla="*/ 1376989 h 1376989"/>
             </a:gdLst>
             <a:ahLst/>
             <a:cxnLst>
               <a:cxn ang="0">
-                <a:pos x="T0" y="T1"/>
+                <a:pos x="connsiteX0" y="connsiteY0"/>
               </a:cxn>
               <a:cxn ang="0">
-                <a:pos x="T2" y="T3"/>
+                <a:pos x="connsiteX1" y="connsiteY1"/>
               </a:cxn>
               <a:cxn ang="0">
-                <a:pos x="T4" y="T5"/>
+                <a:pos x="connsiteX2" y="connsiteY2"/>
               </a:cxn>
               <a:cxn ang="0">
-                <a:pos x="T6" y="T7"/>
+                <a:pos x="connsiteX3" y="connsiteY3"/>
               </a:cxn>
               <a:cxn ang="0">
-                <a:pos x="T8" y="T9"/>
+                <a:pos x="connsiteX4" y="connsiteY4"/>
               </a:cxn>
             </a:cxnLst>
-            <a:rect l="0" t="0" r="r" b="b"/>
+            <a:rect l="l" t="t" r="r" b="b"/>
             <a:pathLst>
-              <a:path w="209" h="2358">
+              <a:path w="1827638" h="1376989">
                 <a:moveTo>
-                  <a:pt x="209" y="2246"/>
+                  <a:pt x="0" y="987379"/>
                 </a:moveTo>
                 <a:lnTo>
-                  <a:pt x="0" y="2358"/>
+                  <a:pt x="987379" y="0"/>
                 </a:lnTo>
                 <a:lnTo>
-                  <a:pt x="0" y="111"/>
+                  <a:pt x="1827638" y="840260"/>
                 </a:lnTo>
                 <a:lnTo>
-                  <a:pt x="209" y="0"/>
+                  <a:pt x="1827638" y="1376989"/>
                 </a:lnTo>
                 <a:lnTo>
-                  <a:pt x="209" y="2246"/>
+                  <a:pt x="0" y="1376989"/>
                 </a:lnTo>
                 <a:close/>
               </a:path>
@@ -10239,31 +10229,44 @@
           </a:custGeom>
           <a:solidFill>
             <a:schemeClr val="accent1">
-              <a:lumMod val="50000"/>
+              <a:alpha val="30000"/>
             </a:schemeClr>
           </a:solidFill>
           <a:ln>
             <a:noFill/>
           </a:ln>
         </p:spPr>
+        <p:style>
+          <a:lnRef idx="2">
+            <a:schemeClr val="accent1">
+              <a:shade val="50000"/>
+            </a:schemeClr>
+          </a:lnRef>
+          <a:fillRef idx="1">
+            <a:schemeClr val="accent1"/>
+          </a:fillRef>
+          <a:effectRef idx="0">
+            <a:schemeClr val="accent1"/>
+          </a:effectRef>
+          <a:fontRef idx="minor">
+            <a:schemeClr val="lt1"/>
+          </a:fontRef>
+        </p:style>
         <p:txBody>
-          <a:bodyPr vert="horz" wrap="square" lIns="91440" tIns="45720" rIns="91440" bIns="45720" numCol="1" anchor="t" anchorCtr="0" compatLnSpc="1">
-            <a:prstTxWarp prst="textNoShape">
-              <a:avLst/>
-            </a:prstTxWarp>
-          </a:bodyPr>
+          <a:bodyPr rtlCol="0" anchor="ctr"/>
           <a:lstStyle/>
           <a:p>
-            <a:endParaRPr lang="en-US"/>
+            <a:pPr algn="ctr"/>
+            <a:endParaRPr lang="en-US" dirty="0"/>
           </a:p>
         </p:txBody>
       </p:sp>
       <p:sp>
         <p:nvSpPr>
-          <p:cNvPr id="98" name="Rectangle 97">
+          <p:cNvPr id="149" name="Rectangle 148">
             <a:extLst>
               <a:ext uri="{FF2B5EF4-FFF2-40B4-BE49-F238E27FC236}">
-                <a16:creationId xmlns:a16="http://schemas.microsoft.com/office/drawing/2014/main" id="{864DE13E-58EB-4475-B79C-0D4FC651239B}"/>
+                <a16:creationId xmlns:a16="http://schemas.microsoft.com/office/drawing/2014/main" id="{29FDB030-9B49-4CED-8CCD-4D99382388AC}"/>
               </a:ext>
               <a:ext uri="{C183D7F6-B498-43B3-948B-1728B52AA6E4}">
                 <adec:decorative xmlns:adec="http://schemas.microsoft.com/office/drawing/2017/decorative" val="1"/>
@@ -10281,36 +10284,383 @@
             </p:extLst>
           </p:nvPr>
         </p:nvSpPr>
-        <p:spPr bwMode="auto">
-          <a:xfrm>
-            <a:off x="638387" y="643467"/>
-            <a:ext cx="10933503" cy="5391944"/>
+        <p:spPr>
+          <a:xfrm rot="18900000" flipH="1">
+            <a:off x="891641" y="422146"/>
+            <a:ext cx="645368" cy="645368"/>
           </a:xfrm>
           <a:prstGeom prst="rect">
             <a:avLst/>
           </a:prstGeom>
           <a:solidFill>
-            <a:srgbClr val="FFFFFF"/>
+            <a:schemeClr val="accent1">
+              <a:alpha val="30000"/>
+            </a:schemeClr>
           </a:solidFill>
-          <a:ln w="12700">
-            <a:solidFill>
-              <a:schemeClr val="accent1"/>
-            </a:solidFill>
-            <a:miter lim="800000"/>
+          <a:ln>
+            <a:noFill/>
           </a:ln>
         </p:spPr>
+        <p:style>
+          <a:lnRef idx="2">
+            <a:schemeClr val="accent1">
+              <a:shade val="50000"/>
+            </a:schemeClr>
+          </a:lnRef>
+          <a:fillRef idx="1">
+            <a:schemeClr val="accent1"/>
+          </a:fillRef>
+          <a:effectRef idx="0">
+            <a:schemeClr val="accent1"/>
+          </a:effectRef>
+          <a:fontRef idx="minor">
+            <a:schemeClr val="lt1"/>
+          </a:fontRef>
+        </p:style>
         <p:txBody>
-          <a:bodyPr vert="horz" wrap="square" lIns="91440" tIns="45720" rIns="91440" bIns="45720" numCol="1" anchor="t" anchorCtr="0" compatLnSpc="1">
-            <a:prstTxWarp prst="textNoShape">
-              <a:avLst/>
-            </a:prstTxWarp>
-          </a:bodyPr>
+          <a:bodyPr rtlCol="0" anchor="ctr"/>
           <a:lstStyle/>
           <a:p>
+            <a:pPr algn="ctr"/>
             <a:endParaRPr lang="en-US"/>
           </a:p>
         </p:txBody>
       </p:sp>
+      <p:sp>
+        <p:nvSpPr>
+          <p:cNvPr id="151" name="Rectangle 150">
+            <a:extLst>
+              <a:ext uri="{FF2B5EF4-FFF2-40B4-BE49-F238E27FC236}">
+                <a16:creationId xmlns:a16="http://schemas.microsoft.com/office/drawing/2014/main" id="{3783CA14-24A1-485C-8B30-D6A5D87987AD}"/>
+              </a:ext>
+              <a:ext uri="{C183D7F6-B498-43B3-948B-1728B52AA6E4}">
+                <adec:decorative xmlns:adec="http://schemas.microsoft.com/office/drawing/2017/decorative" val="1"/>
+              </a:ext>
+            </a:extLst>
+          </p:cNvPr>
+          <p:cNvSpPr>
+            <a:spLocks noGrp="1" noRot="1" noChangeAspect="1" noMove="1" noResize="1" noEditPoints="1" noAdjustHandles="1" noChangeArrowheads="1" noChangeShapeType="1" noTextEdit="1"/>
+          </p:cNvSpPr>
+          <p:nvPr>
+            <p:extLst>
+              <p:ext uri="{386F3935-93C4-4BCD-93E2-E3B085C9AB24}">
+                <p16:designElem xmlns:p16="http://schemas.microsoft.com/office/powerpoint/2015/main" val="1"/>
+              </p:ext>
+            </p:extLst>
+          </p:nvPr>
+        </p:nvSpPr>
+        <p:spPr>
+          <a:xfrm rot="18900000" flipH="1">
+            <a:off x="10043482" y="655140"/>
+            <a:ext cx="687472" cy="687472"/>
+          </a:xfrm>
+          <a:prstGeom prst="rect">
+            <a:avLst/>
+          </a:prstGeom>
+          <a:solidFill>
+            <a:schemeClr val="accent4">
+              <a:alpha val="30000"/>
+            </a:schemeClr>
+          </a:solidFill>
+          <a:ln>
+            <a:noFill/>
+          </a:ln>
+        </p:spPr>
+        <p:style>
+          <a:lnRef idx="2">
+            <a:schemeClr val="accent1">
+              <a:shade val="50000"/>
+            </a:schemeClr>
+          </a:lnRef>
+          <a:fillRef idx="1">
+            <a:schemeClr val="accent1"/>
+          </a:fillRef>
+          <a:effectRef idx="0">
+            <a:schemeClr val="accent1"/>
+          </a:effectRef>
+          <a:fontRef idx="minor">
+            <a:schemeClr val="lt1"/>
+          </a:fontRef>
+        </p:style>
+        <p:txBody>
+          <a:bodyPr rtlCol="0" anchor="ctr"/>
+          <a:lstStyle/>
+          <a:p>
+            <a:pPr algn="ctr"/>
+            <a:endParaRPr lang="en-US"/>
+          </a:p>
+        </p:txBody>
+      </p:sp>
+      <p:sp>
+        <p:nvSpPr>
+          <p:cNvPr id="153" name="Freeform: Shape 152">
+            <a:extLst>
+              <a:ext uri="{FF2B5EF4-FFF2-40B4-BE49-F238E27FC236}">
+                <a16:creationId xmlns:a16="http://schemas.microsoft.com/office/drawing/2014/main" id="{9A97C86A-04D6-40F7-AE84-31AB43E6A846}"/>
+              </a:ext>
+              <a:ext uri="{C183D7F6-B498-43B3-948B-1728B52AA6E4}">
+                <adec:decorative xmlns:adec="http://schemas.microsoft.com/office/drawing/2017/decorative" val="1"/>
+              </a:ext>
+            </a:extLst>
+          </p:cNvPr>
+          <p:cNvSpPr>
+            <a:spLocks noGrp="1" noRot="1" noChangeAspect="1" noMove="1" noResize="1" noEditPoints="1" noAdjustHandles="1" noChangeArrowheads="1" noChangeShapeType="1" noTextEdit="1"/>
+          </p:cNvSpPr>
+          <p:nvPr>
+            <p:extLst>
+              <p:ext uri="{386F3935-93C4-4BCD-93E2-E3B085C9AB24}">
+                <p16:designElem xmlns:p16="http://schemas.microsoft.com/office/powerpoint/2015/main" val="1"/>
+              </p:ext>
+            </p:extLst>
+          </p:nvPr>
+        </p:nvSpPr>
+        <p:spPr>
+          <a:xfrm rot="10800000" flipH="1">
+            <a:off x="9356643" y="0"/>
+            <a:ext cx="2835357" cy="1480837"/>
+          </a:xfrm>
+          <a:custGeom>
+            <a:avLst/>
+            <a:gdLst>
+              <a:gd name="connsiteX0" fmla="*/ 2835357 w 2835357"/>
+              <a:gd name="connsiteY0" fmla="*/ 1480837 h 1480837"/>
+              <a:gd name="connsiteX1" fmla="*/ 0 w 2835357"/>
+              <a:gd name="connsiteY1" fmla="*/ 1480837 h 1480837"/>
+              <a:gd name="connsiteX2" fmla="*/ 1552727 w 2835357"/>
+              <a:gd name="connsiteY2" fmla="*/ 0 h 1480837"/>
+              <a:gd name="connsiteX3" fmla="*/ 2835357 w 2835357"/>
+              <a:gd name="connsiteY3" fmla="*/ 1223245 h 1480837"/>
+            </a:gdLst>
+            <a:ahLst/>
+            <a:cxnLst>
+              <a:cxn ang="0">
+                <a:pos x="connsiteX0" y="connsiteY0"/>
+              </a:cxn>
+              <a:cxn ang="0">
+                <a:pos x="connsiteX1" y="connsiteY1"/>
+              </a:cxn>
+              <a:cxn ang="0">
+                <a:pos x="connsiteX2" y="connsiteY2"/>
+              </a:cxn>
+              <a:cxn ang="0">
+                <a:pos x="connsiteX3" y="connsiteY3"/>
+              </a:cxn>
+            </a:cxnLst>
+            <a:rect l="l" t="t" r="r" b="b"/>
+            <a:pathLst>
+              <a:path w="2835357" h="1480837">
+                <a:moveTo>
+                  <a:pt x="2835357" y="1480837"/>
+                </a:moveTo>
+                <a:lnTo>
+                  <a:pt x="0" y="1480837"/>
+                </a:lnTo>
+                <a:lnTo>
+                  <a:pt x="1552727" y="0"/>
+                </a:lnTo>
+                <a:lnTo>
+                  <a:pt x="2835357" y="1223245"/>
+                </a:lnTo>
+                <a:close/>
+              </a:path>
+            </a:pathLst>
+          </a:custGeom>
+          <a:solidFill>
+            <a:schemeClr val="accent4">
+              <a:alpha val="30000"/>
+            </a:schemeClr>
+          </a:solidFill>
+          <a:ln>
+            <a:noFill/>
+          </a:ln>
+        </p:spPr>
+        <p:style>
+          <a:lnRef idx="2">
+            <a:schemeClr val="accent1">
+              <a:shade val="50000"/>
+            </a:schemeClr>
+          </a:lnRef>
+          <a:fillRef idx="1">
+            <a:schemeClr val="accent1"/>
+          </a:fillRef>
+          <a:effectRef idx="0">
+            <a:schemeClr val="accent1"/>
+          </a:effectRef>
+          <a:fontRef idx="minor">
+            <a:schemeClr val="lt1"/>
+          </a:fontRef>
+        </p:style>
+        <p:txBody>
+          <a:bodyPr wrap="square" rtlCol="0" anchor="ctr">
+            <a:noAutofit/>
+          </a:bodyPr>
+          <a:lstStyle/>
+          <a:p>
+            <a:pPr algn="ctr"/>
+            <a:endParaRPr lang="en-US" dirty="0"/>
+          </a:p>
+        </p:txBody>
+      </p:sp>
+      <p:sp>
+        <p:nvSpPr>
+          <p:cNvPr id="155" name="Isosceles Triangle 154">
+            <a:extLst>
+              <a:ext uri="{FF2B5EF4-FFF2-40B4-BE49-F238E27FC236}">
+                <a16:creationId xmlns:a16="http://schemas.microsoft.com/office/drawing/2014/main" id="{FF9F2414-84E8-453E-B1F3-389FDE8192D9}"/>
+              </a:ext>
+              <a:ext uri="{C183D7F6-B498-43B3-948B-1728B52AA6E4}">
+                <adec:decorative xmlns:adec="http://schemas.microsoft.com/office/drawing/2017/decorative" val="1"/>
+              </a:ext>
+            </a:extLst>
+          </p:cNvPr>
+          <p:cNvSpPr>
+            <a:spLocks noGrp="1" noRot="1" noChangeAspect="1" noMove="1" noResize="1" noEditPoints="1" noAdjustHandles="1" noChangeArrowheads="1" noChangeShapeType="1" noTextEdit="1"/>
+          </p:cNvSpPr>
+          <p:nvPr>
+            <p:extLst>
+              <p:ext uri="{386F3935-93C4-4BCD-93E2-E3B085C9AB24}">
+                <p16:designElem xmlns:p16="http://schemas.microsoft.com/office/powerpoint/2015/main" val="1"/>
+              </p:ext>
+            </p:extLst>
+          </p:nvPr>
+        </p:nvSpPr>
+        <p:spPr>
+          <a:xfrm flipH="1">
+            <a:off x="7976344" y="6115501"/>
+            <a:ext cx="1494513" cy="742499"/>
+          </a:xfrm>
+          <a:prstGeom prst="triangle">
+            <a:avLst/>
+          </a:prstGeom>
+          <a:solidFill>
+            <a:schemeClr val="accent1">
+              <a:alpha val="30000"/>
+            </a:schemeClr>
+          </a:solidFill>
+          <a:ln>
+            <a:noFill/>
+          </a:ln>
+        </p:spPr>
+        <p:style>
+          <a:lnRef idx="2">
+            <a:schemeClr val="accent1">
+              <a:shade val="50000"/>
+            </a:schemeClr>
+          </a:lnRef>
+          <a:fillRef idx="1">
+            <a:schemeClr val="accent1"/>
+          </a:fillRef>
+          <a:effectRef idx="0">
+            <a:schemeClr val="accent1"/>
+          </a:effectRef>
+          <a:fontRef idx="minor">
+            <a:schemeClr val="lt1"/>
+          </a:fontRef>
+        </p:style>
+        <p:txBody>
+          <a:bodyPr rtlCol="0" anchor="ctr"/>
+          <a:lstStyle/>
+          <a:p>
+            <a:pPr algn="ctr"/>
+            <a:endParaRPr lang="en-US"/>
+          </a:p>
+        </p:txBody>
+      </p:sp>
+      <p:sp>
+        <p:nvSpPr>
+          <p:cNvPr id="157" name="Isosceles Triangle 156">
+            <a:extLst>
+              <a:ext uri="{FF2B5EF4-FFF2-40B4-BE49-F238E27FC236}">
+                <a16:creationId xmlns:a16="http://schemas.microsoft.com/office/drawing/2014/main" id="{3ECA69A1-7536-43AC-85EF-C7106179F5ED}"/>
+              </a:ext>
+              <a:ext uri="{C183D7F6-B498-43B3-948B-1728B52AA6E4}">
+                <adec:decorative xmlns:adec="http://schemas.microsoft.com/office/drawing/2017/decorative" val="1"/>
+              </a:ext>
+            </a:extLst>
+          </p:cNvPr>
+          <p:cNvSpPr>
+            <a:spLocks noGrp="1" noRot="1" noChangeAspect="1" noMove="1" noResize="1" noEditPoints="1" noAdjustHandles="1" noChangeArrowheads="1" noChangeShapeType="1" noTextEdit="1"/>
+          </p:cNvSpPr>
+          <p:nvPr>
+            <p:extLst>
+              <p:ext uri="{386F3935-93C4-4BCD-93E2-E3B085C9AB24}">
+                <p16:designElem xmlns:p16="http://schemas.microsoft.com/office/powerpoint/2015/main" val="1"/>
+              </p:ext>
+            </p:extLst>
+          </p:nvPr>
+        </p:nvSpPr>
+        <p:spPr>
+          <a:xfrm flipH="1">
+            <a:off x="7604080" y="6453143"/>
+            <a:ext cx="814903" cy="404857"/>
+          </a:xfrm>
+          <a:prstGeom prst="triangle">
+            <a:avLst/>
+          </a:prstGeom>
+          <a:solidFill>
+            <a:schemeClr val="accent1">
+              <a:alpha val="30000"/>
+            </a:schemeClr>
+          </a:solidFill>
+          <a:ln>
+            <a:noFill/>
+          </a:ln>
+        </p:spPr>
+        <p:style>
+          <a:lnRef idx="2">
+            <a:schemeClr val="accent1">
+              <a:shade val="50000"/>
+            </a:schemeClr>
+          </a:lnRef>
+          <a:fillRef idx="1">
+            <a:schemeClr val="accent1"/>
+          </a:fillRef>
+          <a:effectRef idx="0">
+            <a:schemeClr val="accent1"/>
+          </a:effectRef>
+          <a:fontRef idx="minor">
+            <a:schemeClr val="lt1"/>
+          </a:fontRef>
+        </p:style>
+        <p:txBody>
+          <a:bodyPr rtlCol="0" anchor="ctr"/>
+          <a:lstStyle/>
+          <a:p>
+            <a:pPr algn="ctr"/>
+            <a:endParaRPr lang="en-US"/>
+          </a:p>
+        </p:txBody>
+      </p:sp>
+      <p:pic>
+        <p:nvPicPr>
+          <p:cNvPr id="2" name="Picture 1">
+            <a:extLst>
+              <a:ext uri="{FF2B5EF4-FFF2-40B4-BE49-F238E27FC236}">
+                <a16:creationId xmlns:a16="http://schemas.microsoft.com/office/drawing/2014/main" id="{9EB5F1E3-D51D-0924-75F1-5854A34EA1D8}"/>
+              </a:ext>
+            </a:extLst>
+          </p:cNvPr>
+          <p:cNvPicPr>
+            <a:picLocks noChangeAspect="1"/>
+          </p:cNvPicPr>
+          <p:nvPr/>
+        </p:nvPicPr>
+        <p:blipFill>
+          <a:blip r:embed="rId2"/>
+          <a:stretch>
+            <a:fillRect/>
+          </a:stretch>
+        </p:blipFill>
+        <p:spPr>
+          <a:xfrm>
+            <a:off x="10695709" y="0"/>
+            <a:ext cx="1431530" cy="1281220"/>
+          </a:xfrm>
+          <a:prstGeom prst="rect">
+            <a:avLst/>
+          </a:prstGeom>
+        </p:spPr>
+      </p:pic>
       <p:graphicFrame>
         <p:nvGraphicFramePr>
           <p:cNvPr id="8" name="Table 7">
@@ -10326,44 +10676,45 @@
           <p:nvPr>
             <p:extLst>
               <p:ext uri="{D42A27DB-BD31-4B8C-83A1-F6EECF244321}">
-                <p14:modId xmlns:p14="http://schemas.microsoft.com/office/powerpoint/2010/main" val="2593413385"/>
+                <p14:modId xmlns:p14="http://schemas.microsoft.com/office/powerpoint/2010/main" val="4234144742"/>
               </p:ext>
             </p:extLst>
           </p:nvPr>
         </p:nvGraphicFramePr>
         <p:xfrm>
-          <a:off x="802257" y="822589"/>
-          <a:ext cx="10550106" cy="4931228"/>
+          <a:off x="643466" y="1315214"/>
+          <a:ext cx="10905068" cy="4788837"/>
         </p:xfrm>
         <a:graphic>
           <a:graphicData uri="http://schemas.openxmlformats.org/drawingml/2006/table">
             <a:tbl>
               <a:tblPr firstRow="1" bandRow="1">
+                <a:noFill/>
                 <a:tableStyleId>{69012ECD-51FC-41F1-AA8D-1B2483CD663E}</a:tableStyleId>
               </a:tblPr>
               <a:tblGrid>
-                <a:gridCol w="885952">
+                <a:gridCol w="713456">
                   <a:extLst>
                     <a:ext uri="{9D8B030D-6E8A-4147-A177-3AD203B41FA5}">
                       <a16:colId xmlns:a16="http://schemas.microsoft.com/office/drawing/2014/main" val="2552393206"/>
                     </a:ext>
                   </a:extLst>
                 </a:gridCol>
-                <a:gridCol w="2324646">
+                <a:gridCol w="2569873">
                   <a:extLst>
                     <a:ext uri="{9D8B030D-6E8A-4147-A177-3AD203B41FA5}">
                       <a16:colId xmlns:a16="http://schemas.microsoft.com/office/drawing/2014/main" val="860205446"/>
                     </a:ext>
                   </a:extLst>
                 </a:gridCol>
-                <a:gridCol w="2404382">
+                <a:gridCol w="2136288">
                   <a:extLst>
                     <a:ext uri="{9D8B030D-6E8A-4147-A177-3AD203B41FA5}">
                       <a16:colId xmlns:a16="http://schemas.microsoft.com/office/drawing/2014/main" val="1162389129"/>
                     </a:ext>
                   </a:extLst>
                 </a:gridCol>
-                <a:gridCol w="4935126">
+                <a:gridCol w="5485451">
                   <a:extLst>
                     <a:ext uri="{9D8B030D-6E8A-4147-A177-3AD203B41FA5}">
                       <a16:colId xmlns:a16="http://schemas.microsoft.com/office/drawing/2014/main" val="766157464"/>
@@ -10371,7 +10722,7 @@
                   </a:extLst>
                 </a:gridCol>
               </a:tblGrid>
-              <a:tr h="440725">
+              <a:tr h="478884">
                 <a:tc gridSpan="4">
                   <a:txBody>
                     <a:bodyPr/>
@@ -10386,21 +10737,44 @@
                         </a:spcAft>
                       </a:pPr>
                       <a:r>
-                        <a:rPr lang="en-US" sz="1400" b="0" u="none" strike="noStrike" dirty="0">
+                        <a:rPr lang="en-US" sz="1600" b="1" u="none" strike="noStrike" cap="none" spc="30">
                           <a:solidFill>
-                            <a:srgbClr val="000000"/>
+                            <a:schemeClr val="tx1"/>
                           </a:solidFill>
                           <a:effectLst/>
                         </a:rPr>
                         <a:t>The Evolution of GPT Models</a:t>
                       </a:r>
-                      <a:endParaRPr lang="en-US" sz="2400" b="0" i="0" u="none" strike="noStrike" dirty="0">
+                      <a:endParaRPr lang="en-US" sz="1600" b="1" i="0" u="none" strike="noStrike" cap="none" spc="30">
+                        <a:solidFill>
+                          <a:schemeClr val="tx1"/>
+                        </a:solidFill>
                         <a:effectLst/>
                         <a:latin typeface="Arial" panose="020B0604020202020204" pitchFamily="34" charset="0"/>
                       </a:endParaRPr>
                     </a:p>
                   </a:txBody>
-                  <a:tcPr marL="121538" marR="121538" marT="60768" marB="60768"/>
+                  <a:tcPr marL="0" marR="9107" marT="23483" marB="176122" anchor="ctr">
+                    <a:lnL w="12700" cmpd="sng">
+                      <a:noFill/>
+                      <a:prstDash val="solid"/>
+                    </a:lnL>
+                    <a:lnR w="12700" cmpd="sng">
+                      <a:noFill/>
+                      <a:prstDash val="solid"/>
+                    </a:lnR>
+                    <a:lnT w="19050" cap="flat" cmpd="sng" algn="ctr">
+                      <a:solidFill>
+                        <a:schemeClr val="accent1"/>
+                      </a:solidFill>
+                      <a:prstDash val="solid"/>
+                    </a:lnT>
+                    <a:lnB w="12700" cmpd="sng">
+                      <a:noFill/>
+                      <a:prstDash val="solid"/>
+                    </a:lnB>
+                    <a:noFill/>
+                  </a:tcPr>
                 </a:tc>
                 <a:tc hMerge="1">
                   <a:txBody>
@@ -10438,7 +10812,7 @@
                   </a:ext>
                 </a:extLst>
               </a:tr>
-              <a:tr h="309968">
+              <a:tr h="418171">
                 <a:tc>
                   <a:txBody>
                     <a:bodyPr/>
@@ -10453,21 +10827,44 @@
                         </a:spcAft>
                       </a:pPr>
                       <a:r>
-                        <a:rPr lang="en-IN" sz="1400" b="0" u="none" strike="noStrike">
+                        <a:rPr lang="en-IN" sz="1200" b="0" u="none" strike="noStrike" cap="none" spc="0">
                           <a:solidFill>
-                            <a:srgbClr val="000000"/>
+                            <a:schemeClr val="tx1"/>
                           </a:solidFill>
                           <a:effectLst/>
                         </a:rPr>
                         <a:t>Year</a:t>
                       </a:r>
-                      <a:endParaRPr lang="en-IN" sz="2400" b="0" i="0" u="none" strike="noStrike">
+                      <a:endParaRPr lang="en-IN" sz="1200" b="0" i="0" u="none" strike="noStrike" cap="none" spc="0">
+                        <a:solidFill>
+                          <a:schemeClr val="tx1"/>
+                        </a:solidFill>
                         <a:effectLst/>
                         <a:latin typeface="Arial" panose="020B0604020202020204" pitchFamily="34" charset="0"/>
                       </a:endParaRPr>
                     </a:p>
                   </a:txBody>
-                  <a:tcPr marL="12661" marR="12661" marT="12661" marB="0" anchor="b"/>
+                  <a:tcPr marL="0" marR="58707" marT="23483" marB="176122" anchor="b">
+                    <a:lnL w="12700" cmpd="sng">
+                      <a:noFill/>
+                      <a:prstDash val="solid"/>
+                    </a:lnL>
+                    <a:lnR w="12700" cmpd="sng">
+                      <a:noFill/>
+                      <a:prstDash val="solid"/>
+                    </a:lnR>
+                    <a:lnT w="12700" cmpd="sng">
+                      <a:noFill/>
+                      <a:prstDash val="solid"/>
+                    </a:lnT>
+                    <a:lnB w="9525" cap="flat" cmpd="sng" algn="ctr">
+                      <a:solidFill>
+                        <a:schemeClr val="accent1"/>
+                      </a:solidFill>
+                      <a:prstDash val="solid"/>
+                    </a:lnB>
+                    <a:noFill/>
+                  </a:tcPr>
                 </a:tc>
                 <a:tc>
                   <a:txBody>
@@ -10483,21 +10880,44 @@
                         </a:spcAft>
                       </a:pPr>
                       <a:r>
-                        <a:rPr lang="en-IN" sz="1400" b="0" u="none" strike="noStrike">
+                        <a:rPr lang="en-IN" sz="1200" b="0" u="none" strike="noStrike" cap="none" spc="0">
                           <a:solidFill>
-                            <a:srgbClr val="000000"/>
+                            <a:schemeClr val="tx1"/>
                           </a:solidFill>
                           <a:effectLst/>
                         </a:rPr>
                         <a:t>Model released</a:t>
                       </a:r>
-                      <a:endParaRPr lang="en-IN" sz="2400" b="0" i="0" u="none" strike="noStrike">
+                      <a:endParaRPr lang="en-IN" sz="1200" b="0" i="0" u="none" strike="noStrike" cap="none" spc="0">
+                        <a:solidFill>
+                          <a:schemeClr val="tx1"/>
+                        </a:solidFill>
                         <a:effectLst/>
                         <a:latin typeface="Arial" panose="020B0604020202020204" pitchFamily="34" charset="0"/>
                       </a:endParaRPr>
                     </a:p>
                   </a:txBody>
-                  <a:tcPr marL="12661" marR="12661" marT="12661" marB="0" anchor="b"/>
+                  <a:tcPr marL="0" marR="58707" marT="23483" marB="176122" anchor="b">
+                    <a:lnL w="12700" cmpd="sng">
+                      <a:noFill/>
+                      <a:prstDash val="solid"/>
+                    </a:lnL>
+                    <a:lnR w="12700" cmpd="sng">
+                      <a:noFill/>
+                      <a:prstDash val="solid"/>
+                    </a:lnR>
+                    <a:lnT w="12700" cmpd="sng">
+                      <a:noFill/>
+                      <a:prstDash val="solid"/>
+                    </a:lnT>
+                    <a:lnB w="9525" cap="flat" cmpd="sng" algn="ctr">
+                      <a:solidFill>
+                        <a:schemeClr val="accent1"/>
+                      </a:solidFill>
+                      <a:prstDash val="solid"/>
+                    </a:lnB>
+                    <a:noFill/>
+                  </a:tcPr>
                 </a:tc>
                 <a:tc>
                   <a:txBody>
@@ -10513,21 +10933,44 @@
                         </a:spcAft>
                       </a:pPr>
                       <a:r>
-                        <a:rPr lang="en-IN" sz="1400" b="0" u="none" strike="noStrike">
+                        <a:rPr lang="en-IN" sz="1200" b="0" u="none" strike="noStrike" cap="none" spc="0">
                           <a:solidFill>
-                            <a:srgbClr val="000000"/>
+                            <a:schemeClr val="tx1"/>
                           </a:solidFill>
                           <a:effectLst/>
                         </a:rPr>
                         <a:t>Parameters</a:t>
                       </a:r>
-                      <a:endParaRPr lang="en-IN" sz="2400" b="0" i="0" u="none" strike="noStrike">
+                      <a:endParaRPr lang="en-IN" sz="1200" b="0" i="0" u="none" strike="noStrike" cap="none" spc="0">
+                        <a:solidFill>
+                          <a:schemeClr val="tx1"/>
+                        </a:solidFill>
                         <a:effectLst/>
                         <a:latin typeface="Arial" panose="020B0604020202020204" pitchFamily="34" charset="0"/>
                       </a:endParaRPr>
                     </a:p>
                   </a:txBody>
-                  <a:tcPr marL="12661" marR="12661" marT="12661" marB="0" anchor="b"/>
+                  <a:tcPr marL="0" marR="58707" marT="23483" marB="176122" anchor="b">
+                    <a:lnL w="12700" cmpd="sng">
+                      <a:noFill/>
+                      <a:prstDash val="solid"/>
+                    </a:lnL>
+                    <a:lnR w="12700" cmpd="sng">
+                      <a:noFill/>
+                      <a:prstDash val="solid"/>
+                    </a:lnR>
+                    <a:lnT w="12700" cmpd="sng">
+                      <a:noFill/>
+                      <a:prstDash val="solid"/>
+                    </a:lnT>
+                    <a:lnB w="9525" cap="flat" cmpd="sng" algn="ctr">
+                      <a:solidFill>
+                        <a:schemeClr val="accent1"/>
+                      </a:solidFill>
+                      <a:prstDash val="solid"/>
+                    </a:lnB>
+                    <a:noFill/>
+                  </a:tcPr>
                 </a:tc>
                 <a:tc>
                   <a:txBody>
@@ -10543,21 +10986,44 @@
                         </a:spcAft>
                       </a:pPr>
                       <a:r>
-                        <a:rPr lang="en-IN" sz="1400" b="0" u="none" strike="noStrike">
+                        <a:rPr lang="en-IN" sz="1200" b="0" u="none" strike="noStrike" cap="none" spc="0">
                           <a:solidFill>
-                            <a:srgbClr val="000000"/>
+                            <a:schemeClr val="tx1"/>
                           </a:solidFill>
                           <a:effectLst/>
                         </a:rPr>
                         <a:t>Train data</a:t>
                       </a:r>
-                      <a:endParaRPr lang="en-IN" sz="2400" b="0" i="0" u="none" strike="noStrike">
+                      <a:endParaRPr lang="en-IN" sz="1200" b="0" i="0" u="none" strike="noStrike" cap="none" spc="0">
+                        <a:solidFill>
+                          <a:schemeClr val="tx1"/>
+                        </a:solidFill>
                         <a:effectLst/>
                         <a:latin typeface="Arial" panose="020B0604020202020204" pitchFamily="34" charset="0"/>
                       </a:endParaRPr>
                     </a:p>
                   </a:txBody>
-                  <a:tcPr marL="12661" marR="12661" marT="12661" marB="0" anchor="b"/>
+                  <a:tcPr marL="0" marR="58707" marT="23483" marB="176122" anchor="b">
+                    <a:lnL w="12700" cmpd="sng">
+                      <a:noFill/>
+                      <a:prstDash val="solid"/>
+                    </a:lnL>
+                    <a:lnR w="12700" cmpd="sng">
+                      <a:noFill/>
+                      <a:prstDash val="solid"/>
+                    </a:lnR>
+                    <a:lnT w="12700" cmpd="sng">
+                      <a:noFill/>
+                      <a:prstDash val="solid"/>
+                    </a:lnT>
+                    <a:lnB w="9525" cap="flat" cmpd="sng" algn="ctr">
+                      <a:solidFill>
+                        <a:schemeClr val="accent1"/>
+                      </a:solidFill>
+                      <a:prstDash val="solid"/>
+                    </a:lnB>
+                    <a:noFill/>
+                  </a:tcPr>
                 </a:tc>
                 <a:extLst>
                   <a:ext uri="{0D108BD9-81ED-4DB2-BD59-A6C34878D82A}">
@@ -10565,7 +11031,7 @@
                   </a:ext>
                 </a:extLst>
               </a:tr>
-              <a:tr h="309968">
+              <a:tr h="418171">
                 <a:tc>
                   <a:txBody>
                     <a:bodyPr/>
@@ -10580,21 +11046,49 @@
                         </a:spcAft>
                       </a:pPr>
                       <a:r>
-                        <a:rPr lang="en-IN" sz="1400" b="0" u="none" strike="noStrike">
+                        <a:rPr lang="en-IN" sz="1200" b="0" u="none" strike="noStrike" cap="none" spc="0">
                           <a:solidFill>
-                            <a:srgbClr val="000000"/>
+                            <a:schemeClr val="tx1"/>
                           </a:solidFill>
                           <a:effectLst/>
                         </a:rPr>
                         <a:t>2018</a:t>
                       </a:r>
-                      <a:endParaRPr lang="en-IN" sz="2400" b="0" i="0" u="none" strike="noStrike">
+                      <a:endParaRPr lang="en-IN" sz="1200" b="0" i="0" u="none" strike="noStrike" cap="none" spc="0">
+                        <a:solidFill>
+                          <a:schemeClr val="tx1"/>
+                        </a:solidFill>
                         <a:effectLst/>
                         <a:latin typeface="Arial" panose="020B0604020202020204" pitchFamily="34" charset="0"/>
                       </a:endParaRPr>
                     </a:p>
                   </a:txBody>
-                  <a:tcPr marL="12661" marR="12661" marT="12661" marB="0" anchor="b"/>
+                  <a:tcPr marL="45535" marR="58707" marT="23483" marB="176122" anchor="b">
+                    <a:lnL w="12700" cmpd="sng">
+                      <a:noFill/>
+                      <a:prstDash val="solid"/>
+                    </a:lnL>
+                    <a:lnR w="12700" cmpd="sng">
+                      <a:noFill/>
+                      <a:prstDash val="solid"/>
+                    </a:lnR>
+                    <a:lnT w="9525" cap="flat" cmpd="sng" algn="ctr">
+                      <a:solidFill>
+                        <a:schemeClr val="accent1"/>
+                      </a:solidFill>
+                      <a:prstDash val="solid"/>
+                    </a:lnT>
+                    <a:lnB w="12700" cmpd="sng">
+                      <a:noFill/>
+                      <a:prstDash val="solid"/>
+                    </a:lnB>
+                    <a:solidFill>
+                      <a:schemeClr val="accent1">
+                        <a:lumMod val="20000"/>
+                        <a:lumOff val="80000"/>
+                      </a:schemeClr>
+                    </a:solidFill>
+                  </a:tcPr>
                 </a:tc>
                 <a:tc>
                   <a:txBody>
@@ -10610,21 +11104,49 @@
                         </a:spcAft>
                       </a:pPr>
                       <a:r>
-                        <a:rPr lang="en-IN" sz="1400" b="0" u="none" strike="noStrike">
+                        <a:rPr lang="en-IN" sz="1200" b="0" u="none" strike="noStrike" cap="none" spc="0">
                           <a:solidFill>
-                            <a:srgbClr val="000000"/>
+                            <a:schemeClr val="tx1"/>
                           </a:solidFill>
                           <a:effectLst/>
                         </a:rPr>
                         <a:t>GPT-1</a:t>
                       </a:r>
-                      <a:endParaRPr lang="en-IN" sz="2400" b="0" i="0" u="none" strike="noStrike">
+                      <a:endParaRPr lang="en-IN" sz="1200" b="0" i="0" u="none" strike="noStrike" cap="none" spc="0">
+                        <a:solidFill>
+                          <a:schemeClr val="tx1"/>
+                        </a:solidFill>
                         <a:effectLst/>
                         <a:latin typeface="Arial" panose="020B0604020202020204" pitchFamily="34" charset="0"/>
                       </a:endParaRPr>
                     </a:p>
                   </a:txBody>
-                  <a:tcPr marL="12661" marR="12661" marT="12661" marB="0" anchor="b"/>
+                  <a:tcPr marL="45535" marR="58707" marT="23483" marB="176122" anchor="b">
+                    <a:lnL w="12700" cmpd="sng">
+                      <a:noFill/>
+                      <a:prstDash val="solid"/>
+                    </a:lnL>
+                    <a:lnR w="12700" cmpd="sng">
+                      <a:noFill/>
+                      <a:prstDash val="solid"/>
+                    </a:lnR>
+                    <a:lnT w="9525" cap="flat" cmpd="sng" algn="ctr">
+                      <a:solidFill>
+                        <a:schemeClr val="accent1"/>
+                      </a:solidFill>
+                      <a:prstDash val="solid"/>
+                    </a:lnT>
+                    <a:lnB w="12700" cmpd="sng">
+                      <a:noFill/>
+                      <a:prstDash val="solid"/>
+                    </a:lnB>
+                    <a:solidFill>
+                      <a:schemeClr val="accent1">
+                        <a:lumMod val="20000"/>
+                        <a:lumOff val="80000"/>
+                      </a:schemeClr>
+                    </a:solidFill>
+                  </a:tcPr>
                 </a:tc>
                 <a:tc>
                   <a:txBody>
@@ -10640,21 +11162,49 @@
                         </a:spcAft>
                       </a:pPr>
                       <a:r>
-                        <a:rPr lang="en-IN" sz="1400" b="0" u="none" strike="noStrike">
+                        <a:rPr lang="en-IN" sz="1200" b="0" u="none" strike="noStrike" cap="none" spc="0">
                           <a:solidFill>
-                            <a:srgbClr val="000000"/>
+                            <a:schemeClr val="tx1"/>
                           </a:solidFill>
                           <a:effectLst/>
                         </a:rPr>
                         <a:t>117 million parameters </a:t>
                       </a:r>
-                      <a:endParaRPr lang="en-IN" sz="2400" b="0" i="0" u="none" strike="noStrike">
+                      <a:endParaRPr lang="en-IN" sz="1200" b="0" i="0" u="none" strike="noStrike" cap="none" spc="0">
+                        <a:solidFill>
+                          <a:schemeClr val="tx1"/>
+                        </a:solidFill>
                         <a:effectLst/>
                         <a:latin typeface="Arial" panose="020B0604020202020204" pitchFamily="34" charset="0"/>
                       </a:endParaRPr>
                     </a:p>
                   </a:txBody>
-                  <a:tcPr marL="12661" marR="12661" marT="12661" marB="0" anchor="b"/>
+                  <a:tcPr marL="45535" marR="58707" marT="23483" marB="176122" anchor="b">
+                    <a:lnL w="12700" cmpd="sng">
+                      <a:noFill/>
+                      <a:prstDash val="solid"/>
+                    </a:lnL>
+                    <a:lnR w="12700" cmpd="sng">
+                      <a:noFill/>
+                      <a:prstDash val="solid"/>
+                    </a:lnR>
+                    <a:lnT w="9525" cap="flat" cmpd="sng" algn="ctr">
+                      <a:solidFill>
+                        <a:schemeClr val="accent1"/>
+                      </a:solidFill>
+                      <a:prstDash val="solid"/>
+                    </a:lnT>
+                    <a:lnB w="12700" cmpd="sng">
+                      <a:noFill/>
+                      <a:prstDash val="solid"/>
+                    </a:lnB>
+                    <a:solidFill>
+                      <a:schemeClr val="accent1">
+                        <a:lumMod val="20000"/>
+                        <a:lumOff val="80000"/>
+                      </a:schemeClr>
+                    </a:solidFill>
+                  </a:tcPr>
                 </a:tc>
                 <a:tc>
                   <a:txBody>
@@ -10670,21 +11220,49 @@
                         </a:spcAft>
                       </a:pPr>
                       <a:r>
-                        <a:rPr lang="en-US" sz="1400" b="0" u="none" strike="noStrike">
+                        <a:rPr lang="en-US" sz="1200" b="0" u="none" strike="noStrike" cap="none" spc="0">
                           <a:solidFill>
-                            <a:srgbClr val="000000"/>
+                            <a:schemeClr val="tx1"/>
                           </a:solidFill>
                           <a:effectLst/>
                         </a:rPr>
                         <a:t>dataset of approximately 8 million web pages</a:t>
                       </a:r>
-                      <a:endParaRPr lang="en-US" sz="2400" b="0" i="0" u="none" strike="noStrike">
+                      <a:endParaRPr lang="en-US" sz="1200" b="0" i="0" u="none" strike="noStrike" cap="none" spc="0">
+                        <a:solidFill>
+                          <a:schemeClr val="tx1"/>
+                        </a:solidFill>
                         <a:effectLst/>
                         <a:latin typeface="Arial" panose="020B0604020202020204" pitchFamily="34" charset="0"/>
                       </a:endParaRPr>
                     </a:p>
                   </a:txBody>
-                  <a:tcPr marL="12661" marR="12661" marT="12661" marB="0" anchor="b"/>
+                  <a:tcPr marL="45535" marR="58707" marT="23483" marB="176122" anchor="b">
+                    <a:lnL w="12700" cmpd="sng">
+                      <a:noFill/>
+                      <a:prstDash val="solid"/>
+                    </a:lnL>
+                    <a:lnR w="12700" cmpd="sng">
+                      <a:noFill/>
+                      <a:prstDash val="solid"/>
+                    </a:lnR>
+                    <a:lnT w="9525" cap="flat" cmpd="sng" algn="ctr">
+                      <a:solidFill>
+                        <a:schemeClr val="accent1"/>
+                      </a:solidFill>
+                      <a:prstDash val="solid"/>
+                    </a:lnT>
+                    <a:lnB w="12700" cmpd="sng">
+                      <a:noFill/>
+                      <a:prstDash val="solid"/>
+                    </a:lnB>
+                    <a:solidFill>
+                      <a:schemeClr val="accent1">
+                        <a:lumMod val="20000"/>
+                        <a:lumOff val="80000"/>
+                      </a:schemeClr>
+                    </a:solidFill>
+                  </a:tcPr>
                 </a:tc>
                 <a:extLst>
                   <a:ext uri="{0D108BD9-81ED-4DB2-BD59-A6C34878D82A}">
@@ -10692,7 +11270,7 @@
                   </a:ext>
                 </a:extLst>
               </a:tr>
-              <a:tr h="309968">
+              <a:tr h="418171">
                 <a:tc>
                   <a:txBody>
                     <a:bodyPr/>
@@ -10707,21 +11285,44 @@
                         </a:spcAft>
                       </a:pPr>
                       <a:r>
-                        <a:rPr lang="en-IN" sz="1400" b="0" u="none" strike="noStrike">
+                        <a:rPr lang="en-IN" sz="1200" b="0" u="none" strike="noStrike" cap="none" spc="0">
                           <a:solidFill>
-                            <a:srgbClr val="000000"/>
+                            <a:schemeClr val="tx1"/>
                           </a:solidFill>
                           <a:effectLst/>
                         </a:rPr>
                         <a:t>2019</a:t>
                       </a:r>
-                      <a:endParaRPr lang="en-IN" sz="2400" b="0" i="0" u="none" strike="noStrike">
+                      <a:endParaRPr lang="en-IN" sz="1200" b="0" i="0" u="none" strike="noStrike" cap="none" spc="0">
+                        <a:solidFill>
+                          <a:schemeClr val="tx1"/>
+                        </a:solidFill>
                         <a:effectLst/>
                         <a:latin typeface="Arial" panose="020B0604020202020204" pitchFamily="34" charset="0"/>
                       </a:endParaRPr>
                     </a:p>
                   </a:txBody>
-                  <a:tcPr marL="12661" marR="12661" marT="12661" marB="0" anchor="b"/>
+                  <a:tcPr marL="0" marR="58707" marT="23483" marB="176122" anchor="b">
+                    <a:lnL w="12700" cmpd="sng">
+                      <a:noFill/>
+                      <a:prstDash val="solid"/>
+                    </a:lnL>
+                    <a:lnR w="12700" cmpd="sng">
+                      <a:noFill/>
+                      <a:prstDash val="solid"/>
+                    </a:lnR>
+                    <a:lnT w="12700" cmpd="sng">
+                      <a:noFill/>
+                      <a:prstDash val="solid"/>
+                    </a:lnT>
+                    <a:lnB w="9525" cap="flat" cmpd="sng" algn="ctr">
+                      <a:solidFill>
+                        <a:schemeClr val="accent1"/>
+                      </a:solidFill>
+                      <a:prstDash val="solid"/>
+                    </a:lnB>
+                    <a:noFill/>
+                  </a:tcPr>
                 </a:tc>
                 <a:tc>
                   <a:txBody>
@@ -10737,21 +11338,44 @@
                         </a:spcAft>
                       </a:pPr>
                       <a:r>
-                        <a:rPr lang="en-IN" sz="1400" b="0" u="none" strike="noStrike">
+                        <a:rPr lang="en-IN" sz="1200" b="0" u="none" strike="noStrike" cap="none" spc="0">
                           <a:solidFill>
-                            <a:srgbClr val="000000"/>
+                            <a:schemeClr val="tx1"/>
                           </a:solidFill>
                           <a:effectLst/>
                         </a:rPr>
                         <a:t>GPT-2</a:t>
                       </a:r>
-                      <a:endParaRPr lang="en-IN" sz="2400" b="0" i="0" u="none" strike="noStrike">
+                      <a:endParaRPr lang="en-IN" sz="1200" b="0" i="0" u="none" strike="noStrike" cap="none" spc="0">
+                        <a:solidFill>
+                          <a:schemeClr val="tx1"/>
+                        </a:solidFill>
                         <a:effectLst/>
                         <a:latin typeface="Arial" panose="020B0604020202020204" pitchFamily="34" charset="0"/>
                       </a:endParaRPr>
                     </a:p>
                   </a:txBody>
-                  <a:tcPr marL="12661" marR="12661" marT="12661" marB="0" anchor="b"/>
+                  <a:tcPr marL="0" marR="58707" marT="23483" marB="176122" anchor="b">
+                    <a:lnL w="12700" cmpd="sng">
+                      <a:noFill/>
+                      <a:prstDash val="solid"/>
+                    </a:lnL>
+                    <a:lnR w="12700" cmpd="sng">
+                      <a:noFill/>
+                      <a:prstDash val="solid"/>
+                    </a:lnR>
+                    <a:lnT w="12700" cmpd="sng">
+                      <a:noFill/>
+                      <a:prstDash val="solid"/>
+                    </a:lnT>
+                    <a:lnB w="9525" cap="flat" cmpd="sng" algn="ctr">
+                      <a:solidFill>
+                        <a:schemeClr val="accent1"/>
+                      </a:solidFill>
+                      <a:prstDash val="solid"/>
+                    </a:lnB>
+                    <a:noFill/>
+                  </a:tcPr>
                 </a:tc>
                 <a:tc>
                   <a:txBody>
@@ -10767,21 +11391,44 @@
                         </a:spcAft>
                       </a:pPr>
                       <a:r>
-                        <a:rPr lang="en-IN" sz="1400" b="0" u="none" strike="noStrike">
+                        <a:rPr lang="en-IN" sz="1200" b="0" u="none" strike="noStrike" cap="none" spc="0">
                           <a:solidFill>
-                            <a:srgbClr val="000000"/>
+                            <a:schemeClr val="tx1"/>
                           </a:solidFill>
                           <a:effectLst/>
                         </a:rPr>
                         <a:t>1.5 billion parameters</a:t>
                       </a:r>
-                      <a:endParaRPr lang="en-IN" sz="2400" b="0" i="0" u="none" strike="noStrike">
+                      <a:endParaRPr lang="en-IN" sz="1200" b="0" i="0" u="none" strike="noStrike" cap="none" spc="0">
+                        <a:solidFill>
+                          <a:schemeClr val="tx1"/>
+                        </a:solidFill>
                         <a:effectLst/>
                         <a:latin typeface="Arial" panose="020B0604020202020204" pitchFamily="34" charset="0"/>
                       </a:endParaRPr>
                     </a:p>
                   </a:txBody>
-                  <a:tcPr marL="12661" marR="12661" marT="12661" marB="0" anchor="b"/>
+                  <a:tcPr marL="0" marR="58707" marT="23483" marB="176122" anchor="b">
+                    <a:lnL w="12700" cmpd="sng">
+                      <a:noFill/>
+                      <a:prstDash val="solid"/>
+                    </a:lnL>
+                    <a:lnR w="12700" cmpd="sng">
+                      <a:noFill/>
+                      <a:prstDash val="solid"/>
+                    </a:lnR>
+                    <a:lnT w="12700" cmpd="sng">
+                      <a:noFill/>
+                      <a:prstDash val="solid"/>
+                    </a:lnT>
+                    <a:lnB w="9525" cap="flat" cmpd="sng" algn="ctr">
+                      <a:solidFill>
+                        <a:schemeClr val="accent1"/>
+                      </a:solidFill>
+                      <a:prstDash val="solid"/>
+                    </a:lnB>
+                    <a:noFill/>
+                  </a:tcPr>
                 </a:tc>
                 <a:tc>
                   <a:txBody>
@@ -10797,21 +11444,44 @@
                         </a:spcAft>
                       </a:pPr>
                       <a:r>
-                        <a:rPr lang="en-US" sz="1400" b="0" u="none" strike="noStrike">
+                        <a:rPr lang="en-US" sz="1200" b="0" u="none" strike="noStrike" cap="none" spc="0">
                           <a:solidFill>
-                            <a:srgbClr val="000000"/>
+                            <a:schemeClr val="tx1"/>
                           </a:solidFill>
                           <a:effectLst/>
                         </a:rPr>
                         <a:t>approximately 40 GB of text</a:t>
                       </a:r>
-                      <a:endParaRPr lang="en-US" sz="2400" b="0" i="0" u="none" strike="noStrike">
+                      <a:endParaRPr lang="en-US" sz="1200" b="0" i="0" u="none" strike="noStrike" cap="none" spc="0">
+                        <a:solidFill>
+                          <a:schemeClr val="tx1"/>
+                        </a:solidFill>
                         <a:effectLst/>
                         <a:latin typeface="Arial" panose="020B0604020202020204" pitchFamily="34" charset="0"/>
                       </a:endParaRPr>
                     </a:p>
                   </a:txBody>
-                  <a:tcPr marL="12661" marR="12661" marT="12661" marB="0" anchor="b"/>
+                  <a:tcPr marL="0" marR="58707" marT="23483" marB="176122" anchor="b">
+                    <a:lnL w="12700" cmpd="sng">
+                      <a:noFill/>
+                      <a:prstDash val="solid"/>
+                    </a:lnL>
+                    <a:lnR w="12700" cmpd="sng">
+                      <a:noFill/>
+                      <a:prstDash val="solid"/>
+                    </a:lnR>
+                    <a:lnT w="12700" cmpd="sng">
+                      <a:noFill/>
+                      <a:prstDash val="solid"/>
+                    </a:lnT>
+                    <a:lnB w="9525" cap="flat" cmpd="sng" algn="ctr">
+                      <a:solidFill>
+                        <a:schemeClr val="accent1"/>
+                      </a:solidFill>
+                      <a:prstDash val="solid"/>
+                    </a:lnB>
+                    <a:noFill/>
+                  </a:tcPr>
                 </a:tc>
                 <a:extLst>
                   <a:ext uri="{0D108BD9-81ED-4DB2-BD59-A6C34878D82A}">
@@ -10819,7 +11489,7 @@
                   </a:ext>
                 </a:extLst>
               </a:tr>
-              <a:tr h="309968">
+              <a:tr h="418171">
                 <a:tc>
                   <a:txBody>
                     <a:bodyPr/>
@@ -10834,21 +11504,49 @@
                         </a:spcAft>
                       </a:pPr>
                       <a:r>
-                        <a:rPr lang="en-IN" sz="1400" b="0" u="none" strike="noStrike">
+                        <a:rPr lang="en-IN" sz="1200" b="0" u="none" strike="noStrike" cap="none" spc="0">
                           <a:solidFill>
-                            <a:srgbClr val="000000"/>
+                            <a:schemeClr val="tx1"/>
                           </a:solidFill>
                           <a:effectLst/>
                         </a:rPr>
                         <a:t>2020</a:t>
                       </a:r>
-                      <a:endParaRPr lang="en-IN" sz="2400" b="0" i="0" u="none" strike="noStrike">
+                      <a:endParaRPr lang="en-IN" sz="1200" b="0" i="0" u="none" strike="noStrike" cap="none" spc="0">
+                        <a:solidFill>
+                          <a:schemeClr val="tx1"/>
+                        </a:solidFill>
                         <a:effectLst/>
                         <a:latin typeface="Arial" panose="020B0604020202020204" pitchFamily="34" charset="0"/>
                       </a:endParaRPr>
                     </a:p>
                   </a:txBody>
-                  <a:tcPr marL="12661" marR="12661" marT="12661" marB="0" anchor="b"/>
+                  <a:tcPr marL="45535" marR="58707" marT="23483" marB="176122" anchor="b">
+                    <a:lnL w="12700" cmpd="sng">
+                      <a:noFill/>
+                      <a:prstDash val="solid"/>
+                    </a:lnL>
+                    <a:lnR w="12700" cmpd="sng">
+                      <a:noFill/>
+                      <a:prstDash val="solid"/>
+                    </a:lnR>
+                    <a:lnT w="9525" cap="flat" cmpd="sng" algn="ctr">
+                      <a:solidFill>
+                        <a:schemeClr val="accent1"/>
+                      </a:solidFill>
+                      <a:prstDash val="solid"/>
+                    </a:lnT>
+                    <a:lnB w="12700" cmpd="sng">
+                      <a:noFill/>
+                      <a:prstDash val="solid"/>
+                    </a:lnB>
+                    <a:solidFill>
+                      <a:schemeClr val="accent1">
+                        <a:lumMod val="20000"/>
+                        <a:lumOff val="80000"/>
+                      </a:schemeClr>
+                    </a:solidFill>
+                  </a:tcPr>
                 </a:tc>
                 <a:tc>
                   <a:txBody>
@@ -10864,21 +11562,49 @@
                         </a:spcAft>
                       </a:pPr>
                       <a:r>
-                        <a:rPr lang="en-IN" sz="1400" b="0" u="none" strike="noStrike">
+                        <a:rPr lang="en-IN" sz="1200" b="0" u="none" strike="noStrike" cap="none" spc="0">
                           <a:solidFill>
-                            <a:srgbClr val="000000"/>
+                            <a:schemeClr val="tx1"/>
                           </a:solidFill>
                           <a:effectLst/>
                         </a:rPr>
                         <a:t>GPT-3</a:t>
                       </a:r>
-                      <a:endParaRPr lang="en-IN" sz="2400" b="0" i="0" u="none" strike="noStrike">
+                      <a:endParaRPr lang="en-IN" sz="1200" b="0" i="0" u="none" strike="noStrike" cap="none" spc="0">
+                        <a:solidFill>
+                          <a:schemeClr val="tx1"/>
+                        </a:solidFill>
                         <a:effectLst/>
                         <a:latin typeface="Arial" panose="020B0604020202020204" pitchFamily="34" charset="0"/>
                       </a:endParaRPr>
                     </a:p>
                   </a:txBody>
-                  <a:tcPr marL="12661" marR="12661" marT="12661" marB="0" anchor="b"/>
+                  <a:tcPr marL="45535" marR="58707" marT="23483" marB="176122" anchor="b">
+                    <a:lnL w="12700" cmpd="sng">
+                      <a:noFill/>
+                      <a:prstDash val="solid"/>
+                    </a:lnL>
+                    <a:lnR w="12700" cmpd="sng">
+                      <a:noFill/>
+                      <a:prstDash val="solid"/>
+                    </a:lnR>
+                    <a:lnT w="9525" cap="flat" cmpd="sng" algn="ctr">
+                      <a:solidFill>
+                        <a:schemeClr val="accent1"/>
+                      </a:solidFill>
+                      <a:prstDash val="solid"/>
+                    </a:lnT>
+                    <a:lnB w="12700" cmpd="sng">
+                      <a:noFill/>
+                      <a:prstDash val="solid"/>
+                    </a:lnB>
+                    <a:solidFill>
+                      <a:schemeClr val="accent1">
+                        <a:lumMod val="20000"/>
+                        <a:lumOff val="80000"/>
+                      </a:schemeClr>
+                    </a:solidFill>
+                  </a:tcPr>
                 </a:tc>
                 <a:tc>
                   <a:txBody>
@@ -10894,21 +11620,49 @@
                         </a:spcAft>
                       </a:pPr>
                       <a:r>
-                        <a:rPr lang="en-IN" sz="1400" b="0" u="none" strike="noStrike">
+                        <a:rPr lang="en-IN" sz="1200" b="0" u="none" strike="noStrike" cap="none" spc="0">
                           <a:solidFill>
-                            <a:srgbClr val="000000"/>
+                            <a:schemeClr val="tx1"/>
                           </a:solidFill>
                           <a:effectLst/>
                         </a:rPr>
                         <a:t>175 billion parameters</a:t>
                       </a:r>
-                      <a:endParaRPr lang="en-IN" sz="2400" b="0" i="0" u="none" strike="noStrike">
+                      <a:endParaRPr lang="en-IN" sz="1200" b="0" i="0" u="none" strike="noStrike" cap="none" spc="0">
+                        <a:solidFill>
+                          <a:schemeClr val="tx1"/>
+                        </a:solidFill>
                         <a:effectLst/>
                         <a:latin typeface="Arial" panose="020B0604020202020204" pitchFamily="34" charset="0"/>
                       </a:endParaRPr>
                     </a:p>
                   </a:txBody>
-                  <a:tcPr marL="12661" marR="12661" marT="12661" marB="0" anchor="b"/>
+                  <a:tcPr marL="45535" marR="58707" marT="23483" marB="176122" anchor="b">
+                    <a:lnL w="12700" cmpd="sng">
+                      <a:noFill/>
+                      <a:prstDash val="solid"/>
+                    </a:lnL>
+                    <a:lnR w="12700" cmpd="sng">
+                      <a:noFill/>
+                      <a:prstDash val="solid"/>
+                    </a:lnR>
+                    <a:lnT w="9525" cap="flat" cmpd="sng" algn="ctr">
+                      <a:solidFill>
+                        <a:schemeClr val="accent1"/>
+                      </a:solidFill>
+                      <a:prstDash val="solid"/>
+                    </a:lnT>
+                    <a:lnB w="12700" cmpd="sng">
+                      <a:noFill/>
+                      <a:prstDash val="solid"/>
+                    </a:lnB>
+                    <a:solidFill>
+                      <a:schemeClr val="accent1">
+                        <a:lumMod val="20000"/>
+                        <a:lumOff val="80000"/>
+                      </a:schemeClr>
+                    </a:solidFill>
+                  </a:tcPr>
                 </a:tc>
                 <a:tc>
                   <a:txBody>
@@ -10924,21 +11678,49 @@
                         </a:spcAft>
                       </a:pPr>
                       <a:r>
-                        <a:rPr lang="en-US" sz="1400" b="0" u="none" strike="noStrike">
+                        <a:rPr lang="en-US" sz="1200" b="0" u="none" strike="noStrike" cap="none" spc="0">
                           <a:solidFill>
-                            <a:srgbClr val="000000"/>
+                            <a:schemeClr val="tx1"/>
                           </a:solidFill>
                           <a:effectLst/>
                         </a:rPr>
                         <a:t>approximately 570 GB of text </a:t>
                       </a:r>
-                      <a:endParaRPr lang="en-US" sz="2400" b="0" i="0" u="none" strike="noStrike">
+                      <a:endParaRPr lang="en-US" sz="1200" b="0" i="0" u="none" strike="noStrike" cap="none" spc="0">
+                        <a:solidFill>
+                          <a:schemeClr val="tx1"/>
+                        </a:solidFill>
                         <a:effectLst/>
                         <a:latin typeface="Arial" panose="020B0604020202020204" pitchFamily="34" charset="0"/>
                       </a:endParaRPr>
                     </a:p>
                   </a:txBody>
-                  <a:tcPr marL="12661" marR="12661" marT="12661" marB="0" anchor="b"/>
+                  <a:tcPr marL="45535" marR="58707" marT="23483" marB="176122" anchor="b">
+                    <a:lnL w="12700" cmpd="sng">
+                      <a:noFill/>
+                      <a:prstDash val="solid"/>
+                    </a:lnL>
+                    <a:lnR w="12700" cmpd="sng">
+                      <a:noFill/>
+                      <a:prstDash val="solid"/>
+                    </a:lnR>
+                    <a:lnT w="9525" cap="flat" cmpd="sng" algn="ctr">
+                      <a:solidFill>
+                        <a:schemeClr val="accent1"/>
+                      </a:solidFill>
+                      <a:prstDash val="solid"/>
+                    </a:lnT>
+                    <a:lnB w="12700" cmpd="sng">
+                      <a:noFill/>
+                      <a:prstDash val="solid"/>
+                    </a:lnB>
+                    <a:solidFill>
+                      <a:schemeClr val="accent1">
+                        <a:lumMod val="20000"/>
+                        <a:lumOff val="80000"/>
+                      </a:schemeClr>
+                    </a:solidFill>
+                  </a:tcPr>
                 </a:tc>
                 <a:extLst>
                   <a:ext uri="{0D108BD9-81ED-4DB2-BD59-A6C34878D82A}">
@@ -10946,7 +11728,7 @@
                   </a:ext>
                 </a:extLst>
               </a:tr>
-              <a:tr h="833376">
+              <a:tr h="600309">
                 <a:tc>
                   <a:txBody>
                     <a:bodyPr/>
@@ -10961,21 +11743,44 @@
                         </a:spcAft>
                       </a:pPr>
                       <a:r>
-                        <a:rPr lang="en-IN" sz="1400" b="0" u="none" strike="noStrike">
+                        <a:rPr lang="en-IN" sz="1200" b="0" u="none" strike="noStrike" cap="none" spc="0">
                           <a:solidFill>
-                            <a:srgbClr val="000000"/>
+                            <a:schemeClr val="tx1"/>
                           </a:solidFill>
                           <a:effectLst/>
                         </a:rPr>
                         <a:t>2021</a:t>
                       </a:r>
-                      <a:endParaRPr lang="en-IN" sz="2400" b="0" i="0" u="none" strike="noStrike">
+                      <a:endParaRPr lang="en-IN" sz="1200" b="0" i="0" u="none" strike="noStrike" cap="none" spc="0">
+                        <a:solidFill>
+                          <a:schemeClr val="tx1"/>
+                        </a:solidFill>
                         <a:effectLst/>
                         <a:latin typeface="Arial" panose="020B0604020202020204" pitchFamily="34" charset="0"/>
                       </a:endParaRPr>
                     </a:p>
                   </a:txBody>
-                  <a:tcPr marL="12661" marR="12661" marT="12661" marB="0" anchor="b"/>
+                  <a:tcPr marL="0" marR="58707" marT="23483" marB="176122" anchor="b">
+                    <a:lnL w="12700" cmpd="sng">
+                      <a:noFill/>
+                      <a:prstDash val="solid"/>
+                    </a:lnL>
+                    <a:lnR w="12700" cmpd="sng">
+                      <a:noFill/>
+                      <a:prstDash val="solid"/>
+                    </a:lnR>
+                    <a:lnT w="12700" cmpd="sng">
+                      <a:noFill/>
+                      <a:prstDash val="solid"/>
+                    </a:lnT>
+                    <a:lnB w="9525" cap="flat" cmpd="sng" algn="ctr">
+                      <a:solidFill>
+                        <a:schemeClr val="accent1"/>
+                      </a:solidFill>
+                      <a:prstDash val="solid"/>
+                    </a:lnB>
+                    <a:noFill/>
+                  </a:tcPr>
                 </a:tc>
                 <a:tc>
                   <a:txBody>
@@ -10991,21 +11796,44 @@
                         </a:spcAft>
                       </a:pPr>
                       <a:r>
-                        <a:rPr lang="en-IN" sz="1400" b="0" u="none" strike="noStrike">
+                        <a:rPr lang="en-IN" sz="1200" b="0" u="none" strike="noStrike" cap="none" spc="0">
                           <a:solidFill>
-                            <a:srgbClr val="000000"/>
+                            <a:schemeClr val="tx1"/>
                           </a:solidFill>
                           <a:effectLst/>
                         </a:rPr>
                         <a:t>OpenAI’s Codex </a:t>
                       </a:r>
-                      <a:endParaRPr lang="en-IN" sz="2400" b="0" i="0" u="none" strike="noStrike">
+                      <a:endParaRPr lang="en-IN" sz="1200" b="0" i="0" u="none" strike="noStrike" cap="none" spc="0">
+                        <a:solidFill>
+                          <a:schemeClr val="tx1"/>
+                        </a:solidFill>
                         <a:effectLst/>
                         <a:latin typeface="Arial" panose="020B0604020202020204" pitchFamily="34" charset="0"/>
                       </a:endParaRPr>
                     </a:p>
                   </a:txBody>
-                  <a:tcPr marL="12661" marR="12661" marT="12661" marB="0" anchor="b"/>
+                  <a:tcPr marL="0" marR="58707" marT="23483" marB="176122" anchor="b">
+                    <a:lnL w="12700" cmpd="sng">
+                      <a:noFill/>
+                      <a:prstDash val="solid"/>
+                    </a:lnL>
+                    <a:lnR w="12700" cmpd="sng">
+                      <a:noFill/>
+                      <a:prstDash val="solid"/>
+                    </a:lnR>
+                    <a:lnT w="12700" cmpd="sng">
+                      <a:noFill/>
+                      <a:prstDash val="solid"/>
+                    </a:lnT>
+                    <a:lnB w="9525" cap="flat" cmpd="sng" algn="ctr">
+                      <a:solidFill>
+                        <a:schemeClr val="accent1"/>
+                      </a:solidFill>
+                      <a:prstDash val="solid"/>
+                    </a:lnB>
+                    <a:noFill/>
+                  </a:tcPr>
                 </a:tc>
                 <a:tc>
                   <a:txBody>
@@ -11021,21 +11849,44 @@
                         </a:spcAft>
                       </a:pPr>
                       <a:r>
-                        <a:rPr lang="en-IN" sz="1400" b="0" u="none" strike="noStrike">
+                        <a:rPr lang="en-IN" sz="1200" b="0" u="none" strike="noStrike" cap="none" spc="0">
                           <a:solidFill>
-                            <a:srgbClr val="000000"/>
+                            <a:schemeClr val="tx1"/>
                           </a:solidFill>
                           <a:effectLst/>
                         </a:rPr>
                         <a:t>6 billion parameters </a:t>
                       </a:r>
-                      <a:endParaRPr lang="en-IN" sz="2400" b="0" i="0" u="none" strike="noStrike">
+                      <a:endParaRPr lang="en-IN" sz="1200" b="0" i="0" u="none" strike="noStrike" cap="none" spc="0">
+                        <a:solidFill>
+                          <a:schemeClr val="tx1"/>
+                        </a:solidFill>
                         <a:effectLst/>
                         <a:latin typeface="Arial" panose="020B0604020202020204" pitchFamily="34" charset="0"/>
                       </a:endParaRPr>
                     </a:p>
                   </a:txBody>
-                  <a:tcPr marL="12661" marR="12661" marT="12661" marB="0" anchor="b"/>
+                  <a:tcPr marL="0" marR="58707" marT="23483" marB="176122" anchor="b">
+                    <a:lnL w="12700" cmpd="sng">
+                      <a:noFill/>
+                      <a:prstDash val="solid"/>
+                    </a:lnL>
+                    <a:lnR w="12700" cmpd="sng">
+                      <a:noFill/>
+                      <a:prstDash val="solid"/>
+                    </a:lnR>
+                    <a:lnT w="12700" cmpd="sng">
+                      <a:noFill/>
+                      <a:prstDash val="solid"/>
+                    </a:lnT>
+                    <a:lnB w="9525" cap="flat" cmpd="sng" algn="ctr">
+                      <a:solidFill>
+                        <a:schemeClr val="accent1"/>
+                      </a:solidFill>
+                      <a:prstDash val="solid"/>
+                    </a:lnB>
+                    <a:noFill/>
+                  </a:tcPr>
                 </a:tc>
                 <a:tc>
                   <a:txBody>
@@ -11051,21 +11902,44 @@
                         </a:spcAft>
                       </a:pPr>
                       <a:r>
-                        <a:rPr lang="en-US" sz="1400" b="0" u="none" strike="noStrike">
+                        <a:rPr lang="en-US" sz="1200" b="0" u="none" strike="noStrike" cap="none" spc="0">
                           <a:solidFill>
-                            <a:srgbClr val="000000"/>
+                            <a:schemeClr val="tx1"/>
                           </a:solidFill>
                           <a:effectLst/>
                         </a:rPr>
                         <a:t>trained on code 800 million lines of code powers GitHub Copilot, an AI-powered code completion tool</a:t>
                       </a:r>
-                      <a:endParaRPr lang="en-US" sz="2400" b="0" i="0" u="none" strike="noStrike">
+                      <a:endParaRPr lang="en-US" sz="1200" b="0" i="0" u="none" strike="noStrike" cap="none" spc="0">
+                        <a:solidFill>
+                          <a:schemeClr val="tx1"/>
+                        </a:solidFill>
                         <a:effectLst/>
                         <a:latin typeface="Arial" panose="020B0604020202020204" pitchFamily="34" charset="0"/>
                       </a:endParaRPr>
                     </a:p>
                   </a:txBody>
-                  <a:tcPr marL="12661" marR="12661" marT="12661" marB="0" anchor="b"/>
+                  <a:tcPr marL="0" marR="58707" marT="23483" marB="176122" anchor="b">
+                    <a:lnL w="12700" cmpd="sng">
+                      <a:noFill/>
+                      <a:prstDash val="solid"/>
+                    </a:lnL>
+                    <a:lnR w="12700" cmpd="sng">
+                      <a:noFill/>
+                      <a:prstDash val="solid"/>
+                    </a:lnR>
+                    <a:lnT w="12700" cmpd="sng">
+                      <a:noFill/>
+                      <a:prstDash val="solid"/>
+                    </a:lnT>
+                    <a:lnB w="9525" cap="flat" cmpd="sng" algn="ctr">
+                      <a:solidFill>
+                        <a:schemeClr val="accent1"/>
+                      </a:solidFill>
+                      <a:prstDash val="solid"/>
+                    </a:lnB>
+                    <a:noFill/>
+                  </a:tcPr>
                 </a:tc>
                 <a:extLst>
                   <a:ext uri="{0D108BD9-81ED-4DB2-BD59-A6C34878D82A}">
@@ -11073,7 +11947,7 @@
                   </a:ext>
                 </a:extLst>
               </a:tr>
-              <a:tr h="440725">
+              <a:tr h="418171">
                 <a:tc>
                   <a:txBody>
                     <a:bodyPr/>
@@ -11088,21 +11962,49 @@
                         </a:spcAft>
                       </a:pPr>
                       <a:r>
-                        <a:rPr lang="en-IN" sz="1400" b="0" u="none" strike="noStrike">
+                        <a:rPr lang="en-IN" sz="1200" b="0" u="none" strike="noStrike" cap="none" spc="0">
                           <a:solidFill>
-                            <a:srgbClr val="000000"/>
+                            <a:schemeClr val="tx1"/>
                           </a:solidFill>
                           <a:effectLst/>
                         </a:rPr>
                         <a:t>2022</a:t>
                       </a:r>
-                      <a:endParaRPr lang="en-IN" sz="2400" b="0" i="0" u="none" strike="noStrike">
+                      <a:endParaRPr lang="en-IN" sz="1200" b="0" i="0" u="none" strike="noStrike" cap="none" spc="0">
+                        <a:solidFill>
+                          <a:schemeClr val="tx1"/>
+                        </a:solidFill>
                         <a:effectLst/>
                         <a:latin typeface="Arial" panose="020B0604020202020204" pitchFamily="34" charset="0"/>
                       </a:endParaRPr>
                     </a:p>
                   </a:txBody>
-                  <a:tcPr marL="12661" marR="12661" marT="12661" marB="0" anchor="b"/>
+                  <a:tcPr marL="45535" marR="58707" marT="23483" marB="176122" anchor="b">
+                    <a:lnL w="12700" cmpd="sng">
+                      <a:noFill/>
+                      <a:prstDash val="solid"/>
+                    </a:lnL>
+                    <a:lnR w="12700" cmpd="sng">
+                      <a:noFill/>
+                      <a:prstDash val="solid"/>
+                    </a:lnR>
+                    <a:lnT w="9525" cap="flat" cmpd="sng" algn="ctr">
+                      <a:solidFill>
+                        <a:schemeClr val="accent1"/>
+                      </a:solidFill>
+                      <a:prstDash val="solid"/>
+                    </a:lnT>
+                    <a:lnB w="12700" cmpd="sng">
+                      <a:noFill/>
+                      <a:prstDash val="solid"/>
+                    </a:lnB>
+                    <a:solidFill>
+                      <a:schemeClr val="accent1">
+                        <a:lumMod val="20000"/>
+                        <a:lumOff val="80000"/>
+                      </a:schemeClr>
+                    </a:solidFill>
+                  </a:tcPr>
                 </a:tc>
                 <a:tc>
                   <a:txBody>
@@ -11118,21 +12020,49 @@
                         </a:spcAft>
                       </a:pPr>
                       <a:r>
-                        <a:rPr lang="en-IN" sz="1400" b="0" u="none" strike="noStrike">
+                        <a:rPr lang="en-IN" sz="1200" b="0" u="none" strike="noStrike" cap="none" spc="0">
                           <a:solidFill>
-                            <a:srgbClr val="000000"/>
+                            <a:schemeClr val="tx1"/>
                           </a:solidFill>
                           <a:effectLst/>
                         </a:rPr>
                         <a:t>ChatGPT</a:t>
                       </a:r>
-                      <a:endParaRPr lang="en-IN" sz="2400" b="0" i="0" u="none" strike="noStrike">
+                      <a:endParaRPr lang="en-IN" sz="1200" b="0" i="0" u="none" strike="noStrike" cap="none" spc="0">
+                        <a:solidFill>
+                          <a:schemeClr val="tx1"/>
+                        </a:solidFill>
                         <a:effectLst/>
                         <a:latin typeface="Arial" panose="020B0604020202020204" pitchFamily="34" charset="0"/>
                       </a:endParaRPr>
                     </a:p>
                   </a:txBody>
-                  <a:tcPr marL="12661" marR="12661" marT="12661" marB="0" anchor="b"/>
+                  <a:tcPr marL="45535" marR="58707" marT="23483" marB="176122" anchor="b">
+                    <a:lnL w="12700" cmpd="sng">
+                      <a:noFill/>
+                      <a:prstDash val="solid"/>
+                    </a:lnL>
+                    <a:lnR w="12700" cmpd="sng">
+                      <a:noFill/>
+                      <a:prstDash val="solid"/>
+                    </a:lnR>
+                    <a:lnT w="9525" cap="flat" cmpd="sng" algn="ctr">
+                      <a:solidFill>
+                        <a:schemeClr val="accent1"/>
+                      </a:solidFill>
+                      <a:prstDash val="solid"/>
+                    </a:lnT>
+                    <a:lnB w="12700" cmpd="sng">
+                      <a:noFill/>
+                      <a:prstDash val="solid"/>
+                    </a:lnB>
+                    <a:solidFill>
+                      <a:schemeClr val="accent1">
+                        <a:lumMod val="20000"/>
+                        <a:lumOff val="80000"/>
+                      </a:schemeClr>
+                    </a:solidFill>
+                  </a:tcPr>
                 </a:tc>
                 <a:tc gridSpan="2">
                   <a:txBody>
@@ -11148,21 +12078,49 @@
                         </a:spcAft>
                       </a:pPr>
                       <a:r>
-                        <a:rPr lang="en-US" sz="1400" b="0" u="none" strike="noStrike">
+                        <a:rPr lang="en-US" sz="1200" b="0" u="none" strike="noStrike" cap="none" spc="0">
                           <a:solidFill>
-                            <a:srgbClr val="000000"/>
+                            <a:schemeClr val="tx1"/>
                           </a:solidFill>
                           <a:effectLst/>
                         </a:rPr>
                         <a:t>an updated version of GPT-3, referred to as GPT-3.5</a:t>
                       </a:r>
-                      <a:endParaRPr lang="en-US" sz="2400" b="0" i="0" u="none" strike="noStrike">
+                      <a:endParaRPr lang="en-US" sz="1200" b="0" i="0" u="none" strike="noStrike" cap="none" spc="0">
+                        <a:solidFill>
+                          <a:schemeClr val="tx1"/>
+                        </a:solidFill>
                         <a:effectLst/>
                         <a:latin typeface="Arial" panose="020B0604020202020204" pitchFamily="34" charset="0"/>
                       </a:endParaRPr>
                     </a:p>
                   </a:txBody>
-                  <a:tcPr marL="121538" marR="121538" marT="60768" marB="60768"/>
+                  <a:tcPr marL="45535" marR="58707" marT="23483" marB="176122">
+                    <a:lnL w="12700" cmpd="sng">
+                      <a:noFill/>
+                      <a:prstDash val="solid"/>
+                    </a:lnL>
+                    <a:lnR w="12700" cmpd="sng">
+                      <a:noFill/>
+                      <a:prstDash val="solid"/>
+                    </a:lnR>
+                    <a:lnT w="9525" cap="flat" cmpd="sng" algn="ctr">
+                      <a:solidFill>
+                        <a:schemeClr val="accent1"/>
+                      </a:solidFill>
+                      <a:prstDash val="solid"/>
+                    </a:lnT>
+                    <a:lnB w="12700" cmpd="sng">
+                      <a:noFill/>
+                      <a:prstDash val="solid"/>
+                    </a:lnB>
+                    <a:solidFill>
+                      <a:schemeClr val="accent1">
+                        <a:lumMod val="20000"/>
+                        <a:lumOff val="80000"/>
+                      </a:schemeClr>
+                    </a:solidFill>
+                  </a:tcPr>
                 </a:tc>
                 <a:tc hMerge="1">
                   <a:txBody>
@@ -11180,7 +12138,7 @@
                   </a:ext>
                 </a:extLst>
               </a:tr>
-              <a:tr h="571672">
+              <a:tr h="600309">
                 <a:tc>
                   <a:txBody>
                     <a:bodyPr/>
@@ -11195,21 +12153,44 @@
                         </a:spcAft>
                       </a:pPr>
                       <a:r>
-                        <a:rPr lang="en-IN" sz="1400" b="0" u="none" strike="noStrike">
+                        <a:rPr lang="en-IN" sz="1200" b="0" u="none" strike="noStrike" cap="none" spc="0">
                           <a:solidFill>
-                            <a:srgbClr val="000000"/>
+                            <a:schemeClr val="tx1"/>
                           </a:solidFill>
                           <a:effectLst/>
                         </a:rPr>
                         <a:t>Mar-23</a:t>
                       </a:r>
-                      <a:endParaRPr lang="en-IN" sz="2400" b="0" i="0" u="none" strike="noStrike">
+                      <a:endParaRPr lang="en-IN" sz="1200" b="0" i="0" u="none" strike="noStrike" cap="none" spc="0">
+                        <a:solidFill>
+                          <a:schemeClr val="tx1"/>
+                        </a:solidFill>
                         <a:effectLst/>
                         <a:latin typeface="Arial" panose="020B0604020202020204" pitchFamily="34" charset="0"/>
                       </a:endParaRPr>
                     </a:p>
                   </a:txBody>
-                  <a:tcPr marL="12661" marR="12661" marT="12661" marB="0" anchor="b"/>
+                  <a:tcPr marL="0" marR="58707" marT="23483" marB="176122" anchor="b">
+                    <a:lnL w="12700" cmpd="sng">
+                      <a:noFill/>
+                      <a:prstDash val="solid"/>
+                    </a:lnL>
+                    <a:lnR w="12700" cmpd="sng">
+                      <a:noFill/>
+                      <a:prstDash val="solid"/>
+                    </a:lnR>
+                    <a:lnT w="12700" cmpd="sng">
+                      <a:noFill/>
+                      <a:prstDash val="solid"/>
+                    </a:lnT>
+                    <a:lnB w="9525" cap="flat" cmpd="sng" algn="ctr">
+                      <a:solidFill>
+                        <a:schemeClr val="accent1"/>
+                      </a:solidFill>
+                      <a:prstDash val="solid"/>
+                    </a:lnB>
+                    <a:noFill/>
+                  </a:tcPr>
                 </a:tc>
                 <a:tc>
                   <a:txBody>
@@ -11225,21 +12206,44 @@
                         </a:spcAft>
                       </a:pPr>
                       <a:r>
-                        <a:rPr lang="en-US" sz="1400" b="0" u="none" strike="noStrike">
+                        <a:rPr lang="en-US" sz="1200" b="0" u="none" strike="noStrike" cap="none" spc="0">
                           <a:solidFill>
-                            <a:srgbClr val="000000"/>
+                            <a:schemeClr val="tx1"/>
                           </a:solidFill>
                           <a:effectLst/>
                         </a:rPr>
                         <a:t>GPT-3.5-Turbo model API to the public</a:t>
                       </a:r>
-                      <a:endParaRPr lang="en-US" sz="2400" b="0" i="0" u="none" strike="noStrike">
+                      <a:endParaRPr lang="en-US" sz="1200" b="0" i="0" u="none" strike="noStrike" cap="none" spc="0">
+                        <a:solidFill>
+                          <a:schemeClr val="tx1"/>
+                        </a:solidFill>
                         <a:effectLst/>
                         <a:latin typeface="Arial" panose="020B0604020202020204" pitchFamily="34" charset="0"/>
                       </a:endParaRPr>
                     </a:p>
                   </a:txBody>
-                  <a:tcPr marL="12661" marR="12661" marT="12661" marB="0" anchor="b"/>
+                  <a:tcPr marL="0" marR="58707" marT="23483" marB="176122" anchor="b">
+                    <a:lnL w="12700" cmpd="sng">
+                      <a:noFill/>
+                      <a:prstDash val="solid"/>
+                    </a:lnL>
+                    <a:lnR w="12700" cmpd="sng">
+                      <a:noFill/>
+                      <a:prstDash val="solid"/>
+                    </a:lnR>
+                    <a:lnT w="12700" cmpd="sng">
+                      <a:noFill/>
+                      <a:prstDash val="solid"/>
+                    </a:lnT>
+                    <a:lnB w="9525" cap="flat" cmpd="sng" algn="ctr">
+                      <a:solidFill>
+                        <a:schemeClr val="accent1"/>
+                      </a:solidFill>
+                      <a:prstDash val="solid"/>
+                    </a:lnB>
+                    <a:noFill/>
+                  </a:tcPr>
                 </a:tc>
                 <a:tc gridSpan="2">
                   <a:txBody>
@@ -11255,21 +12259,44 @@
                         </a:spcAft>
                       </a:pPr>
                       <a:r>
-                        <a:rPr lang="en-US" sz="1400" b="0" u="none" strike="noStrike">
+                        <a:rPr lang="en-US" sz="1200" b="0" u="none" strike="noStrike" cap="none" spc="0">
                           <a:solidFill>
-                            <a:srgbClr val="000000"/>
+                            <a:schemeClr val="tx1"/>
                           </a:solidFill>
                           <a:effectLst/>
                         </a:rPr>
                         <a:t> available to everyone for use in services like ChatGPT</a:t>
                       </a:r>
-                      <a:endParaRPr lang="en-US" sz="2400" b="0" i="0" u="none" strike="noStrike">
+                      <a:endParaRPr lang="en-US" sz="1200" b="0" i="0" u="none" strike="noStrike" cap="none" spc="0">
+                        <a:solidFill>
+                          <a:schemeClr val="tx1"/>
+                        </a:solidFill>
                         <a:effectLst/>
                         <a:latin typeface="Arial" panose="020B0604020202020204" pitchFamily="34" charset="0"/>
                       </a:endParaRPr>
                     </a:p>
                   </a:txBody>
-                  <a:tcPr marL="121538" marR="121538" marT="60768" marB="60768"/>
+                  <a:tcPr marL="0" marR="58707" marT="23483" marB="176122">
+                    <a:lnL w="12700" cmpd="sng">
+                      <a:noFill/>
+                      <a:prstDash val="solid"/>
+                    </a:lnL>
+                    <a:lnR w="12700" cmpd="sng">
+                      <a:noFill/>
+                      <a:prstDash val="solid"/>
+                    </a:lnR>
+                    <a:lnT w="12700" cmpd="sng">
+                      <a:noFill/>
+                      <a:prstDash val="solid"/>
+                    </a:lnT>
+                    <a:lnB w="9525" cap="flat" cmpd="sng" algn="ctr">
+                      <a:solidFill>
+                        <a:schemeClr val="accent1"/>
+                      </a:solidFill>
+                      <a:prstDash val="solid"/>
+                    </a:lnB>
+                    <a:noFill/>
+                  </a:tcPr>
                 </a:tc>
                 <a:tc hMerge="1">
                   <a:txBody>
@@ -11287,7 +12314,7 @@
                   </a:ext>
                 </a:extLst>
               </a:tr>
-              <a:tr h="964133">
+              <a:tr h="600309">
                 <a:tc>
                   <a:txBody>
                     <a:bodyPr/>
@@ -11302,21 +12329,49 @@
                         </a:spcAft>
                       </a:pPr>
                       <a:r>
-                        <a:rPr lang="en-IN" sz="1400" b="0" u="none" strike="noStrike">
+                        <a:rPr lang="en-IN" sz="1200" b="0" u="none" strike="noStrike" cap="none" spc="0">
                           <a:solidFill>
-                            <a:srgbClr val="000000"/>
+                            <a:schemeClr val="tx1"/>
                           </a:solidFill>
                           <a:effectLst/>
                         </a:rPr>
                         <a:t>Mar-23</a:t>
                       </a:r>
-                      <a:endParaRPr lang="en-IN" sz="2400" b="0" i="0" u="none" strike="noStrike">
+                      <a:endParaRPr lang="en-IN" sz="1200" b="0" i="0" u="none" strike="noStrike" cap="none" spc="0">
+                        <a:solidFill>
+                          <a:schemeClr val="tx1"/>
+                        </a:solidFill>
                         <a:effectLst/>
                         <a:latin typeface="Arial" panose="020B0604020202020204" pitchFamily="34" charset="0"/>
                       </a:endParaRPr>
                     </a:p>
                   </a:txBody>
-                  <a:tcPr marL="12661" marR="12661" marT="12661" marB="0" anchor="b"/>
+                  <a:tcPr marL="45535" marR="58707" marT="23483" marB="176122" anchor="b">
+                    <a:lnL w="12700" cmpd="sng">
+                      <a:noFill/>
+                      <a:prstDash val="solid"/>
+                    </a:lnL>
+                    <a:lnR w="12700" cmpd="sng">
+                      <a:noFill/>
+                      <a:prstDash val="solid"/>
+                    </a:lnR>
+                    <a:lnT w="9525" cap="flat" cmpd="sng" algn="ctr">
+                      <a:solidFill>
+                        <a:schemeClr val="accent1"/>
+                      </a:solidFill>
+                      <a:prstDash val="solid"/>
+                    </a:lnT>
+                    <a:lnB w="12700" cmpd="sng">
+                      <a:noFill/>
+                      <a:prstDash val="solid"/>
+                    </a:lnB>
+                    <a:solidFill>
+                      <a:schemeClr val="accent1">
+                        <a:lumMod val="20000"/>
+                        <a:lumOff val="80000"/>
+                      </a:schemeClr>
+                    </a:solidFill>
+                  </a:tcPr>
                 </a:tc>
                 <a:tc>
                   <a:txBody>
@@ -11332,21 +12387,49 @@
                         </a:spcAft>
                       </a:pPr>
                       <a:r>
-                        <a:rPr lang="en-US" sz="1400" b="0" u="none" strike="noStrike">
+                        <a:rPr lang="en-US" sz="1200" b="0" u="none" strike="noStrike" cap="none" spc="0">
                           <a:solidFill>
-                            <a:srgbClr val="000000"/>
+                            <a:schemeClr val="tx1"/>
                           </a:solidFill>
                           <a:effectLst/>
                         </a:rPr>
                         <a:t>OpenAI announced the release of GPT-4</a:t>
                       </a:r>
-                      <a:endParaRPr lang="en-US" sz="2400" b="0" i="0" u="none" strike="noStrike">
+                      <a:endParaRPr lang="en-US" sz="1200" b="0" i="0" u="none" strike="noStrike" cap="none" spc="0">
+                        <a:solidFill>
+                          <a:schemeClr val="tx1"/>
+                        </a:solidFill>
                         <a:effectLst/>
                         <a:latin typeface="Arial" panose="020B0604020202020204" pitchFamily="34" charset="0"/>
                       </a:endParaRPr>
                     </a:p>
                   </a:txBody>
-                  <a:tcPr marL="12661" marR="12661" marT="12661" marB="0" anchor="b"/>
+                  <a:tcPr marL="45535" marR="58707" marT="23483" marB="176122" anchor="b">
+                    <a:lnL w="12700" cmpd="sng">
+                      <a:noFill/>
+                      <a:prstDash val="solid"/>
+                    </a:lnL>
+                    <a:lnR w="12700" cmpd="sng">
+                      <a:noFill/>
+                      <a:prstDash val="solid"/>
+                    </a:lnR>
+                    <a:lnT w="9525" cap="flat" cmpd="sng" algn="ctr">
+                      <a:solidFill>
+                        <a:schemeClr val="accent1"/>
+                      </a:solidFill>
+                      <a:prstDash val="solid"/>
+                    </a:lnT>
+                    <a:lnB w="12700" cmpd="sng">
+                      <a:noFill/>
+                      <a:prstDash val="solid"/>
+                    </a:lnB>
+                    <a:solidFill>
+                      <a:schemeClr val="accent1">
+                        <a:lumMod val="20000"/>
+                        <a:lumOff val="80000"/>
+                      </a:schemeClr>
+                    </a:solidFill>
+                  </a:tcPr>
                 </a:tc>
                 <a:tc gridSpan="2">
                   <a:txBody>
@@ -11362,21 +12445,49 @@
                         </a:spcAft>
                       </a:pPr>
                       <a:r>
-                        <a:rPr lang="en-US" sz="1400" b="0" u="none" strike="noStrike">
+                        <a:rPr lang="en-US" sz="1200" b="0" u="none" strike="noStrike" cap="none" spc="0">
                           <a:solidFill>
-                            <a:srgbClr val="000000"/>
+                            <a:schemeClr val="tx1"/>
                           </a:solidFill>
                           <a:effectLst/>
                         </a:rPr>
                         <a:t>OpenAI is slowly giving developers access to the GPT-4 API. They're starting with a waitlist, and people who help OpenAI evaluate the model get access first.</a:t>
                       </a:r>
-                      <a:endParaRPr lang="en-US" sz="2400" b="0" i="0" u="none" strike="noStrike">
+                      <a:endParaRPr lang="en-US" sz="1200" b="0" i="0" u="none" strike="noStrike" cap="none" spc="0">
+                        <a:solidFill>
+                          <a:schemeClr val="tx1"/>
+                        </a:solidFill>
                         <a:effectLst/>
                         <a:latin typeface="Arial" panose="020B0604020202020204" pitchFamily="34" charset="0"/>
                       </a:endParaRPr>
                     </a:p>
                   </a:txBody>
-                  <a:tcPr marL="121538" marR="121538" marT="60768" marB="60768"/>
+                  <a:tcPr marL="45535" marR="58707" marT="23483" marB="176122">
+                    <a:lnL w="12700" cmpd="sng">
+                      <a:noFill/>
+                      <a:prstDash val="solid"/>
+                    </a:lnL>
+                    <a:lnR w="12700" cmpd="sng">
+                      <a:noFill/>
+                      <a:prstDash val="solid"/>
+                    </a:lnR>
+                    <a:lnT w="9525" cap="flat" cmpd="sng" algn="ctr">
+                      <a:solidFill>
+                        <a:schemeClr val="accent1"/>
+                      </a:solidFill>
+                      <a:prstDash val="solid"/>
+                    </a:lnT>
+                    <a:lnB w="12700" cmpd="sng">
+                      <a:noFill/>
+                      <a:prstDash val="solid"/>
+                    </a:lnB>
+                    <a:solidFill>
+                      <a:schemeClr val="accent1">
+                        <a:lumMod val="20000"/>
+                        <a:lumOff val="80000"/>
+                      </a:schemeClr>
+                    </a:solidFill>
+                  </a:tcPr>
                 </a:tc>
                 <a:tc hMerge="1">
                   <a:txBody>
@@ -11394,7 +12505,7 @@
                   </a:ext>
                 </a:extLst>
               </a:tr>
-              <a:tr h="440725">
+              <a:tr h="418171">
                 <a:tc>
                   <a:txBody>
                     <a:bodyPr/>
@@ -11409,21 +12520,42 @@
                         </a:spcAft>
                       </a:pPr>
                       <a:r>
-                        <a:rPr lang="en-IN" sz="1400" b="0" u="none" strike="noStrike">
+                        <a:rPr lang="en-IN" sz="1200" b="0" u="none" strike="noStrike" cap="none" spc="0">
                           <a:solidFill>
-                            <a:srgbClr val="000000"/>
+                            <a:schemeClr val="tx1"/>
                           </a:solidFill>
                           <a:effectLst/>
                         </a:rPr>
                         <a:t>Sep-23</a:t>
                       </a:r>
-                      <a:endParaRPr lang="en-IN" sz="2400" b="0" i="0" u="none" strike="noStrike">
+                      <a:endParaRPr lang="en-IN" sz="1200" b="0" i="0" u="none" strike="noStrike" cap="none" spc="0">
+                        <a:solidFill>
+                          <a:schemeClr val="tx1"/>
+                        </a:solidFill>
                         <a:effectLst/>
                         <a:latin typeface="Arial" panose="020B0604020202020204" pitchFamily="34" charset="0"/>
                       </a:endParaRPr>
                     </a:p>
                   </a:txBody>
-                  <a:tcPr marL="12661" marR="12661" marT="12661" marB="0" anchor="b"/>
+                  <a:tcPr marL="0" marR="58707" marT="23483" marB="176122" anchor="b">
+                    <a:lnL w="12700" cmpd="sng">
+                      <a:noFill/>
+                      <a:prstDash val="solid"/>
+                    </a:lnL>
+                    <a:lnR w="12700" cmpd="sng">
+                      <a:noFill/>
+                      <a:prstDash val="solid"/>
+                    </a:lnR>
+                    <a:lnT w="12700" cmpd="sng">
+                      <a:noFill/>
+                      <a:prstDash val="solid"/>
+                    </a:lnT>
+                    <a:lnB w="12700" cmpd="sng">
+                      <a:noFill/>
+                      <a:prstDash val="solid"/>
+                    </a:lnB>
+                    <a:noFill/>
+                  </a:tcPr>
                 </a:tc>
                 <a:tc gridSpan="3">
                   <a:txBody>
@@ -11439,21 +12571,42 @@
                         </a:spcAft>
                       </a:pPr>
                       <a:r>
-                        <a:rPr lang="en-US" sz="1400" b="0" u="none" strike="noStrike" dirty="0">
+                        <a:rPr lang="en-US" sz="1200" b="0" u="none" strike="noStrike" cap="none" spc="0" dirty="0">
                           <a:solidFill>
-                            <a:srgbClr val="000000"/>
+                            <a:schemeClr val="tx1"/>
                           </a:solidFill>
                           <a:effectLst/>
                         </a:rPr>
                         <a:t>New voice and image capabilities in ChatGPT </a:t>
                       </a:r>
-                      <a:endParaRPr lang="en-US" sz="2400" b="0" i="0" u="none" strike="noStrike" dirty="0">
+                      <a:endParaRPr lang="en-US" sz="1200" b="0" i="0" u="none" strike="noStrike" cap="none" spc="0" dirty="0">
+                        <a:solidFill>
+                          <a:schemeClr val="tx1"/>
+                        </a:solidFill>
                         <a:effectLst/>
                         <a:latin typeface="Arial" panose="020B0604020202020204" pitchFamily="34" charset="0"/>
                       </a:endParaRPr>
                     </a:p>
                   </a:txBody>
-                  <a:tcPr marL="121538" marR="121538" marT="60768" marB="60768"/>
+                  <a:tcPr marL="0" marR="58707" marT="23483" marB="176122">
+                    <a:lnL w="12700" cmpd="sng">
+                      <a:noFill/>
+                      <a:prstDash val="solid"/>
+                    </a:lnL>
+                    <a:lnR w="12700" cmpd="sng">
+                      <a:noFill/>
+                      <a:prstDash val="solid"/>
+                    </a:lnR>
+                    <a:lnT w="12700" cmpd="sng">
+                      <a:noFill/>
+                      <a:prstDash val="solid"/>
+                    </a:lnT>
+                    <a:lnB w="12700" cmpd="sng">
+                      <a:noFill/>
+                      <a:prstDash val="solid"/>
+                    </a:lnB>
+                    <a:noFill/>
+                  </a:tcPr>
                 </a:tc>
                 <a:tc hMerge="1">
                   <a:txBody>

--- a/Presentation.pptx
+++ b/Presentation.pptx
@@ -7,6 +7,9 @@
   <p:sldIdLst>
     <p:sldId id="258" r:id="rId2"/>
     <p:sldId id="257" r:id="rId3"/>
+    <p:sldId id="259" r:id="rId4"/>
+    <p:sldId id="260" r:id="rId5"/>
+    <p:sldId id="262" r:id="rId6"/>
   </p:sldIdLst>
   <p:sldSz cx="12192000" cy="6858000"/>
   <p:notesSz cx="6858000" cy="9144000"/>
@@ -882,10 +885,10 @@
         <a:lstStyle/>
         <a:p>
           <a:r>
-            <a:rPr lang="en-US" b="1" i="0"/>
+            <a:rPr lang="en-US" b="1" i="0" dirty="0"/>
             <a:t>Key Points:</a:t>
           </a:r>
-          <a:endParaRPr lang="en-US"/>
+          <a:endParaRPr lang="en-US" dirty="0"/>
         </a:p>
       </dgm:t>
     </dgm:pt>
@@ -1655,10 +1658,10 @@
             <a:buNone/>
           </a:pPr>
           <a:r>
-            <a:rPr lang="en-US" sz="1600" b="1" i="0" kern="1200"/>
+            <a:rPr lang="en-US" sz="1600" b="1" i="0" kern="1200" dirty="0"/>
             <a:t>Key Points:</a:t>
           </a:r>
-          <a:endParaRPr lang="en-US" sz="1600" kern="1200"/>
+          <a:endParaRPr lang="en-US" sz="1600" kern="1200" dirty="0"/>
         </a:p>
       </dsp:txBody>
       <dsp:txXfrm>
@@ -4429,7 +4432,7 @@
           <a:p>
             <a:fld id="{54E5885D-066F-4EB1-8666-DB0FEC3F3B11}" type="datetimeFigureOut">
               <a:rPr lang="en-IN" smtClean="0"/>
-              <a:t>23-10-2023</a:t>
+              <a:t>24-10-2023</a:t>
             </a:fld>
             <a:endParaRPr lang="en-IN"/>
           </a:p>
@@ -4629,7 +4632,7 @@
           <a:p>
             <a:fld id="{54E5885D-066F-4EB1-8666-DB0FEC3F3B11}" type="datetimeFigureOut">
               <a:rPr lang="en-IN" smtClean="0"/>
-              <a:t>23-10-2023</a:t>
+              <a:t>24-10-2023</a:t>
             </a:fld>
             <a:endParaRPr lang="en-IN"/>
           </a:p>
@@ -4839,7 +4842,7 @@
           <a:p>
             <a:fld id="{54E5885D-066F-4EB1-8666-DB0FEC3F3B11}" type="datetimeFigureOut">
               <a:rPr lang="en-IN" smtClean="0"/>
-              <a:t>23-10-2023</a:t>
+              <a:t>24-10-2023</a:t>
             </a:fld>
             <a:endParaRPr lang="en-IN"/>
           </a:p>
@@ -5039,7 +5042,7 @@
           <a:p>
             <a:fld id="{54E5885D-066F-4EB1-8666-DB0FEC3F3B11}" type="datetimeFigureOut">
               <a:rPr lang="en-IN" smtClean="0"/>
-              <a:t>23-10-2023</a:t>
+              <a:t>24-10-2023</a:t>
             </a:fld>
             <a:endParaRPr lang="en-IN"/>
           </a:p>
@@ -5315,7 +5318,7 @@
           <a:p>
             <a:fld id="{54E5885D-066F-4EB1-8666-DB0FEC3F3B11}" type="datetimeFigureOut">
               <a:rPr lang="en-IN" smtClean="0"/>
-              <a:t>23-10-2023</a:t>
+              <a:t>24-10-2023</a:t>
             </a:fld>
             <a:endParaRPr lang="en-IN"/>
           </a:p>
@@ -5583,7 +5586,7 @@
           <a:p>
             <a:fld id="{54E5885D-066F-4EB1-8666-DB0FEC3F3B11}" type="datetimeFigureOut">
               <a:rPr lang="en-IN" smtClean="0"/>
-              <a:t>23-10-2023</a:t>
+              <a:t>24-10-2023</a:t>
             </a:fld>
             <a:endParaRPr lang="en-IN"/>
           </a:p>
@@ -5998,7 +6001,7 @@
           <a:p>
             <a:fld id="{54E5885D-066F-4EB1-8666-DB0FEC3F3B11}" type="datetimeFigureOut">
               <a:rPr lang="en-IN" smtClean="0"/>
-              <a:t>23-10-2023</a:t>
+              <a:t>24-10-2023</a:t>
             </a:fld>
             <a:endParaRPr lang="en-IN"/>
           </a:p>
@@ -6140,7 +6143,7 @@
           <a:p>
             <a:fld id="{54E5885D-066F-4EB1-8666-DB0FEC3F3B11}" type="datetimeFigureOut">
               <a:rPr lang="en-IN" smtClean="0"/>
-              <a:t>23-10-2023</a:t>
+              <a:t>24-10-2023</a:t>
             </a:fld>
             <a:endParaRPr lang="en-IN"/>
           </a:p>
@@ -6253,7 +6256,7 @@
           <a:p>
             <a:fld id="{54E5885D-066F-4EB1-8666-DB0FEC3F3B11}" type="datetimeFigureOut">
               <a:rPr lang="en-IN" smtClean="0"/>
-              <a:t>23-10-2023</a:t>
+              <a:t>24-10-2023</a:t>
             </a:fld>
             <a:endParaRPr lang="en-IN"/>
           </a:p>
@@ -6566,7 +6569,7 @@
           <a:p>
             <a:fld id="{54E5885D-066F-4EB1-8666-DB0FEC3F3B11}" type="datetimeFigureOut">
               <a:rPr lang="en-IN" smtClean="0"/>
-              <a:t>23-10-2023</a:t>
+              <a:t>24-10-2023</a:t>
             </a:fld>
             <a:endParaRPr lang="en-IN"/>
           </a:p>
@@ -6855,7 +6858,7 @@
           <a:p>
             <a:fld id="{54E5885D-066F-4EB1-8666-DB0FEC3F3B11}" type="datetimeFigureOut">
               <a:rPr lang="en-IN" smtClean="0"/>
-              <a:t>23-10-2023</a:t>
+              <a:t>24-10-2023</a:t>
             </a:fld>
             <a:endParaRPr lang="en-IN"/>
           </a:p>
@@ -7098,7 +7101,7 @@
           <a:p>
             <a:fld id="{54E5885D-066F-4EB1-8666-DB0FEC3F3B11}" type="datetimeFigureOut">
               <a:rPr lang="en-IN" smtClean="0"/>
-              <a:t>23-10-2023</a:t>
+              <a:t>24-10-2023</a:t>
             </a:fld>
             <a:endParaRPr lang="en-IN"/>
           </a:p>
@@ -10653,7 +10656,7 @@
         </p:blipFill>
         <p:spPr>
           <a:xfrm>
-            <a:off x="10695709" y="0"/>
+            <a:off x="10760470" y="0"/>
             <a:ext cx="1431530" cy="1281220"/>
           </a:xfrm>
           <a:prstGeom prst="rect">
@@ -10676,14 +10679,14 @@
           <p:nvPr>
             <p:extLst>
               <p:ext uri="{D42A27DB-BD31-4B8C-83A1-F6EECF244321}">
-                <p14:modId xmlns:p14="http://schemas.microsoft.com/office/powerpoint/2010/main" val="4234144742"/>
+                <p14:modId xmlns:p14="http://schemas.microsoft.com/office/powerpoint/2010/main" val="3168304581"/>
               </p:ext>
             </p:extLst>
           </p:nvPr>
         </p:nvGraphicFramePr>
         <p:xfrm>
           <a:off x="643466" y="1315214"/>
-          <a:ext cx="10905068" cy="4788837"/>
+          <a:ext cx="10905068" cy="5201409"/>
         </p:xfrm>
         <a:graphic>
           <a:graphicData uri="http://schemas.openxmlformats.org/drawingml/2006/table">
@@ -10693,14 +10696,14 @@
                 <a:tableStyleId>{69012ECD-51FC-41F1-AA8D-1B2483CD663E}</a:tableStyleId>
               </a:tblPr>
               <a:tblGrid>
-                <a:gridCol w="713456">
+                <a:gridCol w="852825">
                   <a:extLst>
                     <a:ext uri="{9D8B030D-6E8A-4147-A177-3AD203B41FA5}">
                       <a16:colId xmlns:a16="http://schemas.microsoft.com/office/drawing/2014/main" val="2552393206"/>
                     </a:ext>
                   </a:extLst>
                 </a:gridCol>
-                <a:gridCol w="2569873">
+                <a:gridCol w="2430504">
                   <a:extLst>
                     <a:ext uri="{9D8B030D-6E8A-4147-A177-3AD203B41FA5}">
                       <a16:colId xmlns:a16="http://schemas.microsoft.com/office/drawing/2014/main" val="860205446"/>
@@ -10827,7 +10830,7 @@
                         </a:spcAft>
                       </a:pPr>
                       <a:r>
-                        <a:rPr lang="en-IN" sz="1200" b="0" u="none" strike="noStrike" cap="none" spc="0">
+                        <a:rPr lang="en-IN" sz="1600" b="0" u="none" strike="noStrike" cap="none" spc="0" dirty="0">
                           <a:solidFill>
                             <a:schemeClr val="tx1"/>
                           </a:solidFill>
@@ -10835,7 +10838,7 @@
                         </a:rPr>
                         <a:t>Year</a:t>
                       </a:r>
-                      <a:endParaRPr lang="en-IN" sz="1200" b="0" i="0" u="none" strike="noStrike" cap="none" spc="0">
+                      <a:endParaRPr lang="en-IN" sz="1600" b="0" i="0" u="none" strike="noStrike" cap="none" spc="0" dirty="0">
                         <a:solidFill>
                           <a:schemeClr val="tx1"/>
                         </a:solidFill>
@@ -10880,7 +10883,7 @@
                         </a:spcAft>
                       </a:pPr>
                       <a:r>
-                        <a:rPr lang="en-IN" sz="1200" b="0" u="none" strike="noStrike" cap="none" spc="0">
+                        <a:rPr lang="en-IN" sz="1600" b="0" u="none" strike="noStrike" cap="none" spc="0" dirty="0">
                           <a:solidFill>
                             <a:schemeClr val="tx1"/>
                           </a:solidFill>
@@ -10888,7 +10891,7 @@
                         </a:rPr>
                         <a:t>Model released</a:t>
                       </a:r>
-                      <a:endParaRPr lang="en-IN" sz="1200" b="0" i="0" u="none" strike="noStrike" cap="none" spc="0">
+                      <a:endParaRPr lang="en-IN" sz="1600" b="0" i="0" u="none" strike="noStrike" cap="none" spc="0" dirty="0">
                         <a:solidFill>
                           <a:schemeClr val="tx1"/>
                         </a:solidFill>
@@ -10933,7 +10936,7 @@
                         </a:spcAft>
                       </a:pPr>
                       <a:r>
-                        <a:rPr lang="en-IN" sz="1200" b="0" u="none" strike="noStrike" cap="none" spc="0">
+                        <a:rPr lang="en-IN" sz="1600" b="0" u="none" strike="noStrike" cap="none" spc="0">
                           <a:solidFill>
                             <a:schemeClr val="tx1"/>
                           </a:solidFill>
@@ -10941,7 +10944,7 @@
                         </a:rPr>
                         <a:t>Parameters</a:t>
                       </a:r>
-                      <a:endParaRPr lang="en-IN" sz="1200" b="0" i="0" u="none" strike="noStrike" cap="none" spc="0">
+                      <a:endParaRPr lang="en-IN" sz="1600" b="0" i="0" u="none" strike="noStrike" cap="none" spc="0">
                         <a:solidFill>
                           <a:schemeClr val="tx1"/>
                         </a:solidFill>
@@ -10986,7 +10989,7 @@
                         </a:spcAft>
                       </a:pPr>
                       <a:r>
-                        <a:rPr lang="en-IN" sz="1200" b="0" u="none" strike="noStrike" cap="none" spc="0">
+                        <a:rPr lang="en-IN" sz="1600" b="0" u="none" strike="noStrike" cap="none" spc="0">
                           <a:solidFill>
                             <a:schemeClr val="tx1"/>
                           </a:solidFill>
@@ -10994,7 +10997,7 @@
                         </a:rPr>
                         <a:t>Train data</a:t>
                       </a:r>
-                      <a:endParaRPr lang="en-IN" sz="1200" b="0" i="0" u="none" strike="noStrike" cap="none" spc="0">
+                      <a:endParaRPr lang="en-IN" sz="1600" b="0" i="0" u="none" strike="noStrike" cap="none" spc="0">
                         <a:solidFill>
                           <a:schemeClr val="tx1"/>
                         </a:solidFill>
@@ -11046,7 +11049,7 @@
                         </a:spcAft>
                       </a:pPr>
                       <a:r>
-                        <a:rPr lang="en-IN" sz="1200" b="0" u="none" strike="noStrike" cap="none" spc="0">
+                        <a:rPr lang="en-IN" sz="1600" b="0" u="none" strike="noStrike" cap="none" spc="0">
                           <a:solidFill>
                             <a:schemeClr val="tx1"/>
                           </a:solidFill>
@@ -11054,7 +11057,7 @@
                         </a:rPr>
                         <a:t>2018</a:t>
                       </a:r>
-                      <a:endParaRPr lang="en-IN" sz="1200" b="0" i="0" u="none" strike="noStrike" cap="none" spc="0">
+                      <a:endParaRPr lang="en-IN" sz="1600" b="0" i="0" u="none" strike="noStrike" cap="none" spc="0">
                         <a:solidFill>
                           <a:schemeClr val="tx1"/>
                         </a:solidFill>
@@ -11104,7 +11107,7 @@
                         </a:spcAft>
                       </a:pPr>
                       <a:r>
-                        <a:rPr lang="en-IN" sz="1200" b="0" u="none" strike="noStrike" cap="none" spc="0">
+                        <a:rPr lang="en-IN" sz="1600" b="0" u="none" strike="noStrike" cap="none" spc="0" dirty="0">
                           <a:solidFill>
                             <a:schemeClr val="tx1"/>
                           </a:solidFill>
@@ -11112,7 +11115,7 @@
                         </a:rPr>
                         <a:t>GPT-1</a:t>
                       </a:r>
-                      <a:endParaRPr lang="en-IN" sz="1200" b="0" i="0" u="none" strike="noStrike" cap="none" spc="0">
+                      <a:endParaRPr lang="en-IN" sz="1600" b="0" i="0" u="none" strike="noStrike" cap="none" spc="0" dirty="0">
                         <a:solidFill>
                           <a:schemeClr val="tx1"/>
                         </a:solidFill>
@@ -11162,7 +11165,7 @@
                         </a:spcAft>
                       </a:pPr>
                       <a:r>
-                        <a:rPr lang="en-IN" sz="1200" b="0" u="none" strike="noStrike" cap="none" spc="0">
+                        <a:rPr lang="en-IN" sz="1600" b="0" u="none" strike="noStrike" cap="none" spc="0" dirty="0">
                           <a:solidFill>
                             <a:schemeClr val="tx1"/>
                           </a:solidFill>
@@ -11170,7 +11173,7 @@
                         </a:rPr>
                         <a:t>117 million parameters </a:t>
                       </a:r>
-                      <a:endParaRPr lang="en-IN" sz="1200" b="0" i="0" u="none" strike="noStrike" cap="none" spc="0">
+                      <a:endParaRPr lang="en-IN" sz="1600" b="0" i="0" u="none" strike="noStrike" cap="none" spc="0" dirty="0">
                         <a:solidFill>
                           <a:schemeClr val="tx1"/>
                         </a:solidFill>
@@ -11220,7 +11223,7 @@
                         </a:spcAft>
                       </a:pPr>
                       <a:r>
-                        <a:rPr lang="en-US" sz="1200" b="0" u="none" strike="noStrike" cap="none" spc="0">
+                        <a:rPr lang="en-US" sz="1600" b="0" u="none" strike="noStrike" cap="none" spc="0">
                           <a:solidFill>
                             <a:schemeClr val="tx1"/>
                           </a:solidFill>
@@ -11228,7 +11231,7 @@
                         </a:rPr>
                         <a:t>dataset of approximately 8 million web pages</a:t>
                       </a:r>
-                      <a:endParaRPr lang="en-US" sz="1200" b="0" i="0" u="none" strike="noStrike" cap="none" spc="0">
+                      <a:endParaRPr lang="en-US" sz="1600" b="0" i="0" u="none" strike="noStrike" cap="none" spc="0">
                         <a:solidFill>
                           <a:schemeClr val="tx1"/>
                         </a:solidFill>
@@ -11285,7 +11288,7 @@
                         </a:spcAft>
                       </a:pPr>
                       <a:r>
-                        <a:rPr lang="en-IN" sz="1200" b="0" u="none" strike="noStrike" cap="none" spc="0">
+                        <a:rPr lang="en-IN" sz="1600" b="0" u="none" strike="noStrike" cap="none" spc="0">
                           <a:solidFill>
                             <a:schemeClr val="tx1"/>
                           </a:solidFill>
@@ -11293,7 +11296,7 @@
                         </a:rPr>
                         <a:t>2019</a:t>
                       </a:r>
-                      <a:endParaRPr lang="en-IN" sz="1200" b="0" i="0" u="none" strike="noStrike" cap="none" spc="0">
+                      <a:endParaRPr lang="en-IN" sz="1600" b="0" i="0" u="none" strike="noStrike" cap="none" spc="0">
                         <a:solidFill>
                           <a:schemeClr val="tx1"/>
                         </a:solidFill>
@@ -11338,7 +11341,7 @@
                         </a:spcAft>
                       </a:pPr>
                       <a:r>
-                        <a:rPr lang="en-IN" sz="1200" b="0" u="none" strike="noStrike" cap="none" spc="0">
+                        <a:rPr lang="en-IN" sz="1600" b="0" u="none" strike="noStrike" cap="none" spc="0" dirty="0">
                           <a:solidFill>
                             <a:schemeClr val="tx1"/>
                           </a:solidFill>
@@ -11346,7 +11349,7 @@
                         </a:rPr>
                         <a:t>GPT-2</a:t>
                       </a:r>
-                      <a:endParaRPr lang="en-IN" sz="1200" b="0" i="0" u="none" strike="noStrike" cap="none" spc="0">
+                      <a:endParaRPr lang="en-IN" sz="1600" b="0" i="0" u="none" strike="noStrike" cap="none" spc="0" dirty="0">
                         <a:solidFill>
                           <a:schemeClr val="tx1"/>
                         </a:solidFill>
@@ -11391,7 +11394,7 @@
                         </a:spcAft>
                       </a:pPr>
                       <a:r>
-                        <a:rPr lang="en-IN" sz="1200" b="0" u="none" strike="noStrike" cap="none" spc="0">
+                        <a:rPr lang="en-IN" sz="1600" b="0" u="none" strike="noStrike" cap="none" spc="0">
                           <a:solidFill>
                             <a:schemeClr val="tx1"/>
                           </a:solidFill>
@@ -11399,7 +11402,7 @@
                         </a:rPr>
                         <a:t>1.5 billion parameters</a:t>
                       </a:r>
-                      <a:endParaRPr lang="en-IN" sz="1200" b="0" i="0" u="none" strike="noStrike" cap="none" spc="0">
+                      <a:endParaRPr lang="en-IN" sz="1600" b="0" i="0" u="none" strike="noStrike" cap="none" spc="0">
                         <a:solidFill>
                           <a:schemeClr val="tx1"/>
                         </a:solidFill>
@@ -11444,7 +11447,7 @@
                         </a:spcAft>
                       </a:pPr>
                       <a:r>
-                        <a:rPr lang="en-US" sz="1200" b="0" u="none" strike="noStrike" cap="none" spc="0">
+                        <a:rPr lang="en-US" sz="1600" b="0" u="none" strike="noStrike" cap="none" spc="0">
                           <a:solidFill>
                             <a:schemeClr val="tx1"/>
                           </a:solidFill>
@@ -11452,7 +11455,7 @@
                         </a:rPr>
                         <a:t>approximately 40 GB of text</a:t>
                       </a:r>
-                      <a:endParaRPr lang="en-US" sz="1200" b="0" i="0" u="none" strike="noStrike" cap="none" spc="0">
+                      <a:endParaRPr lang="en-US" sz="1600" b="0" i="0" u="none" strike="noStrike" cap="none" spc="0">
                         <a:solidFill>
                           <a:schemeClr val="tx1"/>
                         </a:solidFill>
@@ -11504,7 +11507,7 @@
                         </a:spcAft>
                       </a:pPr>
                       <a:r>
-                        <a:rPr lang="en-IN" sz="1200" b="0" u="none" strike="noStrike" cap="none" spc="0">
+                        <a:rPr lang="en-IN" sz="1600" b="0" u="none" strike="noStrike" cap="none" spc="0">
                           <a:solidFill>
                             <a:schemeClr val="tx1"/>
                           </a:solidFill>
@@ -11512,7 +11515,7 @@
                         </a:rPr>
                         <a:t>2020</a:t>
                       </a:r>
-                      <a:endParaRPr lang="en-IN" sz="1200" b="0" i="0" u="none" strike="noStrike" cap="none" spc="0">
+                      <a:endParaRPr lang="en-IN" sz="1600" b="0" i="0" u="none" strike="noStrike" cap="none" spc="0">
                         <a:solidFill>
                           <a:schemeClr val="tx1"/>
                         </a:solidFill>
@@ -11562,7 +11565,7 @@
                         </a:spcAft>
                       </a:pPr>
                       <a:r>
-                        <a:rPr lang="en-IN" sz="1200" b="0" u="none" strike="noStrike" cap="none" spc="0">
+                        <a:rPr lang="en-IN" sz="1600" b="0" u="none" strike="noStrike" cap="none" spc="0" dirty="0">
                           <a:solidFill>
                             <a:schemeClr val="tx1"/>
                           </a:solidFill>
@@ -11570,7 +11573,7 @@
                         </a:rPr>
                         <a:t>GPT-3</a:t>
                       </a:r>
-                      <a:endParaRPr lang="en-IN" sz="1200" b="0" i="0" u="none" strike="noStrike" cap="none" spc="0">
+                      <a:endParaRPr lang="en-IN" sz="1600" b="0" i="0" u="none" strike="noStrike" cap="none" spc="0" dirty="0">
                         <a:solidFill>
                           <a:schemeClr val="tx1"/>
                         </a:solidFill>
@@ -11620,7 +11623,7 @@
                         </a:spcAft>
                       </a:pPr>
                       <a:r>
-                        <a:rPr lang="en-IN" sz="1200" b="0" u="none" strike="noStrike" cap="none" spc="0">
+                        <a:rPr lang="en-IN" sz="1600" b="0" u="none" strike="noStrike" cap="none" spc="0">
                           <a:solidFill>
                             <a:schemeClr val="tx1"/>
                           </a:solidFill>
@@ -11628,7 +11631,7 @@
                         </a:rPr>
                         <a:t>175 billion parameters</a:t>
                       </a:r>
-                      <a:endParaRPr lang="en-IN" sz="1200" b="0" i="0" u="none" strike="noStrike" cap="none" spc="0">
+                      <a:endParaRPr lang="en-IN" sz="1600" b="0" i="0" u="none" strike="noStrike" cap="none" spc="0">
                         <a:solidFill>
                           <a:schemeClr val="tx1"/>
                         </a:solidFill>
@@ -11678,7 +11681,7 @@
                         </a:spcAft>
                       </a:pPr>
                       <a:r>
-                        <a:rPr lang="en-US" sz="1200" b="0" u="none" strike="noStrike" cap="none" spc="0">
+                        <a:rPr lang="en-US" sz="1600" b="0" u="none" strike="noStrike" cap="none" spc="0" dirty="0">
                           <a:solidFill>
                             <a:schemeClr val="tx1"/>
                           </a:solidFill>
@@ -11686,7 +11689,7 @@
                         </a:rPr>
                         <a:t>approximately 570 GB of text </a:t>
                       </a:r>
-                      <a:endParaRPr lang="en-US" sz="1200" b="0" i="0" u="none" strike="noStrike" cap="none" spc="0">
+                      <a:endParaRPr lang="en-US" sz="1600" b="0" i="0" u="none" strike="noStrike" cap="none" spc="0" dirty="0">
                         <a:solidFill>
                           <a:schemeClr val="tx1"/>
                         </a:solidFill>
@@ -11743,7 +11746,7 @@
                         </a:spcAft>
                       </a:pPr>
                       <a:r>
-                        <a:rPr lang="en-IN" sz="1200" b="0" u="none" strike="noStrike" cap="none" spc="0">
+                        <a:rPr lang="en-IN" sz="1600" b="0" u="none" strike="noStrike" cap="none" spc="0">
                           <a:solidFill>
                             <a:schemeClr val="tx1"/>
                           </a:solidFill>
@@ -11751,7 +11754,7 @@
                         </a:rPr>
                         <a:t>2021</a:t>
                       </a:r>
-                      <a:endParaRPr lang="en-IN" sz="1200" b="0" i="0" u="none" strike="noStrike" cap="none" spc="0">
+                      <a:endParaRPr lang="en-IN" sz="1600" b="0" i="0" u="none" strike="noStrike" cap="none" spc="0">
                         <a:solidFill>
                           <a:schemeClr val="tx1"/>
                         </a:solidFill>
@@ -11796,7 +11799,7 @@
                         </a:spcAft>
                       </a:pPr>
                       <a:r>
-                        <a:rPr lang="en-IN" sz="1200" b="0" u="none" strike="noStrike" cap="none" spc="0">
+                        <a:rPr lang="en-IN" sz="1600" b="0" u="none" strike="noStrike" cap="none" spc="0">
                           <a:solidFill>
                             <a:schemeClr val="tx1"/>
                           </a:solidFill>
@@ -11804,7 +11807,7 @@
                         </a:rPr>
                         <a:t>OpenAI’s Codex </a:t>
                       </a:r>
-                      <a:endParaRPr lang="en-IN" sz="1200" b="0" i="0" u="none" strike="noStrike" cap="none" spc="0">
+                      <a:endParaRPr lang="en-IN" sz="1600" b="0" i="0" u="none" strike="noStrike" cap="none" spc="0">
                         <a:solidFill>
                           <a:schemeClr val="tx1"/>
                         </a:solidFill>
@@ -11849,7 +11852,7 @@
                         </a:spcAft>
                       </a:pPr>
                       <a:r>
-                        <a:rPr lang="en-IN" sz="1200" b="0" u="none" strike="noStrike" cap="none" spc="0">
+                        <a:rPr lang="en-IN" sz="1600" b="0" u="none" strike="noStrike" cap="none" spc="0" dirty="0">
                           <a:solidFill>
                             <a:schemeClr val="tx1"/>
                           </a:solidFill>
@@ -11857,7 +11860,7 @@
                         </a:rPr>
                         <a:t>6 billion parameters </a:t>
                       </a:r>
-                      <a:endParaRPr lang="en-IN" sz="1200" b="0" i="0" u="none" strike="noStrike" cap="none" spc="0">
+                      <a:endParaRPr lang="en-IN" sz="1600" b="0" i="0" u="none" strike="noStrike" cap="none" spc="0" dirty="0">
                         <a:solidFill>
                           <a:schemeClr val="tx1"/>
                         </a:solidFill>
@@ -11902,7 +11905,7 @@
                         </a:spcAft>
                       </a:pPr>
                       <a:r>
-                        <a:rPr lang="en-US" sz="1200" b="0" u="none" strike="noStrike" cap="none" spc="0">
+                        <a:rPr lang="en-US" sz="1600" b="0" u="none" strike="noStrike" cap="none" spc="0">
                           <a:solidFill>
                             <a:schemeClr val="tx1"/>
                           </a:solidFill>
@@ -11910,7 +11913,7 @@
                         </a:rPr>
                         <a:t>trained on code 800 million lines of code powers GitHub Copilot, an AI-powered code completion tool</a:t>
                       </a:r>
-                      <a:endParaRPr lang="en-US" sz="1200" b="0" i="0" u="none" strike="noStrike" cap="none" spc="0">
+                      <a:endParaRPr lang="en-US" sz="1600" b="0" i="0" u="none" strike="noStrike" cap="none" spc="0">
                         <a:solidFill>
                           <a:schemeClr val="tx1"/>
                         </a:solidFill>
@@ -11962,7 +11965,7 @@
                         </a:spcAft>
                       </a:pPr>
                       <a:r>
-                        <a:rPr lang="en-IN" sz="1200" b="0" u="none" strike="noStrike" cap="none" spc="0">
+                        <a:rPr lang="en-IN" sz="1600" b="0" u="none" strike="noStrike" cap="none" spc="0">
                           <a:solidFill>
                             <a:schemeClr val="tx1"/>
                           </a:solidFill>
@@ -11970,7 +11973,7 @@
                         </a:rPr>
                         <a:t>2022</a:t>
                       </a:r>
-                      <a:endParaRPr lang="en-IN" sz="1200" b="0" i="0" u="none" strike="noStrike" cap="none" spc="0">
+                      <a:endParaRPr lang="en-IN" sz="1600" b="0" i="0" u="none" strike="noStrike" cap="none" spc="0">
                         <a:solidFill>
                           <a:schemeClr val="tx1"/>
                         </a:solidFill>
@@ -12020,7 +12023,7 @@
                         </a:spcAft>
                       </a:pPr>
                       <a:r>
-                        <a:rPr lang="en-IN" sz="1200" b="0" u="none" strike="noStrike" cap="none" spc="0">
+                        <a:rPr lang="en-IN" sz="1600" b="0" u="none" strike="noStrike" cap="none" spc="0">
                           <a:solidFill>
                             <a:schemeClr val="tx1"/>
                           </a:solidFill>
@@ -12028,7 +12031,7 @@
                         </a:rPr>
                         <a:t>ChatGPT</a:t>
                       </a:r>
-                      <a:endParaRPr lang="en-IN" sz="1200" b="0" i="0" u="none" strike="noStrike" cap="none" spc="0">
+                      <a:endParaRPr lang="en-IN" sz="1600" b="0" i="0" u="none" strike="noStrike" cap="none" spc="0">
                         <a:solidFill>
                           <a:schemeClr val="tx1"/>
                         </a:solidFill>
@@ -12078,7 +12081,7 @@
                         </a:spcAft>
                       </a:pPr>
                       <a:r>
-                        <a:rPr lang="en-US" sz="1200" b="0" u="none" strike="noStrike" cap="none" spc="0">
+                        <a:rPr lang="en-US" sz="1600" b="0" u="none" strike="noStrike" cap="none" spc="0" dirty="0">
                           <a:solidFill>
                             <a:schemeClr val="tx1"/>
                           </a:solidFill>
@@ -12086,7 +12089,7 @@
                         </a:rPr>
                         <a:t>an updated version of GPT-3, referred to as GPT-3.5</a:t>
                       </a:r>
-                      <a:endParaRPr lang="en-US" sz="1200" b="0" i="0" u="none" strike="noStrike" cap="none" spc="0">
+                      <a:endParaRPr lang="en-US" sz="1600" b="0" i="0" u="none" strike="noStrike" cap="none" spc="0" dirty="0">
                         <a:solidFill>
                           <a:schemeClr val="tx1"/>
                         </a:solidFill>
@@ -12153,7 +12156,7 @@
                         </a:spcAft>
                       </a:pPr>
                       <a:r>
-                        <a:rPr lang="en-IN" sz="1200" b="0" u="none" strike="noStrike" cap="none" spc="0">
+                        <a:rPr lang="en-IN" sz="1600" b="0" u="none" strike="noStrike" cap="none" spc="0">
                           <a:solidFill>
                             <a:schemeClr val="tx1"/>
                           </a:solidFill>
@@ -12161,7 +12164,7 @@
                         </a:rPr>
                         <a:t>Mar-23</a:t>
                       </a:r>
-                      <a:endParaRPr lang="en-IN" sz="1200" b="0" i="0" u="none" strike="noStrike" cap="none" spc="0">
+                      <a:endParaRPr lang="en-IN" sz="1600" b="0" i="0" u="none" strike="noStrike" cap="none" spc="0">
                         <a:solidFill>
                           <a:schemeClr val="tx1"/>
                         </a:solidFill>
@@ -12206,7 +12209,7 @@
                         </a:spcAft>
                       </a:pPr>
                       <a:r>
-                        <a:rPr lang="en-US" sz="1200" b="0" u="none" strike="noStrike" cap="none" spc="0">
+                        <a:rPr lang="en-US" sz="1600" b="0" u="none" strike="noStrike" cap="none" spc="0">
                           <a:solidFill>
                             <a:schemeClr val="tx1"/>
                           </a:solidFill>
@@ -12214,7 +12217,7 @@
                         </a:rPr>
                         <a:t>GPT-3.5-Turbo model API to the public</a:t>
                       </a:r>
-                      <a:endParaRPr lang="en-US" sz="1200" b="0" i="0" u="none" strike="noStrike" cap="none" spc="0">
+                      <a:endParaRPr lang="en-US" sz="1600" b="0" i="0" u="none" strike="noStrike" cap="none" spc="0">
                         <a:solidFill>
                           <a:schemeClr val="tx1"/>
                         </a:solidFill>
@@ -12259,7 +12262,7 @@
                         </a:spcAft>
                       </a:pPr>
                       <a:r>
-                        <a:rPr lang="en-US" sz="1200" b="0" u="none" strike="noStrike" cap="none" spc="0">
+                        <a:rPr lang="en-US" sz="1600" b="0" u="none" strike="noStrike" cap="none" spc="0" dirty="0">
                           <a:solidFill>
                             <a:schemeClr val="tx1"/>
                           </a:solidFill>
@@ -12267,7 +12270,7 @@
                         </a:rPr>
                         <a:t> available to everyone for use in services like ChatGPT</a:t>
                       </a:r>
-                      <a:endParaRPr lang="en-US" sz="1200" b="0" i="0" u="none" strike="noStrike" cap="none" spc="0">
+                      <a:endParaRPr lang="en-US" sz="1600" b="0" i="0" u="none" strike="noStrike" cap="none" spc="0" dirty="0">
                         <a:solidFill>
                           <a:schemeClr val="tx1"/>
                         </a:solidFill>
@@ -12329,7 +12332,7 @@
                         </a:spcAft>
                       </a:pPr>
                       <a:r>
-                        <a:rPr lang="en-IN" sz="1200" b="0" u="none" strike="noStrike" cap="none" spc="0">
+                        <a:rPr lang="en-IN" sz="1600" b="0" u="none" strike="noStrike" cap="none" spc="0">
                           <a:solidFill>
                             <a:schemeClr val="tx1"/>
                           </a:solidFill>
@@ -12337,7 +12340,7 @@
                         </a:rPr>
                         <a:t>Mar-23</a:t>
                       </a:r>
-                      <a:endParaRPr lang="en-IN" sz="1200" b="0" i="0" u="none" strike="noStrike" cap="none" spc="0">
+                      <a:endParaRPr lang="en-IN" sz="1600" b="0" i="0" u="none" strike="noStrike" cap="none" spc="0">
                         <a:solidFill>
                           <a:schemeClr val="tx1"/>
                         </a:solidFill>
@@ -12387,7 +12390,7 @@
                         </a:spcAft>
                       </a:pPr>
                       <a:r>
-                        <a:rPr lang="en-US" sz="1200" b="0" u="none" strike="noStrike" cap="none" spc="0">
+                        <a:rPr lang="en-US" sz="1600" b="0" u="none" strike="noStrike" cap="none" spc="0">
                           <a:solidFill>
                             <a:schemeClr val="tx1"/>
                           </a:solidFill>
@@ -12395,7 +12398,7 @@
                         </a:rPr>
                         <a:t>OpenAI announced the release of GPT-4</a:t>
                       </a:r>
-                      <a:endParaRPr lang="en-US" sz="1200" b="0" i="0" u="none" strike="noStrike" cap="none" spc="0">
+                      <a:endParaRPr lang="en-US" sz="1600" b="0" i="0" u="none" strike="noStrike" cap="none" spc="0">
                         <a:solidFill>
                           <a:schemeClr val="tx1"/>
                         </a:solidFill>
@@ -12445,7 +12448,7 @@
                         </a:spcAft>
                       </a:pPr>
                       <a:r>
-                        <a:rPr lang="en-US" sz="1200" b="0" u="none" strike="noStrike" cap="none" spc="0">
+                        <a:rPr lang="en-US" sz="1600" b="0" u="none" strike="noStrike" cap="none" spc="0" dirty="0">
                           <a:solidFill>
                             <a:schemeClr val="tx1"/>
                           </a:solidFill>
@@ -12453,7 +12456,7 @@
                         </a:rPr>
                         <a:t>OpenAI is slowly giving developers access to the GPT-4 API. They're starting with a waitlist, and people who help OpenAI evaluate the model get access first.</a:t>
                       </a:r>
-                      <a:endParaRPr lang="en-US" sz="1200" b="0" i="0" u="none" strike="noStrike" cap="none" spc="0">
+                      <a:endParaRPr lang="en-US" sz="1600" b="0" i="0" u="none" strike="noStrike" cap="none" spc="0" dirty="0">
                         <a:solidFill>
                           <a:schemeClr val="tx1"/>
                         </a:solidFill>
@@ -12520,7 +12523,7 @@
                         </a:spcAft>
                       </a:pPr>
                       <a:r>
-                        <a:rPr lang="en-IN" sz="1200" b="0" u="none" strike="noStrike" cap="none" spc="0">
+                        <a:rPr lang="en-IN" sz="1600" b="0" u="none" strike="noStrike" cap="none" spc="0">
                           <a:solidFill>
                             <a:schemeClr val="tx1"/>
                           </a:solidFill>
@@ -12528,7 +12531,7 @@
                         </a:rPr>
                         <a:t>Sep-23</a:t>
                       </a:r>
-                      <a:endParaRPr lang="en-IN" sz="1200" b="0" i="0" u="none" strike="noStrike" cap="none" spc="0">
+                      <a:endParaRPr lang="en-IN" sz="1600" b="0" i="0" u="none" strike="noStrike" cap="none" spc="0">
                         <a:solidFill>
                           <a:schemeClr val="tx1"/>
                         </a:solidFill>
@@ -12571,7 +12574,7 @@
                         </a:spcAft>
                       </a:pPr>
                       <a:r>
-                        <a:rPr lang="en-US" sz="1200" b="0" u="none" strike="noStrike" cap="none" spc="0" dirty="0">
+                        <a:rPr lang="en-US" sz="1600" b="0" u="none" strike="noStrike" cap="none" spc="0" dirty="0">
                           <a:solidFill>
                             <a:schemeClr val="tx1"/>
                           </a:solidFill>
@@ -12579,7 +12582,7 @@
                         </a:rPr>
                         <a:t>New voice and image capabilities in ChatGPT </a:t>
                       </a:r>
-                      <a:endParaRPr lang="en-US" sz="1200" b="0" i="0" u="none" strike="noStrike" cap="none" spc="0" dirty="0">
+                      <a:endParaRPr lang="en-US" sz="1600" b="0" i="0" u="none" strike="noStrike" cap="none" spc="0" dirty="0">
                         <a:solidFill>
                           <a:schemeClr val="tx1"/>
                         </a:solidFill>
@@ -12642,6 +12645,2253 @@
     <p:extLst>
       <p:ext uri="{BB962C8B-B14F-4D97-AF65-F5344CB8AC3E}">
         <p14:creationId xmlns:p14="http://schemas.microsoft.com/office/powerpoint/2010/main" val="2204883872"/>
+      </p:ext>
+    </p:extLst>
+  </p:cSld>
+  <p:clrMapOvr>
+    <a:masterClrMapping/>
+  </p:clrMapOvr>
+</p:sld>
+</file>
+
+<file path=ppt/slides/slide3.xml><?xml version="1.0" encoding="utf-8"?>
+<p:sld xmlns:a="http://schemas.openxmlformats.org/drawingml/2006/main" xmlns:r="http://schemas.openxmlformats.org/officeDocument/2006/relationships" xmlns:p="http://schemas.openxmlformats.org/presentationml/2006/main">
+  <p:cSld>
+    <p:bg>
+      <p:bgPr>
+        <a:solidFill>
+          <a:schemeClr val="bg1"/>
+        </a:solidFill>
+        <a:effectLst/>
+      </p:bgPr>
+    </p:bg>
+    <p:spTree>
+      <p:nvGrpSpPr>
+        <p:cNvPr id="1" name=""/>
+        <p:cNvGrpSpPr/>
+        <p:nvPr/>
+      </p:nvGrpSpPr>
+      <p:grpSpPr>
+        <a:xfrm>
+          <a:off x="0" y="0"/>
+          <a:ext cx="0" cy="0"/>
+          <a:chOff x="0" y="0"/>
+          <a:chExt cx="0" cy="0"/>
+        </a:xfrm>
+      </p:grpSpPr>
+      <p:sp>
+        <p:nvSpPr>
+          <p:cNvPr id="73" name="Rectangle 72">
+            <a:extLst>
+              <a:ext uri="{FF2B5EF4-FFF2-40B4-BE49-F238E27FC236}">
+                <a16:creationId xmlns:a16="http://schemas.microsoft.com/office/drawing/2014/main" id="{F3060C83-F051-4F0E-ABAD-AA0DFC48B218}"/>
+              </a:ext>
+              <a:ext uri="{C183D7F6-B498-43B3-948B-1728B52AA6E4}">
+                <adec:decorative xmlns:adec="http://schemas.microsoft.com/office/drawing/2017/decorative" val="1"/>
+              </a:ext>
+            </a:extLst>
+          </p:cNvPr>
+          <p:cNvSpPr>
+            <a:spLocks noGrp="1" noRot="1" noChangeAspect="1" noMove="1" noResize="1" noEditPoints="1" noAdjustHandles="1" noChangeArrowheads="1" noChangeShapeType="1" noTextEdit="1"/>
+          </p:cNvSpPr>
+          <p:nvPr>
+            <p:extLst>
+              <p:ext uri="{386F3935-93C4-4BCD-93E2-E3B085C9AB24}">
+                <p16:designElem xmlns:p16="http://schemas.microsoft.com/office/powerpoint/2015/main" val="1"/>
+              </p:ext>
+            </p:extLst>
+          </p:nvPr>
+        </p:nvSpPr>
+        <p:spPr>
+          <a:xfrm>
+            <a:off x="0" y="0"/>
+            <a:ext cx="12192000" cy="6858000"/>
+          </a:xfrm>
+          <a:prstGeom prst="rect">
+            <a:avLst/>
+          </a:prstGeom>
+          <a:solidFill>
+            <a:schemeClr val="bg1"/>
+          </a:solidFill>
+          <a:ln>
+            <a:noFill/>
+          </a:ln>
+        </p:spPr>
+        <p:style>
+          <a:lnRef idx="2">
+            <a:schemeClr val="accent1">
+              <a:shade val="50000"/>
+            </a:schemeClr>
+          </a:lnRef>
+          <a:fillRef idx="1">
+            <a:schemeClr val="accent1"/>
+          </a:fillRef>
+          <a:effectRef idx="0">
+            <a:schemeClr val="accent1"/>
+          </a:effectRef>
+          <a:fontRef idx="minor">
+            <a:schemeClr val="lt1"/>
+          </a:fontRef>
+        </p:style>
+        <p:txBody>
+          <a:bodyPr rtlCol="0" anchor="ctr"/>
+          <a:lstStyle/>
+          <a:p>
+            <a:pPr algn="ctr"/>
+            <a:endParaRPr lang="en-US" dirty="0"/>
+          </a:p>
+        </p:txBody>
+      </p:sp>
+      <p:sp>
+        <p:nvSpPr>
+          <p:cNvPr id="74" name="Freeform: Shape 73">
+            <a:extLst>
+              <a:ext uri="{FF2B5EF4-FFF2-40B4-BE49-F238E27FC236}">
+                <a16:creationId xmlns:a16="http://schemas.microsoft.com/office/drawing/2014/main" id="{83C98ABE-055B-441F-B07E-44F97F083C39}"/>
+              </a:ext>
+              <a:ext uri="{C183D7F6-B498-43B3-948B-1728B52AA6E4}">
+                <adec:decorative xmlns:adec="http://schemas.microsoft.com/office/drawing/2017/decorative" val="1"/>
+              </a:ext>
+            </a:extLst>
+          </p:cNvPr>
+          <p:cNvSpPr>
+            <a:spLocks noGrp="1" noRot="1" noChangeAspect="1" noMove="1" noResize="1" noEditPoints="1" noAdjustHandles="1" noChangeArrowheads="1" noChangeShapeType="1" noTextEdit="1"/>
+          </p:cNvSpPr>
+          <p:nvPr>
+            <p:extLst>
+              <p:ext uri="{386F3935-93C4-4BCD-93E2-E3B085C9AB24}">
+                <p16:designElem xmlns:p16="http://schemas.microsoft.com/office/powerpoint/2015/main" val="1"/>
+              </p:ext>
+            </p:extLst>
+          </p:nvPr>
+        </p:nvSpPr>
+        <p:spPr>
+          <a:xfrm rot="18900000" flipH="1">
+            <a:off x="-376156" y="-253670"/>
+            <a:ext cx="1827638" cy="1376989"/>
+          </a:xfrm>
+          <a:custGeom>
+            <a:avLst/>
+            <a:gdLst>
+              <a:gd name="connsiteX0" fmla="*/ 0 w 1827638"/>
+              <a:gd name="connsiteY0" fmla="*/ 987379 h 1376989"/>
+              <a:gd name="connsiteX1" fmla="*/ 987379 w 1827638"/>
+              <a:gd name="connsiteY1" fmla="*/ 0 h 1376989"/>
+              <a:gd name="connsiteX2" fmla="*/ 1827638 w 1827638"/>
+              <a:gd name="connsiteY2" fmla="*/ 840260 h 1376989"/>
+              <a:gd name="connsiteX3" fmla="*/ 1827638 w 1827638"/>
+              <a:gd name="connsiteY3" fmla="*/ 1376989 h 1376989"/>
+              <a:gd name="connsiteX4" fmla="*/ 0 w 1827638"/>
+              <a:gd name="connsiteY4" fmla="*/ 1376989 h 1376989"/>
+            </a:gdLst>
+            <a:ahLst/>
+            <a:cxnLst>
+              <a:cxn ang="0">
+                <a:pos x="connsiteX0" y="connsiteY0"/>
+              </a:cxn>
+              <a:cxn ang="0">
+                <a:pos x="connsiteX1" y="connsiteY1"/>
+              </a:cxn>
+              <a:cxn ang="0">
+                <a:pos x="connsiteX2" y="connsiteY2"/>
+              </a:cxn>
+              <a:cxn ang="0">
+                <a:pos x="connsiteX3" y="connsiteY3"/>
+              </a:cxn>
+              <a:cxn ang="0">
+                <a:pos x="connsiteX4" y="connsiteY4"/>
+              </a:cxn>
+            </a:cxnLst>
+            <a:rect l="l" t="t" r="r" b="b"/>
+            <a:pathLst>
+              <a:path w="1827638" h="1376989">
+                <a:moveTo>
+                  <a:pt x="0" y="987379"/>
+                </a:moveTo>
+                <a:lnTo>
+                  <a:pt x="987379" y="0"/>
+                </a:lnTo>
+                <a:lnTo>
+                  <a:pt x="1827638" y="840260"/>
+                </a:lnTo>
+                <a:lnTo>
+                  <a:pt x="1827638" y="1376989"/>
+                </a:lnTo>
+                <a:lnTo>
+                  <a:pt x="0" y="1376989"/>
+                </a:lnTo>
+                <a:close/>
+              </a:path>
+            </a:pathLst>
+          </a:custGeom>
+          <a:solidFill>
+            <a:schemeClr val="accent1">
+              <a:alpha val="30000"/>
+            </a:schemeClr>
+          </a:solidFill>
+          <a:ln>
+            <a:noFill/>
+          </a:ln>
+        </p:spPr>
+        <p:style>
+          <a:lnRef idx="2">
+            <a:schemeClr val="accent1">
+              <a:shade val="50000"/>
+            </a:schemeClr>
+          </a:lnRef>
+          <a:fillRef idx="1">
+            <a:schemeClr val="accent1"/>
+          </a:fillRef>
+          <a:effectRef idx="0">
+            <a:schemeClr val="accent1"/>
+          </a:effectRef>
+          <a:fontRef idx="minor">
+            <a:schemeClr val="lt1"/>
+          </a:fontRef>
+        </p:style>
+        <p:txBody>
+          <a:bodyPr rtlCol="0" anchor="ctr"/>
+          <a:lstStyle/>
+          <a:p>
+            <a:pPr algn="ctr"/>
+            <a:endParaRPr lang="en-US" dirty="0"/>
+          </a:p>
+        </p:txBody>
+      </p:sp>
+      <p:sp>
+        <p:nvSpPr>
+          <p:cNvPr id="75" name="Rectangle 74">
+            <a:extLst>
+              <a:ext uri="{FF2B5EF4-FFF2-40B4-BE49-F238E27FC236}">
+                <a16:creationId xmlns:a16="http://schemas.microsoft.com/office/drawing/2014/main" id="{29FDB030-9B49-4CED-8CCD-4D99382388AC}"/>
+              </a:ext>
+              <a:ext uri="{C183D7F6-B498-43B3-948B-1728B52AA6E4}">
+                <adec:decorative xmlns:adec="http://schemas.microsoft.com/office/drawing/2017/decorative" val="1"/>
+              </a:ext>
+            </a:extLst>
+          </p:cNvPr>
+          <p:cNvSpPr>
+            <a:spLocks noGrp="1" noRot="1" noChangeAspect="1" noMove="1" noResize="1" noEditPoints="1" noAdjustHandles="1" noChangeArrowheads="1" noChangeShapeType="1" noTextEdit="1"/>
+          </p:cNvSpPr>
+          <p:nvPr>
+            <p:extLst>
+              <p:ext uri="{386F3935-93C4-4BCD-93E2-E3B085C9AB24}">
+                <p16:designElem xmlns:p16="http://schemas.microsoft.com/office/powerpoint/2015/main" val="1"/>
+              </p:ext>
+            </p:extLst>
+          </p:nvPr>
+        </p:nvSpPr>
+        <p:spPr>
+          <a:xfrm rot="18900000" flipH="1">
+            <a:off x="891641" y="422146"/>
+            <a:ext cx="645368" cy="645368"/>
+          </a:xfrm>
+          <a:prstGeom prst="rect">
+            <a:avLst/>
+          </a:prstGeom>
+          <a:solidFill>
+            <a:schemeClr val="accent1">
+              <a:alpha val="30000"/>
+            </a:schemeClr>
+          </a:solidFill>
+          <a:ln>
+            <a:noFill/>
+          </a:ln>
+        </p:spPr>
+        <p:style>
+          <a:lnRef idx="2">
+            <a:schemeClr val="accent1">
+              <a:shade val="50000"/>
+            </a:schemeClr>
+          </a:lnRef>
+          <a:fillRef idx="1">
+            <a:schemeClr val="accent1"/>
+          </a:fillRef>
+          <a:effectRef idx="0">
+            <a:schemeClr val="accent1"/>
+          </a:effectRef>
+          <a:fontRef idx="minor">
+            <a:schemeClr val="lt1"/>
+          </a:fontRef>
+        </p:style>
+        <p:txBody>
+          <a:bodyPr rtlCol="0" anchor="ctr"/>
+          <a:lstStyle/>
+          <a:p>
+            <a:pPr algn="ctr"/>
+            <a:endParaRPr lang="en-US"/>
+          </a:p>
+        </p:txBody>
+      </p:sp>
+      <p:sp>
+        <p:nvSpPr>
+          <p:cNvPr id="76" name="Rectangle 75">
+            <a:extLst>
+              <a:ext uri="{FF2B5EF4-FFF2-40B4-BE49-F238E27FC236}">
+                <a16:creationId xmlns:a16="http://schemas.microsoft.com/office/drawing/2014/main" id="{3783CA14-24A1-485C-8B30-D6A5D87987AD}"/>
+              </a:ext>
+              <a:ext uri="{C183D7F6-B498-43B3-948B-1728B52AA6E4}">
+                <adec:decorative xmlns:adec="http://schemas.microsoft.com/office/drawing/2017/decorative" val="1"/>
+              </a:ext>
+            </a:extLst>
+          </p:cNvPr>
+          <p:cNvSpPr>
+            <a:spLocks noGrp="1" noRot="1" noChangeAspect="1" noMove="1" noResize="1" noEditPoints="1" noAdjustHandles="1" noChangeArrowheads="1" noChangeShapeType="1" noTextEdit="1"/>
+          </p:cNvSpPr>
+          <p:nvPr>
+            <p:extLst>
+              <p:ext uri="{386F3935-93C4-4BCD-93E2-E3B085C9AB24}">
+                <p16:designElem xmlns:p16="http://schemas.microsoft.com/office/powerpoint/2015/main" val="1"/>
+              </p:ext>
+            </p:extLst>
+          </p:nvPr>
+        </p:nvSpPr>
+        <p:spPr>
+          <a:xfrm rot="18900000" flipH="1">
+            <a:off x="10043482" y="655140"/>
+            <a:ext cx="687472" cy="687472"/>
+          </a:xfrm>
+          <a:prstGeom prst="rect">
+            <a:avLst/>
+          </a:prstGeom>
+          <a:solidFill>
+            <a:schemeClr val="accent4">
+              <a:alpha val="30000"/>
+            </a:schemeClr>
+          </a:solidFill>
+          <a:ln>
+            <a:noFill/>
+          </a:ln>
+        </p:spPr>
+        <p:style>
+          <a:lnRef idx="2">
+            <a:schemeClr val="accent1">
+              <a:shade val="50000"/>
+            </a:schemeClr>
+          </a:lnRef>
+          <a:fillRef idx="1">
+            <a:schemeClr val="accent1"/>
+          </a:fillRef>
+          <a:effectRef idx="0">
+            <a:schemeClr val="accent1"/>
+          </a:effectRef>
+          <a:fontRef idx="minor">
+            <a:schemeClr val="lt1"/>
+          </a:fontRef>
+        </p:style>
+        <p:txBody>
+          <a:bodyPr rtlCol="0" anchor="ctr"/>
+          <a:lstStyle/>
+          <a:p>
+            <a:pPr algn="ctr"/>
+            <a:endParaRPr lang="en-US"/>
+          </a:p>
+        </p:txBody>
+      </p:sp>
+      <p:sp>
+        <p:nvSpPr>
+          <p:cNvPr id="77" name="Freeform: Shape 76">
+            <a:extLst>
+              <a:ext uri="{FF2B5EF4-FFF2-40B4-BE49-F238E27FC236}">
+                <a16:creationId xmlns:a16="http://schemas.microsoft.com/office/drawing/2014/main" id="{9A97C86A-04D6-40F7-AE84-31AB43E6A846}"/>
+              </a:ext>
+              <a:ext uri="{C183D7F6-B498-43B3-948B-1728B52AA6E4}">
+                <adec:decorative xmlns:adec="http://schemas.microsoft.com/office/drawing/2017/decorative" val="1"/>
+              </a:ext>
+            </a:extLst>
+          </p:cNvPr>
+          <p:cNvSpPr>
+            <a:spLocks noGrp="1" noRot="1" noChangeAspect="1" noMove="1" noResize="1" noEditPoints="1" noAdjustHandles="1" noChangeArrowheads="1" noChangeShapeType="1" noTextEdit="1"/>
+          </p:cNvSpPr>
+          <p:nvPr>
+            <p:extLst>
+              <p:ext uri="{386F3935-93C4-4BCD-93E2-E3B085C9AB24}">
+                <p16:designElem xmlns:p16="http://schemas.microsoft.com/office/powerpoint/2015/main" val="1"/>
+              </p:ext>
+            </p:extLst>
+          </p:nvPr>
+        </p:nvSpPr>
+        <p:spPr>
+          <a:xfrm rot="10800000" flipH="1">
+            <a:off x="9356643" y="0"/>
+            <a:ext cx="2835357" cy="1480837"/>
+          </a:xfrm>
+          <a:custGeom>
+            <a:avLst/>
+            <a:gdLst>
+              <a:gd name="connsiteX0" fmla="*/ 2835357 w 2835357"/>
+              <a:gd name="connsiteY0" fmla="*/ 1480837 h 1480837"/>
+              <a:gd name="connsiteX1" fmla="*/ 0 w 2835357"/>
+              <a:gd name="connsiteY1" fmla="*/ 1480837 h 1480837"/>
+              <a:gd name="connsiteX2" fmla="*/ 1552727 w 2835357"/>
+              <a:gd name="connsiteY2" fmla="*/ 0 h 1480837"/>
+              <a:gd name="connsiteX3" fmla="*/ 2835357 w 2835357"/>
+              <a:gd name="connsiteY3" fmla="*/ 1223245 h 1480837"/>
+            </a:gdLst>
+            <a:ahLst/>
+            <a:cxnLst>
+              <a:cxn ang="0">
+                <a:pos x="connsiteX0" y="connsiteY0"/>
+              </a:cxn>
+              <a:cxn ang="0">
+                <a:pos x="connsiteX1" y="connsiteY1"/>
+              </a:cxn>
+              <a:cxn ang="0">
+                <a:pos x="connsiteX2" y="connsiteY2"/>
+              </a:cxn>
+              <a:cxn ang="0">
+                <a:pos x="connsiteX3" y="connsiteY3"/>
+              </a:cxn>
+            </a:cxnLst>
+            <a:rect l="l" t="t" r="r" b="b"/>
+            <a:pathLst>
+              <a:path w="2835357" h="1480837">
+                <a:moveTo>
+                  <a:pt x="2835357" y="1480837"/>
+                </a:moveTo>
+                <a:lnTo>
+                  <a:pt x="0" y="1480837"/>
+                </a:lnTo>
+                <a:lnTo>
+                  <a:pt x="1552727" y="0"/>
+                </a:lnTo>
+                <a:lnTo>
+                  <a:pt x="2835357" y="1223245"/>
+                </a:lnTo>
+                <a:close/>
+              </a:path>
+            </a:pathLst>
+          </a:custGeom>
+          <a:solidFill>
+            <a:schemeClr val="accent4">
+              <a:alpha val="30000"/>
+            </a:schemeClr>
+          </a:solidFill>
+          <a:ln>
+            <a:noFill/>
+          </a:ln>
+        </p:spPr>
+        <p:style>
+          <a:lnRef idx="2">
+            <a:schemeClr val="accent1">
+              <a:shade val="50000"/>
+            </a:schemeClr>
+          </a:lnRef>
+          <a:fillRef idx="1">
+            <a:schemeClr val="accent1"/>
+          </a:fillRef>
+          <a:effectRef idx="0">
+            <a:schemeClr val="accent1"/>
+          </a:effectRef>
+          <a:fontRef idx="minor">
+            <a:schemeClr val="lt1"/>
+          </a:fontRef>
+        </p:style>
+        <p:txBody>
+          <a:bodyPr wrap="square" rtlCol="0" anchor="ctr">
+            <a:noAutofit/>
+          </a:bodyPr>
+          <a:lstStyle/>
+          <a:p>
+            <a:pPr algn="ctr"/>
+            <a:endParaRPr lang="en-US" dirty="0"/>
+          </a:p>
+        </p:txBody>
+      </p:sp>
+      <p:sp>
+        <p:nvSpPr>
+          <p:cNvPr id="78" name="Isosceles Triangle 77">
+            <a:extLst>
+              <a:ext uri="{FF2B5EF4-FFF2-40B4-BE49-F238E27FC236}">
+                <a16:creationId xmlns:a16="http://schemas.microsoft.com/office/drawing/2014/main" id="{FF9F2414-84E8-453E-B1F3-389FDE8192D9}"/>
+              </a:ext>
+              <a:ext uri="{C183D7F6-B498-43B3-948B-1728B52AA6E4}">
+                <adec:decorative xmlns:adec="http://schemas.microsoft.com/office/drawing/2017/decorative" val="1"/>
+              </a:ext>
+            </a:extLst>
+          </p:cNvPr>
+          <p:cNvSpPr>
+            <a:spLocks noGrp="1" noRot="1" noChangeAspect="1" noMove="1" noResize="1" noEditPoints="1" noAdjustHandles="1" noChangeArrowheads="1" noChangeShapeType="1" noTextEdit="1"/>
+          </p:cNvSpPr>
+          <p:nvPr>
+            <p:extLst>
+              <p:ext uri="{386F3935-93C4-4BCD-93E2-E3B085C9AB24}">
+                <p16:designElem xmlns:p16="http://schemas.microsoft.com/office/powerpoint/2015/main" val="1"/>
+              </p:ext>
+            </p:extLst>
+          </p:nvPr>
+        </p:nvSpPr>
+        <p:spPr>
+          <a:xfrm flipH="1">
+            <a:off x="7976344" y="6115501"/>
+            <a:ext cx="1494513" cy="742499"/>
+          </a:xfrm>
+          <a:prstGeom prst="triangle">
+            <a:avLst/>
+          </a:prstGeom>
+          <a:solidFill>
+            <a:schemeClr val="accent1">
+              <a:alpha val="30000"/>
+            </a:schemeClr>
+          </a:solidFill>
+          <a:ln>
+            <a:noFill/>
+          </a:ln>
+        </p:spPr>
+        <p:style>
+          <a:lnRef idx="2">
+            <a:schemeClr val="accent1">
+              <a:shade val="50000"/>
+            </a:schemeClr>
+          </a:lnRef>
+          <a:fillRef idx="1">
+            <a:schemeClr val="accent1"/>
+          </a:fillRef>
+          <a:effectRef idx="0">
+            <a:schemeClr val="accent1"/>
+          </a:effectRef>
+          <a:fontRef idx="minor">
+            <a:schemeClr val="lt1"/>
+          </a:fontRef>
+        </p:style>
+        <p:txBody>
+          <a:bodyPr rtlCol="0" anchor="ctr"/>
+          <a:lstStyle/>
+          <a:p>
+            <a:pPr algn="ctr"/>
+            <a:endParaRPr lang="en-US"/>
+          </a:p>
+        </p:txBody>
+      </p:sp>
+      <p:pic>
+        <p:nvPicPr>
+          <p:cNvPr id="5" name="Picture 4" descr="A diagram of a transformer and gpt&#10;&#10;Description automatically generated">
+            <a:extLst>
+              <a:ext uri="{FF2B5EF4-FFF2-40B4-BE49-F238E27FC236}">
+                <a16:creationId xmlns:a16="http://schemas.microsoft.com/office/drawing/2014/main" id="{30B84C9C-936A-45D4-FCB3-6D62D6F08224}"/>
+              </a:ext>
+            </a:extLst>
+          </p:cNvPr>
+          <p:cNvPicPr>
+            <a:picLocks noChangeAspect="1"/>
+          </p:cNvPicPr>
+          <p:nvPr/>
+        </p:nvPicPr>
+        <p:blipFill>
+          <a:blip r:embed="rId2"/>
+          <a:stretch>
+            <a:fillRect/>
+          </a:stretch>
+        </p:blipFill>
+        <p:spPr>
+          <a:xfrm>
+            <a:off x="2227205" y="643467"/>
+            <a:ext cx="7737590" cy="5571065"/>
+          </a:xfrm>
+          <a:prstGeom prst="rect">
+            <a:avLst/>
+          </a:prstGeom>
+          <a:ln>
+            <a:noFill/>
+          </a:ln>
+        </p:spPr>
+      </p:pic>
+      <p:sp>
+        <p:nvSpPr>
+          <p:cNvPr id="79" name="Isosceles Triangle 78">
+            <a:extLst>
+              <a:ext uri="{FF2B5EF4-FFF2-40B4-BE49-F238E27FC236}">
+                <a16:creationId xmlns:a16="http://schemas.microsoft.com/office/drawing/2014/main" id="{3ECA69A1-7536-43AC-85EF-C7106179F5ED}"/>
+              </a:ext>
+              <a:ext uri="{C183D7F6-B498-43B3-948B-1728B52AA6E4}">
+                <adec:decorative xmlns:adec="http://schemas.microsoft.com/office/drawing/2017/decorative" val="1"/>
+              </a:ext>
+            </a:extLst>
+          </p:cNvPr>
+          <p:cNvSpPr>
+            <a:spLocks noGrp="1" noRot="1" noChangeAspect="1" noMove="1" noResize="1" noEditPoints="1" noAdjustHandles="1" noChangeArrowheads="1" noChangeShapeType="1" noTextEdit="1"/>
+          </p:cNvSpPr>
+          <p:nvPr>
+            <p:extLst>
+              <p:ext uri="{386F3935-93C4-4BCD-93E2-E3B085C9AB24}">
+                <p16:designElem xmlns:p16="http://schemas.microsoft.com/office/powerpoint/2015/main" val="1"/>
+              </p:ext>
+            </p:extLst>
+          </p:nvPr>
+        </p:nvSpPr>
+        <p:spPr>
+          <a:xfrm flipH="1">
+            <a:off x="7604080" y="6453143"/>
+            <a:ext cx="814903" cy="404857"/>
+          </a:xfrm>
+          <a:prstGeom prst="triangle">
+            <a:avLst/>
+          </a:prstGeom>
+          <a:solidFill>
+            <a:schemeClr val="accent1">
+              <a:alpha val="30000"/>
+            </a:schemeClr>
+          </a:solidFill>
+          <a:ln>
+            <a:noFill/>
+          </a:ln>
+        </p:spPr>
+        <p:style>
+          <a:lnRef idx="2">
+            <a:schemeClr val="accent1">
+              <a:shade val="50000"/>
+            </a:schemeClr>
+          </a:lnRef>
+          <a:fillRef idx="1">
+            <a:schemeClr val="accent1"/>
+          </a:fillRef>
+          <a:effectRef idx="0">
+            <a:schemeClr val="accent1"/>
+          </a:effectRef>
+          <a:fontRef idx="minor">
+            <a:schemeClr val="lt1"/>
+          </a:fontRef>
+        </p:style>
+        <p:txBody>
+          <a:bodyPr rtlCol="0" anchor="ctr"/>
+          <a:lstStyle/>
+          <a:p>
+            <a:pPr algn="ctr"/>
+            <a:endParaRPr lang="en-US"/>
+          </a:p>
+        </p:txBody>
+      </p:sp>
+      <p:pic>
+        <p:nvPicPr>
+          <p:cNvPr id="6" name="Picture 5">
+            <a:extLst>
+              <a:ext uri="{FF2B5EF4-FFF2-40B4-BE49-F238E27FC236}">
+                <a16:creationId xmlns:a16="http://schemas.microsoft.com/office/drawing/2014/main" id="{162FEA0F-146F-9D01-4558-6C248045C534}"/>
+              </a:ext>
+            </a:extLst>
+          </p:cNvPr>
+          <p:cNvPicPr>
+            <a:picLocks noChangeAspect="1"/>
+          </p:cNvPicPr>
+          <p:nvPr/>
+        </p:nvPicPr>
+        <p:blipFill>
+          <a:blip r:embed="rId3"/>
+          <a:stretch>
+            <a:fillRect/>
+          </a:stretch>
+        </p:blipFill>
+        <p:spPr>
+          <a:xfrm>
+            <a:off x="10766590" y="-4157"/>
+            <a:ext cx="1425410" cy="1275742"/>
+          </a:xfrm>
+          <a:prstGeom prst="rect">
+            <a:avLst/>
+          </a:prstGeom>
+        </p:spPr>
+      </p:pic>
+    </p:spTree>
+    <p:extLst>
+      <p:ext uri="{BB962C8B-B14F-4D97-AF65-F5344CB8AC3E}">
+        <p14:creationId xmlns:p14="http://schemas.microsoft.com/office/powerpoint/2010/main" val="3097602030"/>
+      </p:ext>
+    </p:extLst>
+  </p:cSld>
+  <p:clrMapOvr>
+    <a:masterClrMapping/>
+  </p:clrMapOvr>
+</p:sld>
+</file>
+
+<file path=ppt/slides/slide4.xml><?xml version="1.0" encoding="utf-8"?>
+<p:sld xmlns:a="http://schemas.openxmlformats.org/drawingml/2006/main" xmlns:r="http://schemas.openxmlformats.org/officeDocument/2006/relationships" xmlns:p="http://schemas.openxmlformats.org/presentationml/2006/main">
+  <p:cSld>
+    <p:bg>
+      <p:bgPr>
+        <a:solidFill>
+          <a:schemeClr val="bg1"/>
+        </a:solidFill>
+        <a:effectLst/>
+      </p:bgPr>
+    </p:bg>
+    <p:spTree>
+      <p:nvGrpSpPr>
+        <p:cNvPr id="1" name=""/>
+        <p:cNvGrpSpPr/>
+        <p:nvPr/>
+      </p:nvGrpSpPr>
+      <p:grpSpPr>
+        <a:xfrm>
+          <a:off x="0" y="0"/>
+          <a:ext cx="0" cy="0"/>
+          <a:chOff x="0" y="0"/>
+          <a:chExt cx="0" cy="0"/>
+        </a:xfrm>
+      </p:grpSpPr>
+      <p:sp useBgFill="1">
+        <p:nvSpPr>
+          <p:cNvPr id="12" name="Rectangle 11">
+            <a:extLst>
+              <a:ext uri="{FF2B5EF4-FFF2-40B4-BE49-F238E27FC236}">
+                <a16:creationId xmlns:a16="http://schemas.microsoft.com/office/drawing/2014/main" id="{09588DA8-065E-4F6F-8EFD-43104AB2E0CF}"/>
+              </a:ext>
+              <a:ext uri="{C183D7F6-B498-43B3-948B-1728B52AA6E4}">
+                <adec:decorative xmlns:adec="http://schemas.microsoft.com/office/drawing/2017/decorative" val="1"/>
+              </a:ext>
+            </a:extLst>
+          </p:cNvPr>
+          <p:cNvSpPr>
+            <a:spLocks noGrp="1" noRot="1" noChangeAspect="1" noMove="1" noResize="1" noEditPoints="1" noAdjustHandles="1" noChangeArrowheads="1" noChangeShapeType="1" noTextEdit="1"/>
+          </p:cNvSpPr>
+          <p:nvPr>
+            <p:extLst>
+              <p:ext uri="{386F3935-93C4-4BCD-93E2-E3B085C9AB24}">
+                <p16:designElem xmlns:p16="http://schemas.microsoft.com/office/powerpoint/2015/main" val="1"/>
+              </p:ext>
+            </p:extLst>
+          </p:nvPr>
+        </p:nvSpPr>
+        <p:spPr>
+          <a:xfrm>
+            <a:off x="0" y="0"/>
+            <a:ext cx="12192000" cy="6858000"/>
+          </a:xfrm>
+          <a:prstGeom prst="rect">
+            <a:avLst/>
+          </a:prstGeom>
+          <a:ln w="12700" cap="flat" cmpd="sng" algn="ctr">
+            <a:noFill/>
+            <a:prstDash val="solid"/>
+            <a:miter lim="800000"/>
+          </a:ln>
+          <a:effectLst/>
+          <a:extLst>
+            <a:ext uri="{91240B29-F687-4F45-9708-019B960494DF}">
+              <a14:hiddenLine xmlns:a14="http://schemas.microsoft.com/office/drawing/2010/main" w="12700" cap="flat" cmpd="sng" algn="ctr">
+                <a:solidFill>
+                  <a:schemeClr val="accent1">
+                    <a:shade val="50000"/>
+                  </a:schemeClr>
+                </a:solidFill>
+                <a:prstDash val="solid"/>
+                <a:miter lim="800000"/>
+              </a14:hiddenLine>
+            </a:ext>
+          </a:extLst>
+        </p:spPr>
+        <p:style>
+          <a:lnRef idx="2">
+            <a:schemeClr val="accent1">
+              <a:shade val="50000"/>
+            </a:schemeClr>
+          </a:lnRef>
+          <a:fillRef idx="1">
+            <a:schemeClr val="accent1"/>
+          </a:fillRef>
+          <a:effectRef idx="0">
+            <a:schemeClr val="accent1"/>
+          </a:effectRef>
+          <a:fontRef idx="minor">
+            <a:schemeClr val="lt1"/>
+          </a:fontRef>
+        </p:style>
+        <p:txBody>
+          <a:bodyPr rtlCol="0" anchor="ctr"/>
+          <a:lstStyle/>
+          <a:p>
+            <a:pPr algn="ctr"/>
+            <a:endParaRPr lang="en-US"/>
+          </a:p>
+        </p:txBody>
+      </p:sp>
+      <p:sp useBgFill="1">
+        <p:nvSpPr>
+          <p:cNvPr id="9" name="Rectangle 8">
+            <a:extLst>
+              <a:ext uri="{FF2B5EF4-FFF2-40B4-BE49-F238E27FC236}">
+                <a16:creationId xmlns:a16="http://schemas.microsoft.com/office/drawing/2014/main" id="{C4285719-470E-454C-AF62-8323075F1F5B}"/>
+              </a:ext>
+              <a:ext uri="{C183D7F6-B498-43B3-948B-1728B52AA6E4}">
+                <adec:decorative xmlns:adec="http://schemas.microsoft.com/office/drawing/2017/decorative" val="1"/>
+              </a:ext>
+            </a:extLst>
+          </p:cNvPr>
+          <p:cNvSpPr>
+            <a:spLocks noGrp="1" noRot="1" noChangeAspect="1" noMove="1" noResize="1" noEditPoints="1" noAdjustHandles="1" noChangeArrowheads="1" noChangeShapeType="1" noTextEdit="1"/>
+          </p:cNvSpPr>
+          <p:nvPr>
+            <p:extLst>
+              <p:ext uri="{386F3935-93C4-4BCD-93E2-E3B085C9AB24}">
+                <p16:designElem xmlns:p16="http://schemas.microsoft.com/office/powerpoint/2015/main" val="1"/>
+              </p:ext>
+            </p:extLst>
+          </p:nvPr>
+        </p:nvSpPr>
+        <p:spPr>
+          <a:xfrm>
+            <a:off x="0" y="0"/>
+            <a:ext cx="12188952" cy="6858000"/>
+          </a:xfrm>
+          <a:prstGeom prst="rect">
+            <a:avLst/>
+          </a:prstGeom>
+          <a:ln w="12700" cap="flat" cmpd="sng" algn="ctr">
+            <a:noFill/>
+            <a:prstDash val="solid"/>
+            <a:miter lim="800000"/>
+          </a:ln>
+          <a:effectLst/>
+          <a:extLst>
+            <a:ext uri="{91240B29-F687-4F45-9708-019B960494DF}">
+              <a14:hiddenLine xmlns:a14="http://schemas.microsoft.com/office/drawing/2010/main" w="12700" cap="flat" cmpd="sng" algn="ctr">
+                <a:solidFill>
+                  <a:schemeClr val="accent1">
+                    <a:shade val="50000"/>
+                  </a:schemeClr>
+                </a:solidFill>
+                <a:prstDash val="solid"/>
+                <a:miter lim="800000"/>
+              </a14:hiddenLine>
+            </a:ext>
+          </a:extLst>
+        </p:spPr>
+        <p:style>
+          <a:lnRef idx="2">
+            <a:schemeClr val="accent1">
+              <a:shade val="50000"/>
+            </a:schemeClr>
+          </a:lnRef>
+          <a:fillRef idx="1">
+            <a:schemeClr val="accent1"/>
+          </a:fillRef>
+          <a:effectRef idx="0">
+            <a:schemeClr val="accent1"/>
+          </a:effectRef>
+          <a:fontRef idx="minor">
+            <a:schemeClr val="lt1"/>
+          </a:fontRef>
+        </p:style>
+        <p:txBody>
+          <a:bodyPr rtlCol="0" anchor="ctr"/>
+          <a:lstStyle/>
+          <a:p>
+            <a:pPr algn="ctr"/>
+            <a:endParaRPr lang="en-US"/>
+          </a:p>
+        </p:txBody>
+      </p:sp>
+      <p:sp>
+        <p:nvSpPr>
+          <p:cNvPr id="16" name="Rectangle 15">
+            <a:extLst>
+              <a:ext uri="{FF2B5EF4-FFF2-40B4-BE49-F238E27FC236}">
+                <a16:creationId xmlns:a16="http://schemas.microsoft.com/office/drawing/2014/main" id="{CD9FE4EF-C4D8-49A0-B2FF-81D8DB7D8A24}"/>
+              </a:ext>
+              <a:ext uri="{C183D7F6-B498-43B3-948B-1728B52AA6E4}">
+                <adec:decorative xmlns:adec="http://schemas.microsoft.com/office/drawing/2017/decorative" val="1"/>
+              </a:ext>
+            </a:extLst>
+          </p:cNvPr>
+          <p:cNvSpPr>
+            <a:spLocks noGrp="1" noRot="1" noChangeAspect="1" noMove="1" noResize="1" noEditPoints="1" noAdjustHandles="1" noChangeArrowheads="1" noChangeShapeType="1" noTextEdit="1"/>
+          </p:cNvSpPr>
+          <p:nvPr>
+            <p:extLst>
+              <p:ext uri="{386F3935-93C4-4BCD-93E2-E3B085C9AB24}">
+                <p16:designElem xmlns:p16="http://schemas.microsoft.com/office/powerpoint/2015/main" val="1"/>
+              </p:ext>
+            </p:extLst>
+          </p:nvPr>
+        </p:nvSpPr>
+        <p:spPr>
+          <a:xfrm rot="5400000" flipH="1">
+            <a:off x="-1410084" y="1410082"/>
+            <a:ext cx="6858000" cy="4037836"/>
+          </a:xfrm>
+          <a:prstGeom prst="rect">
+            <a:avLst/>
+          </a:prstGeom>
+          <a:gradFill>
+            <a:gsLst>
+              <a:gs pos="8000">
+                <a:srgbClr val="000000"/>
+              </a:gs>
+              <a:gs pos="100000">
+                <a:schemeClr val="accent1">
+                  <a:lumMod val="75000"/>
+                </a:schemeClr>
+              </a:gs>
+            </a:gsLst>
+            <a:lin ang="3000000" scaled="0"/>
+          </a:gradFill>
+          <a:ln>
+            <a:noFill/>
+          </a:ln>
+        </p:spPr>
+        <p:style>
+          <a:lnRef idx="2">
+            <a:schemeClr val="accent1">
+              <a:shade val="50000"/>
+            </a:schemeClr>
+          </a:lnRef>
+          <a:fillRef idx="1">
+            <a:schemeClr val="accent1"/>
+          </a:fillRef>
+          <a:effectRef idx="0">
+            <a:schemeClr val="accent1"/>
+          </a:effectRef>
+          <a:fontRef idx="minor">
+            <a:schemeClr val="lt1"/>
+          </a:fontRef>
+        </p:style>
+        <p:txBody>
+          <a:bodyPr rtlCol="0" anchor="ctr"/>
+          <a:lstStyle/>
+          <a:p>
+            <a:pPr algn="ctr"/>
+            <a:endParaRPr lang="en-US"/>
+          </a:p>
+        </p:txBody>
+      </p:sp>
+      <p:sp>
+        <p:nvSpPr>
+          <p:cNvPr id="18" name="Rectangle 17">
+            <a:extLst>
+              <a:ext uri="{FF2B5EF4-FFF2-40B4-BE49-F238E27FC236}">
+                <a16:creationId xmlns:a16="http://schemas.microsoft.com/office/drawing/2014/main" id="{4300840D-0A0B-4512-BACA-B439D5B9C57C}"/>
+              </a:ext>
+              <a:ext uri="{C183D7F6-B498-43B3-948B-1728B52AA6E4}">
+                <adec:decorative xmlns:adec="http://schemas.microsoft.com/office/drawing/2017/decorative" val="1"/>
+              </a:ext>
+            </a:extLst>
+          </p:cNvPr>
+          <p:cNvSpPr>
+            <a:spLocks noGrp="1" noRot="1" noChangeAspect="1" noMove="1" noResize="1" noEditPoints="1" noAdjustHandles="1" noChangeArrowheads="1" noChangeShapeType="1" noTextEdit="1"/>
+          </p:cNvSpPr>
+          <p:nvPr>
+            <p:extLst>
+              <p:ext uri="{386F3935-93C4-4BCD-93E2-E3B085C9AB24}">
+                <p16:designElem xmlns:p16="http://schemas.microsoft.com/office/powerpoint/2015/main" val="1"/>
+              </p:ext>
+            </p:extLst>
+          </p:nvPr>
+        </p:nvSpPr>
+        <p:spPr>
+          <a:xfrm rot="5400000" flipH="1">
+            <a:off x="-1410085" y="1420219"/>
+            <a:ext cx="6857999" cy="4037839"/>
+          </a:xfrm>
+          <a:prstGeom prst="rect">
+            <a:avLst/>
+          </a:prstGeom>
+          <a:gradFill>
+            <a:gsLst>
+              <a:gs pos="0">
+                <a:srgbClr val="000000">
+                  <a:alpha val="0"/>
+                </a:srgbClr>
+              </a:gs>
+              <a:gs pos="99000">
+                <a:schemeClr val="accent1">
+                  <a:alpha val="46000"/>
+                </a:schemeClr>
+              </a:gs>
+            </a:gsLst>
+            <a:lin ang="1800000" scaled="0"/>
+          </a:gradFill>
+          <a:ln>
+            <a:noFill/>
+          </a:ln>
+        </p:spPr>
+        <p:style>
+          <a:lnRef idx="2">
+            <a:schemeClr val="accent1">
+              <a:shade val="50000"/>
+            </a:schemeClr>
+          </a:lnRef>
+          <a:fillRef idx="1">
+            <a:schemeClr val="accent1"/>
+          </a:fillRef>
+          <a:effectRef idx="0">
+            <a:schemeClr val="accent1"/>
+          </a:effectRef>
+          <a:fontRef idx="minor">
+            <a:schemeClr val="lt1"/>
+          </a:fontRef>
+        </p:style>
+        <p:txBody>
+          <a:bodyPr rtlCol="0" anchor="ctr"/>
+          <a:lstStyle/>
+          <a:p>
+            <a:pPr algn="ctr"/>
+            <a:endParaRPr lang="en-US"/>
+          </a:p>
+        </p:txBody>
+      </p:sp>
+      <p:sp>
+        <p:nvSpPr>
+          <p:cNvPr id="20" name="Rectangle 19">
+            <a:extLst>
+              <a:ext uri="{FF2B5EF4-FFF2-40B4-BE49-F238E27FC236}">
+                <a16:creationId xmlns:a16="http://schemas.microsoft.com/office/drawing/2014/main" id="{D2B78728-A580-49A7-84F9-6EF6F583ADE0}"/>
+              </a:ext>
+              <a:ext uri="{C183D7F6-B498-43B3-948B-1728B52AA6E4}">
+                <adec:decorative xmlns:adec="http://schemas.microsoft.com/office/drawing/2017/decorative" val="1"/>
+              </a:ext>
+            </a:extLst>
+          </p:cNvPr>
+          <p:cNvSpPr>
+            <a:spLocks noGrp="1" noRot="1" noChangeAspect="1" noMove="1" noResize="1" noEditPoints="1" noAdjustHandles="1" noChangeArrowheads="1" noChangeShapeType="1" noTextEdit="1"/>
+          </p:cNvSpPr>
+          <p:nvPr>
+            <p:extLst>
+              <p:ext uri="{386F3935-93C4-4BCD-93E2-E3B085C9AB24}">
+                <p16:designElem xmlns:p16="http://schemas.microsoft.com/office/powerpoint/2015/main" val="1"/>
+              </p:ext>
+            </p:extLst>
+          </p:nvPr>
+        </p:nvSpPr>
+        <p:spPr>
+          <a:xfrm rot="5400000" flipH="1">
+            <a:off x="767923" y="3588085"/>
+            <a:ext cx="2501979" cy="4037841"/>
+          </a:xfrm>
+          <a:prstGeom prst="rect">
+            <a:avLst/>
+          </a:prstGeom>
+          <a:gradFill>
+            <a:gsLst>
+              <a:gs pos="2000">
+                <a:schemeClr val="accent1">
+                  <a:alpha val="29000"/>
+                </a:schemeClr>
+              </a:gs>
+              <a:gs pos="100000">
+                <a:srgbClr val="000000">
+                  <a:alpha val="30000"/>
+                </a:srgbClr>
+              </a:gs>
+            </a:gsLst>
+            <a:lin ang="7800000" scaled="0"/>
+          </a:gradFill>
+          <a:ln>
+            <a:noFill/>
+          </a:ln>
+        </p:spPr>
+        <p:style>
+          <a:lnRef idx="2">
+            <a:schemeClr val="accent1">
+              <a:shade val="50000"/>
+            </a:schemeClr>
+          </a:lnRef>
+          <a:fillRef idx="1">
+            <a:schemeClr val="accent1"/>
+          </a:fillRef>
+          <a:effectRef idx="0">
+            <a:schemeClr val="accent1"/>
+          </a:effectRef>
+          <a:fontRef idx="minor">
+            <a:schemeClr val="lt1"/>
+          </a:fontRef>
+        </p:style>
+        <p:txBody>
+          <a:bodyPr rtlCol="0" anchor="ctr"/>
+          <a:lstStyle/>
+          <a:p>
+            <a:pPr algn="ctr"/>
+            <a:endParaRPr lang="en-US" dirty="0"/>
+          </a:p>
+        </p:txBody>
+      </p:sp>
+      <p:sp>
+        <p:nvSpPr>
+          <p:cNvPr id="22" name="Freeform: Shape 21">
+            <a:extLst>
+              <a:ext uri="{FF2B5EF4-FFF2-40B4-BE49-F238E27FC236}">
+                <a16:creationId xmlns:a16="http://schemas.microsoft.com/office/drawing/2014/main" id="{38FAA1A1-D861-433F-88FA-1E9D6FD31D11}"/>
+              </a:ext>
+              <a:ext uri="{C183D7F6-B498-43B3-948B-1728B52AA6E4}">
+                <adec:decorative xmlns:adec="http://schemas.microsoft.com/office/drawing/2017/decorative" val="1"/>
+              </a:ext>
+            </a:extLst>
+          </p:cNvPr>
+          <p:cNvSpPr>
+            <a:spLocks noGrp="1" noRot="1" noChangeAspect="1" noMove="1" noResize="1" noEditPoints="1" noAdjustHandles="1" noChangeArrowheads="1" noChangeShapeType="1" noTextEdit="1"/>
+          </p:cNvSpPr>
+          <p:nvPr>
+            <p:extLst>
+              <p:ext uri="{386F3935-93C4-4BCD-93E2-E3B085C9AB24}">
+                <p16:designElem xmlns:p16="http://schemas.microsoft.com/office/powerpoint/2015/main" val="1"/>
+              </p:ext>
+            </p:extLst>
+          </p:nvPr>
+        </p:nvSpPr>
+        <p:spPr>
+          <a:xfrm rot="20635413">
+            <a:off x="-501737" y="969718"/>
+            <a:ext cx="3900357" cy="4178958"/>
+          </a:xfrm>
+          <a:custGeom>
+            <a:avLst/>
+            <a:gdLst>
+              <a:gd name="connsiteX0" fmla="*/ 2432225 w 3900357"/>
+              <a:gd name="connsiteY0" fmla="*/ 93939 h 4178958"/>
+              <a:gd name="connsiteX1" fmla="*/ 3900357 w 3900357"/>
+              <a:gd name="connsiteY1" fmla="*/ 2089479 h 4178958"/>
+              <a:gd name="connsiteX2" fmla="*/ 1810878 w 3900357"/>
+              <a:gd name="connsiteY2" fmla="*/ 4178958 h 4178958"/>
+              <a:gd name="connsiteX3" fmla="*/ 78249 w 3900357"/>
+              <a:gd name="connsiteY3" fmla="*/ 3257727 h 4178958"/>
+              <a:gd name="connsiteX4" fmla="*/ 0 w 3900357"/>
+              <a:gd name="connsiteY4" fmla="*/ 3128923 h 4178958"/>
+              <a:gd name="connsiteX5" fmla="*/ 831324 w 3900357"/>
+              <a:gd name="connsiteY5" fmla="*/ 244281 h 4178958"/>
+              <a:gd name="connsiteX6" fmla="*/ 997559 w 3900357"/>
+              <a:gd name="connsiteY6" fmla="*/ 164202 h 4178958"/>
+              <a:gd name="connsiteX7" fmla="*/ 1810878 w 3900357"/>
+              <a:gd name="connsiteY7" fmla="*/ 0 h 4178958"/>
+              <a:gd name="connsiteX8" fmla="*/ 2432225 w 3900357"/>
+              <a:gd name="connsiteY8" fmla="*/ 93939 h 4178958"/>
+            </a:gdLst>
+            <a:ahLst/>
+            <a:cxnLst>
+              <a:cxn ang="0">
+                <a:pos x="connsiteX0" y="connsiteY0"/>
+              </a:cxn>
+              <a:cxn ang="0">
+                <a:pos x="connsiteX1" y="connsiteY1"/>
+              </a:cxn>
+              <a:cxn ang="0">
+                <a:pos x="connsiteX2" y="connsiteY2"/>
+              </a:cxn>
+              <a:cxn ang="0">
+                <a:pos x="connsiteX3" y="connsiteY3"/>
+              </a:cxn>
+              <a:cxn ang="0">
+                <a:pos x="connsiteX4" y="connsiteY4"/>
+              </a:cxn>
+              <a:cxn ang="0">
+                <a:pos x="connsiteX5" y="connsiteY5"/>
+              </a:cxn>
+              <a:cxn ang="0">
+                <a:pos x="connsiteX6" y="connsiteY6"/>
+              </a:cxn>
+              <a:cxn ang="0">
+                <a:pos x="connsiteX7" y="connsiteY7"/>
+              </a:cxn>
+              <a:cxn ang="0">
+                <a:pos x="connsiteX8" y="connsiteY8"/>
+              </a:cxn>
+            </a:cxnLst>
+            <a:rect l="l" t="t" r="r" b="b"/>
+            <a:pathLst>
+              <a:path w="3900357" h="4178958">
+                <a:moveTo>
+                  <a:pt x="2432225" y="93939"/>
+                </a:moveTo>
+                <a:cubicBezTo>
+                  <a:pt x="3282786" y="358491"/>
+                  <a:pt x="3900357" y="1151865"/>
+                  <a:pt x="3900357" y="2089479"/>
+                </a:cubicBezTo>
+                <a:cubicBezTo>
+                  <a:pt x="3900357" y="3243466"/>
+                  <a:pt x="2964865" y="4178958"/>
+                  <a:pt x="1810878" y="4178958"/>
+                </a:cubicBezTo>
+                <a:cubicBezTo>
+                  <a:pt x="1089636" y="4178958"/>
+                  <a:pt x="453744" y="3813531"/>
+                  <a:pt x="78249" y="3257727"/>
+                </a:cubicBezTo>
+                <a:lnTo>
+                  <a:pt x="0" y="3128923"/>
+                </a:lnTo>
+                <a:lnTo>
+                  <a:pt x="831324" y="244281"/>
+                </a:lnTo>
+                <a:lnTo>
+                  <a:pt x="997559" y="164202"/>
+                </a:lnTo>
+                <a:cubicBezTo>
+                  <a:pt x="1247540" y="58468"/>
+                  <a:pt x="1522381" y="0"/>
+                  <a:pt x="1810878" y="0"/>
+                </a:cubicBezTo>
+                <a:cubicBezTo>
+                  <a:pt x="2027251" y="0"/>
+                  <a:pt x="2235942" y="32888"/>
+                  <a:pt x="2432225" y="93939"/>
+                </a:cubicBezTo>
+                <a:close/>
+              </a:path>
+            </a:pathLst>
+          </a:custGeom>
+          <a:gradFill>
+            <a:gsLst>
+              <a:gs pos="29000">
+                <a:srgbClr val="000000">
+                  <a:alpha val="0"/>
+                </a:srgbClr>
+              </a:gs>
+              <a:gs pos="100000">
+                <a:schemeClr val="accent1">
+                  <a:alpha val="43000"/>
+                </a:schemeClr>
+              </a:gs>
+            </a:gsLst>
+            <a:lin ang="1800000" scaled="0"/>
+          </a:gradFill>
+          <a:ln>
+            <a:noFill/>
+          </a:ln>
+        </p:spPr>
+        <p:style>
+          <a:lnRef idx="2">
+            <a:schemeClr val="accent1">
+              <a:shade val="50000"/>
+            </a:schemeClr>
+          </a:lnRef>
+          <a:fillRef idx="1">
+            <a:schemeClr val="accent1"/>
+          </a:fillRef>
+          <a:effectRef idx="0">
+            <a:schemeClr val="accent1"/>
+          </a:effectRef>
+          <a:fontRef idx="minor">
+            <a:schemeClr val="lt1"/>
+          </a:fontRef>
+        </p:style>
+        <p:txBody>
+          <a:bodyPr wrap="square" rtlCol="0" anchor="ctr">
+            <a:noAutofit/>
+          </a:bodyPr>
+          <a:lstStyle/>
+          <a:p>
+            <a:pPr algn="ctr"/>
+            <a:endParaRPr lang="en-US" dirty="0"/>
+          </a:p>
+        </p:txBody>
+      </p:sp>
+      <p:sp>
+        <p:nvSpPr>
+          <p:cNvPr id="24" name="Rectangle 23">
+            <a:extLst>
+              <a:ext uri="{FF2B5EF4-FFF2-40B4-BE49-F238E27FC236}">
+                <a16:creationId xmlns:a16="http://schemas.microsoft.com/office/drawing/2014/main" id="{8D71EDA1-87BF-4D5D-AB79-F346FD19278A}"/>
+              </a:ext>
+              <a:ext uri="{C183D7F6-B498-43B3-948B-1728B52AA6E4}">
+                <adec:decorative xmlns:adec="http://schemas.microsoft.com/office/drawing/2017/decorative" val="1"/>
+              </a:ext>
+            </a:extLst>
+          </p:cNvPr>
+          <p:cNvSpPr>
+            <a:spLocks noGrp="1" noRot="1" noChangeAspect="1" noMove="1" noResize="1" noEditPoints="1" noAdjustHandles="1" noChangeArrowheads="1" noChangeShapeType="1" noTextEdit="1"/>
+          </p:cNvSpPr>
+          <p:nvPr>
+            <p:extLst>
+              <p:ext uri="{386F3935-93C4-4BCD-93E2-E3B085C9AB24}">
+                <p16:designElem xmlns:p16="http://schemas.microsoft.com/office/powerpoint/2015/main" val="1"/>
+              </p:ext>
+            </p:extLst>
+          </p:nvPr>
+        </p:nvSpPr>
+        <p:spPr>
+          <a:xfrm rot="5400000" flipH="1">
+            <a:off x="-1410093" y="1399943"/>
+            <a:ext cx="6858003" cy="4037835"/>
+          </a:xfrm>
+          <a:prstGeom prst="rect">
+            <a:avLst/>
+          </a:prstGeom>
+          <a:gradFill>
+            <a:gsLst>
+              <a:gs pos="0">
+                <a:srgbClr val="000000">
+                  <a:alpha val="0"/>
+                </a:srgbClr>
+              </a:gs>
+              <a:gs pos="99000">
+                <a:schemeClr val="accent1">
+                  <a:lumMod val="60000"/>
+                  <a:lumOff val="40000"/>
+                  <a:alpha val="11000"/>
+                </a:schemeClr>
+              </a:gs>
+            </a:gsLst>
+            <a:lin ang="7200000" scaled="0"/>
+          </a:gradFill>
+          <a:ln>
+            <a:noFill/>
+          </a:ln>
+        </p:spPr>
+        <p:style>
+          <a:lnRef idx="2">
+            <a:schemeClr val="accent1">
+              <a:shade val="50000"/>
+            </a:schemeClr>
+          </a:lnRef>
+          <a:fillRef idx="1">
+            <a:schemeClr val="accent1"/>
+          </a:fillRef>
+          <a:effectRef idx="0">
+            <a:schemeClr val="accent1"/>
+          </a:effectRef>
+          <a:fontRef idx="minor">
+            <a:schemeClr val="lt1"/>
+          </a:fontRef>
+        </p:style>
+        <p:txBody>
+          <a:bodyPr rtlCol="0" anchor="ctr"/>
+          <a:lstStyle/>
+          <a:p>
+            <a:pPr algn="ctr"/>
+            <a:endParaRPr lang="en-US"/>
+          </a:p>
+        </p:txBody>
+      </p:sp>
+      <p:sp>
+        <p:nvSpPr>
+          <p:cNvPr id="5" name="TextBox 4">
+            <a:extLst>
+              <a:ext uri="{FF2B5EF4-FFF2-40B4-BE49-F238E27FC236}">
+                <a16:creationId xmlns:a16="http://schemas.microsoft.com/office/drawing/2014/main" id="{4EFECA14-879C-2A10-6FBA-BABC1E4428CF}"/>
+              </a:ext>
+            </a:extLst>
+          </p:cNvPr>
+          <p:cNvSpPr txBox="1"/>
+          <p:nvPr/>
+        </p:nvSpPr>
+        <p:spPr>
+          <a:xfrm>
+            <a:off x="466722" y="586855"/>
+            <a:ext cx="3201366" cy="3387497"/>
+          </a:xfrm>
+          <a:prstGeom prst="rect">
+            <a:avLst/>
+          </a:prstGeom>
+        </p:spPr>
+        <p:txBody>
+          <a:bodyPr vert="horz" lIns="91440" tIns="45720" rIns="91440" bIns="45720" rtlCol="0" anchor="b">
+            <a:normAutofit/>
+          </a:bodyPr>
+          <a:lstStyle/>
+          <a:p>
+            <a:pPr algn="r">
+              <a:lnSpc>
+                <a:spcPct val="90000"/>
+              </a:lnSpc>
+              <a:spcBef>
+                <a:spcPct val="0"/>
+              </a:spcBef>
+              <a:spcAft>
+                <a:spcPts val="600"/>
+              </a:spcAft>
+            </a:pPr>
+            <a:r>
+              <a:rPr lang="en-US" sz="4000" b="1" kern="1200">
+                <a:solidFill>
+                  <a:srgbClr val="FFFFFF"/>
+                </a:solidFill>
+                <a:latin typeface="+mj-lt"/>
+                <a:ea typeface="+mj-ea"/>
+                <a:cs typeface="+mj-cs"/>
+              </a:rPr>
+              <a:t>Ethical</a:t>
+            </a:r>
+            <a:r>
+              <a:rPr lang="en-US" sz="4000" kern="1200">
+                <a:solidFill>
+                  <a:srgbClr val="FFFFFF"/>
+                </a:solidFill>
+                <a:latin typeface="+mj-lt"/>
+                <a:ea typeface="+mj-ea"/>
+                <a:cs typeface="+mj-cs"/>
+              </a:rPr>
+              <a:t> </a:t>
+            </a:r>
+            <a:r>
+              <a:rPr lang="en-US" sz="4000" b="1" kern="1200">
+                <a:solidFill>
+                  <a:srgbClr val="FFFFFF"/>
+                </a:solidFill>
+                <a:latin typeface="+mj-lt"/>
+                <a:ea typeface="+mj-ea"/>
+                <a:cs typeface="+mj-cs"/>
+              </a:rPr>
+              <a:t>Considerations</a:t>
+            </a:r>
+          </a:p>
+        </p:txBody>
+      </p:sp>
+      <p:sp>
+        <p:nvSpPr>
+          <p:cNvPr id="7" name="TextBox 6">
+            <a:extLst>
+              <a:ext uri="{FF2B5EF4-FFF2-40B4-BE49-F238E27FC236}">
+                <a16:creationId xmlns:a16="http://schemas.microsoft.com/office/drawing/2014/main" id="{2E9540BD-C926-2876-C0C9-E324D37A2E30}"/>
+              </a:ext>
+            </a:extLst>
+          </p:cNvPr>
+          <p:cNvSpPr txBox="1"/>
+          <p:nvPr/>
+        </p:nvSpPr>
+        <p:spPr>
+          <a:xfrm>
+            <a:off x="4037826" y="135448"/>
+            <a:ext cx="6940372" cy="6752970"/>
+          </a:xfrm>
+          <a:prstGeom prst="rect">
+            <a:avLst/>
+          </a:prstGeom>
+        </p:spPr>
+        <p:txBody>
+          <a:bodyPr vert="horz" lIns="91440" tIns="45720" rIns="91440" bIns="45720" rtlCol="0" anchor="ctr">
+            <a:normAutofit fontScale="85000" lnSpcReduction="20000"/>
+          </a:bodyPr>
+          <a:lstStyle/>
+          <a:p>
+            <a:pPr>
+              <a:lnSpc>
+                <a:spcPct val="90000"/>
+              </a:lnSpc>
+              <a:spcAft>
+                <a:spcPts val="600"/>
+              </a:spcAft>
+            </a:pPr>
+            <a:r>
+              <a:rPr lang="en-US" sz="1300" b="1" dirty="0"/>
+              <a:t>Transparency</a:t>
+            </a:r>
+            <a:r>
+              <a:rPr lang="en-US" sz="1300" dirty="0"/>
+              <a:t>: </a:t>
+            </a:r>
+          </a:p>
+          <a:p>
+            <a:pPr indent="-228600">
+              <a:lnSpc>
+                <a:spcPct val="90000"/>
+              </a:lnSpc>
+              <a:spcAft>
+                <a:spcPts val="600"/>
+              </a:spcAft>
+              <a:buFont typeface="Arial" panose="020B0604020202020204" pitchFamily="34" charset="0"/>
+              <a:buChar char="•"/>
+            </a:pPr>
+            <a:r>
+              <a:rPr lang="en-US" sz="1300" dirty="0"/>
+              <a:t>Clearly communicate that the user is interacting with a chatbot and not a human.</a:t>
+            </a:r>
+          </a:p>
+          <a:p>
+            <a:pPr indent="-228600">
+              <a:lnSpc>
+                <a:spcPct val="90000"/>
+              </a:lnSpc>
+              <a:spcAft>
+                <a:spcPts val="600"/>
+              </a:spcAft>
+              <a:buFont typeface="Arial" panose="020B0604020202020204" pitchFamily="34" charset="0"/>
+              <a:buChar char="•"/>
+            </a:pPr>
+            <a:r>
+              <a:rPr lang="en-US" sz="1300" dirty="0"/>
+              <a:t>Disclose the bot's capabilities and limitations to users.</a:t>
+            </a:r>
+          </a:p>
+          <a:p>
+            <a:pPr indent="-228600">
+              <a:lnSpc>
+                <a:spcPct val="90000"/>
+              </a:lnSpc>
+              <a:spcAft>
+                <a:spcPts val="600"/>
+              </a:spcAft>
+              <a:buFont typeface="Arial" panose="020B0604020202020204" pitchFamily="34" charset="0"/>
+              <a:buChar char="•"/>
+            </a:pPr>
+            <a:r>
+              <a:rPr lang="en-US" sz="1300" dirty="0"/>
+              <a:t>Avoid misleading users about the chatbot's purpose or intentions</a:t>
+            </a:r>
+          </a:p>
+          <a:p>
+            <a:pPr>
+              <a:lnSpc>
+                <a:spcPct val="90000"/>
+              </a:lnSpc>
+              <a:spcAft>
+                <a:spcPts val="600"/>
+              </a:spcAft>
+            </a:pPr>
+            <a:r>
+              <a:rPr lang="en-US" sz="1300" b="1" dirty="0"/>
+              <a:t>Privacy and Data Protection:</a:t>
+            </a:r>
+          </a:p>
+          <a:p>
+            <a:pPr indent="-228600">
+              <a:lnSpc>
+                <a:spcPct val="90000"/>
+              </a:lnSpc>
+              <a:spcAft>
+                <a:spcPts val="600"/>
+              </a:spcAft>
+              <a:buFont typeface="Arial" panose="020B0604020202020204" pitchFamily="34" charset="0"/>
+              <a:buChar char="•"/>
+            </a:pPr>
+            <a:r>
+              <a:rPr lang="en-US" sz="1300" dirty="0"/>
+              <a:t>Implement secure data handling practices to protect user information.</a:t>
+            </a:r>
+          </a:p>
+          <a:p>
+            <a:pPr indent="-228600">
+              <a:lnSpc>
+                <a:spcPct val="90000"/>
+              </a:lnSpc>
+              <a:spcAft>
+                <a:spcPts val="600"/>
+              </a:spcAft>
+              <a:buFont typeface="Arial" panose="020B0604020202020204" pitchFamily="34" charset="0"/>
+              <a:buChar char="•"/>
+            </a:pPr>
+            <a:r>
+              <a:rPr lang="en-US" sz="1300" dirty="0"/>
+              <a:t>Create a privacy policy that explains data collection, storage, and usage.</a:t>
+            </a:r>
+          </a:p>
+          <a:p>
+            <a:pPr indent="-228600">
+              <a:lnSpc>
+                <a:spcPct val="90000"/>
+              </a:lnSpc>
+              <a:spcAft>
+                <a:spcPts val="600"/>
+              </a:spcAft>
+              <a:buFont typeface="Arial" panose="020B0604020202020204" pitchFamily="34" charset="0"/>
+              <a:buChar char="•"/>
+            </a:pPr>
+            <a:r>
+              <a:rPr lang="en-US" sz="1300" dirty="0"/>
+              <a:t>Obtain user consent for data collection and ensure the ability to delete user data upon request.</a:t>
+            </a:r>
+          </a:p>
+          <a:p>
+            <a:pPr>
+              <a:lnSpc>
+                <a:spcPct val="90000"/>
+              </a:lnSpc>
+              <a:spcAft>
+                <a:spcPts val="600"/>
+              </a:spcAft>
+            </a:pPr>
+            <a:r>
+              <a:rPr lang="en-US" sz="1300" b="1" dirty="0"/>
+              <a:t>Bias and Fairness:</a:t>
+            </a:r>
+          </a:p>
+          <a:p>
+            <a:pPr indent="-228600">
+              <a:lnSpc>
+                <a:spcPct val="90000"/>
+              </a:lnSpc>
+              <a:spcAft>
+                <a:spcPts val="600"/>
+              </a:spcAft>
+              <a:buFont typeface="Arial" panose="020B0604020202020204" pitchFamily="34" charset="0"/>
+              <a:buChar char="•"/>
+            </a:pPr>
+            <a:r>
+              <a:rPr lang="en-US" sz="1300" dirty="0"/>
+              <a:t>Eliminate bias in chatbot responses to ensure fair and equal treatment of all users.</a:t>
+            </a:r>
+          </a:p>
+          <a:p>
+            <a:pPr indent="-228600">
+              <a:lnSpc>
+                <a:spcPct val="90000"/>
+              </a:lnSpc>
+              <a:spcAft>
+                <a:spcPts val="600"/>
+              </a:spcAft>
+              <a:buFont typeface="Arial" panose="020B0604020202020204" pitchFamily="34" charset="0"/>
+              <a:buChar char="•"/>
+            </a:pPr>
+            <a:r>
+              <a:rPr lang="en-US" sz="1300" dirty="0"/>
+              <a:t>Regularly review and audit the chatbot's data and algorithms for bias.</a:t>
+            </a:r>
+          </a:p>
+          <a:p>
+            <a:pPr indent="-228600">
+              <a:lnSpc>
+                <a:spcPct val="90000"/>
+              </a:lnSpc>
+              <a:spcAft>
+                <a:spcPts val="600"/>
+              </a:spcAft>
+              <a:buFont typeface="Arial" panose="020B0604020202020204" pitchFamily="34" charset="0"/>
+              <a:buChar char="•"/>
+            </a:pPr>
+            <a:r>
+              <a:rPr lang="en-US" sz="1300" dirty="0"/>
+              <a:t>Be cautious about using biased training data, which can perpetuate stereotypes.</a:t>
+            </a:r>
+          </a:p>
+          <a:p>
+            <a:pPr>
+              <a:lnSpc>
+                <a:spcPct val="90000"/>
+              </a:lnSpc>
+              <a:spcAft>
+                <a:spcPts val="600"/>
+              </a:spcAft>
+            </a:pPr>
+            <a:r>
+              <a:rPr lang="en-US" sz="1300" b="1" dirty="0"/>
+              <a:t>User Consent and Control:</a:t>
+            </a:r>
+          </a:p>
+          <a:p>
+            <a:pPr indent="-228600">
+              <a:lnSpc>
+                <a:spcPct val="90000"/>
+              </a:lnSpc>
+              <a:spcAft>
+                <a:spcPts val="600"/>
+              </a:spcAft>
+              <a:buFont typeface="Arial" panose="020B0604020202020204" pitchFamily="34" charset="0"/>
+              <a:buChar char="•"/>
+            </a:pPr>
+            <a:r>
+              <a:rPr lang="en-US" sz="1300" dirty="0"/>
+              <a:t>Design user-friendly interfaces for opting in or out of interactions with the chatbot.</a:t>
+            </a:r>
+          </a:p>
+          <a:p>
+            <a:pPr indent="-228600">
+              <a:lnSpc>
+                <a:spcPct val="90000"/>
+              </a:lnSpc>
+              <a:spcAft>
+                <a:spcPts val="600"/>
+              </a:spcAft>
+              <a:buFont typeface="Arial" panose="020B0604020202020204" pitchFamily="34" charset="0"/>
+              <a:buChar char="•"/>
+            </a:pPr>
+            <a:r>
+              <a:rPr lang="en-US" sz="1300" dirty="0"/>
+              <a:t>Allow users to customize the type and frequency of interactions.</a:t>
+            </a:r>
+          </a:p>
+          <a:p>
+            <a:pPr indent="-228600">
+              <a:lnSpc>
+                <a:spcPct val="90000"/>
+              </a:lnSpc>
+              <a:spcAft>
+                <a:spcPts val="600"/>
+              </a:spcAft>
+              <a:buFont typeface="Arial" panose="020B0604020202020204" pitchFamily="34" charset="0"/>
+              <a:buChar char="•"/>
+            </a:pPr>
+            <a:r>
+              <a:rPr lang="en-US" sz="1300" dirty="0"/>
+              <a:t>Implement account deletion and data management features.</a:t>
+            </a:r>
+          </a:p>
+          <a:p>
+            <a:pPr>
+              <a:lnSpc>
+                <a:spcPct val="90000"/>
+              </a:lnSpc>
+              <a:spcAft>
+                <a:spcPts val="600"/>
+              </a:spcAft>
+            </a:pPr>
+            <a:r>
+              <a:rPr lang="en-US" sz="1300" b="1" dirty="0"/>
+              <a:t>Accountability</a:t>
+            </a:r>
+            <a:r>
+              <a:rPr lang="en-US" sz="1300" dirty="0"/>
+              <a:t>:</a:t>
+            </a:r>
+          </a:p>
+          <a:p>
+            <a:pPr indent="-228600">
+              <a:lnSpc>
+                <a:spcPct val="90000"/>
+              </a:lnSpc>
+              <a:spcAft>
+                <a:spcPts val="600"/>
+              </a:spcAft>
+              <a:buFont typeface="Arial" panose="020B0604020202020204" pitchFamily="34" charset="0"/>
+              <a:buChar char="•"/>
+            </a:pPr>
+            <a:r>
+              <a:rPr lang="en-US" sz="1300" dirty="0"/>
+              <a:t>Clearly define roles and responsibilities within your development team.</a:t>
+            </a:r>
+          </a:p>
+          <a:p>
+            <a:pPr indent="-228600">
+              <a:lnSpc>
+                <a:spcPct val="90000"/>
+              </a:lnSpc>
+              <a:spcAft>
+                <a:spcPts val="600"/>
+              </a:spcAft>
+              <a:buFont typeface="Arial" panose="020B0604020202020204" pitchFamily="34" charset="0"/>
+              <a:buChar char="•"/>
+            </a:pPr>
+            <a:r>
+              <a:rPr lang="en-US" sz="1300" dirty="0"/>
+              <a:t>Establish protocols for addressing user complaints, issues, or harmful interactions.</a:t>
+            </a:r>
+          </a:p>
+          <a:p>
+            <a:pPr indent="-228600">
+              <a:lnSpc>
+                <a:spcPct val="90000"/>
+              </a:lnSpc>
+              <a:spcAft>
+                <a:spcPts val="600"/>
+              </a:spcAft>
+              <a:buFont typeface="Arial" panose="020B0604020202020204" pitchFamily="34" charset="0"/>
+              <a:buChar char="•"/>
+            </a:pPr>
+            <a:r>
+              <a:rPr lang="en-US" sz="1300" dirty="0"/>
+              <a:t>Continuously monitor chatbot interactions for performance and ethical issues.</a:t>
+            </a:r>
+          </a:p>
+          <a:p>
+            <a:pPr>
+              <a:lnSpc>
+                <a:spcPct val="90000"/>
+              </a:lnSpc>
+              <a:spcAft>
+                <a:spcPts val="600"/>
+              </a:spcAft>
+            </a:pPr>
+            <a:r>
+              <a:rPr lang="en-US" sz="1300" b="1" dirty="0"/>
+              <a:t>User Well-being</a:t>
+            </a:r>
+            <a:r>
+              <a:rPr lang="en-US" sz="1300" dirty="0"/>
+              <a:t>:</a:t>
+            </a:r>
+          </a:p>
+          <a:p>
+            <a:pPr indent="-228600">
+              <a:lnSpc>
+                <a:spcPct val="90000"/>
+              </a:lnSpc>
+              <a:spcAft>
+                <a:spcPts val="600"/>
+              </a:spcAft>
+              <a:buFont typeface="Arial" panose="020B0604020202020204" pitchFamily="34" charset="0"/>
+              <a:buChar char="•"/>
+            </a:pPr>
+            <a:r>
+              <a:rPr lang="en-US" sz="1300" dirty="0"/>
+              <a:t>Ensure that the chatbot provides reliable and accurate information.</a:t>
+            </a:r>
+          </a:p>
+          <a:p>
+            <a:pPr indent="-228600">
+              <a:lnSpc>
+                <a:spcPct val="90000"/>
+              </a:lnSpc>
+              <a:spcAft>
+                <a:spcPts val="600"/>
+              </a:spcAft>
+              <a:buFont typeface="Arial" panose="020B0604020202020204" pitchFamily="34" charset="0"/>
+              <a:buChar char="•"/>
+            </a:pPr>
+            <a:r>
+              <a:rPr lang="en-US" sz="1300" dirty="0"/>
+              <a:t>Implement content moderation for sensitive topics.</a:t>
+            </a:r>
+          </a:p>
+          <a:p>
+            <a:pPr indent="-228600">
+              <a:lnSpc>
+                <a:spcPct val="90000"/>
+              </a:lnSpc>
+              <a:spcAft>
+                <a:spcPts val="600"/>
+              </a:spcAft>
+              <a:buFont typeface="Arial" panose="020B0604020202020204" pitchFamily="34" charset="0"/>
+              <a:buChar char="•"/>
+            </a:pPr>
+            <a:r>
+              <a:rPr lang="en-US" sz="1300" dirty="0"/>
+              <a:t>Provide resources and helplines for users in distress.</a:t>
+            </a:r>
+          </a:p>
+          <a:p>
+            <a:pPr>
+              <a:lnSpc>
+                <a:spcPct val="90000"/>
+              </a:lnSpc>
+              <a:spcAft>
+                <a:spcPts val="600"/>
+              </a:spcAft>
+            </a:pPr>
+            <a:r>
+              <a:rPr lang="en-US" sz="1300" b="1" dirty="0"/>
+              <a:t>Avoiding Harm:</a:t>
+            </a:r>
+          </a:p>
+          <a:p>
+            <a:pPr indent="-228600">
+              <a:lnSpc>
+                <a:spcPct val="90000"/>
+              </a:lnSpc>
+              <a:spcAft>
+                <a:spcPts val="600"/>
+              </a:spcAft>
+              <a:buFont typeface="Arial" panose="020B0604020202020204" pitchFamily="34" charset="0"/>
+              <a:buChar char="•"/>
+            </a:pPr>
+            <a:r>
+              <a:rPr lang="en-US" sz="1300" dirty="0"/>
+              <a:t>Prevent the chatbot from engaging in harmful, malicious, or illegal activities.</a:t>
+            </a:r>
+          </a:p>
+          <a:p>
+            <a:pPr indent="-228600">
+              <a:lnSpc>
+                <a:spcPct val="90000"/>
+              </a:lnSpc>
+              <a:spcAft>
+                <a:spcPts val="600"/>
+              </a:spcAft>
+              <a:buFont typeface="Arial" panose="020B0604020202020204" pitchFamily="34" charset="0"/>
+              <a:buChar char="•"/>
+            </a:pPr>
+            <a:r>
+              <a:rPr lang="en-US" sz="1300" dirty="0"/>
+              <a:t>Use robust content filtering to avoid promoting hate speech, violence, or discrimination.</a:t>
+            </a:r>
+          </a:p>
+          <a:p>
+            <a:pPr indent="-228600">
+              <a:lnSpc>
+                <a:spcPct val="90000"/>
+              </a:lnSpc>
+              <a:spcAft>
+                <a:spcPts val="600"/>
+              </a:spcAft>
+              <a:buFont typeface="Arial" panose="020B0604020202020204" pitchFamily="34" charset="0"/>
+              <a:buChar char="•"/>
+            </a:pPr>
+            <a:r>
+              <a:rPr lang="en-US" sz="1300" dirty="0"/>
+              <a:t>Monitor for any harmful or inappropriate content generated by the chatbot.</a:t>
+            </a:r>
+          </a:p>
+          <a:p>
+            <a:pPr>
+              <a:lnSpc>
+                <a:spcPct val="90000"/>
+              </a:lnSpc>
+              <a:spcAft>
+                <a:spcPts val="600"/>
+              </a:spcAft>
+            </a:pPr>
+            <a:r>
+              <a:rPr lang="en-US" sz="1300" b="1" dirty="0"/>
+              <a:t>Continuous Improvement:</a:t>
+            </a:r>
+            <a:endParaRPr lang="en-US" sz="1300" dirty="0"/>
+          </a:p>
+          <a:p>
+            <a:pPr indent="-228600">
+              <a:lnSpc>
+                <a:spcPct val="90000"/>
+              </a:lnSpc>
+              <a:spcAft>
+                <a:spcPts val="600"/>
+              </a:spcAft>
+              <a:buFont typeface="Arial" panose="020B0604020202020204" pitchFamily="34" charset="0"/>
+              <a:buChar char="•"/>
+            </a:pPr>
+            <a:r>
+              <a:rPr lang="en-US" sz="1300" dirty="0"/>
+              <a:t>Act on user feedback to enhance the chatbot's performance and ethical behavior.</a:t>
+            </a:r>
+          </a:p>
+          <a:p>
+            <a:pPr indent="-228600">
+              <a:lnSpc>
+                <a:spcPct val="90000"/>
+              </a:lnSpc>
+              <a:spcAft>
+                <a:spcPts val="600"/>
+              </a:spcAft>
+              <a:buFont typeface="Arial" panose="020B0604020202020204" pitchFamily="34" charset="0"/>
+              <a:buChar char="•"/>
+            </a:pPr>
+            <a:r>
+              <a:rPr lang="en-US" sz="1300" dirty="0"/>
+              <a:t>Stay up to date with ethical AI guidelines and best practices.</a:t>
+            </a:r>
+          </a:p>
+          <a:p>
+            <a:pPr>
+              <a:lnSpc>
+                <a:spcPct val="90000"/>
+              </a:lnSpc>
+              <a:spcAft>
+                <a:spcPts val="600"/>
+              </a:spcAft>
+            </a:pPr>
+            <a:r>
+              <a:rPr lang="en-US" sz="1300" b="1" dirty="0"/>
+              <a:t>Cultural Sensitivity:</a:t>
+            </a:r>
+          </a:p>
+          <a:p>
+            <a:pPr indent="-228600">
+              <a:lnSpc>
+                <a:spcPct val="90000"/>
+              </a:lnSpc>
+              <a:spcAft>
+                <a:spcPts val="600"/>
+              </a:spcAft>
+              <a:buFont typeface="Arial" panose="020B0604020202020204" pitchFamily="34" charset="0"/>
+              <a:buChar char="•"/>
+            </a:pPr>
+            <a:r>
+              <a:rPr lang="en-US" sz="1300" dirty="0"/>
+              <a:t> Adapt the chatbot's responses and behavior to respect cultural norms and sensitivities.</a:t>
+            </a:r>
+          </a:p>
+          <a:p>
+            <a:pPr indent="-228600">
+              <a:lnSpc>
+                <a:spcPct val="90000"/>
+              </a:lnSpc>
+              <a:spcAft>
+                <a:spcPts val="600"/>
+              </a:spcAft>
+              <a:buFont typeface="Arial" panose="020B0604020202020204" pitchFamily="34" charset="0"/>
+              <a:buChar char="•"/>
+            </a:pPr>
+            <a:r>
+              <a:rPr lang="en-US" sz="1300" dirty="0"/>
+              <a:t>Consult experts or users from various cultural backgrounds to ensure appropriateness.</a:t>
+            </a:r>
+          </a:p>
+          <a:p>
+            <a:pPr indent="-228600">
+              <a:lnSpc>
+                <a:spcPct val="90000"/>
+              </a:lnSpc>
+              <a:spcAft>
+                <a:spcPts val="600"/>
+              </a:spcAft>
+              <a:buFont typeface="Arial" panose="020B0604020202020204" pitchFamily="34" charset="0"/>
+              <a:buChar char="•"/>
+            </a:pPr>
+            <a:endParaRPr lang="en-US" sz="800" dirty="0"/>
+          </a:p>
+        </p:txBody>
+      </p:sp>
+      <p:pic>
+        <p:nvPicPr>
+          <p:cNvPr id="8" name="Picture 7">
+            <a:extLst>
+              <a:ext uri="{FF2B5EF4-FFF2-40B4-BE49-F238E27FC236}">
+                <a16:creationId xmlns:a16="http://schemas.microsoft.com/office/drawing/2014/main" id="{058A0EA9-42FA-F3F4-747E-964D8A81940C}"/>
+              </a:ext>
+            </a:extLst>
+          </p:cNvPr>
+          <p:cNvPicPr>
+            <a:picLocks noChangeAspect="1"/>
+          </p:cNvPicPr>
+          <p:nvPr/>
+        </p:nvPicPr>
+        <p:blipFill>
+          <a:blip r:embed="rId2"/>
+          <a:stretch>
+            <a:fillRect/>
+          </a:stretch>
+        </p:blipFill>
+        <p:spPr>
+          <a:xfrm>
+            <a:off x="10766590" y="-4157"/>
+            <a:ext cx="1425410" cy="1275742"/>
+          </a:xfrm>
+          <a:prstGeom prst="rect">
+            <a:avLst/>
+          </a:prstGeom>
+        </p:spPr>
+      </p:pic>
+    </p:spTree>
+    <p:extLst>
+      <p:ext uri="{BB962C8B-B14F-4D97-AF65-F5344CB8AC3E}">
+        <p14:creationId xmlns:p14="http://schemas.microsoft.com/office/powerpoint/2010/main" val="3678570788"/>
+      </p:ext>
+    </p:extLst>
+  </p:cSld>
+  <p:clrMapOvr>
+    <a:masterClrMapping/>
+  </p:clrMapOvr>
+</p:sld>
+</file>
+
+<file path=ppt/slides/slide5.xml><?xml version="1.0" encoding="utf-8"?>
+<p:sld xmlns:a="http://schemas.openxmlformats.org/drawingml/2006/main" xmlns:r="http://schemas.openxmlformats.org/officeDocument/2006/relationships" xmlns:p="http://schemas.openxmlformats.org/presentationml/2006/main">
+  <p:cSld>
+    <p:bg>
+      <p:bgPr>
+        <a:solidFill>
+          <a:schemeClr val="bg1"/>
+        </a:solidFill>
+        <a:effectLst/>
+      </p:bgPr>
+    </p:bg>
+    <p:spTree>
+      <p:nvGrpSpPr>
+        <p:cNvPr id="1" name=""/>
+        <p:cNvGrpSpPr/>
+        <p:nvPr/>
+      </p:nvGrpSpPr>
+      <p:grpSpPr>
+        <a:xfrm>
+          <a:off x="0" y="0"/>
+          <a:ext cx="0" cy="0"/>
+          <a:chOff x="0" y="0"/>
+          <a:chExt cx="0" cy="0"/>
+        </a:xfrm>
+      </p:grpSpPr>
+      <p:sp useBgFill="1">
+        <p:nvSpPr>
+          <p:cNvPr id="2086" name="Rectangle 2085">
+            <a:extLst>
+              <a:ext uri="{FF2B5EF4-FFF2-40B4-BE49-F238E27FC236}">
+                <a16:creationId xmlns:a16="http://schemas.microsoft.com/office/drawing/2014/main" id="{7D9D36D6-2AC5-46A1-A849-4C82D5264A3A}"/>
+              </a:ext>
+              <a:ext uri="{C183D7F6-B498-43B3-948B-1728B52AA6E4}">
+                <adec:decorative xmlns:adec="http://schemas.microsoft.com/office/drawing/2017/decorative" val="1"/>
+              </a:ext>
+            </a:extLst>
+          </p:cNvPr>
+          <p:cNvSpPr>
+            <a:spLocks noGrp="1" noRot="1" noChangeAspect="1" noMove="1" noResize="1" noEditPoints="1" noAdjustHandles="1" noChangeArrowheads="1" noChangeShapeType="1" noTextEdit="1"/>
+          </p:cNvSpPr>
+          <p:nvPr>
+            <p:extLst>
+              <p:ext uri="{386F3935-93C4-4BCD-93E2-E3B085C9AB24}">
+                <p16:designElem xmlns:p16="http://schemas.microsoft.com/office/powerpoint/2015/main" val="1"/>
+              </p:ext>
+            </p:extLst>
+          </p:nvPr>
+        </p:nvSpPr>
+        <p:spPr>
+          <a:xfrm>
+            <a:off x="-1" y="0"/>
+            <a:ext cx="12188952" cy="6858000"/>
+          </a:xfrm>
+          <a:prstGeom prst="rect">
+            <a:avLst/>
+          </a:prstGeom>
+          <a:ln>
+            <a:noFill/>
+          </a:ln>
+        </p:spPr>
+        <p:style>
+          <a:lnRef idx="2">
+            <a:schemeClr val="accent1">
+              <a:shade val="50000"/>
+            </a:schemeClr>
+          </a:lnRef>
+          <a:fillRef idx="1">
+            <a:schemeClr val="accent1"/>
+          </a:fillRef>
+          <a:effectRef idx="0">
+            <a:schemeClr val="accent1"/>
+          </a:effectRef>
+          <a:fontRef idx="minor">
+            <a:schemeClr val="lt1"/>
+          </a:fontRef>
+        </p:style>
+        <p:txBody>
+          <a:bodyPr rtlCol="0" anchor="ctr"/>
+          <a:lstStyle/>
+          <a:p>
+            <a:pPr algn="ctr"/>
+            <a:endParaRPr lang="en-US" dirty="0"/>
+          </a:p>
+        </p:txBody>
+      </p:sp>
+      <p:sp>
+        <p:nvSpPr>
+          <p:cNvPr id="2" name="Title 1">
+            <a:extLst>
+              <a:ext uri="{FF2B5EF4-FFF2-40B4-BE49-F238E27FC236}">
+                <a16:creationId xmlns:a16="http://schemas.microsoft.com/office/drawing/2014/main" id="{28E8CF4F-8FC6-8543-3B63-756DC6AD34C0}"/>
+              </a:ext>
+            </a:extLst>
+          </p:cNvPr>
+          <p:cNvSpPr>
+            <a:spLocks noGrp="1"/>
+          </p:cNvSpPr>
+          <p:nvPr>
+            <p:ph type="ctrTitle"/>
+          </p:nvPr>
+        </p:nvSpPr>
+        <p:spPr>
+          <a:xfrm>
+            <a:off x="5354955" y="552182"/>
+            <a:ext cx="5998840" cy="3343135"/>
+          </a:xfrm>
+          <a:noFill/>
+        </p:spPr>
+        <p:txBody>
+          <a:bodyPr>
+            <a:normAutofit/>
+          </a:bodyPr>
+          <a:lstStyle/>
+          <a:p>
+            <a:pPr algn="l"/>
+            <a:r>
+              <a:rPr lang="en-US" sz="5200" dirty="0"/>
+              <a:t>THANK YOU!</a:t>
+            </a:r>
+            <a:endParaRPr lang="en-IN" sz="5200" dirty="0"/>
+          </a:p>
+        </p:txBody>
+      </p:sp>
+      <p:sp>
+        <p:nvSpPr>
+          <p:cNvPr id="3" name="Subtitle 2">
+            <a:extLst>
+              <a:ext uri="{FF2B5EF4-FFF2-40B4-BE49-F238E27FC236}">
+                <a16:creationId xmlns:a16="http://schemas.microsoft.com/office/drawing/2014/main" id="{DBC2818C-55AC-7134-A531-BEA515AF16D1}"/>
+              </a:ext>
+            </a:extLst>
+          </p:cNvPr>
+          <p:cNvSpPr>
+            <a:spLocks noGrp="1"/>
+          </p:cNvSpPr>
+          <p:nvPr>
+            <p:ph type="subTitle" idx="1"/>
+          </p:nvPr>
+        </p:nvSpPr>
+        <p:spPr>
+          <a:xfrm>
+            <a:off x="5354955" y="4067032"/>
+            <a:ext cx="5998840" cy="2067068"/>
+          </a:xfrm>
+          <a:noFill/>
+        </p:spPr>
+        <p:txBody>
+          <a:bodyPr>
+            <a:normAutofit/>
+          </a:bodyPr>
+          <a:lstStyle/>
+          <a:p>
+            <a:pPr algn="l"/>
+            <a:r>
+              <a:rPr lang="en-US" dirty="0">
+                <a:latin typeface="Forte" panose="03060902040502070203" pitchFamily="66" charset="0"/>
+              </a:rPr>
+              <a:t>ANY QUESTIONS?</a:t>
+            </a:r>
+            <a:endParaRPr lang="en-IN" dirty="0">
+              <a:latin typeface="Forte" panose="03060902040502070203" pitchFamily="66" charset="0"/>
+            </a:endParaRPr>
+          </a:p>
+        </p:txBody>
+      </p:sp>
+      <p:pic>
+        <p:nvPicPr>
+          <p:cNvPr id="2056" name="Picture 8" descr="Robot Images - Free Download on Freepik">
+            <a:extLst>
+              <a:ext uri="{FF2B5EF4-FFF2-40B4-BE49-F238E27FC236}">
+                <a16:creationId xmlns:a16="http://schemas.microsoft.com/office/drawing/2014/main" id="{C58D8016-8BF8-0F8C-5E22-E56A15FFD6F0}"/>
+              </a:ext>
+            </a:extLst>
+          </p:cNvPr>
+          <p:cNvPicPr>
+            <a:picLocks noChangeAspect="1" noChangeArrowheads="1"/>
+          </p:cNvPicPr>
+          <p:nvPr/>
+        </p:nvPicPr>
+        <p:blipFill rotWithShape="1">
+          <a:blip r:embed="rId2">
+            <a:extLst>
+              <a:ext uri="{28A0092B-C50C-407E-A947-70E740481C1C}">
+                <a14:useLocalDpi xmlns:a14="http://schemas.microsoft.com/office/drawing/2010/main" val="0"/>
+              </a:ext>
+            </a:extLst>
+          </a:blip>
+          <a:srcRect l="14275" r="12920"/>
+          <a:stretch/>
+        </p:blipFill>
+        <p:spPr bwMode="auto">
+          <a:xfrm>
+            <a:off x="20" y="10"/>
+            <a:ext cx="4992985" cy="6857990"/>
+          </a:xfrm>
+          <a:prstGeom prst="rect">
+            <a:avLst/>
+          </a:prstGeom>
+          <a:noFill/>
+          <a:extLst>
+            <a:ext uri="{909E8E84-426E-40DD-AFC4-6F175D3DCCD1}">
+              <a14:hiddenFill xmlns:a14="http://schemas.microsoft.com/office/drawing/2010/main">
+                <a:solidFill>
+                  <a:srgbClr val="FFFFFF"/>
+                </a:solidFill>
+              </a14:hiddenFill>
+            </a:ext>
+          </a:extLst>
+        </p:spPr>
+      </p:pic>
+      <p:pic>
+        <p:nvPicPr>
+          <p:cNvPr id="4" name="Picture 3">
+            <a:extLst>
+              <a:ext uri="{FF2B5EF4-FFF2-40B4-BE49-F238E27FC236}">
+                <a16:creationId xmlns:a16="http://schemas.microsoft.com/office/drawing/2014/main" id="{0C5F946C-70AD-33AA-F012-1CB0E1751124}"/>
+              </a:ext>
+            </a:extLst>
+          </p:cNvPr>
+          <p:cNvPicPr>
+            <a:picLocks noChangeAspect="1"/>
+          </p:cNvPicPr>
+          <p:nvPr/>
+        </p:nvPicPr>
+        <p:blipFill>
+          <a:blip r:embed="rId3"/>
+          <a:stretch>
+            <a:fillRect/>
+          </a:stretch>
+        </p:blipFill>
+        <p:spPr>
+          <a:xfrm>
+            <a:off x="10766590" y="-4157"/>
+            <a:ext cx="1425410" cy="1275742"/>
+          </a:xfrm>
+          <a:prstGeom prst="rect">
+            <a:avLst/>
+          </a:prstGeom>
+        </p:spPr>
+      </p:pic>
+    </p:spTree>
+    <p:extLst>
+      <p:ext uri="{BB962C8B-B14F-4D97-AF65-F5344CB8AC3E}">
+        <p14:creationId xmlns:p14="http://schemas.microsoft.com/office/powerpoint/2010/main" val="4236635341"/>
       </p:ext>
     </p:extLst>
   </p:cSld>
